--- a/documents/流程图.pptx
+++ b/documents/流程图.pptx
@@ -104,6 +104,11 @@
       </a:defRPr>
     </a:lvl9pPr>
   </p:defaultTextStyle>
+  <p:extLst>
+    <p:ext uri="{EFAFB233-063F-42B5-8137-9DF3F51BA10A}">
+      <p15:sldGuideLst xmlns:p15="http://schemas.microsoft.com/office/powerpoint/2012/main"/>
+    </p:ext>
+  </p:extLst>
 </p:presentation>
 </file>
 
@@ -149,7 +154,7 @@
           </a:lstStyle>
           <a:p>
             <a:r>
-              <a:rPr lang="zh-CN" altLang="en-US" smtClean="0"/>
+              <a:rPr lang="zh-CN" altLang="en-US"/>
               <a:t>单击此处编辑母版标题样式</a:t>
             </a:r>
             <a:endParaRPr lang="en-US" dirty="0"/>
@@ -214,7 +219,7 @@
           </a:lstStyle>
           <a:p>
             <a:r>
-              <a:rPr lang="zh-CN" altLang="en-US" smtClean="0"/>
+              <a:rPr lang="zh-CN" altLang="en-US"/>
               <a:t>单击以编辑母版副标题样式</a:t>
             </a:r>
             <a:endParaRPr lang="en-US" dirty="0"/>
@@ -332,7 +337,7 @@
           <a:lstStyle/>
           <a:p>
             <a:r>
-              <a:rPr lang="zh-CN" altLang="en-US" smtClean="0"/>
+              <a:rPr lang="zh-CN" altLang="en-US"/>
               <a:t>单击此处编辑母版标题样式</a:t>
             </a:r>
             <a:endParaRPr lang="en-US" dirty="0"/>
@@ -356,35 +361,35 @@
           <a:p>
             <a:pPr lvl="0"/>
             <a:r>
-              <a:rPr lang="zh-CN" altLang="en-US" smtClean="0"/>
+              <a:rPr lang="zh-CN" altLang="en-US"/>
               <a:t>编辑母版文本样式</a:t>
             </a:r>
           </a:p>
           <a:p>
             <a:pPr lvl="1"/>
             <a:r>
-              <a:rPr lang="zh-CN" altLang="en-US" smtClean="0"/>
+              <a:rPr lang="zh-CN" altLang="en-US"/>
               <a:t>第二级</a:t>
             </a:r>
           </a:p>
           <a:p>
             <a:pPr lvl="2"/>
             <a:r>
-              <a:rPr lang="zh-CN" altLang="en-US" smtClean="0"/>
+              <a:rPr lang="zh-CN" altLang="en-US"/>
               <a:t>第三级</a:t>
             </a:r>
           </a:p>
           <a:p>
             <a:pPr lvl="3"/>
             <a:r>
-              <a:rPr lang="zh-CN" altLang="en-US" smtClean="0"/>
+              <a:rPr lang="zh-CN" altLang="en-US"/>
               <a:t>第四级</a:t>
             </a:r>
           </a:p>
           <a:p>
             <a:pPr lvl="4"/>
             <a:r>
-              <a:rPr lang="zh-CN" altLang="en-US" smtClean="0"/>
+              <a:rPr lang="zh-CN" altLang="en-US"/>
               <a:t>第五级</a:t>
             </a:r>
             <a:endParaRPr lang="en-US" dirty="0"/>
@@ -507,7 +512,7 @@
           <a:lstStyle/>
           <a:p>
             <a:r>
-              <a:rPr lang="zh-CN" altLang="en-US" smtClean="0"/>
+              <a:rPr lang="zh-CN" altLang="en-US"/>
               <a:t>单击此处编辑母版标题样式</a:t>
             </a:r>
             <a:endParaRPr lang="en-US" dirty="0"/>
@@ -536,35 +541,35 @@
           <a:p>
             <a:pPr lvl="0"/>
             <a:r>
-              <a:rPr lang="zh-CN" altLang="en-US" smtClean="0"/>
+              <a:rPr lang="zh-CN" altLang="en-US"/>
               <a:t>编辑母版文本样式</a:t>
             </a:r>
           </a:p>
           <a:p>
             <a:pPr lvl="1"/>
             <a:r>
-              <a:rPr lang="zh-CN" altLang="en-US" smtClean="0"/>
+              <a:rPr lang="zh-CN" altLang="en-US"/>
               <a:t>第二级</a:t>
             </a:r>
           </a:p>
           <a:p>
             <a:pPr lvl="2"/>
             <a:r>
-              <a:rPr lang="zh-CN" altLang="en-US" smtClean="0"/>
+              <a:rPr lang="zh-CN" altLang="en-US"/>
               <a:t>第三级</a:t>
             </a:r>
           </a:p>
           <a:p>
             <a:pPr lvl="3"/>
             <a:r>
-              <a:rPr lang="zh-CN" altLang="en-US" smtClean="0"/>
+              <a:rPr lang="zh-CN" altLang="en-US"/>
               <a:t>第四级</a:t>
             </a:r>
           </a:p>
           <a:p>
             <a:pPr lvl="4"/>
             <a:r>
-              <a:rPr lang="zh-CN" altLang="en-US" smtClean="0"/>
+              <a:rPr lang="zh-CN" altLang="en-US"/>
               <a:t>第五级</a:t>
             </a:r>
             <a:endParaRPr lang="en-US" dirty="0"/>
@@ -682,7 +687,7 @@
           <a:lstStyle/>
           <a:p>
             <a:r>
-              <a:rPr lang="zh-CN" altLang="en-US" smtClean="0"/>
+              <a:rPr lang="zh-CN" altLang="en-US"/>
               <a:t>单击此处编辑母版标题样式</a:t>
             </a:r>
             <a:endParaRPr lang="en-US" dirty="0"/>
@@ -706,35 +711,35 @@
           <a:p>
             <a:pPr lvl="0"/>
             <a:r>
-              <a:rPr lang="zh-CN" altLang="en-US" smtClean="0"/>
+              <a:rPr lang="zh-CN" altLang="en-US"/>
               <a:t>编辑母版文本样式</a:t>
             </a:r>
           </a:p>
           <a:p>
             <a:pPr lvl="1"/>
             <a:r>
-              <a:rPr lang="zh-CN" altLang="en-US" smtClean="0"/>
+              <a:rPr lang="zh-CN" altLang="en-US"/>
               <a:t>第二级</a:t>
             </a:r>
           </a:p>
           <a:p>
             <a:pPr lvl="2"/>
             <a:r>
-              <a:rPr lang="zh-CN" altLang="en-US" smtClean="0"/>
+              <a:rPr lang="zh-CN" altLang="en-US"/>
               <a:t>第三级</a:t>
             </a:r>
           </a:p>
           <a:p>
             <a:pPr lvl="3"/>
             <a:r>
-              <a:rPr lang="zh-CN" altLang="en-US" smtClean="0"/>
+              <a:rPr lang="zh-CN" altLang="en-US"/>
               <a:t>第四级</a:t>
             </a:r>
           </a:p>
           <a:p>
             <a:pPr lvl="4"/>
             <a:r>
-              <a:rPr lang="zh-CN" altLang="en-US" smtClean="0"/>
+              <a:rPr lang="zh-CN" altLang="en-US"/>
               <a:t>第五级</a:t>
             </a:r>
             <a:endParaRPr lang="en-US" dirty="0"/>
@@ -861,7 +866,7 @@
           </a:lstStyle>
           <a:p>
             <a:r>
-              <a:rPr lang="zh-CN" altLang="en-US" smtClean="0"/>
+              <a:rPr lang="zh-CN" altLang="en-US"/>
               <a:t>单击此处编辑母版标题样式</a:t>
             </a:r>
             <a:endParaRPr lang="en-US" dirty="0"/>
@@ -979,7 +984,7 @@
           <a:p>
             <a:pPr lvl="0"/>
             <a:r>
-              <a:rPr lang="zh-CN" altLang="en-US" smtClean="0"/>
+              <a:rPr lang="zh-CN" altLang="en-US"/>
               <a:t>编辑母版文本样式</a:t>
             </a:r>
           </a:p>
@@ -1096,7 +1101,7 @@
           <a:lstStyle/>
           <a:p>
             <a:r>
-              <a:rPr lang="zh-CN" altLang="en-US" smtClean="0"/>
+              <a:rPr lang="zh-CN" altLang="en-US"/>
               <a:t>单击此处编辑母版标题样式</a:t>
             </a:r>
             <a:endParaRPr lang="en-US" dirty="0"/>
@@ -1125,35 +1130,35 @@
           <a:p>
             <a:pPr lvl="0"/>
             <a:r>
-              <a:rPr lang="zh-CN" altLang="en-US" smtClean="0"/>
+              <a:rPr lang="zh-CN" altLang="en-US"/>
               <a:t>编辑母版文本样式</a:t>
             </a:r>
           </a:p>
           <a:p>
             <a:pPr lvl="1"/>
             <a:r>
-              <a:rPr lang="zh-CN" altLang="en-US" smtClean="0"/>
+              <a:rPr lang="zh-CN" altLang="en-US"/>
               <a:t>第二级</a:t>
             </a:r>
           </a:p>
           <a:p>
             <a:pPr lvl="2"/>
             <a:r>
-              <a:rPr lang="zh-CN" altLang="en-US" smtClean="0"/>
+              <a:rPr lang="zh-CN" altLang="en-US"/>
               <a:t>第三级</a:t>
             </a:r>
           </a:p>
           <a:p>
             <a:pPr lvl="3"/>
             <a:r>
-              <a:rPr lang="zh-CN" altLang="en-US" smtClean="0"/>
+              <a:rPr lang="zh-CN" altLang="en-US"/>
               <a:t>第四级</a:t>
             </a:r>
           </a:p>
           <a:p>
             <a:pPr lvl="4"/>
             <a:r>
-              <a:rPr lang="zh-CN" altLang="en-US" smtClean="0"/>
+              <a:rPr lang="zh-CN" altLang="en-US"/>
               <a:t>第五级</a:t>
             </a:r>
             <a:endParaRPr lang="en-US" dirty="0"/>
@@ -1182,35 +1187,35 @@
           <a:p>
             <a:pPr lvl="0"/>
             <a:r>
-              <a:rPr lang="zh-CN" altLang="en-US" smtClean="0"/>
+              <a:rPr lang="zh-CN" altLang="en-US"/>
               <a:t>编辑母版文本样式</a:t>
             </a:r>
           </a:p>
           <a:p>
             <a:pPr lvl="1"/>
             <a:r>
-              <a:rPr lang="zh-CN" altLang="en-US" smtClean="0"/>
+              <a:rPr lang="zh-CN" altLang="en-US"/>
               <a:t>第二级</a:t>
             </a:r>
           </a:p>
           <a:p>
             <a:pPr lvl="2"/>
             <a:r>
-              <a:rPr lang="zh-CN" altLang="en-US" smtClean="0"/>
+              <a:rPr lang="zh-CN" altLang="en-US"/>
               <a:t>第三级</a:t>
             </a:r>
           </a:p>
           <a:p>
             <a:pPr lvl="3"/>
             <a:r>
-              <a:rPr lang="zh-CN" altLang="en-US" smtClean="0"/>
+              <a:rPr lang="zh-CN" altLang="en-US"/>
               <a:t>第四级</a:t>
             </a:r>
           </a:p>
           <a:p>
             <a:pPr lvl="4"/>
             <a:r>
-              <a:rPr lang="zh-CN" altLang="en-US" smtClean="0"/>
+              <a:rPr lang="zh-CN" altLang="en-US"/>
               <a:t>第五级</a:t>
             </a:r>
             <a:endParaRPr lang="en-US" dirty="0"/>
@@ -1333,7 +1338,7 @@
           <a:lstStyle/>
           <a:p>
             <a:r>
-              <a:rPr lang="zh-CN" altLang="en-US" smtClean="0"/>
+              <a:rPr lang="zh-CN" altLang="en-US"/>
               <a:t>单击此处编辑母版标题样式</a:t>
             </a:r>
             <a:endParaRPr lang="en-US" dirty="0"/>
@@ -1399,7 +1404,7 @@
           <a:p>
             <a:pPr lvl="0"/>
             <a:r>
-              <a:rPr lang="zh-CN" altLang="en-US" smtClean="0"/>
+              <a:rPr lang="zh-CN" altLang="en-US"/>
               <a:t>编辑母版文本样式</a:t>
             </a:r>
           </a:p>
@@ -1427,35 +1432,35 @@
           <a:p>
             <a:pPr lvl="0"/>
             <a:r>
-              <a:rPr lang="zh-CN" altLang="en-US" smtClean="0"/>
+              <a:rPr lang="zh-CN" altLang="en-US"/>
               <a:t>编辑母版文本样式</a:t>
             </a:r>
           </a:p>
           <a:p>
             <a:pPr lvl="1"/>
             <a:r>
-              <a:rPr lang="zh-CN" altLang="en-US" smtClean="0"/>
+              <a:rPr lang="zh-CN" altLang="en-US"/>
               <a:t>第二级</a:t>
             </a:r>
           </a:p>
           <a:p>
             <a:pPr lvl="2"/>
             <a:r>
-              <a:rPr lang="zh-CN" altLang="en-US" smtClean="0"/>
+              <a:rPr lang="zh-CN" altLang="en-US"/>
               <a:t>第三级</a:t>
             </a:r>
           </a:p>
           <a:p>
             <a:pPr lvl="3"/>
             <a:r>
-              <a:rPr lang="zh-CN" altLang="en-US" smtClean="0"/>
+              <a:rPr lang="zh-CN" altLang="en-US"/>
               <a:t>第四级</a:t>
             </a:r>
           </a:p>
           <a:p>
             <a:pPr lvl="4"/>
             <a:r>
-              <a:rPr lang="zh-CN" altLang="en-US" smtClean="0"/>
+              <a:rPr lang="zh-CN" altLang="en-US"/>
               <a:t>第五级</a:t>
             </a:r>
             <a:endParaRPr lang="en-US" dirty="0"/>
@@ -1521,7 +1526,7 @@
           <a:p>
             <a:pPr lvl="0"/>
             <a:r>
-              <a:rPr lang="zh-CN" altLang="en-US" smtClean="0"/>
+              <a:rPr lang="zh-CN" altLang="en-US"/>
               <a:t>编辑母版文本样式</a:t>
             </a:r>
           </a:p>
@@ -1549,35 +1554,35 @@
           <a:p>
             <a:pPr lvl="0"/>
             <a:r>
-              <a:rPr lang="zh-CN" altLang="en-US" smtClean="0"/>
+              <a:rPr lang="zh-CN" altLang="en-US"/>
               <a:t>编辑母版文本样式</a:t>
             </a:r>
           </a:p>
           <a:p>
             <a:pPr lvl="1"/>
             <a:r>
-              <a:rPr lang="zh-CN" altLang="en-US" smtClean="0"/>
+              <a:rPr lang="zh-CN" altLang="en-US"/>
               <a:t>第二级</a:t>
             </a:r>
           </a:p>
           <a:p>
             <a:pPr lvl="2"/>
             <a:r>
-              <a:rPr lang="zh-CN" altLang="en-US" smtClean="0"/>
+              <a:rPr lang="zh-CN" altLang="en-US"/>
               <a:t>第三级</a:t>
             </a:r>
           </a:p>
           <a:p>
             <a:pPr lvl="3"/>
             <a:r>
-              <a:rPr lang="zh-CN" altLang="en-US" smtClean="0"/>
+              <a:rPr lang="zh-CN" altLang="en-US"/>
               <a:t>第四级</a:t>
             </a:r>
           </a:p>
           <a:p>
             <a:pPr lvl="4"/>
             <a:r>
-              <a:rPr lang="zh-CN" altLang="en-US" smtClean="0"/>
+              <a:rPr lang="zh-CN" altLang="en-US"/>
               <a:t>第五级</a:t>
             </a:r>
             <a:endParaRPr lang="en-US" dirty="0"/>
@@ -1695,7 +1700,7 @@
           <a:lstStyle/>
           <a:p>
             <a:r>
-              <a:rPr lang="zh-CN" altLang="en-US" smtClean="0"/>
+              <a:rPr lang="zh-CN" altLang="en-US"/>
               <a:t>单击此处编辑母版标题样式</a:t>
             </a:r>
             <a:endParaRPr lang="en-US" dirty="0"/>
@@ -1917,7 +1922,7 @@
           </a:lstStyle>
           <a:p>
             <a:r>
-              <a:rPr lang="zh-CN" altLang="en-US" smtClean="0"/>
+              <a:rPr lang="zh-CN" altLang="en-US"/>
               <a:t>单击此处编辑母版标题样式</a:t>
             </a:r>
             <a:endParaRPr lang="en-US" dirty="0"/>
@@ -1974,35 +1979,35 @@
           <a:p>
             <a:pPr lvl="0"/>
             <a:r>
-              <a:rPr lang="zh-CN" altLang="en-US" smtClean="0"/>
+              <a:rPr lang="zh-CN" altLang="en-US"/>
               <a:t>编辑母版文本样式</a:t>
             </a:r>
           </a:p>
           <a:p>
             <a:pPr lvl="1"/>
             <a:r>
-              <a:rPr lang="zh-CN" altLang="en-US" smtClean="0"/>
+              <a:rPr lang="zh-CN" altLang="en-US"/>
               <a:t>第二级</a:t>
             </a:r>
           </a:p>
           <a:p>
             <a:pPr lvl="2"/>
             <a:r>
-              <a:rPr lang="zh-CN" altLang="en-US" smtClean="0"/>
+              <a:rPr lang="zh-CN" altLang="en-US"/>
               <a:t>第三级</a:t>
             </a:r>
           </a:p>
           <a:p>
             <a:pPr lvl="3"/>
             <a:r>
-              <a:rPr lang="zh-CN" altLang="en-US" smtClean="0"/>
+              <a:rPr lang="zh-CN" altLang="en-US"/>
               <a:t>第四级</a:t>
             </a:r>
           </a:p>
           <a:p>
             <a:pPr lvl="4"/>
             <a:r>
-              <a:rPr lang="zh-CN" altLang="en-US" smtClean="0"/>
+              <a:rPr lang="zh-CN" altLang="en-US"/>
               <a:t>第五级</a:t>
             </a:r>
             <a:endParaRPr lang="en-US" dirty="0"/>
@@ -2068,7 +2073,7 @@
           <a:p>
             <a:pPr lvl="0"/>
             <a:r>
-              <a:rPr lang="zh-CN" altLang="en-US" smtClean="0"/>
+              <a:rPr lang="zh-CN" altLang="en-US"/>
               <a:t>编辑母版文本样式</a:t>
             </a:r>
           </a:p>
@@ -2194,7 +2199,7 @@
           </a:lstStyle>
           <a:p>
             <a:r>
-              <a:rPr lang="zh-CN" altLang="en-US" smtClean="0"/>
+              <a:rPr lang="zh-CN" altLang="en-US"/>
               <a:t>单击此处编辑母版标题样式</a:t>
             </a:r>
             <a:endParaRPr lang="en-US" dirty="0"/>
@@ -2259,7 +2264,7 @@
           </a:lstStyle>
           <a:p>
             <a:r>
-              <a:rPr lang="zh-CN" altLang="en-US" smtClean="0"/>
+              <a:rPr lang="zh-CN" altLang="en-US"/>
               <a:t>单击图标添加图片</a:t>
             </a:r>
             <a:endParaRPr lang="en-US" dirty="0"/>
@@ -2325,7 +2330,7 @@
           <a:p>
             <a:pPr lvl="0"/>
             <a:r>
-              <a:rPr lang="zh-CN" altLang="en-US" smtClean="0"/>
+              <a:rPr lang="zh-CN" altLang="en-US"/>
               <a:t>编辑母版文本样式</a:t>
             </a:r>
           </a:p>
@@ -2457,7 +2462,7 @@
           <a:lstStyle/>
           <a:p>
             <a:r>
-              <a:rPr lang="zh-CN" altLang="en-US" smtClean="0"/>
+              <a:rPr lang="zh-CN" altLang="en-US"/>
               <a:t>单击此处编辑母版标题样式</a:t>
             </a:r>
             <a:endParaRPr lang="en-US" dirty="0"/>
@@ -2491,35 +2496,35 @@
           <a:p>
             <a:pPr lvl="0"/>
             <a:r>
-              <a:rPr lang="zh-CN" altLang="en-US" smtClean="0"/>
+              <a:rPr lang="zh-CN" altLang="en-US"/>
               <a:t>编辑母版文本样式</a:t>
             </a:r>
           </a:p>
           <a:p>
             <a:pPr lvl="1"/>
             <a:r>
-              <a:rPr lang="zh-CN" altLang="en-US" smtClean="0"/>
+              <a:rPr lang="zh-CN" altLang="en-US"/>
               <a:t>第二级</a:t>
             </a:r>
           </a:p>
           <a:p>
             <a:pPr lvl="2"/>
             <a:r>
-              <a:rPr lang="zh-CN" altLang="en-US" smtClean="0"/>
+              <a:rPr lang="zh-CN" altLang="en-US"/>
               <a:t>第三级</a:t>
             </a:r>
           </a:p>
           <a:p>
             <a:pPr lvl="3"/>
             <a:r>
-              <a:rPr lang="zh-CN" altLang="en-US" smtClean="0"/>
+              <a:rPr lang="zh-CN" altLang="en-US"/>
               <a:t>第四级</a:t>
             </a:r>
           </a:p>
           <a:p>
             <a:pPr lvl="4"/>
             <a:r>
-              <a:rPr lang="zh-CN" altLang="en-US" smtClean="0"/>
+              <a:rPr lang="zh-CN" altLang="en-US"/>
               <a:t>第五级</a:t>
             </a:r>
             <a:endParaRPr lang="en-US" dirty="0"/>
@@ -3162,10 +3167,9 @@
           <a:lstStyle/>
           <a:p>
             <a:r>
-              <a:rPr lang="zh-CN" altLang="en-US" dirty="0" smtClean="0"/>
+              <a:rPr lang="zh-CN" altLang="en-US" dirty="0"/>
               <a:t>验证成功</a:t>
             </a:r>
-            <a:endParaRPr lang="zh-CN" altLang="en-US" dirty="0"/>
           </a:p>
         </p:txBody>
       </p:sp>
@@ -3231,7 +3235,7 @@
           <a:lstStyle/>
           <a:p>
             <a:r>
-              <a:rPr lang="en-US" altLang="zh-CN" dirty="0" smtClean="0"/>
+              <a:rPr lang="en-US" altLang="zh-CN" dirty="0"/>
               <a:t>N</a:t>
             </a:r>
             <a:endParaRPr lang="zh-CN" altLang="en-US" dirty="0"/>
@@ -3342,10 +3346,9 @@
           <a:lstStyle/>
           <a:p>
             <a:r>
-              <a:rPr lang="zh-CN" altLang="en-US" dirty="0" smtClean="0"/>
+              <a:rPr lang="zh-CN" altLang="en-US" dirty="0"/>
               <a:t>用户存在</a:t>
             </a:r>
-            <a:endParaRPr lang="zh-CN" altLang="en-US" dirty="0"/>
           </a:p>
         </p:txBody>
       </p:sp>
@@ -3410,7 +3413,7 @@
           <a:lstStyle/>
           <a:p>
             <a:r>
-              <a:rPr lang="en-US" altLang="zh-CN" dirty="0" smtClean="0"/>
+              <a:rPr lang="en-US" altLang="zh-CN" dirty="0"/>
               <a:t>N</a:t>
             </a:r>
             <a:endParaRPr lang="zh-CN" altLang="en-US" dirty="0"/>
@@ -3453,10 +3456,9 @@
           <a:lstStyle/>
           <a:p>
             <a:r>
-              <a:rPr lang="zh-CN" altLang="en-US" dirty="0" smtClean="0"/>
+              <a:rPr lang="zh-CN" altLang="en-US" dirty="0"/>
               <a:t>账号可用</a:t>
             </a:r>
-            <a:endParaRPr lang="zh-CN" altLang="en-US" dirty="0"/>
           </a:p>
         </p:txBody>
       </p:sp>
@@ -3534,10 +3536,9 @@
           <a:lstStyle/>
           <a:p>
             <a:r>
-              <a:rPr lang="zh-CN" altLang="en-US" dirty="0" smtClean="0"/>
+              <a:rPr lang="zh-CN" altLang="en-US" dirty="0"/>
               <a:t>正确输入注册信息并提交</a:t>
             </a:r>
-            <a:endParaRPr lang="zh-CN" altLang="en-US" dirty="0"/>
           </a:p>
         </p:txBody>
       </p:sp>
@@ -3602,7 +3603,7 @@
           <a:lstStyle/>
           <a:p>
             <a:r>
-              <a:rPr lang="en-US" altLang="zh-CN" dirty="0" smtClean="0"/>
+              <a:rPr lang="en-US" altLang="zh-CN" dirty="0"/>
               <a:t>N</a:t>
             </a:r>
             <a:endParaRPr lang="zh-CN" altLang="en-US" dirty="0"/>
@@ -3645,10 +3646,9 @@
           <a:lstStyle/>
           <a:p>
             <a:r>
-              <a:rPr lang="zh-CN" altLang="en-US" dirty="0" smtClean="0"/>
+              <a:rPr lang="zh-CN" altLang="en-US" dirty="0"/>
               <a:t>提示账号被禁用</a:t>
             </a:r>
-            <a:endParaRPr lang="zh-CN" altLang="en-US" dirty="0"/>
           </a:p>
         </p:txBody>
       </p:sp>
@@ -3756,10 +3756,9 @@
           <a:lstStyle/>
           <a:p>
             <a:r>
-              <a:rPr lang="zh-CN" altLang="en-US" dirty="0" smtClean="0"/>
+              <a:rPr lang="zh-CN" altLang="en-US" dirty="0"/>
               <a:t>登录</a:t>
             </a:r>
-            <a:endParaRPr lang="zh-CN" altLang="en-US" dirty="0"/>
           </a:p>
         </p:txBody>
       </p:sp>
@@ -3838,13 +3837,8 @@
           <a:p>
             <a:r>
               <a:rPr lang="zh-CN" altLang="en-US" dirty="0"/>
-              <a:t>    </a:t>
-            </a:r>
-            <a:r>
-              <a:rPr lang="zh-CN" altLang="en-US" dirty="0" smtClean="0"/>
-              <a:t>结束</a:t>
-            </a:r>
-            <a:endParaRPr lang="zh-CN" altLang="en-US" dirty="0"/>
+              <a:t>    结束</a:t>
+            </a:r>
           </a:p>
         </p:txBody>
       </p:sp>
@@ -3908,6 +3902,2795 @@
               <a:schemeClr val="tx1"/>
             </a:solidFill>
             <a:tailEnd type="triangle"/>
+          </a:ln>
+        </p:spPr>
+        <p:style>
+          <a:lnRef idx="1">
+            <a:schemeClr val="accent1"/>
+          </a:lnRef>
+          <a:fillRef idx="0">
+            <a:schemeClr val="accent1"/>
+          </a:fillRef>
+          <a:effectRef idx="0">
+            <a:schemeClr val="accent1"/>
+          </a:effectRef>
+          <a:fontRef idx="minor">
+            <a:schemeClr val="tx1"/>
+          </a:fontRef>
+        </p:style>
+      </p:cxnSp>
+      <p:sp>
+        <p:nvSpPr>
+          <p:cNvPr id="4" name="文本框 3">
+            <a:extLst>
+              <a:ext uri="{FF2B5EF4-FFF2-40B4-BE49-F238E27FC236}">
+                <a16:creationId xmlns:a16="http://schemas.microsoft.com/office/drawing/2014/main" id="{D2CC3EEE-289D-4D68-A068-237F592DCCB0}"/>
+              </a:ext>
+            </a:extLst>
+          </p:cNvPr>
+          <p:cNvSpPr txBox="1"/>
+          <p:nvPr/>
+        </p:nvSpPr>
+        <p:spPr>
+          <a:xfrm>
+            <a:off x="5351885" y="11115437"/>
+            <a:ext cx="880450" cy="369332"/>
+          </a:xfrm>
+          <a:prstGeom prst="rect">
+            <a:avLst/>
+          </a:prstGeom>
+        </p:spPr>
+        <p:style>
+          <a:lnRef idx="2">
+            <a:schemeClr val="dk1"/>
+          </a:lnRef>
+          <a:fillRef idx="1">
+            <a:schemeClr val="lt1"/>
+          </a:fillRef>
+          <a:effectRef idx="0">
+            <a:schemeClr val="dk1"/>
+          </a:effectRef>
+          <a:fontRef idx="minor">
+            <a:schemeClr val="dk1"/>
+          </a:fontRef>
+        </p:style>
+        <p:txBody>
+          <a:bodyPr wrap="square" rtlCol="0">
+            <a:spAutoFit/>
+          </a:bodyPr>
+          <a:lstStyle/>
+          <a:p>
+            <a:r>
+              <a:rPr lang="zh-CN" altLang="en-US" dirty="0"/>
+              <a:t>用户表</a:t>
+            </a:r>
+          </a:p>
+        </p:txBody>
+      </p:sp>
+      <p:sp>
+        <p:nvSpPr>
+          <p:cNvPr id="6" name="文本框 5">
+            <a:extLst>
+              <a:ext uri="{FF2B5EF4-FFF2-40B4-BE49-F238E27FC236}">
+                <a16:creationId xmlns:a16="http://schemas.microsoft.com/office/drawing/2014/main" id="{7FBF8AA8-5F3C-4447-B722-DC367E48B553}"/>
+              </a:ext>
+            </a:extLst>
+          </p:cNvPr>
+          <p:cNvSpPr txBox="1"/>
+          <p:nvPr/>
+        </p:nvSpPr>
+        <p:spPr>
+          <a:xfrm>
+            <a:off x="4240270" y="9531565"/>
+            <a:ext cx="1320230" cy="519351"/>
+          </a:xfrm>
+          <a:prstGeom prst="ellipse">
+            <a:avLst/>
+          </a:prstGeom>
+        </p:spPr>
+        <p:style>
+          <a:lnRef idx="2">
+            <a:schemeClr val="dk1"/>
+          </a:lnRef>
+          <a:fillRef idx="1">
+            <a:schemeClr val="lt1"/>
+          </a:fillRef>
+          <a:effectRef idx="0">
+            <a:schemeClr val="dk1"/>
+          </a:effectRef>
+          <a:fontRef idx="minor">
+            <a:schemeClr val="dk1"/>
+          </a:fontRef>
+        </p:style>
+        <p:txBody>
+          <a:bodyPr wrap="square" rtlCol="0">
+            <a:spAutoFit/>
+          </a:bodyPr>
+          <a:lstStyle/>
+          <a:p>
+            <a:r>
+              <a:rPr lang="zh-CN" altLang="en-US" u="sng" dirty="0"/>
+              <a:t>用户</a:t>
+            </a:r>
+            <a:r>
+              <a:rPr lang="en-US" altLang="zh-CN" u="sng" dirty="0"/>
+              <a:t>ID</a:t>
+            </a:r>
+            <a:endParaRPr lang="zh-CN" altLang="en-US" u="sng" dirty="0"/>
+          </a:p>
+        </p:txBody>
+      </p:sp>
+      <p:sp>
+        <p:nvSpPr>
+          <p:cNvPr id="31" name="文本框 30">
+            <a:extLst>
+              <a:ext uri="{FF2B5EF4-FFF2-40B4-BE49-F238E27FC236}">
+                <a16:creationId xmlns:a16="http://schemas.microsoft.com/office/drawing/2014/main" id="{948008C0-F25F-4E58-A4C7-1F78B81DFE2D}"/>
+              </a:ext>
+            </a:extLst>
+          </p:cNvPr>
+          <p:cNvSpPr txBox="1"/>
+          <p:nvPr/>
+        </p:nvSpPr>
+        <p:spPr>
+          <a:xfrm>
+            <a:off x="6062590" y="9528470"/>
+            <a:ext cx="1634469" cy="519351"/>
+          </a:xfrm>
+          <a:prstGeom prst="ellipse">
+            <a:avLst/>
+          </a:prstGeom>
+        </p:spPr>
+        <p:style>
+          <a:lnRef idx="2">
+            <a:schemeClr val="dk1"/>
+          </a:lnRef>
+          <a:fillRef idx="1">
+            <a:schemeClr val="lt1"/>
+          </a:fillRef>
+          <a:effectRef idx="0">
+            <a:schemeClr val="dk1"/>
+          </a:effectRef>
+          <a:fontRef idx="minor">
+            <a:schemeClr val="dk1"/>
+          </a:fontRef>
+        </p:style>
+        <p:txBody>
+          <a:bodyPr wrap="square" rtlCol="0">
+            <a:spAutoFit/>
+          </a:bodyPr>
+          <a:lstStyle/>
+          <a:p>
+            <a:r>
+              <a:rPr lang="zh-CN" altLang="en-US" dirty="0"/>
+              <a:t>用户昵称</a:t>
+            </a:r>
+          </a:p>
+        </p:txBody>
+      </p:sp>
+      <p:sp>
+        <p:nvSpPr>
+          <p:cNvPr id="35" name="文本框 34">
+            <a:extLst>
+              <a:ext uri="{FF2B5EF4-FFF2-40B4-BE49-F238E27FC236}">
+                <a16:creationId xmlns:a16="http://schemas.microsoft.com/office/drawing/2014/main" id="{E8119283-77E8-4AE5-A589-96F0596433BA}"/>
+              </a:ext>
+            </a:extLst>
+          </p:cNvPr>
+          <p:cNvSpPr txBox="1"/>
+          <p:nvPr/>
+        </p:nvSpPr>
+        <p:spPr>
+          <a:xfrm>
+            <a:off x="6905565" y="11921848"/>
+            <a:ext cx="1634469" cy="519351"/>
+          </a:xfrm>
+          <a:prstGeom prst="ellipse">
+            <a:avLst/>
+          </a:prstGeom>
+        </p:spPr>
+        <p:style>
+          <a:lnRef idx="2">
+            <a:schemeClr val="dk1"/>
+          </a:lnRef>
+          <a:fillRef idx="1">
+            <a:schemeClr val="lt1"/>
+          </a:fillRef>
+          <a:effectRef idx="0">
+            <a:schemeClr val="dk1"/>
+          </a:effectRef>
+          <a:fontRef idx="minor">
+            <a:schemeClr val="dk1"/>
+          </a:fontRef>
+        </p:style>
+        <p:txBody>
+          <a:bodyPr wrap="square" rtlCol="0">
+            <a:spAutoFit/>
+          </a:bodyPr>
+          <a:lstStyle/>
+          <a:p>
+            <a:r>
+              <a:rPr lang="zh-CN" altLang="en-US" dirty="0"/>
+              <a:t>用户状态</a:t>
+            </a:r>
+          </a:p>
+        </p:txBody>
+      </p:sp>
+      <p:sp>
+        <p:nvSpPr>
+          <p:cNvPr id="41" name="文本框 40">
+            <a:extLst>
+              <a:ext uri="{FF2B5EF4-FFF2-40B4-BE49-F238E27FC236}">
+                <a16:creationId xmlns:a16="http://schemas.microsoft.com/office/drawing/2014/main" id="{20B6476D-25DF-46C1-9702-0EC7EF00BB00}"/>
+              </a:ext>
+            </a:extLst>
+          </p:cNvPr>
+          <p:cNvSpPr txBox="1"/>
+          <p:nvPr/>
+        </p:nvSpPr>
+        <p:spPr>
+          <a:xfrm>
+            <a:off x="7476808" y="10583386"/>
+            <a:ext cx="1933892" cy="519351"/>
+          </a:xfrm>
+          <a:prstGeom prst="ellipse">
+            <a:avLst/>
+          </a:prstGeom>
+        </p:spPr>
+        <p:style>
+          <a:lnRef idx="2">
+            <a:schemeClr val="dk1"/>
+          </a:lnRef>
+          <a:fillRef idx="1">
+            <a:schemeClr val="lt1"/>
+          </a:fillRef>
+          <a:effectRef idx="0">
+            <a:schemeClr val="dk1"/>
+          </a:effectRef>
+          <a:fontRef idx="minor">
+            <a:schemeClr val="dk1"/>
+          </a:fontRef>
+        </p:style>
+        <p:txBody>
+          <a:bodyPr wrap="square" rtlCol="0">
+            <a:spAutoFit/>
+          </a:bodyPr>
+          <a:lstStyle/>
+          <a:p>
+            <a:r>
+              <a:rPr lang="zh-CN" altLang="en-US" dirty="0"/>
+              <a:t>用户手机号</a:t>
+            </a:r>
+          </a:p>
+        </p:txBody>
+      </p:sp>
+      <p:sp>
+        <p:nvSpPr>
+          <p:cNvPr id="44" name="文本框 43">
+            <a:extLst>
+              <a:ext uri="{FF2B5EF4-FFF2-40B4-BE49-F238E27FC236}">
+                <a16:creationId xmlns:a16="http://schemas.microsoft.com/office/drawing/2014/main" id="{BB7F6928-FA81-4192-9944-CC2B0C5F2466}"/>
+              </a:ext>
+            </a:extLst>
+          </p:cNvPr>
+          <p:cNvSpPr txBox="1"/>
+          <p:nvPr/>
+        </p:nvSpPr>
+        <p:spPr>
+          <a:xfrm>
+            <a:off x="4324842" y="12292709"/>
+            <a:ext cx="1634469" cy="519351"/>
+          </a:xfrm>
+          <a:prstGeom prst="ellipse">
+            <a:avLst/>
+          </a:prstGeom>
+        </p:spPr>
+        <p:style>
+          <a:lnRef idx="2">
+            <a:schemeClr val="dk1"/>
+          </a:lnRef>
+          <a:fillRef idx="1">
+            <a:schemeClr val="lt1"/>
+          </a:fillRef>
+          <a:effectRef idx="0">
+            <a:schemeClr val="dk1"/>
+          </a:effectRef>
+          <a:fontRef idx="minor">
+            <a:schemeClr val="dk1"/>
+          </a:fontRef>
+        </p:style>
+        <p:txBody>
+          <a:bodyPr wrap="square" rtlCol="0">
+            <a:spAutoFit/>
+          </a:bodyPr>
+          <a:lstStyle/>
+          <a:p>
+            <a:r>
+              <a:rPr lang="zh-CN" altLang="en-US" dirty="0"/>
+              <a:t>收货地址</a:t>
+            </a:r>
+          </a:p>
+        </p:txBody>
+      </p:sp>
+      <p:sp>
+        <p:nvSpPr>
+          <p:cNvPr id="48" name="文本框 47">
+            <a:extLst>
+              <a:ext uri="{FF2B5EF4-FFF2-40B4-BE49-F238E27FC236}">
+                <a16:creationId xmlns:a16="http://schemas.microsoft.com/office/drawing/2014/main" id="{6E29B5A2-523C-4916-A9D1-1276A71EAEDA}"/>
+              </a:ext>
+            </a:extLst>
+          </p:cNvPr>
+          <p:cNvSpPr txBox="1"/>
+          <p:nvPr/>
+        </p:nvSpPr>
+        <p:spPr>
+          <a:xfrm>
+            <a:off x="2277786" y="10294999"/>
+            <a:ext cx="1949932" cy="519351"/>
+          </a:xfrm>
+          <a:prstGeom prst="ellipse">
+            <a:avLst/>
+          </a:prstGeom>
+        </p:spPr>
+        <p:style>
+          <a:lnRef idx="2">
+            <a:schemeClr val="dk1"/>
+          </a:lnRef>
+          <a:fillRef idx="1">
+            <a:schemeClr val="lt1"/>
+          </a:fillRef>
+          <a:effectRef idx="0">
+            <a:schemeClr val="dk1"/>
+          </a:effectRef>
+          <a:fontRef idx="minor">
+            <a:schemeClr val="dk1"/>
+          </a:fontRef>
+        </p:style>
+        <p:txBody>
+          <a:bodyPr wrap="square" rtlCol="0">
+            <a:spAutoFit/>
+          </a:bodyPr>
+          <a:lstStyle/>
+          <a:p>
+            <a:r>
+              <a:rPr lang="zh-CN" altLang="en-US" dirty="0"/>
+              <a:t>支付宝账号</a:t>
+            </a:r>
+          </a:p>
+        </p:txBody>
+      </p:sp>
+      <p:sp>
+        <p:nvSpPr>
+          <p:cNvPr id="52" name="文本框 51">
+            <a:extLst>
+              <a:ext uri="{FF2B5EF4-FFF2-40B4-BE49-F238E27FC236}">
+                <a16:creationId xmlns:a16="http://schemas.microsoft.com/office/drawing/2014/main" id="{DB99BA77-1559-4B36-9B9B-34B6FE82BB7A}"/>
+              </a:ext>
+            </a:extLst>
+          </p:cNvPr>
+          <p:cNvSpPr txBox="1"/>
+          <p:nvPr/>
+        </p:nvSpPr>
+        <p:spPr>
+          <a:xfrm>
+            <a:off x="2618079" y="11484769"/>
+            <a:ext cx="1634469" cy="519351"/>
+          </a:xfrm>
+          <a:prstGeom prst="ellipse">
+            <a:avLst/>
+          </a:prstGeom>
+        </p:spPr>
+        <p:style>
+          <a:lnRef idx="2">
+            <a:schemeClr val="dk1"/>
+          </a:lnRef>
+          <a:fillRef idx="1">
+            <a:schemeClr val="lt1"/>
+          </a:fillRef>
+          <a:effectRef idx="0">
+            <a:schemeClr val="dk1"/>
+          </a:effectRef>
+          <a:fontRef idx="minor">
+            <a:schemeClr val="dk1"/>
+          </a:fontRef>
+        </p:style>
+        <p:txBody>
+          <a:bodyPr wrap="square" rtlCol="0">
+            <a:spAutoFit/>
+          </a:bodyPr>
+          <a:lstStyle/>
+          <a:p>
+            <a:r>
+              <a:rPr lang="zh-CN" altLang="en-US" dirty="0"/>
+              <a:t>创建时间</a:t>
+            </a:r>
+          </a:p>
+        </p:txBody>
+      </p:sp>
+      <p:cxnSp>
+        <p:nvCxnSpPr>
+          <p:cNvPr id="12" name="直接连接符 11">
+            <a:extLst>
+              <a:ext uri="{FF2B5EF4-FFF2-40B4-BE49-F238E27FC236}">
+                <a16:creationId xmlns:a16="http://schemas.microsoft.com/office/drawing/2014/main" id="{959CED2F-5095-480F-B0DD-E96B981711B5}"/>
+              </a:ext>
+            </a:extLst>
+          </p:cNvPr>
+          <p:cNvCxnSpPr>
+            <a:cxnSpLocks/>
+          </p:cNvCxnSpPr>
+          <p:nvPr/>
+        </p:nvCxnSpPr>
+        <p:spPr>
+          <a:xfrm flipH="1" flipV="1">
+            <a:off x="5207422" y="10047821"/>
+            <a:ext cx="339712" cy="1023761"/>
+          </a:xfrm>
+          <a:prstGeom prst="line">
+            <a:avLst/>
+          </a:prstGeom>
+          <a:ln>
+            <a:solidFill>
+              <a:schemeClr val="tx1"/>
+            </a:solidFill>
+            <a:tailEnd type="none"/>
+          </a:ln>
+        </p:spPr>
+        <p:style>
+          <a:lnRef idx="1">
+            <a:schemeClr val="accent1"/>
+          </a:lnRef>
+          <a:fillRef idx="0">
+            <a:schemeClr val="accent1"/>
+          </a:fillRef>
+          <a:effectRef idx="0">
+            <a:schemeClr val="accent1"/>
+          </a:effectRef>
+          <a:fontRef idx="minor">
+            <a:schemeClr val="tx1"/>
+          </a:fontRef>
+        </p:style>
+      </p:cxnSp>
+      <p:cxnSp>
+        <p:nvCxnSpPr>
+          <p:cNvPr id="54" name="直接连接符 53">
+            <a:extLst>
+              <a:ext uri="{FF2B5EF4-FFF2-40B4-BE49-F238E27FC236}">
+                <a16:creationId xmlns:a16="http://schemas.microsoft.com/office/drawing/2014/main" id="{3E5AE00D-AB63-45A2-8FFD-247BA56D9A78}"/>
+              </a:ext>
+            </a:extLst>
+          </p:cNvPr>
+          <p:cNvCxnSpPr>
+            <a:cxnSpLocks/>
+            <a:endCxn id="52" idx="6"/>
+          </p:cNvCxnSpPr>
+          <p:nvPr/>
+        </p:nvCxnSpPr>
+        <p:spPr>
+          <a:xfrm flipH="1">
+            <a:off x="4252548" y="11459168"/>
+            <a:ext cx="1050715" cy="285277"/>
+          </a:xfrm>
+          <a:prstGeom prst="line">
+            <a:avLst/>
+          </a:prstGeom>
+          <a:ln>
+            <a:solidFill>
+              <a:schemeClr val="tx1"/>
+            </a:solidFill>
+            <a:tailEnd type="none"/>
+          </a:ln>
+        </p:spPr>
+        <p:style>
+          <a:lnRef idx="1">
+            <a:schemeClr val="accent1"/>
+          </a:lnRef>
+          <a:fillRef idx="0">
+            <a:schemeClr val="accent1"/>
+          </a:fillRef>
+          <a:effectRef idx="0">
+            <a:schemeClr val="accent1"/>
+          </a:effectRef>
+          <a:fontRef idx="minor">
+            <a:schemeClr val="tx1"/>
+          </a:fontRef>
+        </p:style>
+      </p:cxnSp>
+      <p:cxnSp>
+        <p:nvCxnSpPr>
+          <p:cNvPr id="56" name="直接连接符 55">
+            <a:extLst>
+              <a:ext uri="{FF2B5EF4-FFF2-40B4-BE49-F238E27FC236}">
+                <a16:creationId xmlns:a16="http://schemas.microsoft.com/office/drawing/2014/main" id="{44B0EB71-BA41-4738-BC2F-6C579FBE5D5C}"/>
+              </a:ext>
+            </a:extLst>
+          </p:cNvPr>
+          <p:cNvCxnSpPr>
+            <a:cxnSpLocks/>
+            <a:stCxn id="4" idx="2"/>
+            <a:endCxn id="44" idx="0"/>
+          </p:cNvCxnSpPr>
+          <p:nvPr/>
+        </p:nvCxnSpPr>
+        <p:spPr>
+          <a:xfrm flipH="1">
+            <a:off x="5142077" y="11484769"/>
+            <a:ext cx="650033" cy="807940"/>
+          </a:xfrm>
+          <a:prstGeom prst="line">
+            <a:avLst/>
+          </a:prstGeom>
+          <a:ln>
+            <a:solidFill>
+              <a:schemeClr val="tx1"/>
+            </a:solidFill>
+            <a:tailEnd type="none"/>
+          </a:ln>
+        </p:spPr>
+        <p:style>
+          <a:lnRef idx="1">
+            <a:schemeClr val="accent1"/>
+          </a:lnRef>
+          <a:fillRef idx="0">
+            <a:schemeClr val="accent1"/>
+          </a:fillRef>
+          <a:effectRef idx="0">
+            <a:schemeClr val="accent1"/>
+          </a:effectRef>
+          <a:fontRef idx="minor">
+            <a:schemeClr val="tx1"/>
+          </a:fontRef>
+        </p:style>
+      </p:cxnSp>
+      <p:cxnSp>
+        <p:nvCxnSpPr>
+          <p:cNvPr id="58" name="直接连接符 57">
+            <a:extLst>
+              <a:ext uri="{FF2B5EF4-FFF2-40B4-BE49-F238E27FC236}">
+                <a16:creationId xmlns:a16="http://schemas.microsoft.com/office/drawing/2014/main" id="{35C4EE8A-FFFE-497A-A36C-5773CFD74235}"/>
+              </a:ext>
+            </a:extLst>
+          </p:cNvPr>
+          <p:cNvCxnSpPr>
+            <a:cxnSpLocks/>
+            <a:endCxn id="41" idx="2"/>
+          </p:cNvCxnSpPr>
+          <p:nvPr/>
+        </p:nvCxnSpPr>
+        <p:spPr>
+          <a:xfrm flipV="1">
+            <a:off x="6280957" y="10843062"/>
+            <a:ext cx="1195851" cy="303530"/>
+          </a:xfrm>
+          <a:prstGeom prst="line">
+            <a:avLst/>
+          </a:prstGeom>
+          <a:ln>
+            <a:solidFill>
+              <a:schemeClr val="tx1"/>
+            </a:solidFill>
+            <a:tailEnd type="none"/>
+          </a:ln>
+        </p:spPr>
+        <p:style>
+          <a:lnRef idx="1">
+            <a:schemeClr val="accent1"/>
+          </a:lnRef>
+          <a:fillRef idx="0">
+            <a:schemeClr val="accent1"/>
+          </a:fillRef>
+          <a:effectRef idx="0">
+            <a:schemeClr val="accent1"/>
+          </a:effectRef>
+          <a:fontRef idx="minor">
+            <a:schemeClr val="tx1"/>
+          </a:fontRef>
+        </p:style>
+      </p:cxnSp>
+      <p:cxnSp>
+        <p:nvCxnSpPr>
+          <p:cNvPr id="60" name="直接连接符 59">
+            <a:extLst>
+              <a:ext uri="{FF2B5EF4-FFF2-40B4-BE49-F238E27FC236}">
+                <a16:creationId xmlns:a16="http://schemas.microsoft.com/office/drawing/2014/main" id="{9E8EE8AF-544C-47E0-814B-92F327909264}"/>
+              </a:ext>
+            </a:extLst>
+          </p:cNvPr>
+          <p:cNvCxnSpPr>
+            <a:cxnSpLocks/>
+            <a:endCxn id="4" idx="3"/>
+          </p:cNvCxnSpPr>
+          <p:nvPr/>
+        </p:nvCxnSpPr>
+        <p:spPr>
+          <a:xfrm flipH="1" flipV="1">
+            <a:off x="6232335" y="11300103"/>
+            <a:ext cx="1099338" cy="621746"/>
+          </a:xfrm>
+          <a:prstGeom prst="line">
+            <a:avLst/>
+          </a:prstGeom>
+          <a:ln>
+            <a:solidFill>
+              <a:schemeClr val="tx1"/>
+            </a:solidFill>
+            <a:tailEnd type="none"/>
+          </a:ln>
+        </p:spPr>
+        <p:style>
+          <a:lnRef idx="1">
+            <a:schemeClr val="accent1"/>
+          </a:lnRef>
+          <a:fillRef idx="0">
+            <a:schemeClr val="accent1"/>
+          </a:fillRef>
+          <a:effectRef idx="0">
+            <a:schemeClr val="accent1"/>
+          </a:effectRef>
+          <a:fontRef idx="minor">
+            <a:schemeClr val="tx1"/>
+          </a:fontRef>
+        </p:style>
+      </p:cxnSp>
+      <p:cxnSp>
+        <p:nvCxnSpPr>
+          <p:cNvPr id="61" name="直接连接符 60">
+            <a:extLst>
+              <a:ext uri="{FF2B5EF4-FFF2-40B4-BE49-F238E27FC236}">
+                <a16:creationId xmlns:a16="http://schemas.microsoft.com/office/drawing/2014/main" id="{16A49635-A9F3-4DAE-932C-B9A5E3E5F7E5}"/>
+              </a:ext>
+            </a:extLst>
+          </p:cNvPr>
+          <p:cNvCxnSpPr>
+            <a:cxnSpLocks/>
+          </p:cNvCxnSpPr>
+          <p:nvPr/>
+        </p:nvCxnSpPr>
+        <p:spPr>
+          <a:xfrm flipV="1">
+            <a:off x="5988464" y="10020867"/>
+            <a:ext cx="759327" cy="1050715"/>
+          </a:xfrm>
+          <a:prstGeom prst="line">
+            <a:avLst/>
+          </a:prstGeom>
+          <a:ln>
+            <a:solidFill>
+              <a:schemeClr val="tx1"/>
+            </a:solidFill>
+            <a:tailEnd type="none"/>
+          </a:ln>
+        </p:spPr>
+        <p:style>
+          <a:lnRef idx="1">
+            <a:schemeClr val="accent1"/>
+          </a:lnRef>
+          <a:fillRef idx="0">
+            <a:schemeClr val="accent1"/>
+          </a:fillRef>
+          <a:effectRef idx="0">
+            <a:schemeClr val="accent1"/>
+          </a:effectRef>
+          <a:fontRef idx="minor">
+            <a:schemeClr val="tx1"/>
+          </a:fontRef>
+        </p:style>
+      </p:cxnSp>
+      <p:cxnSp>
+        <p:nvCxnSpPr>
+          <p:cNvPr id="62" name="直接连接符 61">
+            <a:extLst>
+              <a:ext uri="{FF2B5EF4-FFF2-40B4-BE49-F238E27FC236}">
+                <a16:creationId xmlns:a16="http://schemas.microsoft.com/office/drawing/2014/main" id="{3FE64839-1E97-48CD-81E9-14719DDF55B0}"/>
+              </a:ext>
+            </a:extLst>
+          </p:cNvPr>
+          <p:cNvCxnSpPr>
+            <a:cxnSpLocks/>
+          </p:cNvCxnSpPr>
+          <p:nvPr/>
+        </p:nvCxnSpPr>
+        <p:spPr>
+          <a:xfrm flipH="1" flipV="1">
+            <a:off x="4244562" y="10582603"/>
+            <a:ext cx="1058701" cy="532834"/>
+          </a:xfrm>
+          <a:prstGeom prst="line">
+            <a:avLst/>
+          </a:prstGeom>
+          <a:ln>
+            <a:solidFill>
+              <a:schemeClr val="tx1"/>
+            </a:solidFill>
+            <a:tailEnd type="none"/>
+          </a:ln>
+        </p:spPr>
+        <p:style>
+          <a:lnRef idx="1">
+            <a:schemeClr val="accent1"/>
+          </a:lnRef>
+          <a:fillRef idx="0">
+            <a:schemeClr val="accent1"/>
+          </a:fillRef>
+          <a:effectRef idx="0">
+            <a:schemeClr val="accent1"/>
+          </a:effectRef>
+          <a:fontRef idx="minor">
+            <a:schemeClr val="tx1"/>
+          </a:fontRef>
+        </p:style>
+      </p:cxnSp>
+      <p:sp>
+        <p:nvSpPr>
+          <p:cNvPr id="69" name="文本框 68">
+            <a:extLst>
+              <a:ext uri="{FF2B5EF4-FFF2-40B4-BE49-F238E27FC236}">
+                <a16:creationId xmlns:a16="http://schemas.microsoft.com/office/drawing/2014/main" id="{70BC6D08-8A70-4323-B4FC-4C6B990A8BBE}"/>
+              </a:ext>
+            </a:extLst>
+          </p:cNvPr>
+          <p:cNvSpPr txBox="1"/>
+          <p:nvPr/>
+        </p:nvSpPr>
+        <p:spPr>
+          <a:xfrm>
+            <a:off x="4927600" y="17335500"/>
+            <a:ext cx="1168401" cy="369332"/>
+          </a:xfrm>
+          <a:prstGeom prst="rect">
+            <a:avLst/>
+          </a:prstGeom>
+        </p:spPr>
+        <p:style>
+          <a:lnRef idx="2">
+            <a:schemeClr val="dk1"/>
+          </a:lnRef>
+          <a:fillRef idx="1">
+            <a:schemeClr val="lt1"/>
+          </a:fillRef>
+          <a:effectRef idx="0">
+            <a:schemeClr val="dk1"/>
+          </a:effectRef>
+          <a:fontRef idx="minor">
+            <a:schemeClr val="dk1"/>
+          </a:fontRef>
+        </p:style>
+        <p:txBody>
+          <a:bodyPr wrap="square" rtlCol="0">
+            <a:spAutoFit/>
+          </a:bodyPr>
+          <a:lstStyle/>
+          <a:p>
+            <a:r>
+              <a:rPr lang="zh-CN" altLang="en-US" dirty="0"/>
+              <a:t>  商品表</a:t>
+            </a:r>
+          </a:p>
+        </p:txBody>
+      </p:sp>
+      <p:sp>
+        <p:nvSpPr>
+          <p:cNvPr id="70" name="文本框 69">
+            <a:extLst>
+              <a:ext uri="{FF2B5EF4-FFF2-40B4-BE49-F238E27FC236}">
+                <a16:creationId xmlns:a16="http://schemas.microsoft.com/office/drawing/2014/main" id="{901850D2-C221-4968-BC1B-1E91C7AB432C}"/>
+              </a:ext>
+            </a:extLst>
+          </p:cNvPr>
+          <p:cNvSpPr txBox="1"/>
+          <p:nvPr/>
+        </p:nvSpPr>
+        <p:spPr>
+          <a:xfrm>
+            <a:off x="3121551" y="15905701"/>
+            <a:ext cx="1195827" cy="519351"/>
+          </a:xfrm>
+          <a:prstGeom prst="ellipse">
+            <a:avLst/>
+          </a:prstGeom>
+        </p:spPr>
+        <p:style>
+          <a:lnRef idx="2">
+            <a:schemeClr val="dk1"/>
+          </a:lnRef>
+          <a:fillRef idx="1">
+            <a:schemeClr val="lt1"/>
+          </a:fillRef>
+          <a:effectRef idx="0">
+            <a:schemeClr val="dk1"/>
+          </a:effectRef>
+          <a:fontRef idx="minor">
+            <a:schemeClr val="dk1"/>
+          </a:fontRef>
+        </p:style>
+        <p:txBody>
+          <a:bodyPr wrap="square" rtlCol="0">
+            <a:spAutoFit/>
+          </a:bodyPr>
+          <a:lstStyle/>
+          <a:p>
+            <a:r>
+              <a:rPr lang="zh-CN" altLang="en-US" u="sng" dirty="0"/>
+              <a:t>商品</a:t>
+            </a:r>
+            <a:r>
+              <a:rPr lang="en-US" altLang="zh-CN" u="sng" dirty="0"/>
+              <a:t>ID</a:t>
+            </a:r>
+            <a:endParaRPr lang="zh-CN" altLang="en-US" u="sng" dirty="0"/>
+          </a:p>
+        </p:txBody>
+      </p:sp>
+      <p:sp>
+        <p:nvSpPr>
+          <p:cNvPr id="71" name="文本框 70">
+            <a:extLst>
+              <a:ext uri="{FF2B5EF4-FFF2-40B4-BE49-F238E27FC236}">
+                <a16:creationId xmlns:a16="http://schemas.microsoft.com/office/drawing/2014/main" id="{14D9A647-9DD0-43A1-91F5-DBBBF21432CC}"/>
+              </a:ext>
+            </a:extLst>
+          </p:cNvPr>
+          <p:cNvSpPr txBox="1"/>
+          <p:nvPr/>
+        </p:nvSpPr>
+        <p:spPr>
+          <a:xfrm>
+            <a:off x="4410084" y="15595022"/>
+            <a:ext cx="1634469" cy="519351"/>
+          </a:xfrm>
+          <a:prstGeom prst="ellipse">
+            <a:avLst/>
+          </a:prstGeom>
+        </p:spPr>
+        <p:style>
+          <a:lnRef idx="2">
+            <a:schemeClr val="dk1"/>
+          </a:lnRef>
+          <a:fillRef idx="1">
+            <a:schemeClr val="lt1"/>
+          </a:fillRef>
+          <a:effectRef idx="0">
+            <a:schemeClr val="dk1"/>
+          </a:effectRef>
+          <a:fontRef idx="minor">
+            <a:schemeClr val="dk1"/>
+          </a:fontRef>
+        </p:style>
+        <p:txBody>
+          <a:bodyPr wrap="square" rtlCol="0">
+            <a:spAutoFit/>
+          </a:bodyPr>
+          <a:lstStyle/>
+          <a:p>
+            <a:r>
+              <a:rPr lang="zh-CN" altLang="en-US" dirty="0"/>
+              <a:t>发布者</a:t>
+            </a:r>
+            <a:r>
+              <a:rPr lang="en-US" altLang="zh-CN" dirty="0"/>
+              <a:t>ID</a:t>
+            </a:r>
+            <a:endParaRPr lang="zh-CN" altLang="en-US" dirty="0"/>
+          </a:p>
+        </p:txBody>
+      </p:sp>
+      <p:sp>
+        <p:nvSpPr>
+          <p:cNvPr id="72" name="文本框 71">
+            <a:extLst>
+              <a:ext uri="{FF2B5EF4-FFF2-40B4-BE49-F238E27FC236}">
+                <a16:creationId xmlns:a16="http://schemas.microsoft.com/office/drawing/2014/main" id="{EA60E0C9-94A1-4928-8FDA-933E8E44A4F3}"/>
+              </a:ext>
+            </a:extLst>
+          </p:cNvPr>
+          <p:cNvSpPr txBox="1"/>
+          <p:nvPr/>
+        </p:nvSpPr>
+        <p:spPr>
+          <a:xfrm>
+            <a:off x="7450775" y="17921946"/>
+            <a:ext cx="1634469" cy="519351"/>
+          </a:xfrm>
+          <a:prstGeom prst="ellipse">
+            <a:avLst/>
+          </a:prstGeom>
+        </p:spPr>
+        <p:style>
+          <a:lnRef idx="2">
+            <a:schemeClr val="dk1"/>
+          </a:lnRef>
+          <a:fillRef idx="1">
+            <a:schemeClr val="lt1"/>
+          </a:fillRef>
+          <a:effectRef idx="0">
+            <a:schemeClr val="dk1"/>
+          </a:effectRef>
+          <a:fontRef idx="minor">
+            <a:schemeClr val="dk1"/>
+          </a:fontRef>
+        </p:style>
+        <p:txBody>
+          <a:bodyPr wrap="square" rtlCol="0">
+            <a:spAutoFit/>
+          </a:bodyPr>
+          <a:lstStyle/>
+          <a:p>
+            <a:r>
+              <a:rPr lang="zh-CN" altLang="en-US" dirty="0"/>
+              <a:t>商品状态</a:t>
+            </a:r>
+          </a:p>
+        </p:txBody>
+      </p:sp>
+      <p:sp>
+        <p:nvSpPr>
+          <p:cNvPr id="73" name="文本框 72">
+            <a:extLst>
+              <a:ext uri="{FF2B5EF4-FFF2-40B4-BE49-F238E27FC236}">
+                <a16:creationId xmlns:a16="http://schemas.microsoft.com/office/drawing/2014/main" id="{B8C38DB4-BE78-4D5F-B683-E839BA4247FB}"/>
+              </a:ext>
+            </a:extLst>
+          </p:cNvPr>
+          <p:cNvSpPr txBox="1"/>
+          <p:nvPr/>
+        </p:nvSpPr>
+        <p:spPr>
+          <a:xfrm>
+            <a:off x="4173352" y="19067878"/>
+            <a:ext cx="1634469" cy="519351"/>
+          </a:xfrm>
+          <a:prstGeom prst="ellipse">
+            <a:avLst/>
+          </a:prstGeom>
+        </p:spPr>
+        <p:style>
+          <a:lnRef idx="2">
+            <a:schemeClr val="dk1"/>
+          </a:lnRef>
+          <a:fillRef idx="1">
+            <a:schemeClr val="lt1"/>
+          </a:fillRef>
+          <a:effectRef idx="0">
+            <a:schemeClr val="dk1"/>
+          </a:effectRef>
+          <a:fontRef idx="minor">
+            <a:schemeClr val="dk1"/>
+          </a:fontRef>
+        </p:style>
+        <p:txBody>
+          <a:bodyPr wrap="square" rtlCol="0">
+            <a:spAutoFit/>
+          </a:bodyPr>
+          <a:lstStyle/>
+          <a:p>
+            <a:r>
+              <a:rPr lang="zh-CN" altLang="en-US" dirty="0"/>
+              <a:t>商品描述</a:t>
+            </a:r>
+          </a:p>
+        </p:txBody>
+      </p:sp>
+      <p:sp>
+        <p:nvSpPr>
+          <p:cNvPr id="74" name="文本框 73">
+            <a:extLst>
+              <a:ext uri="{FF2B5EF4-FFF2-40B4-BE49-F238E27FC236}">
+                <a16:creationId xmlns:a16="http://schemas.microsoft.com/office/drawing/2014/main" id="{7DB9DBD9-07AA-4749-A6E9-BEFDDF59C16F}"/>
+              </a:ext>
+            </a:extLst>
+          </p:cNvPr>
+          <p:cNvSpPr txBox="1"/>
+          <p:nvPr/>
+        </p:nvSpPr>
+        <p:spPr>
+          <a:xfrm>
+            <a:off x="1743991" y="17351501"/>
+            <a:ext cx="1351029" cy="519351"/>
+          </a:xfrm>
+          <a:prstGeom prst="ellipse">
+            <a:avLst/>
+          </a:prstGeom>
+        </p:spPr>
+        <p:style>
+          <a:lnRef idx="2">
+            <a:schemeClr val="dk1"/>
+          </a:lnRef>
+          <a:fillRef idx="1">
+            <a:schemeClr val="lt1"/>
+          </a:fillRef>
+          <a:effectRef idx="0">
+            <a:schemeClr val="dk1"/>
+          </a:effectRef>
+          <a:fontRef idx="minor">
+            <a:schemeClr val="dk1"/>
+          </a:fontRef>
+        </p:style>
+        <p:txBody>
+          <a:bodyPr wrap="square" rtlCol="0">
+            <a:spAutoFit/>
+          </a:bodyPr>
+          <a:lstStyle/>
+          <a:p>
+            <a:r>
+              <a:rPr lang="zh-CN" altLang="en-US" dirty="0"/>
+              <a:t>分类</a:t>
+            </a:r>
+            <a:r>
+              <a:rPr lang="en-US" altLang="zh-CN" dirty="0"/>
+              <a:t>ID</a:t>
+            </a:r>
+            <a:endParaRPr lang="zh-CN" altLang="en-US" dirty="0"/>
+          </a:p>
+        </p:txBody>
+      </p:sp>
+      <p:sp>
+        <p:nvSpPr>
+          <p:cNvPr id="75" name="文本框 74">
+            <a:extLst>
+              <a:ext uri="{FF2B5EF4-FFF2-40B4-BE49-F238E27FC236}">
+                <a16:creationId xmlns:a16="http://schemas.microsoft.com/office/drawing/2014/main" id="{67C672AE-23E5-49D1-A314-13DEFBC6863C}"/>
+              </a:ext>
+            </a:extLst>
+          </p:cNvPr>
+          <p:cNvSpPr txBox="1"/>
+          <p:nvPr/>
+        </p:nvSpPr>
+        <p:spPr>
+          <a:xfrm>
+            <a:off x="2011025" y="16528941"/>
+            <a:ext cx="1634469" cy="519351"/>
+          </a:xfrm>
+          <a:prstGeom prst="ellipse">
+            <a:avLst/>
+          </a:prstGeom>
+        </p:spPr>
+        <p:style>
+          <a:lnRef idx="2">
+            <a:schemeClr val="dk1"/>
+          </a:lnRef>
+          <a:fillRef idx="1">
+            <a:schemeClr val="lt1"/>
+          </a:fillRef>
+          <a:effectRef idx="0">
+            <a:schemeClr val="dk1"/>
+          </a:effectRef>
+          <a:fontRef idx="minor">
+            <a:schemeClr val="dk1"/>
+          </a:fontRef>
+        </p:style>
+        <p:txBody>
+          <a:bodyPr wrap="square" rtlCol="0">
+            <a:spAutoFit/>
+          </a:bodyPr>
+          <a:lstStyle/>
+          <a:p>
+            <a:r>
+              <a:rPr lang="zh-CN" altLang="en-US" dirty="0"/>
+              <a:t>创建时间</a:t>
+            </a:r>
+          </a:p>
+        </p:txBody>
+      </p:sp>
+      <p:sp>
+        <p:nvSpPr>
+          <p:cNvPr id="76" name="文本框 75">
+            <a:extLst>
+              <a:ext uri="{FF2B5EF4-FFF2-40B4-BE49-F238E27FC236}">
+                <a16:creationId xmlns:a16="http://schemas.microsoft.com/office/drawing/2014/main" id="{A5440A10-7BBF-44AF-AF1C-48EF1AC422B5}"/>
+              </a:ext>
+            </a:extLst>
+          </p:cNvPr>
+          <p:cNvSpPr txBox="1"/>
+          <p:nvPr/>
+        </p:nvSpPr>
+        <p:spPr>
+          <a:xfrm>
+            <a:off x="7421859" y="16289151"/>
+            <a:ext cx="1933893" cy="519351"/>
+          </a:xfrm>
+          <a:prstGeom prst="ellipse">
+            <a:avLst/>
+          </a:prstGeom>
+        </p:spPr>
+        <p:style>
+          <a:lnRef idx="2">
+            <a:schemeClr val="dk1"/>
+          </a:lnRef>
+          <a:fillRef idx="1">
+            <a:schemeClr val="lt1"/>
+          </a:fillRef>
+          <a:effectRef idx="0">
+            <a:schemeClr val="dk1"/>
+          </a:effectRef>
+          <a:fontRef idx="minor">
+            <a:schemeClr val="dk1"/>
+          </a:fontRef>
+        </p:style>
+        <p:txBody>
+          <a:bodyPr wrap="square" rtlCol="0">
+            <a:spAutoFit/>
+          </a:bodyPr>
+          <a:lstStyle/>
+          <a:p>
+            <a:r>
+              <a:rPr lang="zh-CN" altLang="en-US" dirty="0"/>
+              <a:t>商品图片</a:t>
+            </a:r>
+            <a:r>
+              <a:rPr lang="en-US" altLang="zh-CN" dirty="0"/>
+              <a:t>url</a:t>
+            </a:r>
+            <a:endParaRPr lang="zh-CN" altLang="en-US" dirty="0"/>
+          </a:p>
+        </p:txBody>
+      </p:sp>
+      <p:sp>
+        <p:nvSpPr>
+          <p:cNvPr id="77" name="文本框 76">
+            <a:extLst>
+              <a:ext uri="{FF2B5EF4-FFF2-40B4-BE49-F238E27FC236}">
+                <a16:creationId xmlns:a16="http://schemas.microsoft.com/office/drawing/2014/main" id="{DB31D5D8-C11A-4913-B481-AF931424002D}"/>
+              </a:ext>
+            </a:extLst>
+          </p:cNvPr>
+          <p:cNvSpPr txBox="1"/>
+          <p:nvPr/>
+        </p:nvSpPr>
+        <p:spPr>
+          <a:xfrm>
+            <a:off x="5988464" y="15843797"/>
+            <a:ext cx="2025596" cy="519351"/>
+          </a:xfrm>
+          <a:prstGeom prst="ellipse">
+            <a:avLst/>
+          </a:prstGeom>
+        </p:spPr>
+        <p:style>
+          <a:lnRef idx="2">
+            <a:schemeClr val="dk1"/>
+          </a:lnRef>
+          <a:fillRef idx="1">
+            <a:schemeClr val="lt1"/>
+          </a:fillRef>
+          <a:effectRef idx="0">
+            <a:schemeClr val="dk1"/>
+          </a:effectRef>
+          <a:fontRef idx="minor">
+            <a:schemeClr val="dk1"/>
+          </a:fontRef>
+        </p:style>
+        <p:txBody>
+          <a:bodyPr wrap="square" rtlCol="0">
+            <a:spAutoFit/>
+          </a:bodyPr>
+          <a:lstStyle/>
+          <a:p>
+            <a:r>
+              <a:rPr lang="zh-CN" altLang="en-US" dirty="0"/>
+              <a:t>发布者昵称</a:t>
+            </a:r>
+          </a:p>
+        </p:txBody>
+      </p:sp>
+      <p:sp>
+        <p:nvSpPr>
+          <p:cNvPr id="78" name="文本框 77">
+            <a:extLst>
+              <a:ext uri="{FF2B5EF4-FFF2-40B4-BE49-F238E27FC236}">
+                <a16:creationId xmlns:a16="http://schemas.microsoft.com/office/drawing/2014/main" id="{06A8762C-6FE0-40E4-8236-3538A888CAA1}"/>
+              </a:ext>
+            </a:extLst>
+          </p:cNvPr>
+          <p:cNvSpPr txBox="1"/>
+          <p:nvPr/>
+        </p:nvSpPr>
+        <p:spPr>
+          <a:xfrm>
+            <a:off x="7825599" y="17075824"/>
+            <a:ext cx="2241595" cy="519351"/>
+          </a:xfrm>
+          <a:prstGeom prst="ellipse">
+            <a:avLst/>
+          </a:prstGeom>
+        </p:spPr>
+        <p:style>
+          <a:lnRef idx="2">
+            <a:schemeClr val="dk1"/>
+          </a:lnRef>
+          <a:fillRef idx="1">
+            <a:schemeClr val="lt1"/>
+          </a:fillRef>
+          <a:effectRef idx="0">
+            <a:schemeClr val="dk1"/>
+          </a:effectRef>
+          <a:fontRef idx="minor">
+            <a:schemeClr val="dk1"/>
+          </a:fontRef>
+        </p:style>
+        <p:txBody>
+          <a:bodyPr wrap="square" rtlCol="0">
+            <a:spAutoFit/>
+          </a:bodyPr>
+          <a:lstStyle/>
+          <a:p>
+            <a:r>
+              <a:rPr lang="zh-CN" altLang="en-US" dirty="0"/>
+              <a:t>商品缩略图</a:t>
+            </a:r>
+            <a:r>
+              <a:rPr lang="en-US" altLang="zh-CN" dirty="0"/>
+              <a:t>url</a:t>
+            </a:r>
+            <a:endParaRPr lang="zh-CN" altLang="en-US" dirty="0"/>
+          </a:p>
+        </p:txBody>
+      </p:sp>
+      <p:sp>
+        <p:nvSpPr>
+          <p:cNvPr id="79" name="文本框 78">
+            <a:extLst>
+              <a:ext uri="{FF2B5EF4-FFF2-40B4-BE49-F238E27FC236}">
+                <a16:creationId xmlns:a16="http://schemas.microsoft.com/office/drawing/2014/main" id="{1BEBD3C8-D2B6-4AFB-BF60-85F10B28408B}"/>
+              </a:ext>
+            </a:extLst>
+          </p:cNvPr>
+          <p:cNvSpPr txBox="1"/>
+          <p:nvPr/>
+        </p:nvSpPr>
+        <p:spPr>
+          <a:xfrm>
+            <a:off x="2493398" y="18796657"/>
+            <a:ext cx="1634469" cy="519351"/>
+          </a:xfrm>
+          <a:prstGeom prst="ellipse">
+            <a:avLst/>
+          </a:prstGeom>
+        </p:spPr>
+        <p:style>
+          <a:lnRef idx="2">
+            <a:schemeClr val="dk1"/>
+          </a:lnRef>
+          <a:fillRef idx="1">
+            <a:schemeClr val="lt1"/>
+          </a:fillRef>
+          <a:effectRef idx="0">
+            <a:schemeClr val="dk1"/>
+          </a:effectRef>
+          <a:fontRef idx="minor">
+            <a:schemeClr val="dk1"/>
+          </a:fontRef>
+        </p:style>
+        <p:txBody>
+          <a:bodyPr wrap="square" rtlCol="0">
+            <a:spAutoFit/>
+          </a:bodyPr>
+          <a:lstStyle/>
+          <a:p>
+            <a:r>
+              <a:rPr lang="zh-CN" altLang="en-US" dirty="0"/>
+              <a:t>商品价格</a:t>
+            </a:r>
+          </a:p>
+        </p:txBody>
+      </p:sp>
+      <p:sp>
+        <p:nvSpPr>
+          <p:cNvPr id="80" name="文本框 79">
+            <a:extLst>
+              <a:ext uri="{FF2B5EF4-FFF2-40B4-BE49-F238E27FC236}">
+                <a16:creationId xmlns:a16="http://schemas.microsoft.com/office/drawing/2014/main" id="{03E984FE-5790-44EA-8D05-3671BD5CC7A0}"/>
+              </a:ext>
+            </a:extLst>
+          </p:cNvPr>
+          <p:cNvSpPr txBox="1"/>
+          <p:nvPr/>
+        </p:nvSpPr>
+        <p:spPr>
+          <a:xfrm>
+            <a:off x="1618283" y="18143168"/>
+            <a:ext cx="1634469" cy="519351"/>
+          </a:xfrm>
+          <a:prstGeom prst="ellipse">
+            <a:avLst/>
+          </a:prstGeom>
+        </p:spPr>
+        <p:style>
+          <a:lnRef idx="2">
+            <a:schemeClr val="dk1"/>
+          </a:lnRef>
+          <a:fillRef idx="1">
+            <a:schemeClr val="lt1"/>
+          </a:fillRef>
+          <a:effectRef idx="0">
+            <a:schemeClr val="dk1"/>
+          </a:effectRef>
+          <a:fontRef idx="minor">
+            <a:schemeClr val="dk1"/>
+          </a:fontRef>
+        </p:style>
+        <p:txBody>
+          <a:bodyPr wrap="square" rtlCol="0">
+            <a:spAutoFit/>
+          </a:bodyPr>
+          <a:lstStyle/>
+          <a:p>
+            <a:r>
+              <a:rPr lang="zh-CN" altLang="en-US" dirty="0"/>
+              <a:t>商品原价</a:t>
+            </a:r>
+          </a:p>
+        </p:txBody>
+      </p:sp>
+      <p:sp>
+        <p:nvSpPr>
+          <p:cNvPr id="81" name="文本框 80">
+            <a:extLst>
+              <a:ext uri="{FF2B5EF4-FFF2-40B4-BE49-F238E27FC236}">
+                <a16:creationId xmlns:a16="http://schemas.microsoft.com/office/drawing/2014/main" id="{CC416AA0-6F06-4DA9-AB44-FA84C0A87763}"/>
+              </a:ext>
+            </a:extLst>
+          </p:cNvPr>
+          <p:cNvSpPr txBox="1"/>
+          <p:nvPr/>
+        </p:nvSpPr>
+        <p:spPr>
+          <a:xfrm>
+            <a:off x="6186664" y="18796658"/>
+            <a:ext cx="1634469" cy="519351"/>
+          </a:xfrm>
+          <a:prstGeom prst="ellipse">
+            <a:avLst/>
+          </a:prstGeom>
+        </p:spPr>
+        <p:style>
+          <a:lnRef idx="2">
+            <a:schemeClr val="dk1"/>
+          </a:lnRef>
+          <a:fillRef idx="1">
+            <a:schemeClr val="lt1"/>
+          </a:fillRef>
+          <a:effectRef idx="0">
+            <a:schemeClr val="dk1"/>
+          </a:effectRef>
+          <a:fontRef idx="minor">
+            <a:schemeClr val="dk1"/>
+          </a:fontRef>
+        </p:style>
+        <p:txBody>
+          <a:bodyPr wrap="square" rtlCol="0">
+            <a:spAutoFit/>
+          </a:bodyPr>
+          <a:lstStyle/>
+          <a:p>
+            <a:r>
+              <a:rPr lang="zh-CN" altLang="en-US" dirty="0"/>
+              <a:t>商品名称</a:t>
+            </a:r>
+          </a:p>
+        </p:txBody>
+      </p:sp>
+      <p:cxnSp>
+        <p:nvCxnSpPr>
+          <p:cNvPr id="82" name="直接连接符 81">
+            <a:extLst>
+              <a:ext uri="{FF2B5EF4-FFF2-40B4-BE49-F238E27FC236}">
+                <a16:creationId xmlns:a16="http://schemas.microsoft.com/office/drawing/2014/main" id="{3A79B9E0-8AA9-484C-BACC-195B1E1B4CBB}"/>
+              </a:ext>
+            </a:extLst>
+          </p:cNvPr>
+          <p:cNvCxnSpPr>
+            <a:cxnSpLocks/>
+          </p:cNvCxnSpPr>
+          <p:nvPr/>
+        </p:nvCxnSpPr>
+        <p:spPr>
+          <a:xfrm flipH="1">
+            <a:off x="5862103" y="16363148"/>
+            <a:ext cx="774136" cy="971850"/>
+          </a:xfrm>
+          <a:prstGeom prst="line">
+            <a:avLst/>
+          </a:prstGeom>
+          <a:ln>
+            <a:solidFill>
+              <a:schemeClr val="tx1"/>
+            </a:solidFill>
+            <a:tailEnd type="none"/>
+          </a:ln>
+        </p:spPr>
+        <p:style>
+          <a:lnRef idx="1">
+            <a:schemeClr val="accent1"/>
+          </a:lnRef>
+          <a:fillRef idx="0">
+            <a:schemeClr val="accent1"/>
+          </a:fillRef>
+          <a:effectRef idx="0">
+            <a:schemeClr val="accent1"/>
+          </a:effectRef>
+          <a:fontRef idx="minor">
+            <a:schemeClr val="tx1"/>
+          </a:fontRef>
+        </p:style>
+      </p:cxnSp>
+      <p:cxnSp>
+        <p:nvCxnSpPr>
+          <p:cNvPr id="85" name="直接连接符 84">
+            <a:extLst>
+              <a:ext uri="{FF2B5EF4-FFF2-40B4-BE49-F238E27FC236}">
+                <a16:creationId xmlns:a16="http://schemas.microsoft.com/office/drawing/2014/main" id="{DB1BB1A7-B25D-4556-9102-3F9EDAC93C01}"/>
+              </a:ext>
+            </a:extLst>
+          </p:cNvPr>
+          <p:cNvCxnSpPr>
+            <a:cxnSpLocks/>
+            <a:stCxn id="76" idx="2"/>
+          </p:cNvCxnSpPr>
+          <p:nvPr/>
+        </p:nvCxnSpPr>
+        <p:spPr>
+          <a:xfrm flipH="1">
+            <a:off x="6073309" y="16548827"/>
+            <a:ext cx="1348550" cy="802674"/>
+          </a:xfrm>
+          <a:prstGeom prst="line">
+            <a:avLst/>
+          </a:prstGeom>
+          <a:ln>
+            <a:solidFill>
+              <a:schemeClr val="tx1"/>
+            </a:solidFill>
+            <a:tailEnd type="none"/>
+          </a:ln>
+        </p:spPr>
+        <p:style>
+          <a:lnRef idx="1">
+            <a:schemeClr val="accent1"/>
+          </a:lnRef>
+          <a:fillRef idx="0">
+            <a:schemeClr val="accent1"/>
+          </a:fillRef>
+          <a:effectRef idx="0">
+            <a:schemeClr val="accent1"/>
+          </a:effectRef>
+          <a:fontRef idx="minor">
+            <a:schemeClr val="tx1"/>
+          </a:fontRef>
+        </p:style>
+      </p:cxnSp>
+      <p:cxnSp>
+        <p:nvCxnSpPr>
+          <p:cNvPr id="86" name="直接连接符 85">
+            <a:extLst>
+              <a:ext uri="{FF2B5EF4-FFF2-40B4-BE49-F238E27FC236}">
+                <a16:creationId xmlns:a16="http://schemas.microsoft.com/office/drawing/2014/main" id="{22BE53DE-8244-4F1D-8FC3-7871F5BC631D}"/>
+              </a:ext>
+            </a:extLst>
+          </p:cNvPr>
+          <p:cNvCxnSpPr>
+            <a:cxnSpLocks/>
+            <a:stCxn id="78" idx="2"/>
+            <a:endCxn id="69" idx="3"/>
+          </p:cNvCxnSpPr>
+          <p:nvPr/>
+        </p:nvCxnSpPr>
+        <p:spPr>
+          <a:xfrm flipH="1">
+            <a:off x="6096001" y="17335500"/>
+            <a:ext cx="1729598" cy="184666"/>
+          </a:xfrm>
+          <a:prstGeom prst="line">
+            <a:avLst/>
+          </a:prstGeom>
+          <a:ln>
+            <a:solidFill>
+              <a:schemeClr val="tx1"/>
+            </a:solidFill>
+            <a:tailEnd type="none"/>
+          </a:ln>
+        </p:spPr>
+        <p:style>
+          <a:lnRef idx="1">
+            <a:schemeClr val="accent1"/>
+          </a:lnRef>
+          <a:fillRef idx="0">
+            <a:schemeClr val="accent1"/>
+          </a:fillRef>
+          <a:effectRef idx="0">
+            <a:schemeClr val="accent1"/>
+          </a:effectRef>
+          <a:fontRef idx="minor">
+            <a:schemeClr val="tx1"/>
+          </a:fontRef>
+        </p:style>
+      </p:cxnSp>
+      <p:cxnSp>
+        <p:nvCxnSpPr>
+          <p:cNvPr id="87" name="直接连接符 86">
+            <a:extLst>
+              <a:ext uri="{FF2B5EF4-FFF2-40B4-BE49-F238E27FC236}">
+                <a16:creationId xmlns:a16="http://schemas.microsoft.com/office/drawing/2014/main" id="{F683029E-6DB6-4DC4-A27C-382E31D6CD85}"/>
+              </a:ext>
+            </a:extLst>
+          </p:cNvPr>
+          <p:cNvCxnSpPr>
+            <a:cxnSpLocks/>
+          </p:cNvCxnSpPr>
+          <p:nvPr/>
+        </p:nvCxnSpPr>
+        <p:spPr>
+          <a:xfrm flipH="1" flipV="1">
+            <a:off x="6121208" y="17704832"/>
+            <a:ext cx="1256043" cy="454506"/>
+          </a:xfrm>
+          <a:prstGeom prst="line">
+            <a:avLst/>
+          </a:prstGeom>
+          <a:ln>
+            <a:solidFill>
+              <a:schemeClr val="tx1"/>
+            </a:solidFill>
+            <a:tailEnd type="none"/>
+          </a:ln>
+        </p:spPr>
+        <p:style>
+          <a:lnRef idx="1">
+            <a:schemeClr val="accent1"/>
+          </a:lnRef>
+          <a:fillRef idx="0">
+            <a:schemeClr val="accent1"/>
+          </a:fillRef>
+          <a:effectRef idx="0">
+            <a:schemeClr val="accent1"/>
+          </a:effectRef>
+          <a:fontRef idx="minor">
+            <a:schemeClr val="tx1"/>
+          </a:fontRef>
+        </p:style>
+      </p:cxnSp>
+      <p:cxnSp>
+        <p:nvCxnSpPr>
+          <p:cNvPr id="88" name="直接连接符 87">
+            <a:extLst>
+              <a:ext uri="{FF2B5EF4-FFF2-40B4-BE49-F238E27FC236}">
+                <a16:creationId xmlns:a16="http://schemas.microsoft.com/office/drawing/2014/main" id="{CBD9FBE4-53B7-4BC3-AF0C-1D4F5704DB05}"/>
+              </a:ext>
+            </a:extLst>
+          </p:cNvPr>
+          <p:cNvCxnSpPr>
+            <a:cxnSpLocks/>
+            <a:stCxn id="69" idx="1"/>
+            <a:endCxn id="74" idx="6"/>
+          </p:cNvCxnSpPr>
+          <p:nvPr/>
+        </p:nvCxnSpPr>
+        <p:spPr>
+          <a:xfrm flipH="1">
+            <a:off x="3095020" y="17520166"/>
+            <a:ext cx="1832580" cy="91011"/>
+          </a:xfrm>
+          <a:prstGeom prst="line">
+            <a:avLst/>
+          </a:prstGeom>
+          <a:ln>
+            <a:solidFill>
+              <a:schemeClr val="tx1"/>
+            </a:solidFill>
+            <a:tailEnd type="none"/>
+          </a:ln>
+        </p:spPr>
+        <p:style>
+          <a:lnRef idx="1">
+            <a:schemeClr val="accent1"/>
+          </a:lnRef>
+          <a:fillRef idx="0">
+            <a:schemeClr val="accent1"/>
+          </a:fillRef>
+          <a:effectRef idx="0">
+            <a:schemeClr val="accent1"/>
+          </a:effectRef>
+          <a:fontRef idx="minor">
+            <a:schemeClr val="tx1"/>
+          </a:fontRef>
+        </p:style>
+      </p:cxnSp>
+      <p:cxnSp>
+        <p:nvCxnSpPr>
+          <p:cNvPr id="89" name="直接连接符 88">
+            <a:extLst>
+              <a:ext uri="{FF2B5EF4-FFF2-40B4-BE49-F238E27FC236}">
+                <a16:creationId xmlns:a16="http://schemas.microsoft.com/office/drawing/2014/main" id="{83699272-58E4-43E3-AB0C-4004945F4268}"/>
+              </a:ext>
+            </a:extLst>
+          </p:cNvPr>
+          <p:cNvCxnSpPr>
+            <a:cxnSpLocks/>
+            <a:stCxn id="69" idx="2"/>
+          </p:cNvCxnSpPr>
+          <p:nvPr/>
+        </p:nvCxnSpPr>
+        <p:spPr>
+          <a:xfrm flipH="1">
+            <a:off x="5054375" y="17704832"/>
+            <a:ext cx="457426" cy="1351500"/>
+          </a:xfrm>
+          <a:prstGeom prst="line">
+            <a:avLst/>
+          </a:prstGeom>
+          <a:ln>
+            <a:solidFill>
+              <a:schemeClr val="tx1"/>
+            </a:solidFill>
+            <a:tailEnd type="none"/>
+          </a:ln>
+        </p:spPr>
+        <p:style>
+          <a:lnRef idx="1">
+            <a:schemeClr val="accent1"/>
+          </a:lnRef>
+          <a:fillRef idx="0">
+            <a:schemeClr val="accent1"/>
+          </a:fillRef>
+          <a:effectRef idx="0">
+            <a:schemeClr val="accent1"/>
+          </a:effectRef>
+          <a:fontRef idx="minor">
+            <a:schemeClr val="tx1"/>
+          </a:fontRef>
+        </p:style>
+      </p:cxnSp>
+      <p:cxnSp>
+        <p:nvCxnSpPr>
+          <p:cNvPr id="90" name="直接连接符 89">
+            <a:extLst>
+              <a:ext uri="{FF2B5EF4-FFF2-40B4-BE49-F238E27FC236}">
+                <a16:creationId xmlns:a16="http://schemas.microsoft.com/office/drawing/2014/main" id="{AA06CE7A-71B4-4205-8F23-074B87532DBF}"/>
+              </a:ext>
+            </a:extLst>
+          </p:cNvPr>
+          <p:cNvCxnSpPr>
+            <a:cxnSpLocks/>
+          </p:cNvCxnSpPr>
+          <p:nvPr/>
+        </p:nvCxnSpPr>
+        <p:spPr>
+          <a:xfrm flipH="1">
+            <a:off x="3193205" y="17641522"/>
+            <a:ext cx="1697630" cy="654369"/>
+          </a:xfrm>
+          <a:prstGeom prst="line">
+            <a:avLst/>
+          </a:prstGeom>
+          <a:ln>
+            <a:solidFill>
+              <a:schemeClr val="tx1"/>
+            </a:solidFill>
+            <a:tailEnd type="none"/>
+          </a:ln>
+        </p:spPr>
+        <p:style>
+          <a:lnRef idx="1">
+            <a:schemeClr val="accent1"/>
+          </a:lnRef>
+          <a:fillRef idx="0">
+            <a:schemeClr val="accent1"/>
+          </a:fillRef>
+          <a:effectRef idx="0">
+            <a:schemeClr val="accent1"/>
+          </a:effectRef>
+          <a:fontRef idx="minor">
+            <a:schemeClr val="tx1"/>
+          </a:fontRef>
+        </p:style>
+      </p:cxnSp>
+      <p:cxnSp>
+        <p:nvCxnSpPr>
+          <p:cNvPr id="91" name="直接连接符 90">
+            <a:extLst>
+              <a:ext uri="{FF2B5EF4-FFF2-40B4-BE49-F238E27FC236}">
+                <a16:creationId xmlns:a16="http://schemas.microsoft.com/office/drawing/2014/main" id="{4D0A0864-6418-4A6C-94B8-F947EAFE6C93}"/>
+              </a:ext>
+            </a:extLst>
+          </p:cNvPr>
+          <p:cNvCxnSpPr>
+            <a:cxnSpLocks/>
+          </p:cNvCxnSpPr>
+          <p:nvPr/>
+        </p:nvCxnSpPr>
+        <p:spPr>
+          <a:xfrm>
+            <a:off x="5854108" y="17722969"/>
+            <a:ext cx="857117" cy="1073688"/>
+          </a:xfrm>
+          <a:prstGeom prst="line">
+            <a:avLst/>
+          </a:prstGeom>
+          <a:ln>
+            <a:solidFill>
+              <a:schemeClr val="tx1"/>
+            </a:solidFill>
+            <a:tailEnd type="none"/>
+          </a:ln>
+        </p:spPr>
+        <p:style>
+          <a:lnRef idx="1">
+            <a:schemeClr val="accent1"/>
+          </a:lnRef>
+          <a:fillRef idx="0">
+            <a:schemeClr val="accent1"/>
+          </a:fillRef>
+          <a:effectRef idx="0">
+            <a:schemeClr val="accent1"/>
+          </a:effectRef>
+          <a:fontRef idx="minor">
+            <a:schemeClr val="tx1"/>
+          </a:fontRef>
+        </p:style>
+      </p:cxnSp>
+      <p:cxnSp>
+        <p:nvCxnSpPr>
+          <p:cNvPr id="104" name="直接连接符 103">
+            <a:extLst>
+              <a:ext uri="{FF2B5EF4-FFF2-40B4-BE49-F238E27FC236}">
+                <a16:creationId xmlns:a16="http://schemas.microsoft.com/office/drawing/2014/main" id="{EDA254DE-E7A8-4281-BDB9-1FAEA46A5A16}"/>
+              </a:ext>
+            </a:extLst>
+          </p:cNvPr>
+          <p:cNvCxnSpPr>
+            <a:cxnSpLocks/>
+            <a:endCxn id="70" idx="5"/>
+          </p:cNvCxnSpPr>
+          <p:nvPr/>
+        </p:nvCxnSpPr>
+        <p:spPr>
+          <a:xfrm flipH="1" flipV="1">
+            <a:off x="4142253" y="16348995"/>
+            <a:ext cx="1024560" cy="962464"/>
+          </a:xfrm>
+          <a:prstGeom prst="line">
+            <a:avLst/>
+          </a:prstGeom>
+          <a:ln>
+            <a:solidFill>
+              <a:schemeClr val="tx1"/>
+            </a:solidFill>
+            <a:tailEnd type="none"/>
+          </a:ln>
+        </p:spPr>
+        <p:style>
+          <a:lnRef idx="1">
+            <a:schemeClr val="accent1"/>
+          </a:lnRef>
+          <a:fillRef idx="0">
+            <a:schemeClr val="accent1"/>
+          </a:fillRef>
+          <a:effectRef idx="0">
+            <a:schemeClr val="accent1"/>
+          </a:effectRef>
+          <a:fontRef idx="minor">
+            <a:schemeClr val="tx1"/>
+          </a:fontRef>
+        </p:style>
+      </p:cxnSp>
+      <p:cxnSp>
+        <p:nvCxnSpPr>
+          <p:cNvPr id="105" name="直接连接符 104">
+            <a:extLst>
+              <a:ext uri="{FF2B5EF4-FFF2-40B4-BE49-F238E27FC236}">
+                <a16:creationId xmlns:a16="http://schemas.microsoft.com/office/drawing/2014/main" id="{2B4DF040-5052-4098-A53B-457C2851C4CD}"/>
+              </a:ext>
+            </a:extLst>
+          </p:cNvPr>
+          <p:cNvCxnSpPr>
+            <a:cxnSpLocks/>
+            <a:endCxn id="69" idx="0"/>
+          </p:cNvCxnSpPr>
+          <p:nvPr/>
+        </p:nvCxnSpPr>
+        <p:spPr>
+          <a:xfrm>
+            <a:off x="5223874" y="16154133"/>
+            <a:ext cx="287927" cy="1181367"/>
+          </a:xfrm>
+          <a:prstGeom prst="line">
+            <a:avLst/>
+          </a:prstGeom>
+          <a:ln>
+            <a:solidFill>
+              <a:schemeClr val="tx1"/>
+            </a:solidFill>
+            <a:tailEnd type="none"/>
+          </a:ln>
+        </p:spPr>
+        <p:style>
+          <a:lnRef idx="1">
+            <a:schemeClr val="accent1"/>
+          </a:lnRef>
+          <a:fillRef idx="0">
+            <a:schemeClr val="accent1"/>
+          </a:fillRef>
+          <a:effectRef idx="0">
+            <a:schemeClr val="accent1"/>
+          </a:effectRef>
+          <a:fontRef idx="minor">
+            <a:schemeClr val="tx1"/>
+          </a:fontRef>
+        </p:style>
+      </p:cxnSp>
+      <p:cxnSp>
+        <p:nvCxnSpPr>
+          <p:cNvPr id="106" name="直接连接符 105">
+            <a:extLst>
+              <a:ext uri="{FF2B5EF4-FFF2-40B4-BE49-F238E27FC236}">
+                <a16:creationId xmlns:a16="http://schemas.microsoft.com/office/drawing/2014/main" id="{F3FA0C77-A5A0-4689-AB2F-7E24629085C9}"/>
+              </a:ext>
+            </a:extLst>
+          </p:cNvPr>
+          <p:cNvCxnSpPr>
+            <a:cxnSpLocks/>
+          </p:cNvCxnSpPr>
+          <p:nvPr/>
+        </p:nvCxnSpPr>
+        <p:spPr>
+          <a:xfrm flipH="1">
+            <a:off x="3645494" y="17689838"/>
+            <a:ext cx="1590137" cy="1102363"/>
+          </a:xfrm>
+          <a:prstGeom prst="line">
+            <a:avLst/>
+          </a:prstGeom>
+          <a:ln>
+            <a:solidFill>
+              <a:schemeClr val="tx1"/>
+            </a:solidFill>
+            <a:tailEnd type="none"/>
+          </a:ln>
+        </p:spPr>
+        <p:style>
+          <a:lnRef idx="1">
+            <a:schemeClr val="accent1"/>
+          </a:lnRef>
+          <a:fillRef idx="0">
+            <a:schemeClr val="accent1"/>
+          </a:fillRef>
+          <a:effectRef idx="0">
+            <a:schemeClr val="accent1"/>
+          </a:effectRef>
+          <a:fontRef idx="minor">
+            <a:schemeClr val="tx1"/>
+          </a:fontRef>
+        </p:style>
+      </p:cxnSp>
+      <p:cxnSp>
+        <p:nvCxnSpPr>
+          <p:cNvPr id="111" name="直接连接符 110">
+            <a:extLst>
+              <a:ext uri="{FF2B5EF4-FFF2-40B4-BE49-F238E27FC236}">
+                <a16:creationId xmlns:a16="http://schemas.microsoft.com/office/drawing/2014/main" id="{7C954E52-8117-48BD-B041-0037980DE012}"/>
+              </a:ext>
+            </a:extLst>
+          </p:cNvPr>
+          <p:cNvCxnSpPr>
+            <a:cxnSpLocks/>
+          </p:cNvCxnSpPr>
+          <p:nvPr/>
+        </p:nvCxnSpPr>
+        <p:spPr>
+          <a:xfrm flipH="1" flipV="1">
+            <a:off x="3585869" y="16884851"/>
+            <a:ext cx="1352060" cy="453430"/>
+          </a:xfrm>
+          <a:prstGeom prst="line">
+            <a:avLst/>
+          </a:prstGeom>
+          <a:ln>
+            <a:solidFill>
+              <a:schemeClr val="tx1"/>
+            </a:solidFill>
+            <a:tailEnd type="none"/>
+          </a:ln>
+        </p:spPr>
+        <p:style>
+          <a:lnRef idx="1">
+            <a:schemeClr val="accent1"/>
+          </a:lnRef>
+          <a:fillRef idx="0">
+            <a:schemeClr val="accent1"/>
+          </a:fillRef>
+          <a:effectRef idx="0">
+            <a:schemeClr val="accent1"/>
+          </a:effectRef>
+          <a:fontRef idx="minor">
+            <a:schemeClr val="tx1"/>
+          </a:fontRef>
+        </p:style>
+      </p:cxnSp>
+      <p:sp>
+        <p:nvSpPr>
+          <p:cNvPr id="116" name="文本框 115">
+            <a:extLst>
+              <a:ext uri="{FF2B5EF4-FFF2-40B4-BE49-F238E27FC236}">
+                <a16:creationId xmlns:a16="http://schemas.microsoft.com/office/drawing/2014/main" id="{5738AC5D-27A7-45B4-95A3-E6E9EDAEC901}"/>
+              </a:ext>
+            </a:extLst>
+          </p:cNvPr>
+          <p:cNvSpPr txBox="1"/>
+          <p:nvPr/>
+        </p:nvSpPr>
+        <p:spPr>
+          <a:xfrm>
+            <a:off x="4252548" y="23809071"/>
+            <a:ext cx="1168401" cy="369332"/>
+          </a:xfrm>
+          <a:prstGeom prst="rect">
+            <a:avLst/>
+          </a:prstGeom>
+        </p:spPr>
+        <p:style>
+          <a:lnRef idx="2">
+            <a:schemeClr val="dk1"/>
+          </a:lnRef>
+          <a:fillRef idx="1">
+            <a:schemeClr val="lt1"/>
+          </a:fillRef>
+          <a:effectRef idx="0">
+            <a:schemeClr val="dk1"/>
+          </a:effectRef>
+          <a:fontRef idx="minor">
+            <a:schemeClr val="dk1"/>
+          </a:fontRef>
+        </p:style>
+        <p:txBody>
+          <a:bodyPr wrap="square" rtlCol="0">
+            <a:spAutoFit/>
+          </a:bodyPr>
+          <a:lstStyle/>
+          <a:p>
+            <a:r>
+              <a:rPr lang="zh-CN" altLang="en-US" dirty="0"/>
+              <a:t>  订单表</a:t>
+            </a:r>
+          </a:p>
+        </p:txBody>
+      </p:sp>
+      <p:sp>
+        <p:nvSpPr>
+          <p:cNvPr id="117" name="文本框 116">
+            <a:extLst>
+              <a:ext uri="{FF2B5EF4-FFF2-40B4-BE49-F238E27FC236}">
+                <a16:creationId xmlns:a16="http://schemas.microsoft.com/office/drawing/2014/main" id="{B1BBB068-581C-459E-9ABF-2EDCD84BC33C}"/>
+              </a:ext>
+            </a:extLst>
+          </p:cNvPr>
+          <p:cNvSpPr txBox="1"/>
+          <p:nvPr/>
+        </p:nvSpPr>
+        <p:spPr>
+          <a:xfrm>
+            <a:off x="2989784" y="22517731"/>
+            <a:ext cx="1383888" cy="519351"/>
+          </a:xfrm>
+          <a:prstGeom prst="ellipse">
+            <a:avLst/>
+          </a:prstGeom>
+        </p:spPr>
+        <p:style>
+          <a:lnRef idx="2">
+            <a:schemeClr val="dk1"/>
+          </a:lnRef>
+          <a:fillRef idx="1">
+            <a:schemeClr val="lt1"/>
+          </a:fillRef>
+          <a:effectRef idx="0">
+            <a:schemeClr val="dk1"/>
+          </a:effectRef>
+          <a:fontRef idx="minor">
+            <a:schemeClr val="dk1"/>
+          </a:fontRef>
+        </p:style>
+        <p:txBody>
+          <a:bodyPr wrap="square" rtlCol="0">
+            <a:spAutoFit/>
+          </a:bodyPr>
+          <a:lstStyle/>
+          <a:p>
+            <a:r>
+              <a:rPr lang="zh-CN" altLang="en-US" u="sng" dirty="0"/>
+              <a:t>订单</a:t>
+            </a:r>
+            <a:r>
+              <a:rPr lang="en-US" altLang="zh-CN" u="sng" dirty="0"/>
+              <a:t>ID</a:t>
+            </a:r>
+            <a:endParaRPr lang="zh-CN" altLang="en-US" u="sng" dirty="0"/>
+          </a:p>
+        </p:txBody>
+      </p:sp>
+      <p:sp>
+        <p:nvSpPr>
+          <p:cNvPr id="118" name="文本框 117">
+            <a:extLst>
+              <a:ext uri="{FF2B5EF4-FFF2-40B4-BE49-F238E27FC236}">
+                <a16:creationId xmlns:a16="http://schemas.microsoft.com/office/drawing/2014/main" id="{3C04D40C-0E60-495B-B4A0-AE0B0FFF4C72}"/>
+              </a:ext>
+            </a:extLst>
+          </p:cNvPr>
+          <p:cNvSpPr txBox="1"/>
+          <p:nvPr/>
+        </p:nvSpPr>
+        <p:spPr>
+          <a:xfrm>
+            <a:off x="4531930" y="22237258"/>
+            <a:ext cx="1383888" cy="519351"/>
+          </a:xfrm>
+          <a:prstGeom prst="ellipse">
+            <a:avLst/>
+          </a:prstGeom>
+        </p:spPr>
+        <p:style>
+          <a:lnRef idx="2">
+            <a:schemeClr val="dk1"/>
+          </a:lnRef>
+          <a:fillRef idx="1">
+            <a:schemeClr val="lt1"/>
+          </a:fillRef>
+          <a:effectRef idx="0">
+            <a:schemeClr val="dk1"/>
+          </a:effectRef>
+          <a:fontRef idx="minor">
+            <a:schemeClr val="dk1"/>
+          </a:fontRef>
+        </p:style>
+        <p:txBody>
+          <a:bodyPr wrap="square" rtlCol="0">
+            <a:spAutoFit/>
+          </a:bodyPr>
+          <a:lstStyle/>
+          <a:p>
+            <a:r>
+              <a:rPr lang="zh-CN" altLang="en-US" dirty="0"/>
+              <a:t>商品</a:t>
+            </a:r>
+            <a:r>
+              <a:rPr lang="en-US" altLang="zh-CN" dirty="0"/>
+              <a:t>ID</a:t>
+            </a:r>
+            <a:endParaRPr lang="zh-CN" altLang="en-US" dirty="0"/>
+          </a:p>
+        </p:txBody>
+      </p:sp>
+      <p:sp>
+        <p:nvSpPr>
+          <p:cNvPr id="119" name="文本框 118">
+            <a:extLst>
+              <a:ext uri="{FF2B5EF4-FFF2-40B4-BE49-F238E27FC236}">
+                <a16:creationId xmlns:a16="http://schemas.microsoft.com/office/drawing/2014/main" id="{5E520A9A-1DD7-4065-9130-1A6BFF18ACC0}"/>
+              </a:ext>
+            </a:extLst>
+          </p:cNvPr>
+          <p:cNvSpPr txBox="1"/>
+          <p:nvPr/>
+        </p:nvSpPr>
+        <p:spPr>
+          <a:xfrm>
+            <a:off x="2911795" y="25146962"/>
+            <a:ext cx="1924953" cy="519351"/>
+          </a:xfrm>
+          <a:prstGeom prst="ellipse">
+            <a:avLst/>
+          </a:prstGeom>
+        </p:spPr>
+        <p:style>
+          <a:lnRef idx="2">
+            <a:schemeClr val="dk1"/>
+          </a:lnRef>
+          <a:fillRef idx="1">
+            <a:schemeClr val="lt1"/>
+          </a:fillRef>
+          <a:effectRef idx="0">
+            <a:schemeClr val="dk1"/>
+          </a:effectRef>
+          <a:fontRef idx="minor">
+            <a:schemeClr val="dk1"/>
+          </a:fontRef>
+        </p:style>
+        <p:txBody>
+          <a:bodyPr wrap="square" rtlCol="0">
+            <a:spAutoFit/>
+          </a:bodyPr>
+          <a:lstStyle/>
+          <a:p>
+            <a:r>
+              <a:rPr lang="zh-CN" altLang="en-US" dirty="0"/>
+              <a:t>商品缩略图</a:t>
+            </a:r>
+          </a:p>
+        </p:txBody>
+      </p:sp>
+      <p:sp>
+        <p:nvSpPr>
+          <p:cNvPr id="121" name="文本框 120">
+            <a:extLst>
+              <a:ext uri="{FF2B5EF4-FFF2-40B4-BE49-F238E27FC236}">
+                <a16:creationId xmlns:a16="http://schemas.microsoft.com/office/drawing/2014/main" id="{BBFEC3A0-5288-4A61-9A70-A220B768E24B}"/>
+              </a:ext>
+            </a:extLst>
+          </p:cNvPr>
+          <p:cNvSpPr txBox="1"/>
+          <p:nvPr/>
+        </p:nvSpPr>
+        <p:spPr>
+          <a:xfrm>
+            <a:off x="1571376" y="24278023"/>
+            <a:ext cx="1615905" cy="519351"/>
+          </a:xfrm>
+          <a:prstGeom prst="ellipse">
+            <a:avLst/>
+          </a:prstGeom>
+        </p:spPr>
+        <p:style>
+          <a:lnRef idx="2">
+            <a:schemeClr val="dk1"/>
+          </a:lnRef>
+          <a:fillRef idx="1">
+            <a:schemeClr val="lt1"/>
+          </a:fillRef>
+          <a:effectRef idx="0">
+            <a:schemeClr val="dk1"/>
+          </a:effectRef>
+          <a:fontRef idx="minor">
+            <a:schemeClr val="dk1"/>
+          </a:fontRef>
+        </p:style>
+        <p:txBody>
+          <a:bodyPr wrap="square" rtlCol="0">
+            <a:spAutoFit/>
+          </a:bodyPr>
+          <a:lstStyle/>
+          <a:p>
+            <a:r>
+              <a:rPr lang="zh-CN" altLang="en-US" dirty="0"/>
+              <a:t>商品价格</a:t>
+            </a:r>
+          </a:p>
+        </p:txBody>
+      </p:sp>
+      <p:sp>
+        <p:nvSpPr>
+          <p:cNvPr id="122" name="文本框 121">
+            <a:extLst>
+              <a:ext uri="{FF2B5EF4-FFF2-40B4-BE49-F238E27FC236}">
+                <a16:creationId xmlns:a16="http://schemas.microsoft.com/office/drawing/2014/main" id="{048AC283-29D8-4948-A4DE-D42F754660F6}"/>
+              </a:ext>
+            </a:extLst>
+          </p:cNvPr>
+          <p:cNvSpPr txBox="1"/>
+          <p:nvPr/>
+        </p:nvSpPr>
+        <p:spPr>
+          <a:xfrm>
+            <a:off x="1260151" y="23199736"/>
+            <a:ext cx="1707728" cy="519351"/>
+          </a:xfrm>
+          <a:prstGeom prst="ellipse">
+            <a:avLst/>
+          </a:prstGeom>
+        </p:spPr>
+        <p:style>
+          <a:lnRef idx="2">
+            <a:schemeClr val="dk1"/>
+          </a:lnRef>
+          <a:fillRef idx="1">
+            <a:schemeClr val="lt1"/>
+          </a:fillRef>
+          <a:effectRef idx="0">
+            <a:schemeClr val="dk1"/>
+          </a:effectRef>
+          <a:fontRef idx="minor">
+            <a:schemeClr val="dk1"/>
+          </a:fontRef>
+        </p:style>
+        <p:txBody>
+          <a:bodyPr wrap="square" rtlCol="0">
+            <a:spAutoFit/>
+          </a:bodyPr>
+          <a:lstStyle/>
+          <a:p>
+            <a:r>
+              <a:rPr lang="zh-CN" altLang="en-US" dirty="0"/>
+              <a:t>订单状态</a:t>
+            </a:r>
+          </a:p>
+        </p:txBody>
+      </p:sp>
+      <p:sp>
+        <p:nvSpPr>
+          <p:cNvPr id="124" name="文本框 123">
+            <a:extLst>
+              <a:ext uri="{FF2B5EF4-FFF2-40B4-BE49-F238E27FC236}">
+                <a16:creationId xmlns:a16="http://schemas.microsoft.com/office/drawing/2014/main" id="{0ADAC832-F7FD-4C31-9AEB-B29B6789D984}"/>
+              </a:ext>
+            </a:extLst>
+          </p:cNvPr>
+          <p:cNvSpPr txBox="1"/>
+          <p:nvPr/>
+        </p:nvSpPr>
+        <p:spPr>
+          <a:xfrm>
+            <a:off x="6052968" y="22513462"/>
+            <a:ext cx="1615905" cy="519351"/>
+          </a:xfrm>
+          <a:prstGeom prst="ellipse">
+            <a:avLst/>
+          </a:prstGeom>
+        </p:spPr>
+        <p:style>
+          <a:lnRef idx="2">
+            <a:schemeClr val="dk1"/>
+          </a:lnRef>
+          <a:fillRef idx="1">
+            <a:schemeClr val="lt1"/>
+          </a:fillRef>
+          <a:effectRef idx="0">
+            <a:schemeClr val="dk1"/>
+          </a:effectRef>
+          <a:fontRef idx="minor">
+            <a:schemeClr val="dk1"/>
+          </a:fontRef>
+        </p:style>
+        <p:txBody>
+          <a:bodyPr wrap="square" rtlCol="0">
+            <a:spAutoFit/>
+          </a:bodyPr>
+          <a:lstStyle/>
+          <a:p>
+            <a:r>
+              <a:rPr lang="zh-CN" altLang="en-US" dirty="0"/>
+              <a:t>发布者</a:t>
+            </a:r>
+            <a:r>
+              <a:rPr lang="en-US" altLang="zh-CN" dirty="0"/>
+              <a:t>ID</a:t>
+            </a:r>
+            <a:endParaRPr lang="zh-CN" altLang="en-US" dirty="0"/>
+          </a:p>
+        </p:txBody>
+      </p:sp>
+      <p:sp>
+        <p:nvSpPr>
+          <p:cNvPr id="125" name="文本框 124">
+            <a:extLst>
+              <a:ext uri="{FF2B5EF4-FFF2-40B4-BE49-F238E27FC236}">
+                <a16:creationId xmlns:a16="http://schemas.microsoft.com/office/drawing/2014/main" id="{C697D8EA-69F4-4CDE-87F4-99EE014BD8DC}"/>
+              </a:ext>
+            </a:extLst>
+          </p:cNvPr>
+          <p:cNvSpPr txBox="1"/>
+          <p:nvPr/>
+        </p:nvSpPr>
+        <p:spPr>
+          <a:xfrm>
+            <a:off x="7237492" y="23136276"/>
+            <a:ext cx="2025596" cy="519351"/>
+          </a:xfrm>
+          <a:prstGeom prst="ellipse">
+            <a:avLst/>
+          </a:prstGeom>
+        </p:spPr>
+        <p:style>
+          <a:lnRef idx="2">
+            <a:schemeClr val="dk1"/>
+          </a:lnRef>
+          <a:fillRef idx="1">
+            <a:schemeClr val="lt1"/>
+          </a:fillRef>
+          <a:effectRef idx="0">
+            <a:schemeClr val="dk1"/>
+          </a:effectRef>
+          <a:fontRef idx="minor">
+            <a:schemeClr val="dk1"/>
+          </a:fontRef>
+        </p:style>
+        <p:txBody>
+          <a:bodyPr wrap="square" rtlCol="0">
+            <a:spAutoFit/>
+          </a:bodyPr>
+          <a:lstStyle/>
+          <a:p>
+            <a:r>
+              <a:rPr lang="zh-CN" altLang="en-US" dirty="0"/>
+              <a:t>发布者昵称</a:t>
+            </a:r>
+          </a:p>
+        </p:txBody>
+      </p:sp>
+      <p:sp>
+        <p:nvSpPr>
+          <p:cNvPr id="127" name="文本框 126">
+            <a:extLst>
+              <a:ext uri="{FF2B5EF4-FFF2-40B4-BE49-F238E27FC236}">
+                <a16:creationId xmlns:a16="http://schemas.microsoft.com/office/drawing/2014/main" id="{790360D3-5968-49EB-B938-EE4CE8DD7AF4}"/>
+              </a:ext>
+            </a:extLst>
+          </p:cNvPr>
+          <p:cNvSpPr txBox="1"/>
+          <p:nvPr/>
+        </p:nvSpPr>
+        <p:spPr>
+          <a:xfrm>
+            <a:off x="6684261" y="24215268"/>
+            <a:ext cx="2025596" cy="519351"/>
+          </a:xfrm>
+          <a:prstGeom prst="ellipse">
+            <a:avLst/>
+          </a:prstGeom>
+        </p:spPr>
+        <p:style>
+          <a:lnRef idx="2">
+            <a:schemeClr val="dk1"/>
+          </a:lnRef>
+          <a:fillRef idx="1">
+            <a:schemeClr val="lt1"/>
+          </a:fillRef>
+          <a:effectRef idx="0">
+            <a:schemeClr val="dk1"/>
+          </a:effectRef>
+          <a:fontRef idx="minor">
+            <a:schemeClr val="dk1"/>
+          </a:fontRef>
+        </p:style>
+        <p:txBody>
+          <a:bodyPr wrap="square" rtlCol="0">
+            <a:spAutoFit/>
+          </a:bodyPr>
+          <a:lstStyle/>
+          <a:p>
+            <a:r>
+              <a:rPr lang="zh-CN" altLang="en-US" dirty="0"/>
+              <a:t>购买者昵称</a:t>
+            </a:r>
+          </a:p>
+        </p:txBody>
+      </p:sp>
+      <p:sp>
+        <p:nvSpPr>
+          <p:cNvPr id="128" name="文本框 127">
+            <a:extLst>
+              <a:ext uri="{FF2B5EF4-FFF2-40B4-BE49-F238E27FC236}">
+                <a16:creationId xmlns:a16="http://schemas.microsoft.com/office/drawing/2014/main" id="{BED06926-A37A-4C05-93A4-352F1C72ADC3}"/>
+              </a:ext>
+            </a:extLst>
+          </p:cNvPr>
+          <p:cNvSpPr txBox="1"/>
+          <p:nvPr/>
+        </p:nvSpPr>
+        <p:spPr>
+          <a:xfrm>
+            <a:off x="5472112" y="25081662"/>
+            <a:ext cx="1615905" cy="519351"/>
+          </a:xfrm>
+          <a:prstGeom prst="ellipse">
+            <a:avLst/>
+          </a:prstGeom>
+        </p:spPr>
+        <p:style>
+          <a:lnRef idx="2">
+            <a:schemeClr val="dk1"/>
+          </a:lnRef>
+          <a:fillRef idx="1">
+            <a:schemeClr val="lt1"/>
+          </a:fillRef>
+          <a:effectRef idx="0">
+            <a:schemeClr val="dk1"/>
+          </a:effectRef>
+          <a:fontRef idx="minor">
+            <a:schemeClr val="dk1"/>
+          </a:fontRef>
+        </p:style>
+        <p:txBody>
+          <a:bodyPr wrap="square" rtlCol="0">
+            <a:spAutoFit/>
+          </a:bodyPr>
+          <a:lstStyle/>
+          <a:p>
+            <a:r>
+              <a:rPr lang="zh-CN" altLang="en-US" dirty="0"/>
+              <a:t>购买者</a:t>
+            </a:r>
+            <a:r>
+              <a:rPr lang="en-US" altLang="zh-CN" dirty="0"/>
+              <a:t>ID</a:t>
+            </a:r>
+            <a:endParaRPr lang="zh-CN" altLang="en-US" dirty="0"/>
+          </a:p>
+        </p:txBody>
+      </p:sp>
+      <p:cxnSp>
+        <p:nvCxnSpPr>
+          <p:cNvPr id="131" name="直接连接符 130">
+            <a:extLst>
+              <a:ext uri="{FF2B5EF4-FFF2-40B4-BE49-F238E27FC236}">
+                <a16:creationId xmlns:a16="http://schemas.microsoft.com/office/drawing/2014/main" id="{C28C4A6F-1EA9-43AA-AC89-8F4913E7EFD5}"/>
+              </a:ext>
+            </a:extLst>
+          </p:cNvPr>
+          <p:cNvCxnSpPr>
+            <a:cxnSpLocks/>
+            <a:endCxn id="116" idx="0"/>
+          </p:cNvCxnSpPr>
+          <p:nvPr/>
+        </p:nvCxnSpPr>
+        <p:spPr>
+          <a:xfrm flipH="1">
+            <a:off x="4836749" y="22760755"/>
+            <a:ext cx="396260" cy="1048316"/>
+          </a:xfrm>
+          <a:prstGeom prst="line">
+            <a:avLst/>
+          </a:prstGeom>
+          <a:ln>
+            <a:solidFill>
+              <a:schemeClr val="tx1"/>
+            </a:solidFill>
+            <a:tailEnd type="none"/>
+          </a:ln>
+        </p:spPr>
+        <p:style>
+          <a:lnRef idx="1">
+            <a:schemeClr val="accent1"/>
+          </a:lnRef>
+          <a:fillRef idx="0">
+            <a:schemeClr val="accent1"/>
+          </a:fillRef>
+          <a:effectRef idx="0">
+            <a:schemeClr val="accent1"/>
+          </a:effectRef>
+          <a:fontRef idx="minor">
+            <a:schemeClr val="tx1"/>
+          </a:fontRef>
+        </p:style>
+      </p:cxnSp>
+      <p:cxnSp>
+        <p:nvCxnSpPr>
+          <p:cNvPr id="134" name="直接连接符 133">
+            <a:extLst>
+              <a:ext uri="{FF2B5EF4-FFF2-40B4-BE49-F238E27FC236}">
+                <a16:creationId xmlns:a16="http://schemas.microsoft.com/office/drawing/2014/main" id="{2E9F854F-6B60-4A25-8A5E-495468A9424B}"/>
+              </a:ext>
+            </a:extLst>
+          </p:cNvPr>
+          <p:cNvCxnSpPr>
+            <a:cxnSpLocks/>
+            <a:endCxn id="121" idx="6"/>
+          </p:cNvCxnSpPr>
+          <p:nvPr/>
+        </p:nvCxnSpPr>
+        <p:spPr>
+          <a:xfrm flipH="1">
+            <a:off x="3187281" y="24054434"/>
+            <a:ext cx="1040438" cy="483265"/>
+          </a:xfrm>
+          <a:prstGeom prst="line">
+            <a:avLst/>
+          </a:prstGeom>
+          <a:ln>
+            <a:solidFill>
+              <a:schemeClr val="tx1"/>
+            </a:solidFill>
+            <a:tailEnd type="none"/>
+          </a:ln>
+        </p:spPr>
+        <p:style>
+          <a:lnRef idx="1">
+            <a:schemeClr val="accent1"/>
+          </a:lnRef>
+          <a:fillRef idx="0">
+            <a:schemeClr val="accent1"/>
+          </a:fillRef>
+          <a:effectRef idx="0">
+            <a:schemeClr val="accent1"/>
+          </a:effectRef>
+          <a:fontRef idx="minor">
+            <a:schemeClr val="tx1"/>
+          </a:fontRef>
+        </p:style>
+      </p:cxnSp>
+      <p:cxnSp>
+        <p:nvCxnSpPr>
+          <p:cNvPr id="135" name="直接连接符 134">
+            <a:extLst>
+              <a:ext uri="{FF2B5EF4-FFF2-40B4-BE49-F238E27FC236}">
+                <a16:creationId xmlns:a16="http://schemas.microsoft.com/office/drawing/2014/main" id="{AE8004A9-1795-40A8-B0D9-27E713987EDE}"/>
+              </a:ext>
+            </a:extLst>
+          </p:cNvPr>
+          <p:cNvCxnSpPr>
+            <a:cxnSpLocks/>
+          </p:cNvCxnSpPr>
+          <p:nvPr/>
+        </p:nvCxnSpPr>
+        <p:spPr>
+          <a:xfrm flipH="1">
+            <a:off x="4355112" y="24210734"/>
+            <a:ext cx="187723" cy="936228"/>
+          </a:xfrm>
+          <a:prstGeom prst="line">
+            <a:avLst/>
+          </a:prstGeom>
+          <a:ln>
+            <a:solidFill>
+              <a:schemeClr val="tx1"/>
+            </a:solidFill>
+            <a:tailEnd type="none"/>
+          </a:ln>
+        </p:spPr>
+        <p:style>
+          <a:lnRef idx="1">
+            <a:schemeClr val="accent1"/>
+          </a:lnRef>
+          <a:fillRef idx="0">
+            <a:schemeClr val="accent1"/>
+          </a:fillRef>
+          <a:effectRef idx="0">
+            <a:schemeClr val="accent1"/>
+          </a:effectRef>
+          <a:fontRef idx="minor">
+            <a:schemeClr val="tx1"/>
+          </a:fontRef>
+        </p:style>
+      </p:cxnSp>
+      <p:cxnSp>
+        <p:nvCxnSpPr>
+          <p:cNvPr id="136" name="直接连接符 135">
+            <a:extLst>
+              <a:ext uri="{FF2B5EF4-FFF2-40B4-BE49-F238E27FC236}">
+                <a16:creationId xmlns:a16="http://schemas.microsoft.com/office/drawing/2014/main" id="{7D1E6B8B-BE05-4FAD-BC3A-01B09A9BF7A1}"/>
+              </a:ext>
+            </a:extLst>
+          </p:cNvPr>
+          <p:cNvCxnSpPr>
+            <a:cxnSpLocks/>
+            <a:stCxn id="127" idx="2"/>
+            <a:endCxn id="116" idx="3"/>
+          </p:cNvCxnSpPr>
+          <p:nvPr/>
+        </p:nvCxnSpPr>
+        <p:spPr>
+          <a:xfrm flipH="1" flipV="1">
+            <a:off x="5420949" y="23993737"/>
+            <a:ext cx="1263312" cy="481207"/>
+          </a:xfrm>
+          <a:prstGeom prst="line">
+            <a:avLst/>
+          </a:prstGeom>
+          <a:ln>
+            <a:solidFill>
+              <a:schemeClr val="tx1"/>
+            </a:solidFill>
+            <a:tailEnd type="none"/>
+          </a:ln>
+        </p:spPr>
+        <p:style>
+          <a:lnRef idx="1">
+            <a:schemeClr val="accent1"/>
+          </a:lnRef>
+          <a:fillRef idx="0">
+            <a:schemeClr val="accent1"/>
+          </a:fillRef>
+          <a:effectRef idx="0">
+            <a:schemeClr val="accent1"/>
+          </a:effectRef>
+          <a:fontRef idx="minor">
+            <a:schemeClr val="tx1"/>
+          </a:fontRef>
+        </p:style>
+      </p:cxnSp>
+      <p:cxnSp>
+        <p:nvCxnSpPr>
+          <p:cNvPr id="137" name="直接连接符 136">
+            <a:extLst>
+              <a:ext uri="{FF2B5EF4-FFF2-40B4-BE49-F238E27FC236}">
+                <a16:creationId xmlns:a16="http://schemas.microsoft.com/office/drawing/2014/main" id="{D9E70B9A-707D-4770-A0C5-A0B7A34BA722}"/>
+              </a:ext>
+            </a:extLst>
+          </p:cNvPr>
+          <p:cNvCxnSpPr>
+            <a:cxnSpLocks/>
+          </p:cNvCxnSpPr>
+          <p:nvPr/>
+        </p:nvCxnSpPr>
+        <p:spPr>
+          <a:xfrm flipH="1">
+            <a:off x="5481889" y="23486830"/>
+            <a:ext cx="1788193" cy="374147"/>
+          </a:xfrm>
+          <a:prstGeom prst="line">
+            <a:avLst/>
+          </a:prstGeom>
+          <a:ln>
+            <a:solidFill>
+              <a:schemeClr val="tx1"/>
+            </a:solidFill>
+            <a:tailEnd type="none"/>
+          </a:ln>
+        </p:spPr>
+        <p:style>
+          <a:lnRef idx="1">
+            <a:schemeClr val="accent1"/>
+          </a:lnRef>
+          <a:fillRef idx="0">
+            <a:schemeClr val="accent1"/>
+          </a:fillRef>
+          <a:effectRef idx="0">
+            <a:schemeClr val="accent1"/>
+          </a:effectRef>
+          <a:fontRef idx="minor">
+            <a:schemeClr val="tx1"/>
+          </a:fontRef>
+        </p:style>
+      </p:cxnSp>
+      <p:cxnSp>
+        <p:nvCxnSpPr>
+          <p:cNvPr id="138" name="直接连接符 137">
+            <a:extLst>
+              <a:ext uri="{FF2B5EF4-FFF2-40B4-BE49-F238E27FC236}">
+                <a16:creationId xmlns:a16="http://schemas.microsoft.com/office/drawing/2014/main" id="{22DA30FA-139F-4BC9-9920-8AE0F9C5FA5C}"/>
+              </a:ext>
+            </a:extLst>
+          </p:cNvPr>
+          <p:cNvCxnSpPr>
+            <a:cxnSpLocks/>
+          </p:cNvCxnSpPr>
+          <p:nvPr/>
+        </p:nvCxnSpPr>
+        <p:spPr>
+          <a:xfrm>
+            <a:off x="5304173" y="24210734"/>
+            <a:ext cx="503648" cy="870928"/>
+          </a:xfrm>
+          <a:prstGeom prst="line">
+            <a:avLst/>
+          </a:prstGeom>
+          <a:ln>
+            <a:solidFill>
+              <a:schemeClr val="tx1"/>
+            </a:solidFill>
+            <a:tailEnd type="none"/>
+          </a:ln>
+        </p:spPr>
+        <p:style>
+          <a:lnRef idx="1">
+            <a:schemeClr val="accent1"/>
+          </a:lnRef>
+          <a:fillRef idx="0">
+            <a:schemeClr val="accent1"/>
+          </a:fillRef>
+          <a:effectRef idx="0">
+            <a:schemeClr val="accent1"/>
+          </a:effectRef>
+          <a:fontRef idx="minor">
+            <a:schemeClr val="tx1"/>
+          </a:fontRef>
+        </p:style>
+      </p:cxnSp>
+      <p:cxnSp>
+        <p:nvCxnSpPr>
+          <p:cNvPr id="139" name="直接连接符 138">
+            <a:extLst>
+              <a:ext uri="{FF2B5EF4-FFF2-40B4-BE49-F238E27FC236}">
+                <a16:creationId xmlns:a16="http://schemas.microsoft.com/office/drawing/2014/main" id="{B3A3F820-8F51-4AEA-80C1-DE51E9116058}"/>
+              </a:ext>
+            </a:extLst>
+          </p:cNvPr>
+          <p:cNvCxnSpPr>
+            <a:cxnSpLocks/>
+          </p:cNvCxnSpPr>
+          <p:nvPr/>
+        </p:nvCxnSpPr>
+        <p:spPr>
+          <a:xfrm flipH="1">
+            <a:off x="5221565" y="23015390"/>
+            <a:ext cx="1205245" cy="778955"/>
+          </a:xfrm>
+          <a:prstGeom prst="line">
+            <a:avLst/>
+          </a:prstGeom>
+          <a:ln>
+            <a:solidFill>
+              <a:schemeClr val="tx1"/>
+            </a:solidFill>
+            <a:tailEnd type="none"/>
+          </a:ln>
+        </p:spPr>
+        <p:style>
+          <a:lnRef idx="1">
+            <a:schemeClr val="accent1"/>
+          </a:lnRef>
+          <a:fillRef idx="0">
+            <a:schemeClr val="accent1"/>
+          </a:fillRef>
+          <a:effectRef idx="0">
+            <a:schemeClr val="accent1"/>
+          </a:effectRef>
+          <a:fontRef idx="minor">
+            <a:schemeClr val="tx1"/>
+          </a:fontRef>
+        </p:style>
+      </p:cxnSp>
+      <p:cxnSp>
+        <p:nvCxnSpPr>
+          <p:cNvPr id="150" name="直接连接符 149">
+            <a:extLst>
+              <a:ext uri="{FF2B5EF4-FFF2-40B4-BE49-F238E27FC236}">
+                <a16:creationId xmlns:a16="http://schemas.microsoft.com/office/drawing/2014/main" id="{11FEAE1A-E587-4630-B066-5F2D07D34C01}"/>
+              </a:ext>
+            </a:extLst>
+          </p:cNvPr>
+          <p:cNvCxnSpPr>
+            <a:cxnSpLocks/>
+            <a:stCxn id="117" idx="5"/>
+          </p:cNvCxnSpPr>
+          <p:nvPr/>
+        </p:nvCxnSpPr>
+        <p:spPr>
+          <a:xfrm>
+            <a:off x="4171006" y="22961025"/>
+            <a:ext cx="291346" cy="833320"/>
+          </a:xfrm>
+          <a:prstGeom prst="line">
+            <a:avLst/>
+          </a:prstGeom>
+          <a:ln>
+            <a:solidFill>
+              <a:schemeClr val="tx1"/>
+            </a:solidFill>
+            <a:tailEnd type="none"/>
+          </a:ln>
+        </p:spPr>
+        <p:style>
+          <a:lnRef idx="1">
+            <a:schemeClr val="accent1"/>
+          </a:lnRef>
+          <a:fillRef idx="0">
+            <a:schemeClr val="accent1"/>
+          </a:fillRef>
+          <a:effectRef idx="0">
+            <a:schemeClr val="accent1"/>
+          </a:effectRef>
+          <a:fontRef idx="minor">
+            <a:schemeClr val="tx1"/>
+          </a:fontRef>
+        </p:style>
+      </p:cxnSp>
+      <p:cxnSp>
+        <p:nvCxnSpPr>
+          <p:cNvPr id="151" name="直接连接符 150">
+            <a:extLst>
+              <a:ext uri="{FF2B5EF4-FFF2-40B4-BE49-F238E27FC236}">
+                <a16:creationId xmlns:a16="http://schemas.microsoft.com/office/drawing/2014/main" id="{F3BA9D21-DA80-4B65-96B3-710F2EBB4EE5}"/>
+              </a:ext>
+            </a:extLst>
+          </p:cNvPr>
+          <p:cNvCxnSpPr>
+            <a:cxnSpLocks/>
+            <a:endCxn id="122" idx="6"/>
+          </p:cNvCxnSpPr>
+          <p:nvPr/>
+        </p:nvCxnSpPr>
+        <p:spPr>
+          <a:xfrm flipH="1" flipV="1">
+            <a:off x="2967879" y="23459412"/>
+            <a:ext cx="1272392" cy="365840"/>
+          </a:xfrm>
+          <a:prstGeom prst="line">
+            <a:avLst/>
+          </a:prstGeom>
+          <a:ln>
+            <a:solidFill>
+              <a:schemeClr val="tx1"/>
+            </a:solidFill>
+            <a:tailEnd type="none"/>
           </a:ln>
         </p:spPr>
         <p:style>

--- a/documents/流程图.pptx
+++ b/documents/流程图.pptx
@@ -6,6 +6,7 @@
   </p:sldMasterIdLst>
   <p:sldIdLst>
     <p:sldId id="256" r:id="rId2"/>
+    <p:sldId id="257" r:id="rId3"/>
   </p:sldIdLst>
   <p:sldSz cx="12192000" cy="32399288"/>
   <p:notesSz cx="6858000" cy="9144000"/>
@@ -243,7 +244,7 @@
           <a:p>
             <a:fld id="{DA8B0091-2D57-470A-B052-82E460EC9AFD}" type="datetimeFigureOut">
               <a:rPr lang="zh-CN" altLang="en-US" smtClean="0"/>
-              <a:t>2018/4/26</a:t>
+              <a:t>2018/4/29</a:t>
             </a:fld>
             <a:endParaRPr lang="zh-CN" altLang="en-US"/>
           </a:p>
@@ -413,7 +414,7 @@
           <a:p>
             <a:fld id="{DA8B0091-2D57-470A-B052-82E460EC9AFD}" type="datetimeFigureOut">
               <a:rPr lang="zh-CN" altLang="en-US" smtClean="0"/>
-              <a:t>2018/4/26</a:t>
+              <a:t>2018/4/29</a:t>
             </a:fld>
             <a:endParaRPr lang="zh-CN" altLang="en-US"/>
           </a:p>
@@ -593,7 +594,7 @@
           <a:p>
             <a:fld id="{DA8B0091-2D57-470A-B052-82E460EC9AFD}" type="datetimeFigureOut">
               <a:rPr lang="zh-CN" altLang="en-US" smtClean="0"/>
-              <a:t>2018/4/26</a:t>
+              <a:t>2018/4/29</a:t>
             </a:fld>
             <a:endParaRPr lang="zh-CN" altLang="en-US"/>
           </a:p>
@@ -763,7 +764,7 @@
           <a:p>
             <a:fld id="{DA8B0091-2D57-470A-B052-82E460EC9AFD}" type="datetimeFigureOut">
               <a:rPr lang="zh-CN" altLang="en-US" smtClean="0"/>
-              <a:t>2018/4/26</a:t>
+              <a:t>2018/4/29</a:t>
             </a:fld>
             <a:endParaRPr lang="zh-CN" altLang="en-US"/>
           </a:p>
@@ -1007,7 +1008,7 @@
           <a:p>
             <a:fld id="{DA8B0091-2D57-470A-B052-82E460EC9AFD}" type="datetimeFigureOut">
               <a:rPr lang="zh-CN" altLang="en-US" smtClean="0"/>
-              <a:t>2018/4/26</a:t>
+              <a:t>2018/4/29</a:t>
             </a:fld>
             <a:endParaRPr lang="zh-CN" altLang="en-US"/>
           </a:p>
@@ -1239,7 +1240,7 @@
           <a:p>
             <a:fld id="{DA8B0091-2D57-470A-B052-82E460EC9AFD}" type="datetimeFigureOut">
               <a:rPr lang="zh-CN" altLang="en-US" smtClean="0"/>
-              <a:t>2018/4/26</a:t>
+              <a:t>2018/4/29</a:t>
             </a:fld>
             <a:endParaRPr lang="zh-CN" altLang="en-US"/>
           </a:p>
@@ -1606,7 +1607,7 @@
           <a:p>
             <a:fld id="{DA8B0091-2D57-470A-B052-82E460EC9AFD}" type="datetimeFigureOut">
               <a:rPr lang="zh-CN" altLang="en-US" smtClean="0"/>
-              <a:t>2018/4/26</a:t>
+              <a:t>2018/4/29</a:t>
             </a:fld>
             <a:endParaRPr lang="zh-CN" altLang="en-US"/>
           </a:p>
@@ -1724,7 +1725,7 @@
           <a:p>
             <a:fld id="{DA8B0091-2D57-470A-B052-82E460EC9AFD}" type="datetimeFigureOut">
               <a:rPr lang="zh-CN" altLang="en-US" smtClean="0"/>
-              <a:t>2018/4/26</a:t>
+              <a:t>2018/4/29</a:t>
             </a:fld>
             <a:endParaRPr lang="zh-CN" altLang="en-US"/>
           </a:p>
@@ -1819,7 +1820,7 @@
           <a:p>
             <a:fld id="{DA8B0091-2D57-470A-B052-82E460EC9AFD}" type="datetimeFigureOut">
               <a:rPr lang="zh-CN" altLang="en-US" smtClean="0"/>
-              <a:t>2018/4/26</a:t>
+              <a:t>2018/4/29</a:t>
             </a:fld>
             <a:endParaRPr lang="zh-CN" altLang="en-US"/>
           </a:p>
@@ -2096,7 +2097,7 @@
           <a:p>
             <a:fld id="{DA8B0091-2D57-470A-B052-82E460EC9AFD}" type="datetimeFigureOut">
               <a:rPr lang="zh-CN" altLang="en-US" smtClean="0"/>
-              <a:t>2018/4/26</a:t>
+              <a:t>2018/4/29</a:t>
             </a:fld>
             <a:endParaRPr lang="zh-CN" altLang="en-US"/>
           </a:p>
@@ -2353,7 +2354,7 @@
           <a:p>
             <a:fld id="{DA8B0091-2D57-470A-B052-82E460EC9AFD}" type="datetimeFigureOut">
               <a:rPr lang="zh-CN" altLang="en-US" smtClean="0"/>
-              <a:t>2018/4/26</a:t>
+              <a:t>2018/4/29</a:t>
             </a:fld>
             <a:endParaRPr lang="zh-CN" altLang="en-US"/>
           </a:p>
@@ -2566,7 +2567,7 @@
           <a:p>
             <a:fld id="{DA8B0091-2D57-470A-B052-82E460EC9AFD}" type="datetimeFigureOut">
               <a:rPr lang="zh-CN" altLang="en-US" smtClean="0"/>
-              <a:t>2018/4/26</a:t>
+              <a:t>2018/4/29</a:t>
             </a:fld>
             <a:endParaRPr lang="zh-CN" altLang="en-US"/>
           </a:p>
@@ -5974,7 +5975,7 @@
         </p:nvSpPr>
         <p:spPr>
           <a:xfrm>
-            <a:off x="2911795" y="25146962"/>
+            <a:off x="2174837" y="25081662"/>
             <a:ext cx="1924953" cy="519351"/>
           </a:xfrm>
           <a:prstGeom prst="ellipse">
@@ -6267,7 +6268,7 @@
         </p:nvSpPr>
         <p:spPr>
           <a:xfrm>
-            <a:off x="5472112" y="25081662"/>
+            <a:off x="6387921" y="25081662"/>
             <a:ext cx="1615905" cy="519351"/>
           </a:xfrm>
           <a:prstGeom prst="ellipse">
@@ -6412,8 +6413,8 @@
         </p:nvCxnSpPr>
         <p:spPr>
           <a:xfrm flipH="1">
-            <a:off x="4355112" y="24210734"/>
-            <a:ext cx="187723" cy="936228"/>
+            <a:off x="3631646" y="24210734"/>
+            <a:ext cx="911190" cy="870928"/>
           </a:xfrm>
           <a:prstGeom prst="line">
             <a:avLst/>
@@ -6541,13 +6542,14 @@
           </p:cNvPr>
           <p:cNvCxnSpPr>
             <a:cxnSpLocks/>
+            <a:endCxn id="128" idx="1"/>
           </p:cNvCxnSpPr>
           <p:nvPr/>
         </p:nvCxnSpPr>
         <p:spPr>
           <a:xfrm>
             <a:off x="5304173" y="24210734"/>
-            <a:ext cx="503648" cy="870928"/>
+            <a:ext cx="1320392" cy="946985"/>
           </a:xfrm>
           <a:prstGeom prst="line">
             <a:avLst/>
@@ -6708,10 +6710,1732 @@
           </a:fontRef>
         </p:style>
       </p:cxnSp>
+      <p:sp>
+        <p:nvSpPr>
+          <p:cNvPr id="92" name="文本框 91">
+            <a:extLst>
+              <a:ext uri="{FF2B5EF4-FFF2-40B4-BE49-F238E27FC236}">
+                <a16:creationId xmlns:a16="http://schemas.microsoft.com/office/drawing/2014/main" id="{8B2EEEC2-74B6-49FA-8C98-29568F0DEA16}"/>
+              </a:ext>
+            </a:extLst>
+          </p:cNvPr>
+          <p:cNvSpPr txBox="1"/>
+          <p:nvPr/>
+        </p:nvSpPr>
+        <p:spPr>
+          <a:xfrm>
+            <a:off x="4142253" y="25341337"/>
+            <a:ext cx="1924953" cy="519351"/>
+          </a:xfrm>
+          <a:prstGeom prst="ellipse">
+            <a:avLst/>
+          </a:prstGeom>
+        </p:spPr>
+        <p:style>
+          <a:lnRef idx="2">
+            <a:schemeClr val="dk1"/>
+          </a:lnRef>
+          <a:fillRef idx="1">
+            <a:schemeClr val="lt1"/>
+          </a:fillRef>
+          <a:effectRef idx="0">
+            <a:schemeClr val="dk1"/>
+          </a:effectRef>
+          <a:fontRef idx="minor">
+            <a:schemeClr val="dk1"/>
+          </a:fontRef>
+        </p:style>
+        <p:txBody>
+          <a:bodyPr wrap="square" rtlCol="0">
+            <a:spAutoFit/>
+          </a:bodyPr>
+          <a:lstStyle/>
+          <a:p>
+            <a:r>
+              <a:rPr lang="zh-CN" altLang="en-US" dirty="0"/>
+              <a:t>创建时间</a:t>
+            </a:r>
+          </a:p>
+        </p:txBody>
+      </p:sp>
+      <p:cxnSp>
+        <p:nvCxnSpPr>
+          <p:cNvPr id="93" name="直接连接符 92">
+            <a:extLst>
+              <a:ext uri="{FF2B5EF4-FFF2-40B4-BE49-F238E27FC236}">
+                <a16:creationId xmlns:a16="http://schemas.microsoft.com/office/drawing/2014/main" id="{E5CEC69A-3E74-4037-9771-58C915C432AC}"/>
+              </a:ext>
+            </a:extLst>
+          </p:cNvPr>
+          <p:cNvCxnSpPr>
+            <a:cxnSpLocks/>
+            <a:stCxn id="116" idx="2"/>
+            <a:endCxn id="92" idx="0"/>
+          </p:cNvCxnSpPr>
+          <p:nvPr/>
+        </p:nvCxnSpPr>
+        <p:spPr>
+          <a:xfrm>
+            <a:off x="4836749" y="24178403"/>
+            <a:ext cx="267981" cy="1162934"/>
+          </a:xfrm>
+          <a:prstGeom prst="line">
+            <a:avLst/>
+          </a:prstGeom>
+          <a:ln>
+            <a:solidFill>
+              <a:schemeClr val="tx1"/>
+            </a:solidFill>
+            <a:tailEnd type="none"/>
+          </a:ln>
+        </p:spPr>
+        <p:style>
+          <a:lnRef idx="1">
+            <a:schemeClr val="accent1"/>
+          </a:lnRef>
+          <a:fillRef idx="0">
+            <a:schemeClr val="accent1"/>
+          </a:fillRef>
+          <a:effectRef idx="0">
+            <a:schemeClr val="accent1"/>
+          </a:effectRef>
+          <a:fontRef idx="minor">
+            <a:schemeClr val="tx1"/>
+          </a:fontRef>
+        </p:style>
+      </p:cxnSp>
     </p:spTree>
     <p:extLst>
       <p:ext uri="{BB962C8B-B14F-4D97-AF65-F5344CB8AC3E}">
         <p14:creationId xmlns:p14="http://schemas.microsoft.com/office/powerpoint/2010/main" val="3286654496"/>
+      </p:ext>
+    </p:extLst>
+  </p:cSld>
+  <p:clrMapOvr>
+    <a:masterClrMapping/>
+  </p:clrMapOvr>
+</p:sld>
+</file>
+
+<file path=ppt/slides/slide2.xml><?xml version="1.0" encoding="utf-8"?>
+<p:sld xmlns:a="http://schemas.openxmlformats.org/drawingml/2006/main" xmlns:r="http://schemas.openxmlformats.org/officeDocument/2006/relationships" xmlns:p="http://schemas.openxmlformats.org/presentationml/2006/main">
+  <p:cSld>
+    <p:spTree>
+      <p:nvGrpSpPr>
+        <p:cNvPr id="1" name=""/>
+        <p:cNvGrpSpPr/>
+        <p:nvPr/>
+      </p:nvGrpSpPr>
+      <p:grpSpPr>
+        <a:xfrm>
+          <a:off x="0" y="0"/>
+          <a:ext cx="0" cy="0"/>
+          <a:chOff x="0" y="0"/>
+          <a:chExt cx="0" cy="0"/>
+        </a:xfrm>
+      </p:grpSpPr>
+      <p:sp>
+        <p:nvSpPr>
+          <p:cNvPr id="2" name="椭圆 1">
+            <a:extLst>
+              <a:ext uri="{FF2B5EF4-FFF2-40B4-BE49-F238E27FC236}">
+                <a16:creationId xmlns:a16="http://schemas.microsoft.com/office/drawing/2014/main" id="{2E974BF9-E1C7-4FC7-A77F-B4068F024FB1}"/>
+              </a:ext>
+            </a:extLst>
+          </p:cNvPr>
+          <p:cNvSpPr/>
+          <p:nvPr/>
+        </p:nvSpPr>
+        <p:spPr>
+          <a:xfrm>
+            <a:off x="2263516" y="11812250"/>
+            <a:ext cx="719528" cy="719528"/>
+          </a:xfrm>
+          <a:prstGeom prst="ellipse">
+            <a:avLst/>
+          </a:prstGeom>
+          <a:solidFill>
+            <a:schemeClr val="bg1"/>
+          </a:solidFill>
+        </p:spPr>
+        <p:style>
+          <a:lnRef idx="2">
+            <a:schemeClr val="dk1">
+              <a:shade val="50000"/>
+            </a:schemeClr>
+          </a:lnRef>
+          <a:fillRef idx="1">
+            <a:schemeClr val="dk1"/>
+          </a:fillRef>
+          <a:effectRef idx="0">
+            <a:schemeClr val="dk1"/>
+          </a:effectRef>
+          <a:fontRef idx="minor">
+            <a:schemeClr val="lt1"/>
+          </a:fontRef>
+        </p:style>
+        <p:txBody>
+          <a:bodyPr rtlCol="0" anchor="ctr"/>
+          <a:lstStyle/>
+          <a:p>
+            <a:pPr algn="ctr"/>
+            <a:endParaRPr lang="zh-CN" altLang="en-US"/>
+          </a:p>
+        </p:txBody>
+      </p:sp>
+      <p:cxnSp>
+        <p:nvCxnSpPr>
+          <p:cNvPr id="4" name="直接连接符 3">
+            <a:extLst>
+              <a:ext uri="{FF2B5EF4-FFF2-40B4-BE49-F238E27FC236}">
+                <a16:creationId xmlns:a16="http://schemas.microsoft.com/office/drawing/2014/main" id="{2814E9FD-8AF8-4A0B-B57E-6C68594337C2}"/>
+              </a:ext>
+            </a:extLst>
+          </p:cNvPr>
+          <p:cNvCxnSpPr>
+            <a:stCxn id="2" idx="4"/>
+          </p:cNvCxnSpPr>
+          <p:nvPr/>
+        </p:nvCxnSpPr>
+        <p:spPr>
+          <a:xfrm flipH="1">
+            <a:off x="2623279" y="12531778"/>
+            <a:ext cx="1" cy="479684"/>
+          </a:xfrm>
+          <a:prstGeom prst="line">
+            <a:avLst/>
+          </a:prstGeom>
+          <a:ln>
+            <a:solidFill>
+              <a:schemeClr val="tx1"/>
+            </a:solidFill>
+            <a:tailEnd type="none"/>
+          </a:ln>
+        </p:spPr>
+        <p:style>
+          <a:lnRef idx="1">
+            <a:schemeClr val="accent1"/>
+          </a:lnRef>
+          <a:fillRef idx="0">
+            <a:schemeClr val="accent1"/>
+          </a:fillRef>
+          <a:effectRef idx="0">
+            <a:schemeClr val="accent1"/>
+          </a:effectRef>
+          <a:fontRef idx="minor">
+            <a:schemeClr val="tx1"/>
+          </a:fontRef>
+        </p:style>
+      </p:cxnSp>
+      <p:cxnSp>
+        <p:nvCxnSpPr>
+          <p:cNvPr id="6" name="直接连接符 5">
+            <a:extLst>
+              <a:ext uri="{FF2B5EF4-FFF2-40B4-BE49-F238E27FC236}">
+                <a16:creationId xmlns:a16="http://schemas.microsoft.com/office/drawing/2014/main" id="{32B94309-0EBB-4A35-A9C0-F3174F3C5268}"/>
+              </a:ext>
+            </a:extLst>
+          </p:cNvPr>
+          <p:cNvCxnSpPr/>
+          <p:nvPr/>
+        </p:nvCxnSpPr>
+        <p:spPr>
+          <a:xfrm>
+            <a:off x="2143593" y="13011462"/>
+            <a:ext cx="1019332" cy="0"/>
+          </a:xfrm>
+          <a:prstGeom prst="line">
+            <a:avLst/>
+          </a:prstGeom>
+          <a:ln>
+            <a:solidFill>
+              <a:schemeClr val="tx1"/>
+            </a:solidFill>
+            <a:tailEnd type="none"/>
+          </a:ln>
+        </p:spPr>
+        <p:style>
+          <a:lnRef idx="1">
+            <a:schemeClr val="accent1"/>
+          </a:lnRef>
+          <a:fillRef idx="0">
+            <a:schemeClr val="accent1"/>
+          </a:fillRef>
+          <a:effectRef idx="0">
+            <a:schemeClr val="accent1"/>
+          </a:effectRef>
+          <a:fontRef idx="minor">
+            <a:schemeClr val="tx1"/>
+          </a:fontRef>
+        </p:style>
+      </p:cxnSp>
+      <p:cxnSp>
+        <p:nvCxnSpPr>
+          <p:cNvPr id="8" name="直接连接符 7">
+            <a:extLst>
+              <a:ext uri="{FF2B5EF4-FFF2-40B4-BE49-F238E27FC236}">
+                <a16:creationId xmlns:a16="http://schemas.microsoft.com/office/drawing/2014/main" id="{084C0A3D-42F0-4881-A311-8DCA8662CCBD}"/>
+              </a:ext>
+            </a:extLst>
+          </p:cNvPr>
+          <p:cNvCxnSpPr/>
+          <p:nvPr/>
+        </p:nvCxnSpPr>
+        <p:spPr>
+          <a:xfrm flipH="1">
+            <a:off x="2143593" y="13011462"/>
+            <a:ext cx="479686" cy="554636"/>
+          </a:xfrm>
+          <a:prstGeom prst="line">
+            <a:avLst/>
+          </a:prstGeom>
+          <a:ln>
+            <a:solidFill>
+              <a:schemeClr val="tx1"/>
+            </a:solidFill>
+            <a:tailEnd type="none"/>
+          </a:ln>
+        </p:spPr>
+        <p:style>
+          <a:lnRef idx="1">
+            <a:schemeClr val="accent1"/>
+          </a:lnRef>
+          <a:fillRef idx="0">
+            <a:schemeClr val="accent1"/>
+          </a:fillRef>
+          <a:effectRef idx="0">
+            <a:schemeClr val="accent1"/>
+          </a:effectRef>
+          <a:fontRef idx="minor">
+            <a:schemeClr val="tx1"/>
+          </a:fontRef>
+        </p:style>
+      </p:cxnSp>
+      <p:cxnSp>
+        <p:nvCxnSpPr>
+          <p:cNvPr id="9" name="直接连接符 8">
+            <a:extLst>
+              <a:ext uri="{FF2B5EF4-FFF2-40B4-BE49-F238E27FC236}">
+                <a16:creationId xmlns:a16="http://schemas.microsoft.com/office/drawing/2014/main" id="{8E05039C-36FC-477F-B1BA-0A926FBF3669}"/>
+              </a:ext>
+            </a:extLst>
+          </p:cNvPr>
+          <p:cNvCxnSpPr>
+            <a:cxnSpLocks/>
+          </p:cNvCxnSpPr>
+          <p:nvPr/>
+        </p:nvCxnSpPr>
+        <p:spPr>
+          <a:xfrm>
+            <a:off x="2623279" y="13048936"/>
+            <a:ext cx="539646" cy="517162"/>
+          </a:xfrm>
+          <a:prstGeom prst="line">
+            <a:avLst/>
+          </a:prstGeom>
+          <a:ln>
+            <a:solidFill>
+              <a:schemeClr val="tx1"/>
+            </a:solidFill>
+            <a:tailEnd type="none"/>
+          </a:ln>
+        </p:spPr>
+        <p:style>
+          <a:lnRef idx="1">
+            <a:schemeClr val="accent1"/>
+          </a:lnRef>
+          <a:fillRef idx="0">
+            <a:schemeClr val="accent1"/>
+          </a:fillRef>
+          <a:effectRef idx="0">
+            <a:schemeClr val="accent1"/>
+          </a:effectRef>
+          <a:fontRef idx="minor">
+            <a:schemeClr val="tx1"/>
+          </a:fontRef>
+        </p:style>
+      </p:cxnSp>
+      <p:cxnSp>
+        <p:nvCxnSpPr>
+          <p:cNvPr id="16" name="直接连接符 15">
+            <a:extLst>
+              <a:ext uri="{FF2B5EF4-FFF2-40B4-BE49-F238E27FC236}">
+                <a16:creationId xmlns:a16="http://schemas.microsoft.com/office/drawing/2014/main" id="{5A3D55D5-C342-491E-9AC8-0452BA1B544F}"/>
+              </a:ext>
+            </a:extLst>
+          </p:cNvPr>
+          <p:cNvCxnSpPr>
+            <a:cxnSpLocks/>
+          </p:cNvCxnSpPr>
+          <p:nvPr/>
+        </p:nvCxnSpPr>
+        <p:spPr>
+          <a:xfrm flipV="1">
+            <a:off x="3462730" y="10820807"/>
+            <a:ext cx="2633268" cy="1727837"/>
+          </a:xfrm>
+          <a:prstGeom prst="line">
+            <a:avLst/>
+          </a:prstGeom>
+          <a:ln>
+            <a:solidFill>
+              <a:schemeClr val="tx1"/>
+            </a:solidFill>
+            <a:tailEnd type="triangle" w="lg" len="lg"/>
+          </a:ln>
+        </p:spPr>
+        <p:style>
+          <a:lnRef idx="1">
+            <a:schemeClr val="accent1"/>
+          </a:lnRef>
+          <a:fillRef idx="0">
+            <a:schemeClr val="accent1"/>
+          </a:fillRef>
+          <a:effectRef idx="0">
+            <a:schemeClr val="accent1"/>
+          </a:effectRef>
+          <a:fontRef idx="minor">
+            <a:schemeClr val="tx1"/>
+          </a:fontRef>
+        </p:style>
+      </p:cxnSp>
+      <p:cxnSp>
+        <p:nvCxnSpPr>
+          <p:cNvPr id="19" name="直接连接符 18">
+            <a:extLst>
+              <a:ext uri="{FF2B5EF4-FFF2-40B4-BE49-F238E27FC236}">
+                <a16:creationId xmlns:a16="http://schemas.microsoft.com/office/drawing/2014/main" id="{C83FEACA-3622-4E5D-9715-E992ECA6085E}"/>
+              </a:ext>
+            </a:extLst>
+          </p:cNvPr>
+          <p:cNvCxnSpPr>
+            <a:cxnSpLocks/>
+            <a:endCxn id="33" idx="2"/>
+          </p:cNvCxnSpPr>
+          <p:nvPr/>
+        </p:nvCxnSpPr>
+        <p:spPr>
+          <a:xfrm flipV="1">
+            <a:off x="3462729" y="12538816"/>
+            <a:ext cx="2633269" cy="472646"/>
+          </a:xfrm>
+          <a:prstGeom prst="line">
+            <a:avLst/>
+          </a:prstGeom>
+          <a:ln>
+            <a:solidFill>
+              <a:schemeClr val="tx1"/>
+            </a:solidFill>
+            <a:tailEnd type="triangle" w="lg" len="lg"/>
+          </a:ln>
+        </p:spPr>
+        <p:style>
+          <a:lnRef idx="1">
+            <a:schemeClr val="accent1"/>
+          </a:lnRef>
+          <a:fillRef idx="0">
+            <a:schemeClr val="accent1"/>
+          </a:fillRef>
+          <a:effectRef idx="0">
+            <a:schemeClr val="accent1"/>
+          </a:effectRef>
+          <a:fontRef idx="minor">
+            <a:schemeClr val="tx1"/>
+          </a:fontRef>
+        </p:style>
+      </p:cxnSp>
+      <p:cxnSp>
+        <p:nvCxnSpPr>
+          <p:cNvPr id="20" name="直接连接符 19">
+            <a:extLst>
+              <a:ext uri="{FF2B5EF4-FFF2-40B4-BE49-F238E27FC236}">
+                <a16:creationId xmlns:a16="http://schemas.microsoft.com/office/drawing/2014/main" id="{8631655D-7FE9-4792-A184-2FC91780A7F0}"/>
+              </a:ext>
+            </a:extLst>
+          </p:cNvPr>
+          <p:cNvCxnSpPr>
+            <a:cxnSpLocks/>
+          </p:cNvCxnSpPr>
+          <p:nvPr/>
+        </p:nvCxnSpPr>
+        <p:spPr>
+          <a:xfrm>
+            <a:off x="3530188" y="13413070"/>
+            <a:ext cx="2540829" cy="1092288"/>
+          </a:xfrm>
+          <a:prstGeom prst="line">
+            <a:avLst/>
+          </a:prstGeom>
+          <a:ln>
+            <a:solidFill>
+              <a:schemeClr val="tx1"/>
+            </a:solidFill>
+            <a:tailEnd type="triangle" w="lg" len="lg"/>
+          </a:ln>
+        </p:spPr>
+        <p:style>
+          <a:lnRef idx="1">
+            <a:schemeClr val="accent1"/>
+          </a:lnRef>
+          <a:fillRef idx="0">
+            <a:schemeClr val="accent1"/>
+          </a:fillRef>
+          <a:effectRef idx="0">
+            <a:schemeClr val="accent1"/>
+          </a:effectRef>
+          <a:fontRef idx="minor">
+            <a:schemeClr val="tx1"/>
+          </a:fontRef>
+        </p:style>
+      </p:cxnSp>
+      <p:sp>
+        <p:nvSpPr>
+          <p:cNvPr id="28" name="文本框 27">
+            <a:extLst>
+              <a:ext uri="{FF2B5EF4-FFF2-40B4-BE49-F238E27FC236}">
+                <a16:creationId xmlns:a16="http://schemas.microsoft.com/office/drawing/2014/main" id="{B3651684-1EB1-4C93-A1CE-08663536319A}"/>
+              </a:ext>
+            </a:extLst>
+          </p:cNvPr>
+          <p:cNvSpPr txBox="1"/>
+          <p:nvPr/>
+        </p:nvSpPr>
+        <p:spPr>
+          <a:xfrm>
+            <a:off x="6095999" y="11347775"/>
+            <a:ext cx="2188564" cy="369332"/>
+          </a:xfrm>
+          <a:prstGeom prst="rect">
+            <a:avLst/>
+          </a:prstGeom>
+          <a:noFill/>
+        </p:spPr>
+        <p:txBody>
+          <a:bodyPr wrap="square" rtlCol="0">
+            <a:spAutoFit/>
+          </a:bodyPr>
+          <a:lstStyle/>
+          <a:p>
+            <a:r>
+              <a:rPr lang="zh-CN" altLang="en-US" dirty="0"/>
+              <a:t>查看后台统计数据</a:t>
+            </a:r>
+          </a:p>
+        </p:txBody>
+      </p:sp>
+      <p:sp>
+        <p:nvSpPr>
+          <p:cNvPr id="29" name="文本框 28">
+            <a:extLst>
+              <a:ext uri="{FF2B5EF4-FFF2-40B4-BE49-F238E27FC236}">
+                <a16:creationId xmlns:a16="http://schemas.microsoft.com/office/drawing/2014/main" id="{D04A8D45-640B-4F02-B48A-B828EE19DAB5}"/>
+              </a:ext>
+            </a:extLst>
+          </p:cNvPr>
+          <p:cNvSpPr txBox="1"/>
+          <p:nvPr/>
+        </p:nvSpPr>
+        <p:spPr>
+          <a:xfrm>
+            <a:off x="6071017" y="13166938"/>
+            <a:ext cx="2188564" cy="369332"/>
+          </a:xfrm>
+          <a:prstGeom prst="rect">
+            <a:avLst/>
+          </a:prstGeom>
+          <a:noFill/>
+        </p:spPr>
+        <p:txBody>
+          <a:bodyPr wrap="square" rtlCol="0">
+            <a:spAutoFit/>
+          </a:bodyPr>
+          <a:lstStyle/>
+          <a:p>
+            <a:r>
+              <a:rPr lang="zh-CN" altLang="en-US" dirty="0"/>
+              <a:t>查看被禁用账户</a:t>
+            </a:r>
+          </a:p>
+        </p:txBody>
+      </p:sp>
+      <p:sp>
+        <p:nvSpPr>
+          <p:cNvPr id="30" name="文本框 29">
+            <a:extLst>
+              <a:ext uri="{FF2B5EF4-FFF2-40B4-BE49-F238E27FC236}">
+                <a16:creationId xmlns:a16="http://schemas.microsoft.com/office/drawing/2014/main" id="{31066ED2-15AF-4D9A-B530-A9560A15B105}"/>
+              </a:ext>
+            </a:extLst>
+          </p:cNvPr>
+          <p:cNvSpPr txBox="1"/>
+          <p:nvPr/>
+        </p:nvSpPr>
+        <p:spPr>
+          <a:xfrm>
+            <a:off x="6096000" y="15263343"/>
+            <a:ext cx="2188564" cy="369332"/>
+          </a:xfrm>
+          <a:prstGeom prst="rect">
+            <a:avLst/>
+          </a:prstGeom>
+          <a:noFill/>
+        </p:spPr>
+        <p:txBody>
+          <a:bodyPr wrap="square" rtlCol="0">
+            <a:spAutoFit/>
+          </a:bodyPr>
+          <a:lstStyle/>
+          <a:p>
+            <a:r>
+              <a:rPr lang="zh-CN" altLang="en-US" dirty="0"/>
+              <a:t>停用</a:t>
+            </a:r>
+            <a:r>
+              <a:rPr lang="en-US" altLang="zh-CN" dirty="0"/>
+              <a:t>/</a:t>
+            </a:r>
+            <a:r>
+              <a:rPr lang="zh-CN" altLang="en-US" dirty="0"/>
+              <a:t>启用账户</a:t>
+            </a:r>
+          </a:p>
+        </p:txBody>
+      </p:sp>
+      <p:sp>
+        <p:nvSpPr>
+          <p:cNvPr id="31" name="椭圆 30">
+            <a:extLst>
+              <a:ext uri="{FF2B5EF4-FFF2-40B4-BE49-F238E27FC236}">
+                <a16:creationId xmlns:a16="http://schemas.microsoft.com/office/drawing/2014/main" id="{BC17DEDE-E816-4797-82B6-0D36BB8A9837}"/>
+              </a:ext>
+            </a:extLst>
+          </p:cNvPr>
+          <p:cNvSpPr/>
+          <p:nvPr/>
+        </p:nvSpPr>
+        <p:spPr>
+          <a:xfrm>
+            <a:off x="6095999" y="10260990"/>
+            <a:ext cx="1768839" cy="884419"/>
+          </a:xfrm>
+          <a:prstGeom prst="ellipse">
+            <a:avLst/>
+          </a:prstGeom>
+          <a:solidFill>
+            <a:schemeClr val="bg1"/>
+          </a:solidFill>
+        </p:spPr>
+        <p:style>
+          <a:lnRef idx="2">
+            <a:schemeClr val="dk1">
+              <a:shade val="50000"/>
+            </a:schemeClr>
+          </a:lnRef>
+          <a:fillRef idx="1">
+            <a:schemeClr val="dk1"/>
+          </a:fillRef>
+          <a:effectRef idx="0">
+            <a:schemeClr val="dk1"/>
+          </a:effectRef>
+          <a:fontRef idx="minor">
+            <a:schemeClr val="lt1"/>
+          </a:fontRef>
+        </p:style>
+        <p:txBody>
+          <a:bodyPr rtlCol="0" anchor="ctr"/>
+          <a:lstStyle/>
+          <a:p>
+            <a:pPr algn="ctr"/>
+            <a:r>
+              <a:rPr lang="en-US" altLang="zh-CN" dirty="0"/>
+              <a:t>             </a:t>
+            </a:r>
+            <a:endParaRPr lang="zh-CN" altLang="en-US" dirty="0"/>
+          </a:p>
+        </p:txBody>
+      </p:sp>
+      <p:sp>
+        <p:nvSpPr>
+          <p:cNvPr id="33" name="椭圆 32">
+            <a:extLst>
+              <a:ext uri="{FF2B5EF4-FFF2-40B4-BE49-F238E27FC236}">
+                <a16:creationId xmlns:a16="http://schemas.microsoft.com/office/drawing/2014/main" id="{6CC94FE1-71FF-4733-B984-28E034B67938}"/>
+              </a:ext>
+            </a:extLst>
+          </p:cNvPr>
+          <p:cNvSpPr/>
+          <p:nvPr/>
+        </p:nvSpPr>
+        <p:spPr>
+          <a:xfrm>
+            <a:off x="6095998" y="12096606"/>
+            <a:ext cx="1768839" cy="884419"/>
+          </a:xfrm>
+          <a:prstGeom prst="ellipse">
+            <a:avLst/>
+          </a:prstGeom>
+          <a:solidFill>
+            <a:schemeClr val="bg1"/>
+          </a:solidFill>
+        </p:spPr>
+        <p:style>
+          <a:lnRef idx="2">
+            <a:schemeClr val="dk1">
+              <a:shade val="50000"/>
+            </a:schemeClr>
+          </a:lnRef>
+          <a:fillRef idx="1">
+            <a:schemeClr val="dk1"/>
+          </a:fillRef>
+          <a:effectRef idx="0">
+            <a:schemeClr val="dk1"/>
+          </a:effectRef>
+          <a:fontRef idx="minor">
+            <a:schemeClr val="lt1"/>
+          </a:fontRef>
+        </p:style>
+        <p:txBody>
+          <a:bodyPr rtlCol="0" anchor="ctr"/>
+          <a:lstStyle/>
+          <a:p>
+            <a:pPr algn="ctr"/>
+            <a:r>
+              <a:rPr lang="en-US" altLang="zh-CN" dirty="0"/>
+              <a:t>             </a:t>
+            </a:r>
+            <a:endParaRPr lang="zh-CN" altLang="en-US" dirty="0"/>
+          </a:p>
+        </p:txBody>
+      </p:sp>
+      <p:sp>
+        <p:nvSpPr>
+          <p:cNvPr id="34" name="椭圆 33">
+            <a:extLst>
+              <a:ext uri="{FF2B5EF4-FFF2-40B4-BE49-F238E27FC236}">
+                <a16:creationId xmlns:a16="http://schemas.microsoft.com/office/drawing/2014/main" id="{1770864C-C683-4620-822A-10D4108AEE02}"/>
+              </a:ext>
+            </a:extLst>
+          </p:cNvPr>
+          <p:cNvSpPr/>
+          <p:nvPr/>
+        </p:nvSpPr>
+        <p:spPr>
+          <a:xfrm>
+            <a:off x="6095998" y="14155094"/>
+            <a:ext cx="1768839" cy="884419"/>
+          </a:xfrm>
+          <a:prstGeom prst="ellipse">
+            <a:avLst/>
+          </a:prstGeom>
+          <a:solidFill>
+            <a:schemeClr val="bg1"/>
+          </a:solidFill>
+        </p:spPr>
+        <p:style>
+          <a:lnRef idx="2">
+            <a:schemeClr val="dk1">
+              <a:shade val="50000"/>
+            </a:schemeClr>
+          </a:lnRef>
+          <a:fillRef idx="1">
+            <a:schemeClr val="dk1"/>
+          </a:fillRef>
+          <a:effectRef idx="0">
+            <a:schemeClr val="dk1"/>
+          </a:effectRef>
+          <a:fontRef idx="minor">
+            <a:schemeClr val="lt1"/>
+          </a:fontRef>
+        </p:style>
+        <p:txBody>
+          <a:bodyPr rtlCol="0" anchor="ctr"/>
+          <a:lstStyle/>
+          <a:p>
+            <a:pPr algn="ctr"/>
+            <a:r>
+              <a:rPr lang="en-US" altLang="zh-CN" dirty="0"/>
+              <a:t>             </a:t>
+            </a:r>
+            <a:endParaRPr lang="zh-CN" altLang="en-US" dirty="0"/>
+          </a:p>
+        </p:txBody>
+      </p:sp>
+      <p:sp>
+        <p:nvSpPr>
+          <p:cNvPr id="37" name="文本框 36">
+            <a:extLst>
+              <a:ext uri="{FF2B5EF4-FFF2-40B4-BE49-F238E27FC236}">
+                <a16:creationId xmlns:a16="http://schemas.microsoft.com/office/drawing/2014/main" id="{6560FB78-3312-4B5D-B06E-19F66E31EAEE}"/>
+              </a:ext>
+            </a:extLst>
+          </p:cNvPr>
+          <p:cNvSpPr txBox="1"/>
+          <p:nvPr/>
+        </p:nvSpPr>
+        <p:spPr>
+          <a:xfrm>
+            <a:off x="2203554" y="13725987"/>
+            <a:ext cx="2188564" cy="369332"/>
+          </a:xfrm>
+          <a:prstGeom prst="rect">
+            <a:avLst/>
+          </a:prstGeom>
+          <a:noFill/>
+        </p:spPr>
+        <p:txBody>
+          <a:bodyPr wrap="square" rtlCol="0">
+            <a:spAutoFit/>
+          </a:bodyPr>
+          <a:lstStyle/>
+          <a:p>
+            <a:r>
+              <a:rPr lang="zh-CN" altLang="en-US" dirty="0"/>
+              <a:t>管理员</a:t>
+            </a:r>
+          </a:p>
+        </p:txBody>
+      </p:sp>
+      <p:sp>
+        <p:nvSpPr>
+          <p:cNvPr id="38" name="椭圆 37">
+            <a:extLst>
+              <a:ext uri="{FF2B5EF4-FFF2-40B4-BE49-F238E27FC236}">
+                <a16:creationId xmlns:a16="http://schemas.microsoft.com/office/drawing/2014/main" id="{A7ADC30B-C38A-4E3C-A7B4-24ACAE433F3A}"/>
+              </a:ext>
+            </a:extLst>
+          </p:cNvPr>
+          <p:cNvSpPr/>
+          <p:nvPr/>
+        </p:nvSpPr>
+        <p:spPr>
+          <a:xfrm>
+            <a:off x="2908093" y="18877269"/>
+            <a:ext cx="719528" cy="719528"/>
+          </a:xfrm>
+          <a:prstGeom prst="ellipse">
+            <a:avLst/>
+          </a:prstGeom>
+          <a:solidFill>
+            <a:schemeClr val="bg1"/>
+          </a:solidFill>
+        </p:spPr>
+        <p:style>
+          <a:lnRef idx="2">
+            <a:schemeClr val="dk1">
+              <a:shade val="50000"/>
+            </a:schemeClr>
+          </a:lnRef>
+          <a:fillRef idx="1">
+            <a:schemeClr val="dk1"/>
+          </a:fillRef>
+          <a:effectRef idx="0">
+            <a:schemeClr val="dk1"/>
+          </a:effectRef>
+          <a:fontRef idx="minor">
+            <a:schemeClr val="lt1"/>
+          </a:fontRef>
+        </p:style>
+        <p:txBody>
+          <a:bodyPr rtlCol="0" anchor="ctr"/>
+          <a:lstStyle/>
+          <a:p>
+            <a:pPr algn="ctr"/>
+            <a:endParaRPr lang="zh-CN" altLang="en-US"/>
+          </a:p>
+        </p:txBody>
+      </p:sp>
+      <p:cxnSp>
+        <p:nvCxnSpPr>
+          <p:cNvPr id="39" name="直接连接符 38">
+            <a:extLst>
+              <a:ext uri="{FF2B5EF4-FFF2-40B4-BE49-F238E27FC236}">
+                <a16:creationId xmlns:a16="http://schemas.microsoft.com/office/drawing/2014/main" id="{FC4F86A5-620A-4C45-97FD-47AD46CB9BE2}"/>
+              </a:ext>
+            </a:extLst>
+          </p:cNvPr>
+          <p:cNvCxnSpPr>
+            <a:stCxn id="38" idx="4"/>
+          </p:cNvCxnSpPr>
+          <p:nvPr/>
+        </p:nvCxnSpPr>
+        <p:spPr>
+          <a:xfrm flipH="1">
+            <a:off x="3267856" y="19596797"/>
+            <a:ext cx="1" cy="479684"/>
+          </a:xfrm>
+          <a:prstGeom prst="line">
+            <a:avLst/>
+          </a:prstGeom>
+          <a:ln>
+            <a:solidFill>
+              <a:schemeClr val="tx1"/>
+            </a:solidFill>
+            <a:tailEnd type="none"/>
+          </a:ln>
+        </p:spPr>
+        <p:style>
+          <a:lnRef idx="1">
+            <a:schemeClr val="accent1"/>
+          </a:lnRef>
+          <a:fillRef idx="0">
+            <a:schemeClr val="accent1"/>
+          </a:fillRef>
+          <a:effectRef idx="0">
+            <a:schemeClr val="accent1"/>
+          </a:effectRef>
+          <a:fontRef idx="minor">
+            <a:schemeClr val="tx1"/>
+          </a:fontRef>
+        </p:style>
+      </p:cxnSp>
+      <p:cxnSp>
+        <p:nvCxnSpPr>
+          <p:cNvPr id="40" name="直接连接符 39">
+            <a:extLst>
+              <a:ext uri="{FF2B5EF4-FFF2-40B4-BE49-F238E27FC236}">
+                <a16:creationId xmlns:a16="http://schemas.microsoft.com/office/drawing/2014/main" id="{4CE2B4F7-3D46-4EFA-975C-BF6417751B18}"/>
+              </a:ext>
+            </a:extLst>
+          </p:cNvPr>
+          <p:cNvCxnSpPr/>
+          <p:nvPr/>
+        </p:nvCxnSpPr>
+        <p:spPr>
+          <a:xfrm>
+            <a:off x="2788170" y="20076481"/>
+            <a:ext cx="1019332" cy="0"/>
+          </a:xfrm>
+          <a:prstGeom prst="line">
+            <a:avLst/>
+          </a:prstGeom>
+          <a:ln>
+            <a:solidFill>
+              <a:schemeClr val="tx1"/>
+            </a:solidFill>
+            <a:tailEnd type="none"/>
+          </a:ln>
+        </p:spPr>
+        <p:style>
+          <a:lnRef idx="1">
+            <a:schemeClr val="accent1"/>
+          </a:lnRef>
+          <a:fillRef idx="0">
+            <a:schemeClr val="accent1"/>
+          </a:fillRef>
+          <a:effectRef idx="0">
+            <a:schemeClr val="accent1"/>
+          </a:effectRef>
+          <a:fontRef idx="minor">
+            <a:schemeClr val="tx1"/>
+          </a:fontRef>
+        </p:style>
+      </p:cxnSp>
+      <p:cxnSp>
+        <p:nvCxnSpPr>
+          <p:cNvPr id="41" name="直接连接符 40">
+            <a:extLst>
+              <a:ext uri="{FF2B5EF4-FFF2-40B4-BE49-F238E27FC236}">
+                <a16:creationId xmlns:a16="http://schemas.microsoft.com/office/drawing/2014/main" id="{AC00A04E-CBEE-4F95-9E31-EE6DF67FE5E9}"/>
+              </a:ext>
+            </a:extLst>
+          </p:cNvPr>
+          <p:cNvCxnSpPr/>
+          <p:nvPr/>
+        </p:nvCxnSpPr>
+        <p:spPr>
+          <a:xfrm flipH="1">
+            <a:off x="2788170" y="20076481"/>
+            <a:ext cx="479686" cy="554636"/>
+          </a:xfrm>
+          <a:prstGeom prst="line">
+            <a:avLst/>
+          </a:prstGeom>
+          <a:ln>
+            <a:solidFill>
+              <a:schemeClr val="tx1"/>
+            </a:solidFill>
+            <a:tailEnd type="none"/>
+          </a:ln>
+        </p:spPr>
+        <p:style>
+          <a:lnRef idx="1">
+            <a:schemeClr val="accent1"/>
+          </a:lnRef>
+          <a:fillRef idx="0">
+            <a:schemeClr val="accent1"/>
+          </a:fillRef>
+          <a:effectRef idx="0">
+            <a:schemeClr val="accent1"/>
+          </a:effectRef>
+          <a:fontRef idx="minor">
+            <a:schemeClr val="tx1"/>
+          </a:fontRef>
+        </p:style>
+      </p:cxnSp>
+      <p:cxnSp>
+        <p:nvCxnSpPr>
+          <p:cNvPr id="42" name="直接连接符 41">
+            <a:extLst>
+              <a:ext uri="{FF2B5EF4-FFF2-40B4-BE49-F238E27FC236}">
+                <a16:creationId xmlns:a16="http://schemas.microsoft.com/office/drawing/2014/main" id="{6014401F-95CB-41B9-9DD5-3B33959B6809}"/>
+              </a:ext>
+            </a:extLst>
+          </p:cNvPr>
+          <p:cNvCxnSpPr>
+            <a:cxnSpLocks/>
+          </p:cNvCxnSpPr>
+          <p:nvPr/>
+        </p:nvCxnSpPr>
+        <p:spPr>
+          <a:xfrm>
+            <a:off x="3267856" y="20113955"/>
+            <a:ext cx="539646" cy="517162"/>
+          </a:xfrm>
+          <a:prstGeom prst="line">
+            <a:avLst/>
+          </a:prstGeom>
+          <a:ln>
+            <a:solidFill>
+              <a:schemeClr val="tx1"/>
+            </a:solidFill>
+            <a:tailEnd type="none"/>
+          </a:ln>
+        </p:spPr>
+        <p:style>
+          <a:lnRef idx="1">
+            <a:schemeClr val="accent1"/>
+          </a:lnRef>
+          <a:fillRef idx="0">
+            <a:schemeClr val="accent1"/>
+          </a:fillRef>
+          <a:effectRef idx="0">
+            <a:schemeClr val="accent1"/>
+          </a:effectRef>
+          <a:fontRef idx="minor">
+            <a:schemeClr val="tx1"/>
+          </a:fontRef>
+        </p:style>
+      </p:cxnSp>
+      <p:sp>
+        <p:nvSpPr>
+          <p:cNvPr id="43" name="文本框 42">
+            <a:extLst>
+              <a:ext uri="{FF2B5EF4-FFF2-40B4-BE49-F238E27FC236}">
+                <a16:creationId xmlns:a16="http://schemas.microsoft.com/office/drawing/2014/main" id="{E8236995-A4C3-4963-9E98-7F88155BDB67}"/>
+              </a:ext>
+            </a:extLst>
+          </p:cNvPr>
+          <p:cNvSpPr txBox="1"/>
+          <p:nvPr/>
+        </p:nvSpPr>
+        <p:spPr>
+          <a:xfrm>
+            <a:off x="2753196" y="20829104"/>
+            <a:ext cx="2188564" cy="369332"/>
+          </a:xfrm>
+          <a:prstGeom prst="rect">
+            <a:avLst/>
+          </a:prstGeom>
+          <a:noFill/>
+        </p:spPr>
+        <p:txBody>
+          <a:bodyPr wrap="square" rtlCol="0">
+            <a:spAutoFit/>
+          </a:bodyPr>
+          <a:lstStyle/>
+          <a:p>
+            <a:r>
+              <a:rPr lang="zh-CN" altLang="en-US" dirty="0"/>
+              <a:t>普通用户</a:t>
+            </a:r>
+          </a:p>
+        </p:txBody>
+      </p:sp>
+      <p:cxnSp>
+        <p:nvCxnSpPr>
+          <p:cNvPr id="44" name="直接连接符 43">
+            <a:extLst>
+              <a:ext uri="{FF2B5EF4-FFF2-40B4-BE49-F238E27FC236}">
+                <a16:creationId xmlns:a16="http://schemas.microsoft.com/office/drawing/2014/main" id="{0741198C-9EF0-45FE-91B4-A19D928F3DA5}"/>
+              </a:ext>
+            </a:extLst>
+          </p:cNvPr>
+          <p:cNvCxnSpPr>
+            <a:cxnSpLocks/>
+            <a:endCxn id="45" idx="2"/>
+          </p:cNvCxnSpPr>
+          <p:nvPr/>
+        </p:nvCxnSpPr>
+        <p:spPr>
+          <a:xfrm flipV="1">
+            <a:off x="3807502" y="17023149"/>
+            <a:ext cx="3442740" cy="2213884"/>
+          </a:xfrm>
+          <a:prstGeom prst="line">
+            <a:avLst/>
+          </a:prstGeom>
+          <a:ln>
+            <a:solidFill>
+              <a:schemeClr val="tx1"/>
+            </a:solidFill>
+            <a:tailEnd type="triangle" w="lg" len="lg"/>
+          </a:ln>
+        </p:spPr>
+        <p:style>
+          <a:lnRef idx="1">
+            <a:schemeClr val="accent1"/>
+          </a:lnRef>
+          <a:fillRef idx="0">
+            <a:schemeClr val="accent1"/>
+          </a:fillRef>
+          <a:effectRef idx="0">
+            <a:schemeClr val="accent1"/>
+          </a:effectRef>
+          <a:fontRef idx="minor">
+            <a:schemeClr val="tx1"/>
+          </a:fontRef>
+        </p:style>
+      </p:cxnSp>
+      <p:sp>
+        <p:nvSpPr>
+          <p:cNvPr id="45" name="椭圆 44">
+            <a:extLst>
+              <a:ext uri="{FF2B5EF4-FFF2-40B4-BE49-F238E27FC236}">
+                <a16:creationId xmlns:a16="http://schemas.microsoft.com/office/drawing/2014/main" id="{13A405CE-B27C-4B9E-8559-F98B8DCAB017}"/>
+              </a:ext>
+            </a:extLst>
+          </p:cNvPr>
+          <p:cNvSpPr/>
+          <p:nvPr/>
+        </p:nvSpPr>
+        <p:spPr>
+          <a:xfrm>
+            <a:off x="7250242" y="16636508"/>
+            <a:ext cx="1768839" cy="773281"/>
+          </a:xfrm>
+          <a:prstGeom prst="ellipse">
+            <a:avLst/>
+          </a:prstGeom>
+          <a:solidFill>
+            <a:schemeClr val="bg1"/>
+          </a:solidFill>
+        </p:spPr>
+        <p:style>
+          <a:lnRef idx="2">
+            <a:schemeClr val="dk1">
+              <a:shade val="50000"/>
+            </a:schemeClr>
+          </a:lnRef>
+          <a:fillRef idx="1">
+            <a:schemeClr val="dk1"/>
+          </a:fillRef>
+          <a:effectRef idx="0">
+            <a:schemeClr val="dk1"/>
+          </a:effectRef>
+          <a:fontRef idx="minor">
+            <a:schemeClr val="lt1"/>
+          </a:fontRef>
+        </p:style>
+        <p:txBody>
+          <a:bodyPr rtlCol="0" anchor="ctr"/>
+          <a:lstStyle/>
+          <a:p>
+            <a:pPr algn="ctr"/>
+            <a:r>
+              <a:rPr lang="en-US" altLang="zh-CN" dirty="0"/>
+              <a:t>             </a:t>
+            </a:r>
+            <a:endParaRPr lang="zh-CN" altLang="en-US" dirty="0"/>
+          </a:p>
+        </p:txBody>
+      </p:sp>
+      <p:sp>
+        <p:nvSpPr>
+          <p:cNvPr id="46" name="文本框 45">
+            <a:extLst>
+              <a:ext uri="{FF2B5EF4-FFF2-40B4-BE49-F238E27FC236}">
+                <a16:creationId xmlns:a16="http://schemas.microsoft.com/office/drawing/2014/main" id="{B426C9B0-1C1F-4FDC-B90B-78FC6C65F0D5}"/>
+              </a:ext>
+            </a:extLst>
+          </p:cNvPr>
+          <p:cNvSpPr txBox="1"/>
+          <p:nvPr/>
+        </p:nvSpPr>
+        <p:spPr>
+          <a:xfrm>
+            <a:off x="7475094" y="17466201"/>
+            <a:ext cx="2188564" cy="369332"/>
+          </a:xfrm>
+          <a:prstGeom prst="rect">
+            <a:avLst/>
+          </a:prstGeom>
+          <a:noFill/>
+        </p:spPr>
+        <p:txBody>
+          <a:bodyPr wrap="square" rtlCol="0">
+            <a:spAutoFit/>
+          </a:bodyPr>
+          <a:lstStyle/>
+          <a:p>
+            <a:r>
+              <a:rPr lang="zh-CN" altLang="en-US" dirty="0"/>
+              <a:t>注册与登录</a:t>
+            </a:r>
+          </a:p>
+        </p:txBody>
+      </p:sp>
+      <p:cxnSp>
+        <p:nvCxnSpPr>
+          <p:cNvPr id="47" name="直接连接符 46">
+            <a:extLst>
+              <a:ext uri="{FF2B5EF4-FFF2-40B4-BE49-F238E27FC236}">
+                <a16:creationId xmlns:a16="http://schemas.microsoft.com/office/drawing/2014/main" id="{BFE037D0-703C-4FFC-B9B7-DDAD00D0532A}"/>
+              </a:ext>
+            </a:extLst>
+          </p:cNvPr>
+          <p:cNvCxnSpPr>
+            <a:cxnSpLocks/>
+            <a:endCxn id="49" idx="2"/>
+          </p:cNvCxnSpPr>
+          <p:nvPr/>
+        </p:nvCxnSpPr>
+        <p:spPr>
+          <a:xfrm flipV="1">
+            <a:off x="3912434" y="18367958"/>
+            <a:ext cx="3337808" cy="1176072"/>
+          </a:xfrm>
+          <a:prstGeom prst="line">
+            <a:avLst/>
+          </a:prstGeom>
+          <a:ln>
+            <a:solidFill>
+              <a:schemeClr val="tx1"/>
+            </a:solidFill>
+            <a:tailEnd type="triangle" w="lg" len="lg"/>
+          </a:ln>
+        </p:spPr>
+        <p:style>
+          <a:lnRef idx="1">
+            <a:schemeClr val="accent1"/>
+          </a:lnRef>
+          <a:fillRef idx="0">
+            <a:schemeClr val="accent1"/>
+          </a:fillRef>
+          <a:effectRef idx="0">
+            <a:schemeClr val="accent1"/>
+          </a:effectRef>
+          <a:fontRef idx="minor">
+            <a:schemeClr val="tx1"/>
+          </a:fontRef>
+        </p:style>
+      </p:cxnSp>
+      <p:sp>
+        <p:nvSpPr>
+          <p:cNvPr id="49" name="椭圆 48">
+            <a:extLst>
+              <a:ext uri="{FF2B5EF4-FFF2-40B4-BE49-F238E27FC236}">
+                <a16:creationId xmlns:a16="http://schemas.microsoft.com/office/drawing/2014/main" id="{1DD0AC65-1527-4611-80CB-B8CB42AC7BAF}"/>
+              </a:ext>
+            </a:extLst>
+          </p:cNvPr>
+          <p:cNvSpPr/>
+          <p:nvPr/>
+        </p:nvSpPr>
+        <p:spPr>
+          <a:xfrm>
+            <a:off x="7250242" y="17981317"/>
+            <a:ext cx="1768839" cy="773281"/>
+          </a:xfrm>
+          <a:prstGeom prst="ellipse">
+            <a:avLst/>
+          </a:prstGeom>
+          <a:solidFill>
+            <a:schemeClr val="bg1"/>
+          </a:solidFill>
+        </p:spPr>
+        <p:style>
+          <a:lnRef idx="2">
+            <a:schemeClr val="dk1">
+              <a:shade val="50000"/>
+            </a:schemeClr>
+          </a:lnRef>
+          <a:fillRef idx="1">
+            <a:schemeClr val="dk1"/>
+          </a:fillRef>
+          <a:effectRef idx="0">
+            <a:schemeClr val="dk1"/>
+          </a:effectRef>
+          <a:fontRef idx="minor">
+            <a:schemeClr val="lt1"/>
+          </a:fontRef>
+        </p:style>
+        <p:txBody>
+          <a:bodyPr rtlCol="0" anchor="ctr"/>
+          <a:lstStyle/>
+          <a:p>
+            <a:pPr algn="ctr"/>
+            <a:r>
+              <a:rPr lang="en-US" altLang="zh-CN" dirty="0"/>
+              <a:t>             </a:t>
+            </a:r>
+            <a:endParaRPr lang="zh-CN" altLang="en-US" dirty="0"/>
+          </a:p>
+        </p:txBody>
+      </p:sp>
+      <p:sp>
+        <p:nvSpPr>
+          <p:cNvPr id="50" name="文本框 49">
+            <a:extLst>
+              <a:ext uri="{FF2B5EF4-FFF2-40B4-BE49-F238E27FC236}">
+                <a16:creationId xmlns:a16="http://schemas.microsoft.com/office/drawing/2014/main" id="{43638C25-5E1F-463B-8E59-AA678337F1C2}"/>
+              </a:ext>
+            </a:extLst>
+          </p:cNvPr>
+          <p:cNvSpPr txBox="1"/>
+          <p:nvPr/>
+        </p:nvSpPr>
+        <p:spPr>
+          <a:xfrm>
+            <a:off x="7475094" y="18849732"/>
+            <a:ext cx="2188564" cy="369332"/>
+          </a:xfrm>
+          <a:prstGeom prst="rect">
+            <a:avLst/>
+          </a:prstGeom>
+          <a:noFill/>
+        </p:spPr>
+        <p:txBody>
+          <a:bodyPr wrap="square" rtlCol="0">
+            <a:spAutoFit/>
+          </a:bodyPr>
+          <a:lstStyle/>
+          <a:p>
+            <a:r>
+              <a:rPr lang="zh-CN" altLang="en-US" dirty="0"/>
+              <a:t>浏览商城</a:t>
+            </a:r>
+            <a:r>
+              <a:rPr lang="en-US" altLang="zh-CN" dirty="0"/>
+              <a:t>/</a:t>
+            </a:r>
+            <a:r>
+              <a:rPr lang="zh-CN" altLang="en-US" dirty="0"/>
+              <a:t>购买商品</a:t>
+            </a:r>
+          </a:p>
+        </p:txBody>
+      </p:sp>
+      <p:sp>
+        <p:nvSpPr>
+          <p:cNvPr id="51" name="椭圆 50">
+            <a:extLst>
+              <a:ext uri="{FF2B5EF4-FFF2-40B4-BE49-F238E27FC236}">
+                <a16:creationId xmlns:a16="http://schemas.microsoft.com/office/drawing/2014/main" id="{2B1A2B17-F38D-49BD-951F-F694863F3F9D}"/>
+              </a:ext>
+            </a:extLst>
+          </p:cNvPr>
+          <p:cNvSpPr/>
+          <p:nvPr/>
+        </p:nvSpPr>
+        <p:spPr>
+          <a:xfrm>
+            <a:off x="7250241" y="19305617"/>
+            <a:ext cx="1768839" cy="773281"/>
+          </a:xfrm>
+          <a:prstGeom prst="ellipse">
+            <a:avLst/>
+          </a:prstGeom>
+          <a:solidFill>
+            <a:schemeClr val="bg1"/>
+          </a:solidFill>
+        </p:spPr>
+        <p:style>
+          <a:lnRef idx="2">
+            <a:schemeClr val="dk1">
+              <a:shade val="50000"/>
+            </a:schemeClr>
+          </a:lnRef>
+          <a:fillRef idx="1">
+            <a:schemeClr val="dk1"/>
+          </a:fillRef>
+          <a:effectRef idx="0">
+            <a:schemeClr val="dk1"/>
+          </a:effectRef>
+          <a:fontRef idx="minor">
+            <a:schemeClr val="lt1"/>
+          </a:fontRef>
+        </p:style>
+        <p:txBody>
+          <a:bodyPr rtlCol="0" anchor="ctr"/>
+          <a:lstStyle/>
+          <a:p>
+            <a:pPr algn="ctr"/>
+            <a:r>
+              <a:rPr lang="en-US" altLang="zh-CN" dirty="0"/>
+              <a:t>             </a:t>
+            </a:r>
+            <a:endParaRPr lang="zh-CN" altLang="en-US" dirty="0"/>
+          </a:p>
+        </p:txBody>
+      </p:sp>
+      <p:sp>
+        <p:nvSpPr>
+          <p:cNvPr id="52" name="文本框 51">
+            <a:extLst>
+              <a:ext uri="{FF2B5EF4-FFF2-40B4-BE49-F238E27FC236}">
+                <a16:creationId xmlns:a16="http://schemas.microsoft.com/office/drawing/2014/main" id="{5E59A99D-3610-401C-8390-EA8665D269D9}"/>
+              </a:ext>
+            </a:extLst>
+          </p:cNvPr>
+          <p:cNvSpPr txBox="1"/>
+          <p:nvPr/>
+        </p:nvSpPr>
+        <p:spPr>
+          <a:xfrm>
+            <a:off x="7475094" y="20182744"/>
+            <a:ext cx="2188564" cy="369332"/>
+          </a:xfrm>
+          <a:prstGeom prst="rect">
+            <a:avLst/>
+          </a:prstGeom>
+          <a:noFill/>
+        </p:spPr>
+        <p:txBody>
+          <a:bodyPr wrap="square" rtlCol="0">
+            <a:spAutoFit/>
+          </a:bodyPr>
+          <a:lstStyle/>
+          <a:p>
+            <a:r>
+              <a:rPr lang="zh-CN" altLang="en-US" dirty="0"/>
+              <a:t>发布二手物品</a:t>
+            </a:r>
+          </a:p>
+        </p:txBody>
+      </p:sp>
+      <p:sp>
+        <p:nvSpPr>
+          <p:cNvPr id="53" name="椭圆 52">
+            <a:extLst>
+              <a:ext uri="{FF2B5EF4-FFF2-40B4-BE49-F238E27FC236}">
+                <a16:creationId xmlns:a16="http://schemas.microsoft.com/office/drawing/2014/main" id="{EAA924F6-313F-49D4-B6D6-D4C16081641C}"/>
+              </a:ext>
+            </a:extLst>
+          </p:cNvPr>
+          <p:cNvSpPr/>
+          <p:nvPr/>
+        </p:nvSpPr>
+        <p:spPr>
+          <a:xfrm>
+            <a:off x="7250241" y="20742475"/>
+            <a:ext cx="1768839" cy="773281"/>
+          </a:xfrm>
+          <a:prstGeom prst="ellipse">
+            <a:avLst/>
+          </a:prstGeom>
+          <a:solidFill>
+            <a:schemeClr val="bg1"/>
+          </a:solidFill>
+        </p:spPr>
+        <p:style>
+          <a:lnRef idx="2">
+            <a:schemeClr val="dk1">
+              <a:shade val="50000"/>
+            </a:schemeClr>
+          </a:lnRef>
+          <a:fillRef idx="1">
+            <a:schemeClr val="dk1"/>
+          </a:fillRef>
+          <a:effectRef idx="0">
+            <a:schemeClr val="dk1"/>
+          </a:effectRef>
+          <a:fontRef idx="minor">
+            <a:schemeClr val="lt1"/>
+          </a:fontRef>
+        </p:style>
+        <p:txBody>
+          <a:bodyPr rtlCol="0" anchor="ctr"/>
+          <a:lstStyle/>
+          <a:p>
+            <a:pPr algn="ctr"/>
+            <a:r>
+              <a:rPr lang="en-US" altLang="zh-CN" dirty="0"/>
+              <a:t>             </a:t>
+            </a:r>
+            <a:endParaRPr lang="zh-CN" altLang="en-US" dirty="0"/>
+          </a:p>
+        </p:txBody>
+      </p:sp>
+      <p:sp>
+        <p:nvSpPr>
+          <p:cNvPr id="54" name="文本框 53">
+            <a:extLst>
+              <a:ext uri="{FF2B5EF4-FFF2-40B4-BE49-F238E27FC236}">
+                <a16:creationId xmlns:a16="http://schemas.microsoft.com/office/drawing/2014/main" id="{E917324B-73FA-4A66-87CF-46FBE4200179}"/>
+              </a:ext>
+            </a:extLst>
+          </p:cNvPr>
+          <p:cNvSpPr txBox="1"/>
+          <p:nvPr/>
+        </p:nvSpPr>
+        <p:spPr>
+          <a:xfrm>
+            <a:off x="7475094" y="21660579"/>
+            <a:ext cx="2188564" cy="369332"/>
+          </a:xfrm>
+          <a:prstGeom prst="rect">
+            <a:avLst/>
+          </a:prstGeom>
+          <a:noFill/>
+        </p:spPr>
+        <p:txBody>
+          <a:bodyPr wrap="square" rtlCol="0">
+            <a:spAutoFit/>
+          </a:bodyPr>
+          <a:lstStyle/>
+          <a:p>
+            <a:r>
+              <a:rPr lang="zh-CN" altLang="en-US" dirty="0"/>
+              <a:t>订单管理</a:t>
+            </a:r>
+          </a:p>
+        </p:txBody>
+      </p:sp>
+      <p:sp>
+        <p:nvSpPr>
+          <p:cNvPr id="55" name="椭圆 54">
+            <a:extLst>
+              <a:ext uri="{FF2B5EF4-FFF2-40B4-BE49-F238E27FC236}">
+                <a16:creationId xmlns:a16="http://schemas.microsoft.com/office/drawing/2014/main" id="{DF0DD387-7909-4E41-B179-790645E0E79F}"/>
+              </a:ext>
+            </a:extLst>
+          </p:cNvPr>
+          <p:cNvSpPr/>
+          <p:nvPr/>
+        </p:nvSpPr>
+        <p:spPr>
+          <a:xfrm>
+            <a:off x="7250241" y="22237618"/>
+            <a:ext cx="1768839" cy="773281"/>
+          </a:xfrm>
+          <a:prstGeom prst="ellipse">
+            <a:avLst/>
+          </a:prstGeom>
+          <a:solidFill>
+            <a:schemeClr val="bg1"/>
+          </a:solidFill>
+        </p:spPr>
+        <p:style>
+          <a:lnRef idx="2">
+            <a:schemeClr val="dk1">
+              <a:shade val="50000"/>
+            </a:schemeClr>
+          </a:lnRef>
+          <a:fillRef idx="1">
+            <a:schemeClr val="dk1"/>
+          </a:fillRef>
+          <a:effectRef idx="0">
+            <a:schemeClr val="dk1"/>
+          </a:effectRef>
+          <a:fontRef idx="minor">
+            <a:schemeClr val="lt1"/>
+          </a:fontRef>
+        </p:style>
+        <p:txBody>
+          <a:bodyPr rtlCol="0" anchor="ctr"/>
+          <a:lstStyle/>
+          <a:p>
+            <a:pPr algn="ctr"/>
+            <a:r>
+              <a:rPr lang="en-US" altLang="zh-CN" dirty="0"/>
+              <a:t>             </a:t>
+            </a:r>
+            <a:endParaRPr lang="zh-CN" altLang="en-US" dirty="0"/>
+          </a:p>
+        </p:txBody>
+      </p:sp>
+      <p:sp>
+        <p:nvSpPr>
+          <p:cNvPr id="56" name="文本框 55">
+            <a:extLst>
+              <a:ext uri="{FF2B5EF4-FFF2-40B4-BE49-F238E27FC236}">
+                <a16:creationId xmlns:a16="http://schemas.microsoft.com/office/drawing/2014/main" id="{D9AF9772-E914-40B5-A618-22199F8B2DCF}"/>
+              </a:ext>
+            </a:extLst>
+          </p:cNvPr>
+          <p:cNvSpPr txBox="1"/>
+          <p:nvPr/>
+        </p:nvSpPr>
+        <p:spPr>
+          <a:xfrm>
+            <a:off x="7475094" y="23138414"/>
+            <a:ext cx="2188564" cy="369332"/>
+          </a:xfrm>
+          <a:prstGeom prst="rect">
+            <a:avLst/>
+          </a:prstGeom>
+          <a:noFill/>
+        </p:spPr>
+        <p:txBody>
+          <a:bodyPr wrap="square" rtlCol="0">
+            <a:spAutoFit/>
+          </a:bodyPr>
+          <a:lstStyle/>
+          <a:p>
+            <a:r>
+              <a:rPr lang="zh-CN" altLang="en-US" dirty="0"/>
+              <a:t>查看</a:t>
+            </a:r>
+            <a:r>
+              <a:rPr lang="en-US" altLang="zh-CN" dirty="0"/>
+              <a:t>/</a:t>
+            </a:r>
+            <a:r>
+              <a:rPr lang="zh-CN" altLang="en-US" dirty="0"/>
+              <a:t>修改个人信息</a:t>
+            </a:r>
+          </a:p>
+        </p:txBody>
+      </p:sp>
+      <p:cxnSp>
+        <p:nvCxnSpPr>
+          <p:cNvPr id="60" name="直接连接符 59">
+            <a:extLst>
+              <a:ext uri="{FF2B5EF4-FFF2-40B4-BE49-F238E27FC236}">
+                <a16:creationId xmlns:a16="http://schemas.microsoft.com/office/drawing/2014/main" id="{FA45972F-4C08-49DC-A366-409D048AEE9A}"/>
+              </a:ext>
+            </a:extLst>
+          </p:cNvPr>
+          <p:cNvCxnSpPr>
+            <a:cxnSpLocks/>
+            <a:endCxn id="55" idx="2"/>
+          </p:cNvCxnSpPr>
+          <p:nvPr/>
+        </p:nvCxnSpPr>
+        <p:spPr>
+          <a:xfrm>
+            <a:off x="3979887" y="19989655"/>
+            <a:ext cx="3270354" cy="2634604"/>
+          </a:xfrm>
+          <a:prstGeom prst="line">
+            <a:avLst/>
+          </a:prstGeom>
+          <a:ln>
+            <a:solidFill>
+              <a:schemeClr val="tx1"/>
+            </a:solidFill>
+            <a:tailEnd type="triangle" w="lg" len="lg"/>
+          </a:ln>
+        </p:spPr>
+        <p:style>
+          <a:lnRef idx="1">
+            <a:schemeClr val="accent1"/>
+          </a:lnRef>
+          <a:fillRef idx="0">
+            <a:schemeClr val="accent1"/>
+          </a:fillRef>
+          <a:effectRef idx="0">
+            <a:schemeClr val="accent1"/>
+          </a:effectRef>
+          <a:fontRef idx="minor">
+            <a:schemeClr val="tx1"/>
+          </a:fontRef>
+        </p:style>
+      </p:cxnSp>
+      <p:cxnSp>
+        <p:nvCxnSpPr>
+          <p:cNvPr id="62" name="直接连接符 61">
+            <a:extLst>
+              <a:ext uri="{FF2B5EF4-FFF2-40B4-BE49-F238E27FC236}">
+                <a16:creationId xmlns:a16="http://schemas.microsoft.com/office/drawing/2014/main" id="{F394DFCC-2FE6-4B69-87D2-5DC204240EB6}"/>
+              </a:ext>
+            </a:extLst>
+          </p:cNvPr>
+          <p:cNvCxnSpPr>
+            <a:cxnSpLocks/>
+            <a:endCxn id="53" idx="2"/>
+          </p:cNvCxnSpPr>
+          <p:nvPr/>
+        </p:nvCxnSpPr>
+        <p:spPr>
+          <a:xfrm>
+            <a:off x="4036100" y="19882182"/>
+            <a:ext cx="3214141" cy="1246934"/>
+          </a:xfrm>
+          <a:prstGeom prst="line">
+            <a:avLst/>
+          </a:prstGeom>
+          <a:ln>
+            <a:solidFill>
+              <a:schemeClr val="tx1"/>
+            </a:solidFill>
+            <a:tailEnd type="triangle" w="lg" len="lg"/>
+          </a:ln>
+        </p:spPr>
+        <p:style>
+          <a:lnRef idx="1">
+            <a:schemeClr val="accent1"/>
+          </a:lnRef>
+          <a:fillRef idx="0">
+            <a:schemeClr val="accent1"/>
+          </a:fillRef>
+          <a:effectRef idx="0">
+            <a:schemeClr val="accent1"/>
+          </a:effectRef>
+          <a:fontRef idx="minor">
+            <a:schemeClr val="tx1"/>
+          </a:fontRef>
+        </p:style>
+      </p:cxnSp>
+      <p:cxnSp>
+        <p:nvCxnSpPr>
+          <p:cNvPr id="64" name="直接连接符 63">
+            <a:extLst>
+              <a:ext uri="{FF2B5EF4-FFF2-40B4-BE49-F238E27FC236}">
+                <a16:creationId xmlns:a16="http://schemas.microsoft.com/office/drawing/2014/main" id="{862B8825-E89C-4339-8B6B-6DCE97BF3621}"/>
+              </a:ext>
+            </a:extLst>
+          </p:cNvPr>
+          <p:cNvCxnSpPr>
+            <a:cxnSpLocks/>
+            <a:endCxn id="51" idx="2"/>
+          </p:cNvCxnSpPr>
+          <p:nvPr/>
+        </p:nvCxnSpPr>
+        <p:spPr>
+          <a:xfrm>
+            <a:off x="3979886" y="19692257"/>
+            <a:ext cx="3270355" cy="1"/>
+          </a:xfrm>
+          <a:prstGeom prst="line">
+            <a:avLst/>
+          </a:prstGeom>
+          <a:ln>
+            <a:solidFill>
+              <a:schemeClr val="tx1"/>
+            </a:solidFill>
+            <a:tailEnd type="triangle" w="lg" len="lg"/>
+          </a:ln>
+        </p:spPr>
+        <p:style>
+          <a:lnRef idx="1">
+            <a:schemeClr val="accent1"/>
+          </a:lnRef>
+          <a:fillRef idx="0">
+            <a:schemeClr val="accent1"/>
+          </a:fillRef>
+          <a:effectRef idx="0">
+            <a:schemeClr val="accent1"/>
+          </a:effectRef>
+          <a:fontRef idx="minor">
+            <a:schemeClr val="tx1"/>
+          </a:fontRef>
+        </p:style>
+      </p:cxnSp>
+    </p:spTree>
+    <p:extLst>
+      <p:ext uri="{BB962C8B-B14F-4D97-AF65-F5344CB8AC3E}">
+        <p14:creationId xmlns:p14="http://schemas.microsoft.com/office/powerpoint/2010/main" val="3630105686"/>
       </p:ext>
     </p:extLst>
   </p:cSld>

--- a/documents/流程图.pptx
+++ b/documents/流程图.pptx
@@ -7,6 +7,8 @@
   <p:sldIdLst>
     <p:sldId id="256" r:id="rId2"/>
     <p:sldId id="257" r:id="rId3"/>
+    <p:sldId id="258" r:id="rId4"/>
+    <p:sldId id="259" r:id="rId5"/>
   </p:sldIdLst>
   <p:sldSz cx="12192000" cy="32399288"/>
   <p:notesSz cx="6858000" cy="9144000"/>
@@ -113,6 +115,6957 @@
 </p:presentation>
 </file>
 
+<file path=ppt/diagrams/colors1.xml><?xml version="1.0" encoding="utf-8"?>
+<dgm:colorsDef xmlns:dgm="http://schemas.openxmlformats.org/drawingml/2006/diagram" xmlns:a="http://schemas.openxmlformats.org/drawingml/2006/main" uniqueId="urn:microsoft.com/office/officeart/2005/8/colors/accent1_2">
+  <dgm:title val=""/>
+  <dgm:desc val=""/>
+  <dgm:catLst>
+    <dgm:cat type="accent1" pri="11200"/>
+  </dgm:catLst>
+  <dgm:styleLbl name="node0">
+    <dgm:fillClrLst meth="repeat">
+      <a:schemeClr val="accent1"/>
+    </dgm:fillClrLst>
+    <dgm:linClrLst meth="repeat">
+      <a:schemeClr val="lt1"/>
+    </dgm:linClrLst>
+    <dgm:effectClrLst/>
+    <dgm:txLinClrLst/>
+    <dgm:txFillClrLst/>
+    <dgm:txEffectClrLst/>
+  </dgm:styleLbl>
+  <dgm:styleLbl name="alignNode1">
+    <dgm:fillClrLst meth="repeat">
+      <a:schemeClr val="accent1"/>
+    </dgm:fillClrLst>
+    <dgm:linClrLst meth="repeat">
+      <a:schemeClr val="accent1"/>
+    </dgm:linClrLst>
+    <dgm:effectClrLst/>
+    <dgm:txLinClrLst/>
+    <dgm:txFillClrLst/>
+    <dgm:txEffectClrLst/>
+  </dgm:styleLbl>
+  <dgm:styleLbl name="node1">
+    <dgm:fillClrLst meth="repeat">
+      <a:schemeClr val="accent1"/>
+    </dgm:fillClrLst>
+    <dgm:linClrLst meth="repeat">
+      <a:schemeClr val="lt1"/>
+    </dgm:linClrLst>
+    <dgm:effectClrLst/>
+    <dgm:txLinClrLst/>
+    <dgm:txFillClrLst/>
+    <dgm:txEffectClrLst/>
+  </dgm:styleLbl>
+  <dgm:styleLbl name="lnNode1">
+    <dgm:fillClrLst meth="repeat">
+      <a:schemeClr val="accent1"/>
+    </dgm:fillClrLst>
+    <dgm:linClrLst meth="repeat">
+      <a:schemeClr val="lt1"/>
+    </dgm:linClrLst>
+    <dgm:effectClrLst/>
+    <dgm:txLinClrLst/>
+    <dgm:txFillClrLst/>
+    <dgm:txEffectClrLst/>
+  </dgm:styleLbl>
+  <dgm:styleLbl name="vennNode1">
+    <dgm:fillClrLst meth="repeat">
+      <a:schemeClr val="accent1">
+        <a:alpha val="50000"/>
+      </a:schemeClr>
+    </dgm:fillClrLst>
+    <dgm:linClrLst meth="repeat">
+      <a:schemeClr val="lt1"/>
+    </dgm:linClrLst>
+    <dgm:effectClrLst/>
+    <dgm:txLinClrLst/>
+    <dgm:txFillClrLst/>
+    <dgm:txEffectClrLst/>
+  </dgm:styleLbl>
+  <dgm:styleLbl name="node2">
+    <dgm:fillClrLst meth="repeat">
+      <a:schemeClr val="accent1"/>
+    </dgm:fillClrLst>
+    <dgm:linClrLst meth="repeat">
+      <a:schemeClr val="lt1"/>
+    </dgm:linClrLst>
+    <dgm:effectClrLst/>
+    <dgm:txLinClrLst/>
+    <dgm:txFillClrLst/>
+    <dgm:txEffectClrLst/>
+  </dgm:styleLbl>
+  <dgm:styleLbl name="node3">
+    <dgm:fillClrLst meth="repeat">
+      <a:schemeClr val="accent1"/>
+    </dgm:fillClrLst>
+    <dgm:linClrLst meth="repeat">
+      <a:schemeClr val="lt1"/>
+    </dgm:linClrLst>
+    <dgm:effectClrLst/>
+    <dgm:txLinClrLst/>
+    <dgm:txFillClrLst/>
+    <dgm:txEffectClrLst/>
+  </dgm:styleLbl>
+  <dgm:styleLbl name="node4">
+    <dgm:fillClrLst meth="repeat">
+      <a:schemeClr val="accent1"/>
+    </dgm:fillClrLst>
+    <dgm:linClrLst meth="repeat">
+      <a:schemeClr val="lt1"/>
+    </dgm:linClrLst>
+    <dgm:effectClrLst/>
+    <dgm:txLinClrLst/>
+    <dgm:txFillClrLst/>
+    <dgm:txEffectClrLst/>
+  </dgm:styleLbl>
+  <dgm:styleLbl name="fgImgPlace1">
+    <dgm:fillClrLst meth="repeat">
+      <a:schemeClr val="accent1">
+        <a:tint val="50000"/>
+      </a:schemeClr>
+    </dgm:fillClrLst>
+    <dgm:linClrLst meth="repeat">
+      <a:schemeClr val="lt1"/>
+    </dgm:linClrLst>
+    <dgm:effectClrLst/>
+    <dgm:txLinClrLst/>
+    <dgm:txFillClrLst meth="repeat">
+      <a:schemeClr val="lt1"/>
+    </dgm:txFillClrLst>
+    <dgm:txEffectClrLst/>
+  </dgm:styleLbl>
+  <dgm:styleLbl name="alignImgPlace1">
+    <dgm:fillClrLst meth="repeat">
+      <a:schemeClr val="accent1">
+        <a:tint val="50000"/>
+      </a:schemeClr>
+    </dgm:fillClrLst>
+    <dgm:linClrLst meth="repeat">
+      <a:schemeClr val="lt1"/>
+    </dgm:linClrLst>
+    <dgm:effectClrLst/>
+    <dgm:txLinClrLst/>
+    <dgm:txFillClrLst meth="repeat">
+      <a:schemeClr val="lt1"/>
+    </dgm:txFillClrLst>
+    <dgm:txEffectClrLst/>
+  </dgm:styleLbl>
+  <dgm:styleLbl name="bgImgPlace1">
+    <dgm:fillClrLst meth="repeat">
+      <a:schemeClr val="accent1">
+        <a:tint val="50000"/>
+      </a:schemeClr>
+    </dgm:fillClrLst>
+    <dgm:linClrLst meth="repeat">
+      <a:schemeClr val="lt1"/>
+    </dgm:linClrLst>
+    <dgm:effectClrLst/>
+    <dgm:txLinClrLst/>
+    <dgm:txFillClrLst meth="repeat">
+      <a:schemeClr val="lt1"/>
+    </dgm:txFillClrLst>
+    <dgm:txEffectClrLst/>
+  </dgm:styleLbl>
+  <dgm:styleLbl name="sibTrans2D1">
+    <dgm:fillClrLst meth="repeat">
+      <a:schemeClr val="accent1">
+        <a:tint val="60000"/>
+      </a:schemeClr>
+    </dgm:fillClrLst>
+    <dgm:linClrLst meth="repeat">
+      <a:schemeClr val="accent1">
+        <a:tint val="60000"/>
+      </a:schemeClr>
+    </dgm:linClrLst>
+    <dgm:effectClrLst/>
+    <dgm:txLinClrLst/>
+    <dgm:txFillClrLst/>
+    <dgm:txEffectClrLst/>
+  </dgm:styleLbl>
+  <dgm:styleLbl name="fgSibTrans2D1">
+    <dgm:fillClrLst meth="repeat">
+      <a:schemeClr val="accent1">
+        <a:tint val="60000"/>
+      </a:schemeClr>
+    </dgm:fillClrLst>
+    <dgm:linClrLst meth="repeat">
+      <a:schemeClr val="accent1">
+        <a:tint val="60000"/>
+      </a:schemeClr>
+    </dgm:linClrLst>
+    <dgm:effectClrLst/>
+    <dgm:txLinClrLst/>
+    <dgm:txFillClrLst/>
+    <dgm:txEffectClrLst/>
+  </dgm:styleLbl>
+  <dgm:styleLbl name="bgSibTrans2D1">
+    <dgm:fillClrLst meth="repeat">
+      <a:schemeClr val="accent1">
+        <a:tint val="60000"/>
+      </a:schemeClr>
+    </dgm:fillClrLst>
+    <dgm:linClrLst meth="repeat">
+      <a:schemeClr val="accent1">
+        <a:tint val="60000"/>
+      </a:schemeClr>
+    </dgm:linClrLst>
+    <dgm:effectClrLst/>
+    <dgm:txLinClrLst/>
+    <dgm:txFillClrLst/>
+    <dgm:txEffectClrLst/>
+  </dgm:styleLbl>
+  <dgm:styleLbl name="sibTrans1D1">
+    <dgm:fillClrLst meth="repeat">
+      <a:schemeClr val="accent1"/>
+    </dgm:fillClrLst>
+    <dgm:linClrLst meth="repeat">
+      <a:schemeClr val="accent1"/>
+    </dgm:linClrLst>
+    <dgm:effectClrLst/>
+    <dgm:txLinClrLst/>
+    <dgm:txFillClrLst meth="repeat">
+      <a:schemeClr val="tx1"/>
+    </dgm:txFillClrLst>
+    <dgm:txEffectClrLst/>
+  </dgm:styleLbl>
+  <dgm:styleLbl name="callout">
+    <dgm:fillClrLst meth="repeat">
+      <a:schemeClr val="accent1"/>
+    </dgm:fillClrLst>
+    <dgm:linClrLst meth="repeat">
+      <a:schemeClr val="accent1">
+        <a:tint val="50000"/>
+      </a:schemeClr>
+    </dgm:linClrLst>
+    <dgm:effectClrLst/>
+    <dgm:txLinClrLst/>
+    <dgm:txFillClrLst meth="repeat">
+      <a:schemeClr val="tx1"/>
+    </dgm:txFillClrLst>
+    <dgm:txEffectClrLst/>
+  </dgm:styleLbl>
+  <dgm:styleLbl name="asst0">
+    <dgm:fillClrLst meth="repeat">
+      <a:schemeClr val="accent1"/>
+    </dgm:fillClrLst>
+    <dgm:linClrLst meth="repeat">
+      <a:schemeClr val="lt1"/>
+    </dgm:linClrLst>
+    <dgm:effectClrLst/>
+    <dgm:txLinClrLst/>
+    <dgm:txFillClrLst/>
+    <dgm:txEffectClrLst/>
+  </dgm:styleLbl>
+  <dgm:styleLbl name="asst1">
+    <dgm:fillClrLst meth="repeat">
+      <a:schemeClr val="accent1"/>
+    </dgm:fillClrLst>
+    <dgm:linClrLst meth="repeat">
+      <a:schemeClr val="lt1"/>
+    </dgm:linClrLst>
+    <dgm:effectClrLst/>
+    <dgm:txLinClrLst/>
+    <dgm:txFillClrLst/>
+    <dgm:txEffectClrLst/>
+  </dgm:styleLbl>
+  <dgm:styleLbl name="asst2">
+    <dgm:fillClrLst meth="repeat">
+      <a:schemeClr val="accent1"/>
+    </dgm:fillClrLst>
+    <dgm:linClrLst meth="repeat">
+      <a:schemeClr val="lt1"/>
+    </dgm:linClrLst>
+    <dgm:effectClrLst/>
+    <dgm:txLinClrLst/>
+    <dgm:txFillClrLst/>
+    <dgm:txEffectClrLst/>
+  </dgm:styleLbl>
+  <dgm:styleLbl name="asst3">
+    <dgm:fillClrLst meth="repeat">
+      <a:schemeClr val="accent1"/>
+    </dgm:fillClrLst>
+    <dgm:linClrLst meth="repeat">
+      <a:schemeClr val="lt1"/>
+    </dgm:linClrLst>
+    <dgm:effectClrLst/>
+    <dgm:txLinClrLst/>
+    <dgm:txFillClrLst/>
+    <dgm:txEffectClrLst/>
+  </dgm:styleLbl>
+  <dgm:styleLbl name="asst4">
+    <dgm:fillClrLst meth="repeat">
+      <a:schemeClr val="accent1"/>
+    </dgm:fillClrLst>
+    <dgm:linClrLst meth="repeat">
+      <a:schemeClr val="lt1"/>
+    </dgm:linClrLst>
+    <dgm:effectClrLst/>
+    <dgm:txLinClrLst/>
+    <dgm:txFillClrLst/>
+    <dgm:txEffectClrLst/>
+  </dgm:styleLbl>
+  <dgm:styleLbl name="parChTrans2D1">
+    <dgm:fillClrLst meth="repeat">
+      <a:schemeClr val="accent1">
+        <a:tint val="60000"/>
+      </a:schemeClr>
+    </dgm:fillClrLst>
+    <dgm:linClrLst meth="repeat">
+      <a:schemeClr val="accent1">
+        <a:tint val="60000"/>
+      </a:schemeClr>
+    </dgm:linClrLst>
+    <dgm:effectClrLst/>
+    <dgm:txLinClrLst/>
+    <dgm:txFillClrLst meth="repeat">
+      <a:schemeClr val="lt1"/>
+    </dgm:txFillClrLst>
+    <dgm:txEffectClrLst/>
+  </dgm:styleLbl>
+  <dgm:styleLbl name="parChTrans2D2">
+    <dgm:fillClrLst meth="repeat">
+      <a:schemeClr val="accent1"/>
+    </dgm:fillClrLst>
+    <dgm:linClrLst meth="repeat">
+      <a:schemeClr val="accent1"/>
+    </dgm:linClrLst>
+    <dgm:effectClrLst/>
+    <dgm:txLinClrLst/>
+    <dgm:txFillClrLst meth="repeat">
+      <a:schemeClr val="lt1"/>
+    </dgm:txFillClrLst>
+    <dgm:txEffectClrLst/>
+  </dgm:styleLbl>
+  <dgm:styleLbl name="parChTrans2D3">
+    <dgm:fillClrLst meth="repeat">
+      <a:schemeClr val="accent1"/>
+    </dgm:fillClrLst>
+    <dgm:linClrLst meth="repeat">
+      <a:schemeClr val="accent1"/>
+    </dgm:linClrLst>
+    <dgm:effectClrLst/>
+    <dgm:txLinClrLst/>
+    <dgm:txFillClrLst meth="repeat">
+      <a:schemeClr val="lt1"/>
+    </dgm:txFillClrLst>
+    <dgm:txEffectClrLst/>
+  </dgm:styleLbl>
+  <dgm:styleLbl name="parChTrans2D4">
+    <dgm:fillClrLst meth="repeat">
+      <a:schemeClr val="accent1"/>
+    </dgm:fillClrLst>
+    <dgm:linClrLst meth="repeat">
+      <a:schemeClr val="accent1"/>
+    </dgm:linClrLst>
+    <dgm:effectClrLst/>
+    <dgm:txLinClrLst/>
+    <dgm:txFillClrLst meth="repeat">
+      <a:schemeClr val="lt1"/>
+    </dgm:txFillClrLst>
+    <dgm:txEffectClrLst/>
+  </dgm:styleLbl>
+  <dgm:styleLbl name="parChTrans1D1">
+    <dgm:fillClrLst meth="repeat">
+      <a:schemeClr val="accent1"/>
+    </dgm:fillClrLst>
+    <dgm:linClrLst meth="repeat">
+      <a:schemeClr val="accent1">
+        <a:shade val="60000"/>
+      </a:schemeClr>
+    </dgm:linClrLst>
+    <dgm:effectClrLst/>
+    <dgm:txLinClrLst/>
+    <dgm:txFillClrLst meth="repeat">
+      <a:schemeClr val="tx1"/>
+    </dgm:txFillClrLst>
+    <dgm:txEffectClrLst/>
+  </dgm:styleLbl>
+  <dgm:styleLbl name="parChTrans1D2">
+    <dgm:fillClrLst meth="repeat">
+      <a:schemeClr val="accent1"/>
+    </dgm:fillClrLst>
+    <dgm:linClrLst meth="repeat">
+      <a:schemeClr val="accent1">
+        <a:shade val="60000"/>
+      </a:schemeClr>
+    </dgm:linClrLst>
+    <dgm:effectClrLst/>
+    <dgm:txLinClrLst/>
+    <dgm:txFillClrLst meth="repeat">
+      <a:schemeClr val="tx1"/>
+    </dgm:txFillClrLst>
+    <dgm:txEffectClrLst/>
+  </dgm:styleLbl>
+  <dgm:styleLbl name="parChTrans1D3">
+    <dgm:fillClrLst meth="repeat">
+      <a:schemeClr val="accent1"/>
+    </dgm:fillClrLst>
+    <dgm:linClrLst meth="repeat">
+      <a:schemeClr val="accent1">
+        <a:shade val="80000"/>
+      </a:schemeClr>
+    </dgm:linClrLst>
+    <dgm:effectClrLst/>
+    <dgm:txLinClrLst/>
+    <dgm:txFillClrLst meth="repeat">
+      <a:schemeClr val="tx1"/>
+    </dgm:txFillClrLst>
+    <dgm:txEffectClrLst/>
+  </dgm:styleLbl>
+  <dgm:styleLbl name="parChTrans1D4">
+    <dgm:fillClrLst meth="repeat">
+      <a:schemeClr val="accent1"/>
+    </dgm:fillClrLst>
+    <dgm:linClrLst meth="repeat">
+      <a:schemeClr val="accent1">
+        <a:shade val="80000"/>
+      </a:schemeClr>
+    </dgm:linClrLst>
+    <dgm:effectClrLst/>
+    <dgm:txLinClrLst/>
+    <dgm:txFillClrLst meth="repeat">
+      <a:schemeClr val="tx1"/>
+    </dgm:txFillClrLst>
+    <dgm:txEffectClrLst/>
+  </dgm:styleLbl>
+  <dgm:styleLbl name="fgAcc1">
+    <dgm:fillClrLst meth="repeat">
+      <a:schemeClr val="lt1">
+        <a:alpha val="90000"/>
+      </a:schemeClr>
+    </dgm:fillClrLst>
+    <dgm:linClrLst meth="repeat">
+      <a:schemeClr val="accent1"/>
+    </dgm:linClrLst>
+    <dgm:effectClrLst/>
+    <dgm:txLinClrLst/>
+    <dgm:txFillClrLst meth="repeat">
+      <a:schemeClr val="dk1"/>
+    </dgm:txFillClrLst>
+    <dgm:txEffectClrLst/>
+  </dgm:styleLbl>
+  <dgm:styleLbl name="conFgAcc1">
+    <dgm:fillClrLst meth="repeat">
+      <a:schemeClr val="lt1">
+        <a:alpha val="90000"/>
+      </a:schemeClr>
+    </dgm:fillClrLst>
+    <dgm:linClrLst meth="repeat">
+      <a:schemeClr val="accent1"/>
+    </dgm:linClrLst>
+    <dgm:effectClrLst/>
+    <dgm:txLinClrLst/>
+    <dgm:txFillClrLst meth="repeat">
+      <a:schemeClr val="dk1"/>
+    </dgm:txFillClrLst>
+    <dgm:txEffectClrLst/>
+  </dgm:styleLbl>
+  <dgm:styleLbl name="alignAcc1">
+    <dgm:fillClrLst meth="repeat">
+      <a:schemeClr val="lt1">
+        <a:alpha val="90000"/>
+      </a:schemeClr>
+    </dgm:fillClrLst>
+    <dgm:linClrLst meth="repeat">
+      <a:schemeClr val="accent1"/>
+    </dgm:linClrLst>
+    <dgm:effectClrLst/>
+    <dgm:txLinClrLst/>
+    <dgm:txFillClrLst meth="repeat">
+      <a:schemeClr val="dk1"/>
+    </dgm:txFillClrLst>
+    <dgm:txEffectClrLst/>
+  </dgm:styleLbl>
+  <dgm:styleLbl name="trAlignAcc1">
+    <dgm:fillClrLst meth="repeat">
+      <a:schemeClr val="lt1">
+        <a:alpha val="40000"/>
+      </a:schemeClr>
+    </dgm:fillClrLst>
+    <dgm:linClrLst meth="repeat">
+      <a:schemeClr val="accent1"/>
+    </dgm:linClrLst>
+    <dgm:effectClrLst/>
+    <dgm:txLinClrLst/>
+    <dgm:txFillClrLst meth="repeat">
+      <a:schemeClr val="dk1"/>
+    </dgm:txFillClrLst>
+    <dgm:txEffectClrLst/>
+  </dgm:styleLbl>
+  <dgm:styleLbl name="bgAcc1">
+    <dgm:fillClrLst meth="repeat">
+      <a:schemeClr val="lt1">
+        <a:alpha val="90000"/>
+      </a:schemeClr>
+    </dgm:fillClrLst>
+    <dgm:linClrLst meth="repeat">
+      <a:schemeClr val="accent1"/>
+    </dgm:linClrLst>
+    <dgm:effectClrLst/>
+    <dgm:txLinClrLst/>
+    <dgm:txFillClrLst meth="repeat">
+      <a:schemeClr val="dk1"/>
+    </dgm:txFillClrLst>
+    <dgm:txEffectClrLst/>
+  </dgm:styleLbl>
+  <dgm:styleLbl name="solidFgAcc1">
+    <dgm:fillClrLst meth="repeat">
+      <a:schemeClr val="lt1"/>
+    </dgm:fillClrLst>
+    <dgm:linClrLst meth="repeat">
+      <a:schemeClr val="accent1"/>
+    </dgm:linClrLst>
+    <dgm:effectClrLst/>
+    <dgm:txLinClrLst/>
+    <dgm:txFillClrLst meth="repeat">
+      <a:schemeClr val="dk1"/>
+    </dgm:txFillClrLst>
+    <dgm:txEffectClrLst/>
+  </dgm:styleLbl>
+  <dgm:styleLbl name="solidAlignAcc1">
+    <dgm:fillClrLst meth="repeat">
+      <a:schemeClr val="lt1"/>
+    </dgm:fillClrLst>
+    <dgm:linClrLst meth="repeat">
+      <a:schemeClr val="accent1"/>
+    </dgm:linClrLst>
+    <dgm:effectClrLst/>
+    <dgm:txLinClrLst/>
+    <dgm:txFillClrLst meth="repeat">
+      <a:schemeClr val="dk1"/>
+    </dgm:txFillClrLst>
+    <dgm:txEffectClrLst/>
+  </dgm:styleLbl>
+  <dgm:styleLbl name="solidBgAcc1">
+    <dgm:fillClrLst meth="repeat">
+      <a:schemeClr val="lt1"/>
+    </dgm:fillClrLst>
+    <dgm:linClrLst meth="repeat">
+      <a:schemeClr val="accent1"/>
+    </dgm:linClrLst>
+    <dgm:effectClrLst/>
+    <dgm:txLinClrLst/>
+    <dgm:txFillClrLst meth="repeat">
+      <a:schemeClr val="dk1"/>
+    </dgm:txFillClrLst>
+    <dgm:txEffectClrLst/>
+  </dgm:styleLbl>
+  <dgm:styleLbl name="fgAccFollowNode1">
+    <dgm:fillClrLst meth="repeat">
+      <a:schemeClr val="accent1">
+        <a:alpha val="90000"/>
+        <a:tint val="40000"/>
+      </a:schemeClr>
+    </dgm:fillClrLst>
+    <dgm:linClrLst meth="repeat">
+      <a:schemeClr val="accent1">
+        <a:alpha val="90000"/>
+        <a:tint val="40000"/>
+      </a:schemeClr>
+    </dgm:linClrLst>
+    <dgm:effectClrLst/>
+    <dgm:txLinClrLst/>
+    <dgm:txFillClrLst meth="repeat">
+      <a:schemeClr val="dk1"/>
+    </dgm:txFillClrLst>
+    <dgm:txEffectClrLst/>
+  </dgm:styleLbl>
+  <dgm:styleLbl name="alignAccFollowNode1">
+    <dgm:fillClrLst meth="repeat">
+      <a:schemeClr val="accent1">
+        <a:alpha val="90000"/>
+        <a:tint val="40000"/>
+      </a:schemeClr>
+    </dgm:fillClrLst>
+    <dgm:linClrLst meth="repeat">
+      <a:schemeClr val="accent1">
+        <a:alpha val="90000"/>
+        <a:tint val="40000"/>
+      </a:schemeClr>
+    </dgm:linClrLst>
+    <dgm:effectClrLst/>
+    <dgm:txLinClrLst/>
+    <dgm:txFillClrLst meth="repeat">
+      <a:schemeClr val="dk1"/>
+    </dgm:txFillClrLst>
+    <dgm:txEffectClrLst/>
+  </dgm:styleLbl>
+  <dgm:styleLbl name="bgAccFollowNode1">
+    <dgm:fillClrLst meth="repeat">
+      <a:schemeClr val="accent1">
+        <a:alpha val="90000"/>
+        <a:tint val="40000"/>
+      </a:schemeClr>
+    </dgm:fillClrLst>
+    <dgm:linClrLst meth="repeat">
+      <a:schemeClr val="accent1">
+        <a:alpha val="90000"/>
+        <a:tint val="40000"/>
+      </a:schemeClr>
+    </dgm:linClrLst>
+    <dgm:effectClrLst/>
+    <dgm:txLinClrLst/>
+    <dgm:txFillClrLst meth="repeat">
+      <a:schemeClr val="dk1"/>
+    </dgm:txFillClrLst>
+    <dgm:txEffectClrLst/>
+  </dgm:styleLbl>
+  <dgm:styleLbl name="fgAcc0">
+    <dgm:fillClrLst meth="repeat">
+      <a:schemeClr val="lt1">
+        <a:alpha val="90000"/>
+      </a:schemeClr>
+    </dgm:fillClrLst>
+    <dgm:linClrLst meth="repeat">
+      <a:schemeClr val="accent1"/>
+    </dgm:linClrLst>
+    <dgm:effectClrLst/>
+    <dgm:txLinClrLst/>
+    <dgm:txFillClrLst meth="repeat">
+      <a:schemeClr val="dk1"/>
+    </dgm:txFillClrLst>
+    <dgm:txEffectClrLst/>
+  </dgm:styleLbl>
+  <dgm:styleLbl name="fgAcc2">
+    <dgm:fillClrLst meth="repeat">
+      <a:schemeClr val="lt1">
+        <a:alpha val="90000"/>
+      </a:schemeClr>
+    </dgm:fillClrLst>
+    <dgm:linClrLst meth="repeat">
+      <a:schemeClr val="accent1"/>
+    </dgm:linClrLst>
+    <dgm:effectClrLst/>
+    <dgm:txLinClrLst/>
+    <dgm:txFillClrLst meth="repeat">
+      <a:schemeClr val="dk1"/>
+    </dgm:txFillClrLst>
+    <dgm:txEffectClrLst/>
+  </dgm:styleLbl>
+  <dgm:styleLbl name="fgAcc3">
+    <dgm:fillClrLst meth="repeat">
+      <a:schemeClr val="lt1">
+        <a:alpha val="90000"/>
+      </a:schemeClr>
+    </dgm:fillClrLst>
+    <dgm:linClrLst meth="repeat">
+      <a:schemeClr val="accent1"/>
+    </dgm:linClrLst>
+    <dgm:effectClrLst/>
+    <dgm:txLinClrLst/>
+    <dgm:txFillClrLst meth="repeat">
+      <a:schemeClr val="dk1"/>
+    </dgm:txFillClrLst>
+    <dgm:txEffectClrLst/>
+  </dgm:styleLbl>
+  <dgm:styleLbl name="fgAcc4">
+    <dgm:fillClrLst meth="repeat">
+      <a:schemeClr val="lt1">
+        <a:alpha val="90000"/>
+      </a:schemeClr>
+    </dgm:fillClrLst>
+    <dgm:linClrLst meth="repeat">
+      <a:schemeClr val="accent1"/>
+    </dgm:linClrLst>
+    <dgm:effectClrLst/>
+    <dgm:txLinClrLst/>
+    <dgm:txFillClrLst meth="repeat">
+      <a:schemeClr val="dk1"/>
+    </dgm:txFillClrLst>
+    <dgm:txEffectClrLst/>
+  </dgm:styleLbl>
+  <dgm:styleLbl name="bgShp">
+    <dgm:fillClrLst meth="repeat">
+      <a:schemeClr val="accent1">
+        <a:tint val="40000"/>
+      </a:schemeClr>
+    </dgm:fillClrLst>
+    <dgm:linClrLst meth="repeat">
+      <a:schemeClr val="accent1"/>
+    </dgm:linClrLst>
+    <dgm:effectClrLst/>
+    <dgm:txLinClrLst/>
+    <dgm:txFillClrLst meth="repeat">
+      <a:schemeClr val="dk1"/>
+    </dgm:txFillClrLst>
+    <dgm:txEffectClrLst/>
+  </dgm:styleLbl>
+  <dgm:styleLbl name="dkBgShp">
+    <dgm:fillClrLst meth="repeat">
+      <a:schemeClr val="accent1">
+        <a:shade val="80000"/>
+      </a:schemeClr>
+    </dgm:fillClrLst>
+    <dgm:linClrLst meth="repeat">
+      <a:schemeClr val="accent1"/>
+    </dgm:linClrLst>
+    <dgm:effectClrLst/>
+    <dgm:txLinClrLst/>
+    <dgm:txFillClrLst meth="repeat">
+      <a:schemeClr val="lt1"/>
+    </dgm:txFillClrLst>
+    <dgm:txEffectClrLst/>
+  </dgm:styleLbl>
+  <dgm:styleLbl name="trBgShp">
+    <dgm:fillClrLst meth="repeat">
+      <a:schemeClr val="accent1">
+        <a:tint val="50000"/>
+        <a:alpha val="40000"/>
+      </a:schemeClr>
+    </dgm:fillClrLst>
+    <dgm:linClrLst meth="repeat">
+      <a:schemeClr val="accent1"/>
+    </dgm:linClrLst>
+    <dgm:effectClrLst/>
+    <dgm:txLinClrLst/>
+    <dgm:txFillClrLst meth="repeat">
+      <a:schemeClr val="lt1"/>
+    </dgm:txFillClrLst>
+    <dgm:txEffectClrLst/>
+  </dgm:styleLbl>
+  <dgm:styleLbl name="fgShp">
+    <dgm:fillClrLst meth="repeat">
+      <a:schemeClr val="accent1">
+        <a:tint val="60000"/>
+      </a:schemeClr>
+    </dgm:fillClrLst>
+    <dgm:linClrLst meth="repeat">
+      <a:schemeClr val="lt1"/>
+    </dgm:linClrLst>
+    <dgm:effectClrLst/>
+    <dgm:txLinClrLst/>
+    <dgm:txFillClrLst meth="repeat">
+      <a:schemeClr val="dk1"/>
+    </dgm:txFillClrLst>
+    <dgm:txEffectClrLst/>
+  </dgm:styleLbl>
+  <dgm:styleLbl name="revTx">
+    <dgm:fillClrLst meth="repeat">
+      <a:schemeClr val="lt1">
+        <a:alpha val="0"/>
+      </a:schemeClr>
+    </dgm:fillClrLst>
+    <dgm:linClrLst meth="repeat">
+      <a:schemeClr val="dk1">
+        <a:alpha val="0"/>
+      </a:schemeClr>
+    </dgm:linClrLst>
+    <dgm:effectClrLst/>
+    <dgm:txLinClrLst/>
+    <dgm:txFillClrLst meth="repeat">
+      <a:schemeClr val="tx1"/>
+    </dgm:txFillClrLst>
+    <dgm:txEffectClrLst/>
+  </dgm:styleLbl>
+</dgm:colorsDef>
+</file>
+
+<file path=ppt/diagrams/data1.xml><?xml version="1.0" encoding="utf-8"?>
+<dgm:dataModel xmlns:dgm="http://schemas.openxmlformats.org/drawingml/2006/diagram" xmlns:a="http://schemas.openxmlformats.org/drawingml/2006/main">
+  <dgm:ptLst>
+    <dgm:pt modelId="{438F3858-C975-464C-BFBC-5A234CF81EEE}" type="doc">
+      <dgm:prSet loTypeId="urn:microsoft.com/office/officeart/2008/layout/NameandTitleOrganizationalChart" loCatId="hierarchy" qsTypeId="urn:microsoft.com/office/officeart/2005/8/quickstyle/simple1" qsCatId="simple" csTypeId="urn:microsoft.com/office/officeart/2005/8/colors/accent1_2" csCatId="accent1" phldr="1"/>
+      <dgm:spPr/>
+      <dgm:t>
+        <a:bodyPr/>
+        <a:lstStyle/>
+        <a:p>
+          <a:endParaRPr lang="zh-CN" altLang="en-US"/>
+        </a:p>
+      </dgm:t>
+    </dgm:pt>
+    <dgm:pt modelId="{C746FA77-1F73-491C-8303-6A2B6DD68D64}">
+      <dgm:prSet phldrT="[文本]"/>
+      <dgm:spPr>
+        <a:solidFill>
+          <a:schemeClr val="bg1"/>
+        </a:solidFill>
+        <a:ln>
+          <a:solidFill>
+            <a:schemeClr val="tx1"/>
+          </a:solidFill>
+        </a:ln>
+      </dgm:spPr>
+      <dgm:t>
+        <a:bodyPr/>
+        <a:lstStyle/>
+        <a:p>
+          <a:r>
+            <a:rPr lang="zh-CN" dirty="0">
+              <a:solidFill>
+                <a:schemeClr val="tx1"/>
+              </a:solidFill>
+            </a:rPr>
+            <a:t>校园二手物品交易</a:t>
+          </a:r>
+          <a:r>
+            <a:rPr lang="zh-CN" altLang="en-US" dirty="0">
+              <a:solidFill>
+                <a:schemeClr val="tx1"/>
+              </a:solidFill>
+            </a:rPr>
+            <a:t>平台</a:t>
+          </a:r>
+        </a:p>
+      </dgm:t>
+    </dgm:pt>
+    <dgm:pt modelId="{451BDF1B-5FE4-4269-9200-612D8CEBC004}" type="parTrans" cxnId="{A68D2B66-7D75-488D-8AA7-096EE409A5FC}">
+      <dgm:prSet/>
+      <dgm:spPr/>
+      <dgm:t>
+        <a:bodyPr/>
+        <a:lstStyle/>
+        <a:p>
+          <a:endParaRPr lang="zh-CN" altLang="en-US"/>
+        </a:p>
+      </dgm:t>
+    </dgm:pt>
+    <dgm:pt modelId="{DBBBAA20-7DBE-4DD8-B852-6AA06E5C0771}" type="sibTrans" cxnId="{A68D2B66-7D75-488D-8AA7-096EE409A5FC}">
+      <dgm:prSet/>
+      <dgm:spPr/>
+      <dgm:t>
+        <a:bodyPr/>
+        <a:lstStyle/>
+        <a:p>
+          <a:endParaRPr lang="zh-CN" altLang="en-US"/>
+        </a:p>
+      </dgm:t>
+    </dgm:pt>
+    <dgm:pt modelId="{989B0845-A20A-420B-8FF2-8455323CF42B}">
+      <dgm:prSet phldrT="[文本]" custT="1"/>
+      <dgm:spPr>
+        <a:solidFill>
+          <a:prstClr val="white"/>
+        </a:solidFill>
+        <a:ln w="12700" cap="flat" cmpd="sng" algn="ctr">
+          <a:solidFill>
+            <a:prstClr val="black"/>
+          </a:solidFill>
+          <a:prstDash val="solid"/>
+          <a:miter lim="800000"/>
+        </a:ln>
+        <a:effectLst/>
+      </dgm:spPr>
+      <dgm:t>
+        <a:bodyPr spcFirstLastPara="0" vert="horz" wrap="square" lIns="6350" tIns="6350" rIns="6350" bIns="54221" numCol="1" spcCol="1270" anchor="ctr" anchorCtr="0"/>
+        <a:lstStyle/>
+        <a:p>
+          <a:pPr marL="0" lvl="0" indent="0" algn="ctr" defTabSz="444500">
+            <a:lnSpc>
+              <a:spcPct val="90000"/>
+            </a:lnSpc>
+            <a:spcBef>
+              <a:spcPct val="0"/>
+            </a:spcBef>
+            <a:spcAft>
+              <a:spcPct val="35000"/>
+            </a:spcAft>
+            <a:buNone/>
+          </a:pPr>
+          <a:r>
+            <a:rPr lang="zh-CN" altLang="en-US" sz="1000" kern="1200" dirty="0">
+              <a:solidFill>
+                <a:prstClr val="black"/>
+              </a:solidFill>
+              <a:latin typeface="Calibri" panose="020F0502020204030204"/>
+              <a:ea typeface="等线" panose="02010600030101010101" pitchFamily="2" charset="-122"/>
+              <a:cs typeface="+mn-cs"/>
+            </a:rPr>
+            <a:t>普通用户</a:t>
+          </a:r>
+        </a:p>
+      </dgm:t>
+    </dgm:pt>
+    <dgm:pt modelId="{179F118B-EEDB-4050-B0A3-07E517DD3FB1}" type="parTrans" cxnId="{34537A44-C43A-42FF-BE89-D30C0AEC0A26}">
+      <dgm:prSet/>
+      <dgm:spPr>
+        <a:solidFill>
+          <a:schemeClr val="tx1"/>
+        </a:solidFill>
+        <a:ln>
+          <a:solidFill>
+            <a:schemeClr val="tx1"/>
+          </a:solidFill>
+        </a:ln>
+      </dgm:spPr>
+      <dgm:t>
+        <a:bodyPr/>
+        <a:lstStyle/>
+        <a:p>
+          <a:endParaRPr lang="zh-CN" altLang="en-US"/>
+        </a:p>
+      </dgm:t>
+    </dgm:pt>
+    <dgm:pt modelId="{F0A26BF7-4FD9-4C93-812E-841C0A17D022}" type="sibTrans" cxnId="{34537A44-C43A-42FF-BE89-D30C0AEC0A26}">
+      <dgm:prSet/>
+      <dgm:spPr/>
+      <dgm:t>
+        <a:bodyPr/>
+        <a:lstStyle/>
+        <a:p>
+          <a:endParaRPr lang="zh-CN" altLang="en-US"/>
+        </a:p>
+      </dgm:t>
+    </dgm:pt>
+    <dgm:pt modelId="{5970E8B2-5167-4998-AF77-25E9407CA2C4}">
+      <dgm:prSet phldrT="[文本]" custT="1"/>
+      <dgm:spPr>
+        <a:solidFill>
+          <a:prstClr val="white">
+            <a:alpha val="90000"/>
+            <a:hueOff val="0"/>
+            <a:satOff val="0"/>
+            <a:lumOff val="0"/>
+            <a:alphaOff val="0"/>
+          </a:prstClr>
+        </a:solidFill>
+        <a:ln w="12700" cap="flat" cmpd="sng" algn="ctr">
+          <a:solidFill>
+            <a:schemeClr val="tx1"/>
+          </a:solidFill>
+          <a:prstDash val="solid"/>
+          <a:miter lim="800000"/>
+        </a:ln>
+        <a:effectLst/>
+      </dgm:spPr>
+      <dgm:t>
+        <a:bodyPr spcFirstLastPara="0" vert="horz" wrap="square" lIns="25400" tIns="6350" rIns="25400" bIns="6350" numCol="1" spcCol="1270" anchor="ctr" anchorCtr="0"/>
+        <a:lstStyle/>
+        <a:p>
+          <a:pPr marL="0" lvl="0" indent="0" algn="ctr" defTabSz="444500">
+            <a:lnSpc>
+              <a:spcPct val="90000"/>
+            </a:lnSpc>
+            <a:spcBef>
+              <a:spcPct val="0"/>
+            </a:spcBef>
+            <a:spcAft>
+              <a:spcPct val="35000"/>
+            </a:spcAft>
+            <a:buNone/>
+          </a:pPr>
+          <a:r>
+            <a:rPr lang="zh-CN" altLang="en-US" sz="1000" kern="1200" dirty="0">
+              <a:solidFill>
+                <a:prstClr val="black">
+                  <a:hueOff val="0"/>
+                  <a:satOff val="0"/>
+                  <a:lumOff val="0"/>
+                  <a:alphaOff val="0"/>
+                </a:prstClr>
+              </a:solidFill>
+              <a:latin typeface="Calibri" panose="020F0502020204030204"/>
+              <a:ea typeface="等线" panose="02010600030101010101" pitchFamily="2" charset="-122"/>
+              <a:cs typeface="+mn-cs"/>
+            </a:rPr>
+            <a:t>管理员用户</a:t>
+          </a:r>
+        </a:p>
+      </dgm:t>
+    </dgm:pt>
+    <dgm:pt modelId="{42F53C55-B3D7-4E6E-BF58-FD092451854C}" type="sibTrans" cxnId="{4E99C003-8F99-403E-82FF-3AA71F870427}">
+      <dgm:prSet/>
+      <dgm:spPr/>
+      <dgm:t>
+        <a:bodyPr/>
+        <a:lstStyle/>
+        <a:p>
+          <a:endParaRPr lang="zh-CN" altLang="en-US"/>
+        </a:p>
+      </dgm:t>
+    </dgm:pt>
+    <dgm:pt modelId="{90BE15FB-9DA6-498B-9C94-DC3511AACDF0}" type="parTrans" cxnId="{4E99C003-8F99-403E-82FF-3AA71F870427}">
+      <dgm:prSet/>
+      <dgm:spPr>
+        <a:solidFill>
+          <a:schemeClr val="tx1"/>
+        </a:solidFill>
+        <a:ln>
+          <a:solidFill>
+            <a:schemeClr val="tx1"/>
+          </a:solidFill>
+        </a:ln>
+      </dgm:spPr>
+      <dgm:t>
+        <a:bodyPr/>
+        <a:lstStyle/>
+        <a:p>
+          <a:endParaRPr lang="zh-CN" altLang="en-US"/>
+        </a:p>
+      </dgm:t>
+    </dgm:pt>
+    <dgm:pt modelId="{16639135-9F56-4B33-85E5-34CA5F6BC5A3}">
+      <dgm:prSet phldrT="[文本]" custT="1"/>
+      <dgm:spPr>
+        <a:solidFill>
+          <a:prstClr val="white">
+            <a:alpha val="90000"/>
+            <a:hueOff val="0"/>
+            <a:satOff val="0"/>
+            <a:lumOff val="0"/>
+            <a:alphaOff val="0"/>
+          </a:prstClr>
+        </a:solidFill>
+        <a:ln w="12700" cap="flat" cmpd="sng" algn="ctr">
+          <a:solidFill>
+            <a:schemeClr val="tx1"/>
+          </a:solidFill>
+          <a:prstDash val="solid"/>
+          <a:miter lim="800000"/>
+        </a:ln>
+        <a:effectLst/>
+      </dgm:spPr>
+      <dgm:t>
+        <a:bodyPr spcFirstLastPara="0" vert="eaVert" wrap="square" lIns="25400" tIns="6350" rIns="25400" bIns="6350" numCol="1" spcCol="1270" anchor="ctr" anchorCtr="0"/>
+        <a:lstStyle/>
+        <a:p>
+          <a:pPr marL="0" lvl="0" indent="0" algn="ctr" defTabSz="444500">
+            <a:lnSpc>
+              <a:spcPct val="90000"/>
+            </a:lnSpc>
+            <a:spcBef>
+              <a:spcPct val="0"/>
+            </a:spcBef>
+            <a:spcAft>
+              <a:spcPct val="35000"/>
+            </a:spcAft>
+            <a:buNone/>
+          </a:pPr>
+          <a:r>
+            <a:rPr lang="zh-CN" altLang="en-US" sz="1000" kern="1200" dirty="0">
+              <a:solidFill>
+                <a:prstClr val="black">
+                  <a:hueOff val="0"/>
+                  <a:satOff val="0"/>
+                  <a:lumOff val="0"/>
+                  <a:alphaOff val="0"/>
+                </a:prstClr>
+              </a:solidFill>
+              <a:latin typeface="Calibri" panose="020F0502020204030204"/>
+              <a:ea typeface="等线" panose="02010600030101010101" pitchFamily="2" charset="-122"/>
+              <a:cs typeface="+mn-cs"/>
+            </a:rPr>
+            <a:t>注册登录</a:t>
+          </a:r>
+        </a:p>
+      </dgm:t>
+    </dgm:pt>
+    <dgm:pt modelId="{5AB6BCC6-ECD4-4217-868F-8B64E219BBCE}" type="parTrans" cxnId="{D97263FD-73D0-4423-BB18-4F673652DA3E}">
+      <dgm:prSet/>
+      <dgm:spPr>
+        <a:solidFill>
+          <a:schemeClr val="tx1"/>
+        </a:solidFill>
+        <a:ln>
+          <a:solidFill>
+            <a:schemeClr val="tx1"/>
+          </a:solidFill>
+        </a:ln>
+      </dgm:spPr>
+      <dgm:t>
+        <a:bodyPr/>
+        <a:lstStyle/>
+        <a:p>
+          <a:endParaRPr lang="zh-CN" altLang="en-US"/>
+        </a:p>
+      </dgm:t>
+    </dgm:pt>
+    <dgm:pt modelId="{F3F7A541-C4C4-482D-965D-7F53A5EF78F0}" type="sibTrans" cxnId="{D97263FD-73D0-4423-BB18-4F673652DA3E}">
+      <dgm:prSet/>
+      <dgm:spPr/>
+      <dgm:t>
+        <a:bodyPr/>
+        <a:lstStyle/>
+        <a:p>
+          <a:endParaRPr lang="zh-CN" altLang="en-US"/>
+        </a:p>
+      </dgm:t>
+    </dgm:pt>
+    <dgm:pt modelId="{9CAB0395-D753-49BF-99E9-FC20B1C819FF}">
+      <dgm:prSet phldrT="[文本]" custT="1"/>
+      <dgm:spPr>
+        <a:solidFill>
+          <a:prstClr val="white">
+            <a:alpha val="90000"/>
+            <a:hueOff val="0"/>
+            <a:satOff val="0"/>
+            <a:lumOff val="0"/>
+            <a:alphaOff val="0"/>
+          </a:prstClr>
+        </a:solidFill>
+        <a:ln w="12700" cap="flat" cmpd="sng" algn="ctr">
+          <a:solidFill>
+            <a:schemeClr val="tx1"/>
+          </a:solidFill>
+          <a:prstDash val="solid"/>
+          <a:miter lim="800000"/>
+        </a:ln>
+        <a:effectLst/>
+      </dgm:spPr>
+      <dgm:t>
+        <a:bodyPr spcFirstLastPara="0" vert="eaVert" wrap="square" lIns="25400" tIns="6350" rIns="25400" bIns="6350" numCol="1" spcCol="1270" anchor="ctr" anchorCtr="0"/>
+        <a:lstStyle/>
+        <a:p>
+          <a:pPr marL="0" lvl="0" indent="0" algn="ctr" defTabSz="444500">
+            <a:lnSpc>
+              <a:spcPct val="90000"/>
+            </a:lnSpc>
+            <a:spcBef>
+              <a:spcPct val="0"/>
+            </a:spcBef>
+            <a:spcAft>
+              <a:spcPct val="35000"/>
+            </a:spcAft>
+            <a:buNone/>
+          </a:pPr>
+          <a:r>
+            <a:rPr lang="zh-CN" altLang="en-US" sz="1000" kern="1200" dirty="0">
+              <a:solidFill>
+                <a:prstClr val="black">
+                  <a:hueOff val="0"/>
+                  <a:satOff val="0"/>
+                  <a:lumOff val="0"/>
+                  <a:alphaOff val="0"/>
+                </a:prstClr>
+              </a:solidFill>
+              <a:latin typeface="Calibri" panose="020F0502020204030204"/>
+              <a:ea typeface="等线" panose="02010600030101010101" pitchFamily="2" charset="-122"/>
+              <a:cs typeface="+mn-cs"/>
+            </a:rPr>
+            <a:t>浏览商城</a:t>
+          </a:r>
+        </a:p>
+      </dgm:t>
+    </dgm:pt>
+    <dgm:pt modelId="{8988B070-B9BE-485F-9CB8-35B2765C8515}" type="parTrans" cxnId="{2E4EBBAC-F4CB-446D-947F-BBBAF91D7EF8}">
+      <dgm:prSet/>
+      <dgm:spPr>
+        <a:solidFill>
+          <a:schemeClr val="tx1"/>
+        </a:solidFill>
+        <a:ln>
+          <a:solidFill>
+            <a:schemeClr val="tx1"/>
+          </a:solidFill>
+        </a:ln>
+      </dgm:spPr>
+      <dgm:t>
+        <a:bodyPr/>
+        <a:lstStyle/>
+        <a:p>
+          <a:endParaRPr lang="zh-CN" altLang="en-US"/>
+        </a:p>
+      </dgm:t>
+    </dgm:pt>
+    <dgm:pt modelId="{78538161-7860-48EF-9141-8994F89BB5E0}" type="sibTrans" cxnId="{2E4EBBAC-F4CB-446D-947F-BBBAF91D7EF8}">
+      <dgm:prSet/>
+      <dgm:spPr/>
+      <dgm:t>
+        <a:bodyPr/>
+        <a:lstStyle/>
+        <a:p>
+          <a:endParaRPr lang="zh-CN" altLang="en-US"/>
+        </a:p>
+      </dgm:t>
+    </dgm:pt>
+    <dgm:pt modelId="{8F440246-EA84-4CC4-BE1C-4D12F4C4443D}">
+      <dgm:prSet phldrT="[文本]" custT="1"/>
+      <dgm:spPr>
+        <a:solidFill>
+          <a:prstClr val="white">
+            <a:alpha val="90000"/>
+            <a:hueOff val="0"/>
+            <a:satOff val="0"/>
+            <a:lumOff val="0"/>
+            <a:alphaOff val="0"/>
+          </a:prstClr>
+        </a:solidFill>
+        <a:ln w="12700" cap="flat" cmpd="sng" algn="ctr">
+          <a:solidFill>
+            <a:schemeClr val="tx1"/>
+          </a:solidFill>
+          <a:prstDash val="solid"/>
+          <a:miter lim="800000"/>
+        </a:ln>
+        <a:effectLst/>
+      </dgm:spPr>
+      <dgm:t>
+        <a:bodyPr spcFirstLastPara="0" vert="eaVert" wrap="square" lIns="25400" tIns="6350" rIns="25400" bIns="6350" numCol="1" spcCol="1270" anchor="ctr" anchorCtr="0"/>
+        <a:lstStyle/>
+        <a:p>
+          <a:pPr marL="0" lvl="0" indent="0" algn="ctr" defTabSz="444500">
+            <a:lnSpc>
+              <a:spcPct val="90000"/>
+            </a:lnSpc>
+            <a:spcBef>
+              <a:spcPct val="0"/>
+            </a:spcBef>
+            <a:spcAft>
+              <a:spcPct val="35000"/>
+            </a:spcAft>
+            <a:buNone/>
+          </a:pPr>
+          <a:r>
+            <a:rPr lang="zh-CN" altLang="en-US" sz="1000" kern="1200" dirty="0">
+              <a:solidFill>
+                <a:prstClr val="black">
+                  <a:hueOff val="0"/>
+                  <a:satOff val="0"/>
+                  <a:lumOff val="0"/>
+                  <a:alphaOff val="0"/>
+                </a:prstClr>
+              </a:solidFill>
+              <a:latin typeface="Calibri" panose="020F0502020204030204"/>
+              <a:ea typeface="等线" panose="02010600030101010101" pitchFamily="2" charset="-122"/>
+              <a:cs typeface="+mn-cs"/>
+            </a:rPr>
+            <a:t>启用账户</a:t>
+          </a:r>
+        </a:p>
+      </dgm:t>
+    </dgm:pt>
+    <dgm:pt modelId="{45CDB700-23A7-4C51-B375-9F7C7E891F89}" type="parTrans" cxnId="{3492DD64-93D0-4603-809A-E8D8616AB095}">
+      <dgm:prSet/>
+      <dgm:spPr>
+        <a:solidFill>
+          <a:schemeClr val="tx1"/>
+        </a:solidFill>
+        <a:ln>
+          <a:solidFill>
+            <a:schemeClr val="tx1"/>
+          </a:solidFill>
+        </a:ln>
+      </dgm:spPr>
+      <dgm:t>
+        <a:bodyPr/>
+        <a:lstStyle/>
+        <a:p>
+          <a:endParaRPr lang="zh-CN" altLang="en-US"/>
+        </a:p>
+      </dgm:t>
+    </dgm:pt>
+    <dgm:pt modelId="{3905AFB0-D212-4EBC-BF16-E861D5843165}" type="sibTrans" cxnId="{3492DD64-93D0-4603-809A-E8D8616AB095}">
+      <dgm:prSet/>
+      <dgm:spPr/>
+      <dgm:t>
+        <a:bodyPr/>
+        <a:lstStyle/>
+        <a:p>
+          <a:endParaRPr lang="zh-CN" altLang="en-US"/>
+        </a:p>
+      </dgm:t>
+    </dgm:pt>
+    <dgm:pt modelId="{80D0F359-A42F-4EAA-8AC4-0078CEF65513}">
+      <dgm:prSet phldrT="[文本]" custT="1"/>
+      <dgm:spPr>
+        <a:solidFill>
+          <a:prstClr val="white">
+            <a:alpha val="90000"/>
+            <a:hueOff val="0"/>
+            <a:satOff val="0"/>
+            <a:lumOff val="0"/>
+            <a:alphaOff val="0"/>
+          </a:prstClr>
+        </a:solidFill>
+        <a:ln w="12700" cap="flat" cmpd="sng" algn="ctr">
+          <a:solidFill>
+            <a:schemeClr val="tx1"/>
+          </a:solidFill>
+          <a:prstDash val="solid"/>
+          <a:miter lim="800000"/>
+        </a:ln>
+        <a:effectLst/>
+      </dgm:spPr>
+      <dgm:t>
+        <a:bodyPr spcFirstLastPara="0" vert="eaVert" wrap="square" lIns="25400" tIns="6350" rIns="25400" bIns="6350" numCol="1" spcCol="1270" anchor="ctr" anchorCtr="0"/>
+        <a:lstStyle/>
+        <a:p>
+          <a:pPr marL="0" lvl="0" indent="0" algn="ctr" defTabSz="444500">
+            <a:lnSpc>
+              <a:spcPct val="90000"/>
+            </a:lnSpc>
+            <a:spcBef>
+              <a:spcPct val="0"/>
+            </a:spcBef>
+            <a:spcAft>
+              <a:spcPct val="35000"/>
+            </a:spcAft>
+            <a:buNone/>
+          </a:pPr>
+          <a:r>
+            <a:rPr lang="zh-CN" altLang="en-US" sz="1000" kern="1200" dirty="0">
+              <a:solidFill>
+                <a:prstClr val="black">
+                  <a:hueOff val="0"/>
+                  <a:satOff val="0"/>
+                  <a:lumOff val="0"/>
+                  <a:alphaOff val="0"/>
+                </a:prstClr>
+              </a:solidFill>
+              <a:latin typeface="Calibri" panose="020F0502020204030204"/>
+              <a:ea typeface="等线" panose="02010600030101010101" pitchFamily="2" charset="-122"/>
+              <a:cs typeface="+mn-cs"/>
+            </a:rPr>
+            <a:t>停用账户</a:t>
+          </a:r>
+        </a:p>
+      </dgm:t>
+    </dgm:pt>
+    <dgm:pt modelId="{E6D708C5-B1F9-4069-B06D-5A1C89020752}" type="parTrans" cxnId="{12428212-DBDB-406F-B507-5BD1B8254861}">
+      <dgm:prSet/>
+      <dgm:spPr>
+        <a:ln>
+          <a:solidFill>
+            <a:schemeClr val="tx1"/>
+          </a:solidFill>
+        </a:ln>
+      </dgm:spPr>
+      <dgm:t>
+        <a:bodyPr/>
+        <a:lstStyle/>
+        <a:p>
+          <a:endParaRPr lang="zh-CN" altLang="en-US"/>
+        </a:p>
+      </dgm:t>
+    </dgm:pt>
+    <dgm:pt modelId="{F1EAF5F1-2E10-4277-98C0-51E2EDEF2D5C}" type="sibTrans" cxnId="{12428212-DBDB-406F-B507-5BD1B8254861}">
+      <dgm:prSet/>
+      <dgm:spPr/>
+      <dgm:t>
+        <a:bodyPr/>
+        <a:lstStyle/>
+        <a:p>
+          <a:endParaRPr lang="zh-CN" altLang="en-US"/>
+        </a:p>
+      </dgm:t>
+    </dgm:pt>
+    <dgm:pt modelId="{AC340D72-4D42-42E1-A166-F340A570CB2B}">
+      <dgm:prSet phldrT="[文本]" custT="1"/>
+      <dgm:spPr>
+        <a:solidFill>
+          <a:prstClr val="white">
+            <a:alpha val="90000"/>
+            <a:hueOff val="0"/>
+            <a:satOff val="0"/>
+            <a:lumOff val="0"/>
+            <a:alphaOff val="0"/>
+          </a:prstClr>
+        </a:solidFill>
+        <a:ln w="12700" cap="flat" cmpd="sng" algn="ctr">
+          <a:solidFill>
+            <a:schemeClr val="tx1"/>
+          </a:solidFill>
+          <a:prstDash val="solid"/>
+          <a:miter lim="800000"/>
+        </a:ln>
+        <a:effectLst/>
+      </dgm:spPr>
+      <dgm:t>
+        <a:bodyPr spcFirstLastPara="0" vert="eaVert" wrap="square" lIns="25400" tIns="6350" rIns="25400" bIns="6350" numCol="1" spcCol="1270" anchor="ctr" anchorCtr="0"/>
+        <a:lstStyle/>
+        <a:p>
+          <a:pPr marL="0" lvl="0" indent="0" algn="ctr" defTabSz="444500">
+            <a:lnSpc>
+              <a:spcPct val="90000"/>
+            </a:lnSpc>
+            <a:spcBef>
+              <a:spcPct val="0"/>
+            </a:spcBef>
+            <a:spcAft>
+              <a:spcPct val="35000"/>
+            </a:spcAft>
+            <a:buNone/>
+          </a:pPr>
+          <a:r>
+            <a:rPr lang="zh-CN" altLang="en-US" sz="1000" kern="1200" dirty="0">
+              <a:solidFill>
+                <a:prstClr val="black">
+                  <a:hueOff val="0"/>
+                  <a:satOff val="0"/>
+                  <a:lumOff val="0"/>
+                  <a:alphaOff val="0"/>
+                </a:prstClr>
+              </a:solidFill>
+              <a:latin typeface="Calibri" panose="020F0502020204030204"/>
+              <a:ea typeface="等线" panose="02010600030101010101" pitchFamily="2" charset="-122"/>
+              <a:cs typeface="+mn-cs"/>
+            </a:rPr>
+            <a:t>查看后台统计</a:t>
+          </a:r>
+        </a:p>
+      </dgm:t>
+    </dgm:pt>
+    <dgm:pt modelId="{4074044C-8CC0-4CCA-9FFE-FCA080041FE6}" type="parTrans" cxnId="{143CC5A0-9642-4094-8C48-BFF91FFE430A}">
+      <dgm:prSet/>
+      <dgm:spPr>
+        <a:solidFill>
+          <a:schemeClr val="tx1"/>
+        </a:solidFill>
+        <a:ln>
+          <a:solidFill>
+            <a:schemeClr val="tx1"/>
+          </a:solidFill>
+        </a:ln>
+      </dgm:spPr>
+      <dgm:t>
+        <a:bodyPr/>
+        <a:lstStyle/>
+        <a:p>
+          <a:endParaRPr lang="zh-CN" altLang="en-US"/>
+        </a:p>
+      </dgm:t>
+    </dgm:pt>
+    <dgm:pt modelId="{5B5B8C2A-3843-4DA4-B967-718A3EAB9574}" type="sibTrans" cxnId="{143CC5A0-9642-4094-8C48-BFF91FFE430A}">
+      <dgm:prSet/>
+      <dgm:spPr/>
+      <dgm:t>
+        <a:bodyPr/>
+        <a:lstStyle/>
+        <a:p>
+          <a:endParaRPr lang="zh-CN" altLang="en-US"/>
+        </a:p>
+      </dgm:t>
+    </dgm:pt>
+    <dgm:pt modelId="{86784509-6AE9-48E5-B30B-C4015C4B3B6A}">
+      <dgm:prSet phldrT="[文本]" custT="1"/>
+      <dgm:spPr>
+        <a:solidFill>
+          <a:prstClr val="white">
+            <a:alpha val="90000"/>
+            <a:hueOff val="0"/>
+            <a:satOff val="0"/>
+            <a:lumOff val="0"/>
+            <a:alphaOff val="0"/>
+          </a:prstClr>
+        </a:solidFill>
+        <a:ln w="12700" cap="flat" cmpd="sng" algn="ctr">
+          <a:solidFill>
+            <a:schemeClr val="tx1"/>
+          </a:solidFill>
+          <a:prstDash val="solid"/>
+          <a:miter lim="800000"/>
+        </a:ln>
+        <a:effectLst/>
+      </dgm:spPr>
+      <dgm:t>
+        <a:bodyPr spcFirstLastPara="0" vert="eaVert" wrap="square" lIns="25400" tIns="6350" rIns="25400" bIns="6350" numCol="1" spcCol="1270" anchor="ctr" anchorCtr="0"/>
+        <a:lstStyle/>
+        <a:p>
+          <a:pPr marL="0" lvl="0" indent="0" algn="ctr" defTabSz="444500">
+            <a:lnSpc>
+              <a:spcPct val="90000"/>
+            </a:lnSpc>
+            <a:spcBef>
+              <a:spcPct val="0"/>
+            </a:spcBef>
+            <a:spcAft>
+              <a:spcPct val="35000"/>
+            </a:spcAft>
+            <a:buNone/>
+          </a:pPr>
+          <a:r>
+            <a:rPr lang="zh-CN" altLang="en-US" sz="1000" kern="1200" dirty="0">
+              <a:solidFill>
+                <a:prstClr val="black">
+                  <a:hueOff val="0"/>
+                  <a:satOff val="0"/>
+                  <a:lumOff val="0"/>
+                  <a:alphaOff val="0"/>
+                </a:prstClr>
+              </a:solidFill>
+              <a:latin typeface="Calibri" panose="020F0502020204030204"/>
+              <a:ea typeface="等线" panose="02010600030101010101" pitchFamily="2" charset="-122"/>
+              <a:cs typeface="+mn-cs"/>
+            </a:rPr>
+            <a:t>发布二手物品</a:t>
+          </a:r>
+        </a:p>
+      </dgm:t>
+    </dgm:pt>
+    <dgm:pt modelId="{57CDF904-1BB3-4254-926C-26FD193EAFAE}" type="parTrans" cxnId="{935A0379-840B-4991-ADFC-530B6ADCCFAC}">
+      <dgm:prSet/>
+      <dgm:spPr>
+        <a:ln>
+          <a:solidFill>
+            <a:schemeClr val="tx1"/>
+          </a:solidFill>
+        </a:ln>
+      </dgm:spPr>
+      <dgm:t>
+        <a:bodyPr/>
+        <a:lstStyle/>
+        <a:p>
+          <a:endParaRPr lang="zh-CN" altLang="en-US"/>
+        </a:p>
+      </dgm:t>
+    </dgm:pt>
+    <dgm:pt modelId="{B6D7A9AC-3E5E-4A73-BB70-0C2490361858}" type="sibTrans" cxnId="{935A0379-840B-4991-ADFC-530B6ADCCFAC}">
+      <dgm:prSet/>
+      <dgm:spPr/>
+      <dgm:t>
+        <a:bodyPr/>
+        <a:lstStyle/>
+        <a:p>
+          <a:endParaRPr lang="zh-CN" altLang="en-US"/>
+        </a:p>
+      </dgm:t>
+    </dgm:pt>
+    <dgm:pt modelId="{32B692FC-CD43-4204-B13C-2EF3E3C43049}">
+      <dgm:prSet phldrT="[文本]" custT="1"/>
+      <dgm:spPr>
+        <a:solidFill>
+          <a:prstClr val="white">
+            <a:alpha val="90000"/>
+            <a:hueOff val="0"/>
+            <a:satOff val="0"/>
+            <a:lumOff val="0"/>
+            <a:alphaOff val="0"/>
+          </a:prstClr>
+        </a:solidFill>
+        <a:ln w="12700" cap="flat" cmpd="sng" algn="ctr">
+          <a:solidFill>
+            <a:schemeClr val="tx1"/>
+          </a:solidFill>
+          <a:prstDash val="solid"/>
+          <a:miter lim="800000"/>
+        </a:ln>
+        <a:effectLst/>
+      </dgm:spPr>
+      <dgm:t>
+        <a:bodyPr spcFirstLastPara="0" vert="eaVert" wrap="square" lIns="25400" tIns="6350" rIns="25400" bIns="6350" numCol="1" spcCol="1270" anchor="ctr" anchorCtr="0"/>
+        <a:lstStyle/>
+        <a:p>
+          <a:pPr marL="0" lvl="0" indent="0" algn="ctr" defTabSz="444500">
+            <a:lnSpc>
+              <a:spcPct val="90000"/>
+            </a:lnSpc>
+            <a:spcBef>
+              <a:spcPct val="0"/>
+            </a:spcBef>
+            <a:spcAft>
+              <a:spcPct val="35000"/>
+            </a:spcAft>
+            <a:buNone/>
+          </a:pPr>
+          <a:r>
+            <a:rPr lang="zh-CN" altLang="en-US" sz="1000" kern="1200" dirty="0">
+              <a:solidFill>
+                <a:prstClr val="black">
+                  <a:hueOff val="0"/>
+                  <a:satOff val="0"/>
+                  <a:lumOff val="0"/>
+                  <a:alphaOff val="0"/>
+                </a:prstClr>
+              </a:solidFill>
+              <a:latin typeface="Calibri" panose="020F0502020204030204"/>
+              <a:ea typeface="等线" panose="02010600030101010101" pitchFamily="2" charset="-122"/>
+              <a:cs typeface="+mn-cs"/>
+            </a:rPr>
+            <a:t>个人中心</a:t>
+          </a:r>
+        </a:p>
+      </dgm:t>
+    </dgm:pt>
+    <dgm:pt modelId="{8F386CB3-12F0-4A65-9656-E2DF93E4E803}" type="parTrans" cxnId="{3BE9EF76-D226-4C54-95DB-F469A83C4263}">
+      <dgm:prSet/>
+      <dgm:spPr>
+        <a:solidFill>
+          <a:schemeClr val="tx1"/>
+        </a:solidFill>
+        <a:ln>
+          <a:solidFill>
+            <a:schemeClr val="tx1"/>
+          </a:solidFill>
+        </a:ln>
+      </dgm:spPr>
+      <dgm:t>
+        <a:bodyPr/>
+        <a:lstStyle/>
+        <a:p>
+          <a:endParaRPr lang="zh-CN" altLang="en-US"/>
+        </a:p>
+      </dgm:t>
+    </dgm:pt>
+    <dgm:pt modelId="{9AB11ED3-C87A-43F5-90F7-0C473491AB53}" type="sibTrans" cxnId="{3BE9EF76-D226-4C54-95DB-F469A83C4263}">
+      <dgm:prSet/>
+      <dgm:spPr/>
+      <dgm:t>
+        <a:bodyPr/>
+        <a:lstStyle/>
+        <a:p>
+          <a:endParaRPr lang="zh-CN" altLang="en-US"/>
+        </a:p>
+      </dgm:t>
+    </dgm:pt>
+    <dgm:pt modelId="{E886F339-49BB-41F5-93B1-F79C7C9F9427}">
+      <dgm:prSet phldrT="[文本]" custT="1"/>
+      <dgm:spPr>
+        <a:solidFill>
+          <a:prstClr val="white">
+            <a:alpha val="90000"/>
+            <a:hueOff val="0"/>
+            <a:satOff val="0"/>
+            <a:lumOff val="0"/>
+            <a:alphaOff val="0"/>
+          </a:prstClr>
+        </a:solidFill>
+        <a:ln w="12700" cap="flat" cmpd="sng" algn="ctr">
+          <a:solidFill>
+            <a:schemeClr val="tx1"/>
+          </a:solidFill>
+          <a:prstDash val="solid"/>
+          <a:miter lim="800000"/>
+        </a:ln>
+        <a:effectLst/>
+      </dgm:spPr>
+      <dgm:t>
+        <a:bodyPr spcFirstLastPara="0" vert="eaVert" wrap="square" lIns="25400" tIns="6350" rIns="25400" bIns="6350" numCol="1" spcCol="1270" anchor="ctr" anchorCtr="0"/>
+        <a:lstStyle/>
+        <a:p>
+          <a:pPr marL="0" lvl="0" indent="0" algn="ctr" defTabSz="444500">
+            <a:lnSpc>
+              <a:spcPct val="90000"/>
+            </a:lnSpc>
+            <a:spcBef>
+              <a:spcPct val="0"/>
+            </a:spcBef>
+            <a:spcAft>
+              <a:spcPct val="35000"/>
+            </a:spcAft>
+            <a:buNone/>
+          </a:pPr>
+          <a:r>
+            <a:rPr lang="zh-CN" altLang="en-US" sz="1000" kern="1200" dirty="0">
+              <a:solidFill>
+                <a:prstClr val="black">
+                  <a:hueOff val="0"/>
+                  <a:satOff val="0"/>
+                  <a:lumOff val="0"/>
+                  <a:alphaOff val="0"/>
+                </a:prstClr>
+              </a:solidFill>
+              <a:latin typeface="Calibri" panose="020F0502020204030204"/>
+              <a:ea typeface="等线" panose="02010600030101010101" pitchFamily="2" charset="-122"/>
+              <a:cs typeface="+mn-cs"/>
+            </a:rPr>
+            <a:t>在线购买</a:t>
+          </a:r>
+        </a:p>
+      </dgm:t>
+    </dgm:pt>
+    <dgm:pt modelId="{7F215F7A-73C9-4CBF-96F9-FC8AF06FBD0B}" type="parTrans" cxnId="{E11FA39E-4903-4CC2-B516-92CAB2C6E6FF}">
+      <dgm:prSet/>
+      <dgm:spPr>
+        <a:solidFill>
+          <a:schemeClr val="tx1"/>
+        </a:solidFill>
+        <a:ln>
+          <a:solidFill>
+            <a:schemeClr val="tx1"/>
+          </a:solidFill>
+        </a:ln>
+      </dgm:spPr>
+      <dgm:t>
+        <a:bodyPr/>
+        <a:lstStyle/>
+        <a:p>
+          <a:endParaRPr lang="zh-CN" altLang="en-US"/>
+        </a:p>
+      </dgm:t>
+    </dgm:pt>
+    <dgm:pt modelId="{A4FD069E-F3D8-457E-AB6F-4D3D7C355B59}" type="sibTrans" cxnId="{E11FA39E-4903-4CC2-B516-92CAB2C6E6FF}">
+      <dgm:prSet/>
+      <dgm:spPr/>
+      <dgm:t>
+        <a:bodyPr/>
+        <a:lstStyle/>
+        <a:p>
+          <a:endParaRPr lang="zh-CN" altLang="en-US"/>
+        </a:p>
+      </dgm:t>
+    </dgm:pt>
+    <dgm:pt modelId="{E80E4696-77E8-429D-8501-103208C8F6E0}" type="pres">
+      <dgm:prSet presAssocID="{438F3858-C975-464C-BFBC-5A234CF81EEE}" presName="hierChild1" presStyleCnt="0">
+        <dgm:presLayoutVars>
+          <dgm:orgChart val="1"/>
+          <dgm:chPref val="1"/>
+          <dgm:dir/>
+          <dgm:animOne val="branch"/>
+          <dgm:animLvl val="lvl"/>
+          <dgm:resizeHandles/>
+        </dgm:presLayoutVars>
+      </dgm:prSet>
+      <dgm:spPr/>
+    </dgm:pt>
+    <dgm:pt modelId="{768CE5AA-4D31-4B18-94DB-E92F7F5B7744}" type="pres">
+      <dgm:prSet presAssocID="{C746FA77-1F73-491C-8303-6A2B6DD68D64}" presName="hierRoot1" presStyleCnt="0">
+        <dgm:presLayoutVars>
+          <dgm:hierBranch val="init"/>
+        </dgm:presLayoutVars>
+      </dgm:prSet>
+      <dgm:spPr/>
+    </dgm:pt>
+    <dgm:pt modelId="{22E9837D-7339-4D94-88FD-9F6D05B7B798}" type="pres">
+      <dgm:prSet presAssocID="{C746FA77-1F73-491C-8303-6A2B6DD68D64}" presName="rootComposite1" presStyleCnt="0"/>
+      <dgm:spPr/>
+    </dgm:pt>
+    <dgm:pt modelId="{393EC376-0058-4EF7-8813-97FA89F1A02C}" type="pres">
+      <dgm:prSet presAssocID="{C746FA77-1F73-491C-8303-6A2B6DD68D64}" presName="rootText1" presStyleLbl="node0" presStyleIdx="0" presStyleCnt="1" custScaleX="242241" custScaleY="130208">
+        <dgm:presLayoutVars>
+          <dgm:chMax/>
+          <dgm:chPref val="3"/>
+        </dgm:presLayoutVars>
+      </dgm:prSet>
+      <dgm:spPr/>
+    </dgm:pt>
+    <dgm:pt modelId="{D17DC84D-56A1-430A-B084-EF3EDD4BA279}" type="pres">
+      <dgm:prSet presAssocID="{C746FA77-1F73-491C-8303-6A2B6DD68D64}" presName="titleText1" presStyleLbl="fgAcc0" presStyleIdx="0" presStyleCnt="1" custLinFactX="200000" custLinFactY="-500000" custLinFactNeighborX="292737" custLinFactNeighborY="-590104">
+        <dgm:presLayoutVars>
+          <dgm:chMax val="0"/>
+          <dgm:chPref val="0"/>
+        </dgm:presLayoutVars>
+      </dgm:prSet>
+      <dgm:spPr/>
+    </dgm:pt>
+    <dgm:pt modelId="{6018DA45-EF8B-4599-BEDA-159F5444B907}" type="pres">
+      <dgm:prSet presAssocID="{C746FA77-1F73-491C-8303-6A2B6DD68D64}" presName="rootConnector1" presStyleLbl="node1" presStyleIdx="0" presStyleCnt="10"/>
+      <dgm:spPr/>
+    </dgm:pt>
+    <dgm:pt modelId="{C90D39AC-6CC3-41A8-9DC4-90BCF80781A8}" type="pres">
+      <dgm:prSet presAssocID="{C746FA77-1F73-491C-8303-6A2B6DD68D64}" presName="hierChild2" presStyleCnt="0"/>
+      <dgm:spPr/>
+    </dgm:pt>
+    <dgm:pt modelId="{013F943E-4A77-4A54-90E7-8591FB25DC23}" type="pres">
+      <dgm:prSet presAssocID="{179F118B-EEDB-4050-B0A3-07E517DD3FB1}" presName="Name37" presStyleLbl="parChTrans1D2" presStyleIdx="0" presStyleCnt="2"/>
+      <dgm:spPr/>
+    </dgm:pt>
+    <dgm:pt modelId="{E0412970-39C5-4AAC-BC1A-F59E73DCA71A}" type="pres">
+      <dgm:prSet presAssocID="{989B0845-A20A-420B-8FF2-8455323CF42B}" presName="hierRoot2" presStyleCnt="0">
+        <dgm:presLayoutVars>
+          <dgm:hierBranch val="init"/>
+        </dgm:presLayoutVars>
+      </dgm:prSet>
+      <dgm:spPr/>
+    </dgm:pt>
+    <dgm:pt modelId="{C79B818D-6140-4CBF-A636-5044D7C24127}" type="pres">
+      <dgm:prSet presAssocID="{989B0845-A20A-420B-8FF2-8455323CF42B}" presName="rootComposite" presStyleCnt="0"/>
+      <dgm:spPr/>
+    </dgm:pt>
+    <dgm:pt modelId="{D3DAC0E9-2715-4C51-89EA-7A3B983A33E3}" type="pres">
+      <dgm:prSet presAssocID="{989B0845-A20A-420B-8FF2-8455323CF42B}" presName="rootText" presStyleLbl="node1" presStyleIdx="0" presStyleCnt="10" custScaleY="83803">
+        <dgm:presLayoutVars>
+          <dgm:chMax/>
+          <dgm:chPref val="3"/>
+        </dgm:presLayoutVars>
+      </dgm:prSet>
+      <dgm:spPr>
+        <a:xfrm>
+          <a:off x="2067092" y="2477476"/>
+          <a:ext cx="742130" cy="384242"/>
+        </a:xfrm>
+        <a:prstGeom prst="rect">
+          <a:avLst/>
+        </a:prstGeom>
+      </dgm:spPr>
+    </dgm:pt>
+    <dgm:pt modelId="{2BFDCDAF-F1C6-4D62-B220-6A894A668C93}" type="pres">
+      <dgm:prSet presAssocID="{989B0845-A20A-420B-8FF2-8455323CF42B}" presName="titleText2" presStyleLbl="fgAcc1" presStyleIdx="0" presStyleCnt="10" custLinFactX="300000" custLinFactY="-649652" custLinFactNeighborX="356982" custLinFactNeighborY="-700000">
+        <dgm:presLayoutVars>
+          <dgm:chMax val="0"/>
+          <dgm:chPref val="0"/>
+        </dgm:presLayoutVars>
+      </dgm:prSet>
+      <dgm:spPr/>
+    </dgm:pt>
+    <dgm:pt modelId="{DE520CCD-A1C9-4AE9-A940-B3439D5B0BB2}" type="pres">
+      <dgm:prSet presAssocID="{989B0845-A20A-420B-8FF2-8455323CF42B}" presName="rootConnector" presStyleLbl="node2" presStyleIdx="0" presStyleCnt="0"/>
+      <dgm:spPr/>
+    </dgm:pt>
+    <dgm:pt modelId="{DABCA6DD-D6F6-47E0-930C-90D968C22063}" type="pres">
+      <dgm:prSet presAssocID="{989B0845-A20A-420B-8FF2-8455323CF42B}" presName="hierChild4" presStyleCnt="0"/>
+      <dgm:spPr/>
+    </dgm:pt>
+    <dgm:pt modelId="{F30DEB13-EE2F-4F70-AF63-7FA83467EF39}" type="pres">
+      <dgm:prSet presAssocID="{5AB6BCC6-ECD4-4217-868F-8B64E219BBCE}" presName="Name37" presStyleLbl="parChTrans1D3" presStyleIdx="0" presStyleCnt="8"/>
+      <dgm:spPr/>
+    </dgm:pt>
+    <dgm:pt modelId="{5151D7FD-58E5-46FB-9461-927FD72EB343}" type="pres">
+      <dgm:prSet presAssocID="{16639135-9F56-4B33-85E5-34CA5F6BC5A3}" presName="hierRoot2" presStyleCnt="0">
+        <dgm:presLayoutVars>
+          <dgm:hierBranch val="init"/>
+        </dgm:presLayoutVars>
+      </dgm:prSet>
+      <dgm:spPr/>
+    </dgm:pt>
+    <dgm:pt modelId="{3FD7B904-1715-46C5-9573-A28E42FB5959}" type="pres">
+      <dgm:prSet presAssocID="{16639135-9F56-4B33-85E5-34CA5F6BC5A3}" presName="rootComposite" presStyleCnt="0"/>
+      <dgm:spPr/>
+    </dgm:pt>
+    <dgm:pt modelId="{D5F23B02-5311-4B02-A682-0C0BEF2E7741}" type="pres">
+      <dgm:prSet presAssocID="{16639135-9F56-4B33-85E5-34CA5F6BC5A3}" presName="rootText" presStyleLbl="node1" presStyleIdx="1" presStyleCnt="10" custScaleX="32997" custScaleY="120232">
+        <dgm:presLayoutVars>
+          <dgm:chMax/>
+          <dgm:chPref val="3"/>
+        </dgm:presLayoutVars>
+      </dgm:prSet>
+      <dgm:spPr>
+        <a:xfrm>
+          <a:off x="92145" y="3372191"/>
+          <a:ext cx="902431" cy="467238"/>
+        </a:xfrm>
+        <a:prstGeom prst="rect">
+          <a:avLst/>
+        </a:prstGeom>
+      </dgm:spPr>
+    </dgm:pt>
+    <dgm:pt modelId="{9A42180B-907B-4EF2-87AD-7CAB7A25E9FA}" type="pres">
+      <dgm:prSet presAssocID="{16639135-9F56-4B33-85E5-34CA5F6BC5A3}" presName="titleText2" presStyleLbl="fgAcc1" presStyleIdx="1" presStyleCnt="10" custLinFactX="300000" custLinFactY="-1100000" custLinFactNeighborX="365277" custLinFactNeighborY="-1149420">
+        <dgm:presLayoutVars>
+          <dgm:chMax val="0"/>
+          <dgm:chPref val="0"/>
+        </dgm:presLayoutVars>
+      </dgm:prSet>
+      <dgm:spPr/>
+    </dgm:pt>
+    <dgm:pt modelId="{FD5CAFAD-AF8B-4187-9E03-F746D96AD8B4}" type="pres">
+      <dgm:prSet presAssocID="{16639135-9F56-4B33-85E5-34CA5F6BC5A3}" presName="rootConnector" presStyleLbl="node3" presStyleIdx="0" presStyleCnt="0"/>
+      <dgm:spPr/>
+    </dgm:pt>
+    <dgm:pt modelId="{2939FA63-8C84-4D57-B9D5-9D01B37141D0}" type="pres">
+      <dgm:prSet presAssocID="{16639135-9F56-4B33-85E5-34CA5F6BC5A3}" presName="hierChild4" presStyleCnt="0"/>
+      <dgm:spPr/>
+    </dgm:pt>
+    <dgm:pt modelId="{053E3906-BD09-44B5-BBEA-C6B7E852C142}" type="pres">
+      <dgm:prSet presAssocID="{16639135-9F56-4B33-85E5-34CA5F6BC5A3}" presName="hierChild5" presStyleCnt="0"/>
+      <dgm:spPr/>
+    </dgm:pt>
+    <dgm:pt modelId="{8D7EFD32-B396-4D9F-BFBC-1A44EB8999CB}" type="pres">
+      <dgm:prSet presAssocID="{8988B070-B9BE-485F-9CB8-35B2765C8515}" presName="Name37" presStyleLbl="parChTrans1D3" presStyleIdx="1" presStyleCnt="8"/>
+      <dgm:spPr/>
+    </dgm:pt>
+    <dgm:pt modelId="{F5E8B1F1-874B-4C12-BDEC-03B27B1BA143}" type="pres">
+      <dgm:prSet presAssocID="{9CAB0395-D753-49BF-99E9-FC20B1C819FF}" presName="hierRoot2" presStyleCnt="0">
+        <dgm:presLayoutVars>
+          <dgm:hierBranch val="init"/>
+        </dgm:presLayoutVars>
+      </dgm:prSet>
+      <dgm:spPr/>
+    </dgm:pt>
+    <dgm:pt modelId="{83FA529C-1B09-4DA5-B1EB-0A6647F32FA0}" type="pres">
+      <dgm:prSet presAssocID="{9CAB0395-D753-49BF-99E9-FC20B1C819FF}" presName="rootComposite" presStyleCnt="0"/>
+      <dgm:spPr/>
+    </dgm:pt>
+    <dgm:pt modelId="{8EF23F55-DAE2-4749-B516-E240DE26AF88}" type="pres">
+      <dgm:prSet presAssocID="{9CAB0395-D753-49BF-99E9-FC20B1C819FF}" presName="rootText" presStyleLbl="node1" presStyleIdx="2" presStyleCnt="10" custScaleX="30138" custScaleY="186718">
+        <dgm:presLayoutVars>
+          <dgm:chMax/>
+          <dgm:chPref val="3"/>
+        </dgm:presLayoutVars>
+      </dgm:prSet>
+      <dgm:spPr>
+        <a:xfrm>
+          <a:off x="1302864" y="3372191"/>
+          <a:ext cx="902431" cy="467238"/>
+        </a:xfrm>
+        <a:prstGeom prst="rect">
+          <a:avLst/>
+        </a:prstGeom>
+      </dgm:spPr>
+    </dgm:pt>
+    <dgm:pt modelId="{70647BB6-5129-4989-9E87-93E13CFDD8A0}" type="pres">
+      <dgm:prSet presAssocID="{9CAB0395-D753-49BF-99E9-FC20B1C819FF}" presName="titleText2" presStyleLbl="fgAcc1" presStyleIdx="2" presStyleCnt="10" custLinFactX="200000" custLinFactY="-1000000" custLinFactNeighborX="297714" custLinFactNeighborY="-1059085">
+        <dgm:presLayoutVars>
+          <dgm:chMax val="0"/>
+          <dgm:chPref val="0"/>
+        </dgm:presLayoutVars>
+      </dgm:prSet>
+      <dgm:spPr/>
+    </dgm:pt>
+    <dgm:pt modelId="{9B1E7AA5-D9BA-4BD2-9641-4B596D36DCC5}" type="pres">
+      <dgm:prSet presAssocID="{9CAB0395-D753-49BF-99E9-FC20B1C819FF}" presName="rootConnector" presStyleLbl="node3" presStyleIdx="0" presStyleCnt="0"/>
+      <dgm:spPr/>
+    </dgm:pt>
+    <dgm:pt modelId="{D73FA190-C941-4486-B767-6F993A1243E9}" type="pres">
+      <dgm:prSet presAssocID="{9CAB0395-D753-49BF-99E9-FC20B1C819FF}" presName="hierChild4" presStyleCnt="0"/>
+      <dgm:spPr/>
+    </dgm:pt>
+    <dgm:pt modelId="{627A77FF-8D15-477C-9136-D626531AC546}" type="pres">
+      <dgm:prSet presAssocID="{9CAB0395-D753-49BF-99E9-FC20B1C819FF}" presName="hierChild5" presStyleCnt="0"/>
+      <dgm:spPr/>
+    </dgm:pt>
+    <dgm:pt modelId="{0E451B9A-6ADB-4378-9D41-1A32E1160BD8}" type="pres">
+      <dgm:prSet presAssocID="{57CDF904-1BB3-4254-926C-26FD193EAFAE}" presName="Name37" presStyleLbl="parChTrans1D3" presStyleIdx="2" presStyleCnt="8"/>
+      <dgm:spPr/>
+    </dgm:pt>
+    <dgm:pt modelId="{E6A88149-6965-47A4-8853-2CDEB5AD646A}" type="pres">
+      <dgm:prSet presAssocID="{86784509-6AE9-48E5-B30B-C4015C4B3B6A}" presName="hierRoot2" presStyleCnt="0">
+        <dgm:presLayoutVars>
+          <dgm:hierBranch val="init"/>
+        </dgm:presLayoutVars>
+      </dgm:prSet>
+      <dgm:spPr/>
+    </dgm:pt>
+    <dgm:pt modelId="{D92E002D-B8B5-4EA5-82AB-15E484056266}" type="pres">
+      <dgm:prSet presAssocID="{86784509-6AE9-48E5-B30B-C4015C4B3B6A}" presName="rootComposite" presStyleCnt="0"/>
+      <dgm:spPr/>
+    </dgm:pt>
+    <dgm:pt modelId="{D02BAFE7-53F9-4173-B487-1C26F04FC1DE}" type="pres">
+      <dgm:prSet presAssocID="{86784509-6AE9-48E5-B30B-C4015C4B3B6A}" presName="rootText" presStyleLbl="node1" presStyleIdx="3" presStyleCnt="10" custScaleX="30138" custScaleY="186718">
+        <dgm:presLayoutVars>
+          <dgm:chMax/>
+          <dgm:chPref val="3"/>
+        </dgm:presLayoutVars>
+      </dgm:prSet>
+      <dgm:spPr>
+        <a:xfrm>
+          <a:off x="2513583" y="3372191"/>
+          <a:ext cx="902431" cy="467238"/>
+        </a:xfrm>
+        <a:prstGeom prst="rect">
+          <a:avLst/>
+        </a:prstGeom>
+      </dgm:spPr>
+    </dgm:pt>
+    <dgm:pt modelId="{BB04749C-A6CA-4CF7-8AA2-BDC7C7116F80}" type="pres">
+      <dgm:prSet presAssocID="{86784509-6AE9-48E5-B30B-C4015C4B3B6A}" presName="titleText2" presStyleLbl="fgAcc1" presStyleIdx="3" presStyleCnt="10" custLinFactX="200000" custLinFactY="-924412" custLinFactNeighborX="294122" custLinFactNeighborY="-1000000">
+        <dgm:presLayoutVars>
+          <dgm:chMax val="0"/>
+          <dgm:chPref val="0"/>
+        </dgm:presLayoutVars>
+      </dgm:prSet>
+      <dgm:spPr/>
+    </dgm:pt>
+    <dgm:pt modelId="{71983AA7-22F4-4C8B-BE2F-4CAAC5E18067}" type="pres">
+      <dgm:prSet presAssocID="{86784509-6AE9-48E5-B30B-C4015C4B3B6A}" presName="rootConnector" presStyleLbl="node3" presStyleIdx="0" presStyleCnt="0"/>
+      <dgm:spPr/>
+    </dgm:pt>
+    <dgm:pt modelId="{7C3F08CA-732C-45B0-8568-FCA1B2392D49}" type="pres">
+      <dgm:prSet presAssocID="{86784509-6AE9-48E5-B30B-C4015C4B3B6A}" presName="hierChild4" presStyleCnt="0"/>
+      <dgm:spPr/>
+    </dgm:pt>
+    <dgm:pt modelId="{684A1CD3-F26C-4CEB-80CD-37D515EEE491}" type="pres">
+      <dgm:prSet presAssocID="{86784509-6AE9-48E5-B30B-C4015C4B3B6A}" presName="hierChild5" presStyleCnt="0"/>
+      <dgm:spPr/>
+    </dgm:pt>
+    <dgm:pt modelId="{270E74B7-783D-47FC-BF79-59A9366E672F}" type="pres">
+      <dgm:prSet presAssocID="{8F386CB3-12F0-4A65-9656-E2DF93E4E803}" presName="Name37" presStyleLbl="parChTrans1D3" presStyleIdx="3" presStyleCnt="8"/>
+      <dgm:spPr/>
+    </dgm:pt>
+    <dgm:pt modelId="{F747D53A-23DE-4729-A4C6-249D28FC7288}" type="pres">
+      <dgm:prSet presAssocID="{32B692FC-CD43-4204-B13C-2EF3E3C43049}" presName="hierRoot2" presStyleCnt="0">
+        <dgm:presLayoutVars>
+          <dgm:hierBranch val="init"/>
+        </dgm:presLayoutVars>
+      </dgm:prSet>
+      <dgm:spPr/>
+    </dgm:pt>
+    <dgm:pt modelId="{9E9EB5DB-61C1-4B59-9559-97B7557E64E3}" type="pres">
+      <dgm:prSet presAssocID="{32B692FC-CD43-4204-B13C-2EF3E3C43049}" presName="rootComposite" presStyleCnt="0"/>
+      <dgm:spPr/>
+    </dgm:pt>
+    <dgm:pt modelId="{AE25B2E8-6D53-4815-80C1-16E9F0B2367B}" type="pres">
+      <dgm:prSet presAssocID="{32B692FC-CD43-4204-B13C-2EF3E3C43049}" presName="rootText" presStyleLbl="node1" presStyleIdx="4" presStyleCnt="10" custScaleX="30138" custScaleY="186718">
+        <dgm:presLayoutVars>
+          <dgm:chMax/>
+          <dgm:chPref val="3"/>
+        </dgm:presLayoutVars>
+      </dgm:prSet>
+      <dgm:spPr>
+        <a:xfrm>
+          <a:off x="3724303" y="3372191"/>
+          <a:ext cx="902431" cy="467238"/>
+        </a:xfrm>
+        <a:prstGeom prst="rect">
+          <a:avLst/>
+        </a:prstGeom>
+      </dgm:spPr>
+    </dgm:pt>
+    <dgm:pt modelId="{F03878CD-7F31-488F-A086-4BD6162FA826}" type="pres">
+      <dgm:prSet presAssocID="{32B692FC-CD43-4204-B13C-2EF3E3C43049}" presName="titleText2" presStyleLbl="fgAcc1" presStyleIdx="4" presStyleCnt="10" custLinFactX="112735" custLinFactY="-1060886" custLinFactNeighborX="200000" custLinFactNeighborY="-1100000">
+        <dgm:presLayoutVars>
+          <dgm:chMax val="0"/>
+          <dgm:chPref val="0"/>
+        </dgm:presLayoutVars>
+      </dgm:prSet>
+      <dgm:spPr/>
+    </dgm:pt>
+    <dgm:pt modelId="{84096CE7-C9CD-4B1A-B15F-76FA3A09EFF2}" type="pres">
+      <dgm:prSet presAssocID="{32B692FC-CD43-4204-B13C-2EF3E3C43049}" presName="rootConnector" presStyleLbl="node3" presStyleIdx="0" presStyleCnt="0"/>
+      <dgm:spPr/>
+    </dgm:pt>
+    <dgm:pt modelId="{184B31CE-6898-4EB1-B24D-62AFD8D7F651}" type="pres">
+      <dgm:prSet presAssocID="{32B692FC-CD43-4204-B13C-2EF3E3C43049}" presName="hierChild4" presStyleCnt="0"/>
+      <dgm:spPr/>
+    </dgm:pt>
+    <dgm:pt modelId="{D8F00CFA-5BB1-45E8-AF9E-1252DDC2452D}" type="pres">
+      <dgm:prSet presAssocID="{32B692FC-CD43-4204-B13C-2EF3E3C43049}" presName="hierChild5" presStyleCnt="0"/>
+      <dgm:spPr/>
+    </dgm:pt>
+    <dgm:pt modelId="{992724F3-C6EE-4F60-B78A-0560566A62A8}" type="pres">
+      <dgm:prSet presAssocID="{7F215F7A-73C9-4CBF-96F9-FC8AF06FBD0B}" presName="Name37" presStyleLbl="parChTrans1D3" presStyleIdx="4" presStyleCnt="8"/>
+      <dgm:spPr/>
+    </dgm:pt>
+    <dgm:pt modelId="{73017771-A27F-4C73-BEAD-C0AAB634BD35}" type="pres">
+      <dgm:prSet presAssocID="{E886F339-49BB-41F5-93B1-F79C7C9F9427}" presName="hierRoot2" presStyleCnt="0">
+        <dgm:presLayoutVars>
+          <dgm:hierBranch val="init"/>
+        </dgm:presLayoutVars>
+      </dgm:prSet>
+      <dgm:spPr/>
+    </dgm:pt>
+    <dgm:pt modelId="{A251E435-CB9D-4F9F-A671-B1782ED76BB3}" type="pres">
+      <dgm:prSet presAssocID="{E886F339-49BB-41F5-93B1-F79C7C9F9427}" presName="rootComposite" presStyleCnt="0"/>
+      <dgm:spPr/>
+    </dgm:pt>
+    <dgm:pt modelId="{3E8B20E2-C0B4-4706-A71F-F9A19A2CBD2C}" type="pres">
+      <dgm:prSet presAssocID="{E886F339-49BB-41F5-93B1-F79C7C9F9427}" presName="rootText" presStyleLbl="node1" presStyleIdx="5" presStyleCnt="10" custScaleX="30138" custScaleY="186718">
+        <dgm:presLayoutVars>
+          <dgm:chMax/>
+          <dgm:chPref val="3"/>
+        </dgm:presLayoutVars>
+      </dgm:prSet>
+      <dgm:spPr>
+        <a:xfrm>
+          <a:off x="4935022" y="3372191"/>
+          <a:ext cx="902431" cy="467238"/>
+        </a:xfrm>
+        <a:prstGeom prst="rect">
+          <a:avLst/>
+        </a:prstGeom>
+      </dgm:spPr>
+    </dgm:pt>
+    <dgm:pt modelId="{2ACDF334-6EA1-4511-869C-56DC58DEE2D9}" type="pres">
+      <dgm:prSet presAssocID="{E886F339-49BB-41F5-93B1-F79C7C9F9427}" presName="titleText2" presStyleLbl="fgAcc1" presStyleIdx="5" presStyleCnt="10" custLinFactX="79823" custLinFactY="-861326" custLinFactNeighborX="100000" custLinFactNeighborY="-900000">
+        <dgm:presLayoutVars>
+          <dgm:chMax val="0"/>
+          <dgm:chPref val="0"/>
+        </dgm:presLayoutVars>
+      </dgm:prSet>
+      <dgm:spPr/>
+    </dgm:pt>
+    <dgm:pt modelId="{0C41CF1E-3561-4C61-AF40-84194288BC12}" type="pres">
+      <dgm:prSet presAssocID="{E886F339-49BB-41F5-93B1-F79C7C9F9427}" presName="rootConnector" presStyleLbl="node3" presStyleIdx="0" presStyleCnt="0"/>
+      <dgm:spPr/>
+    </dgm:pt>
+    <dgm:pt modelId="{D31D8C1B-FB9A-4239-895C-6F93AB223F4A}" type="pres">
+      <dgm:prSet presAssocID="{E886F339-49BB-41F5-93B1-F79C7C9F9427}" presName="hierChild4" presStyleCnt="0"/>
+      <dgm:spPr/>
+    </dgm:pt>
+    <dgm:pt modelId="{320D7F07-DF5A-4A7B-8D65-0E1AA06ED125}" type="pres">
+      <dgm:prSet presAssocID="{E886F339-49BB-41F5-93B1-F79C7C9F9427}" presName="hierChild5" presStyleCnt="0"/>
+      <dgm:spPr/>
+    </dgm:pt>
+    <dgm:pt modelId="{4434C976-B2D5-4C29-8435-1B2E629816BE}" type="pres">
+      <dgm:prSet presAssocID="{989B0845-A20A-420B-8FF2-8455323CF42B}" presName="hierChild5" presStyleCnt="0"/>
+      <dgm:spPr/>
+    </dgm:pt>
+    <dgm:pt modelId="{CFCA852E-ED87-4431-9843-DF79EEC5823E}" type="pres">
+      <dgm:prSet presAssocID="{90BE15FB-9DA6-498B-9C94-DC3511AACDF0}" presName="Name37" presStyleLbl="parChTrans1D2" presStyleIdx="1" presStyleCnt="2"/>
+      <dgm:spPr/>
+    </dgm:pt>
+    <dgm:pt modelId="{F2026717-2D39-4C0D-BDF6-4225904499F3}" type="pres">
+      <dgm:prSet presAssocID="{5970E8B2-5167-4998-AF77-25E9407CA2C4}" presName="hierRoot2" presStyleCnt="0">
+        <dgm:presLayoutVars>
+          <dgm:hierBranch val="init"/>
+        </dgm:presLayoutVars>
+      </dgm:prSet>
+      <dgm:spPr/>
+    </dgm:pt>
+    <dgm:pt modelId="{BA3DF231-D5D9-4A74-BA5E-41D773E0EFD7}" type="pres">
+      <dgm:prSet presAssocID="{5970E8B2-5167-4998-AF77-25E9407CA2C4}" presName="rootComposite" presStyleCnt="0"/>
+      <dgm:spPr/>
+    </dgm:pt>
+    <dgm:pt modelId="{DA097A86-65C1-45FB-ACD3-C67ADF02CCFA}" type="pres">
+      <dgm:prSet presAssocID="{5970E8B2-5167-4998-AF77-25E9407CA2C4}" presName="rootText" presStyleLbl="node1" presStyleIdx="6" presStyleCnt="10">
+        <dgm:presLayoutVars>
+          <dgm:chMax/>
+          <dgm:chPref val="3"/>
+        </dgm:presLayoutVars>
+      </dgm:prSet>
+      <dgm:spPr>
+        <a:xfrm>
+          <a:off x="7356460" y="2672831"/>
+          <a:ext cx="902431" cy="467238"/>
+        </a:xfrm>
+        <a:prstGeom prst="rect">
+          <a:avLst/>
+        </a:prstGeom>
+      </dgm:spPr>
+    </dgm:pt>
+    <dgm:pt modelId="{9E15492F-897C-432E-BA37-F48C998E5E82}" type="pres">
+      <dgm:prSet presAssocID="{5970E8B2-5167-4998-AF77-25E9407CA2C4}" presName="titleText2" presStyleLbl="fgAcc1" presStyleIdx="6" presStyleCnt="10" custLinFactX="106923" custLinFactY="-585271" custLinFactNeighborX="200000" custLinFactNeighborY="-600000">
+        <dgm:presLayoutVars>
+          <dgm:chMax val="0"/>
+          <dgm:chPref val="0"/>
+        </dgm:presLayoutVars>
+      </dgm:prSet>
+      <dgm:spPr/>
+    </dgm:pt>
+    <dgm:pt modelId="{F564DA7B-8010-4849-9F5F-EC951AD23E87}" type="pres">
+      <dgm:prSet presAssocID="{5970E8B2-5167-4998-AF77-25E9407CA2C4}" presName="rootConnector" presStyleLbl="node2" presStyleIdx="0" presStyleCnt="0"/>
+      <dgm:spPr/>
+    </dgm:pt>
+    <dgm:pt modelId="{0B180B33-F0FA-4DDC-AC2A-F05C56637E7F}" type="pres">
+      <dgm:prSet presAssocID="{5970E8B2-5167-4998-AF77-25E9407CA2C4}" presName="hierChild4" presStyleCnt="0"/>
+      <dgm:spPr/>
+    </dgm:pt>
+    <dgm:pt modelId="{2FD26C50-0C5B-4C48-8908-71E699D48671}" type="pres">
+      <dgm:prSet presAssocID="{45CDB700-23A7-4C51-B375-9F7C7E891F89}" presName="Name37" presStyleLbl="parChTrans1D3" presStyleIdx="5" presStyleCnt="8"/>
+      <dgm:spPr/>
+    </dgm:pt>
+    <dgm:pt modelId="{78F64FCC-A15B-48F9-907D-CAF79AE470BE}" type="pres">
+      <dgm:prSet presAssocID="{8F440246-EA84-4CC4-BE1C-4D12F4C4443D}" presName="hierRoot2" presStyleCnt="0">
+        <dgm:presLayoutVars>
+          <dgm:hierBranch val="init"/>
+        </dgm:presLayoutVars>
+      </dgm:prSet>
+      <dgm:spPr/>
+    </dgm:pt>
+    <dgm:pt modelId="{47CE0B88-4096-4D38-B81D-63ABD0701CE5}" type="pres">
+      <dgm:prSet presAssocID="{8F440246-EA84-4CC4-BE1C-4D12F4C4443D}" presName="rootComposite" presStyleCnt="0"/>
+      <dgm:spPr/>
+    </dgm:pt>
+    <dgm:pt modelId="{5629FBC8-B0EF-46CC-BF41-2DE392A43D66}" type="pres">
+      <dgm:prSet presAssocID="{8F440246-EA84-4CC4-BE1C-4D12F4C4443D}" presName="rootText" presStyleLbl="node1" presStyleIdx="7" presStyleCnt="10" custScaleX="30138" custScaleY="186718">
+        <dgm:presLayoutVars>
+          <dgm:chMax/>
+          <dgm:chPref val="3"/>
+        </dgm:presLayoutVars>
+      </dgm:prSet>
+      <dgm:spPr>
+        <a:xfrm>
+          <a:off x="6145741" y="3410031"/>
+          <a:ext cx="902431" cy="467238"/>
+        </a:xfrm>
+        <a:prstGeom prst="rect">
+          <a:avLst/>
+        </a:prstGeom>
+      </dgm:spPr>
+    </dgm:pt>
+    <dgm:pt modelId="{F72AF5E2-D10E-41CE-B14C-CFB6E5130359}" type="pres">
+      <dgm:prSet presAssocID="{8F440246-EA84-4CC4-BE1C-4D12F4C4443D}" presName="titleText2" presStyleLbl="fgAcc1" presStyleIdx="7" presStyleCnt="10" custLinFactX="100000" custLinFactY="-1100000" custLinFactNeighborX="148857" custLinFactNeighborY="-1140769">
+        <dgm:presLayoutVars>
+          <dgm:chMax val="0"/>
+          <dgm:chPref val="0"/>
+        </dgm:presLayoutVars>
+      </dgm:prSet>
+      <dgm:spPr/>
+    </dgm:pt>
+    <dgm:pt modelId="{39EF2B44-ECC1-4437-97EF-B66A75AAA6C6}" type="pres">
+      <dgm:prSet presAssocID="{8F440246-EA84-4CC4-BE1C-4D12F4C4443D}" presName="rootConnector" presStyleLbl="node3" presStyleIdx="0" presStyleCnt="0"/>
+      <dgm:spPr/>
+    </dgm:pt>
+    <dgm:pt modelId="{D99FD3E6-DECD-4678-841C-1D1013B10A5D}" type="pres">
+      <dgm:prSet presAssocID="{8F440246-EA84-4CC4-BE1C-4D12F4C4443D}" presName="hierChild4" presStyleCnt="0"/>
+      <dgm:spPr/>
+    </dgm:pt>
+    <dgm:pt modelId="{0ED5314C-BE76-49E1-AD50-15618F139A45}" type="pres">
+      <dgm:prSet presAssocID="{8F440246-EA84-4CC4-BE1C-4D12F4C4443D}" presName="hierChild5" presStyleCnt="0"/>
+      <dgm:spPr/>
+    </dgm:pt>
+    <dgm:pt modelId="{8B675F6F-E770-47A8-81B1-AC11E51B50F9}" type="pres">
+      <dgm:prSet presAssocID="{E6D708C5-B1F9-4069-B06D-5A1C89020752}" presName="Name37" presStyleLbl="parChTrans1D3" presStyleIdx="6" presStyleCnt="8"/>
+      <dgm:spPr/>
+    </dgm:pt>
+    <dgm:pt modelId="{BD8D0CE3-E40E-4322-A748-6F04EEB8DC62}" type="pres">
+      <dgm:prSet presAssocID="{80D0F359-A42F-4EAA-8AC4-0078CEF65513}" presName="hierRoot2" presStyleCnt="0">
+        <dgm:presLayoutVars>
+          <dgm:hierBranch val="init"/>
+        </dgm:presLayoutVars>
+      </dgm:prSet>
+      <dgm:spPr/>
+    </dgm:pt>
+    <dgm:pt modelId="{FBAED166-B3B7-4F67-870E-729238A26BD0}" type="pres">
+      <dgm:prSet presAssocID="{80D0F359-A42F-4EAA-8AC4-0078CEF65513}" presName="rootComposite" presStyleCnt="0"/>
+      <dgm:spPr/>
+    </dgm:pt>
+    <dgm:pt modelId="{9E3E8511-CD81-4339-90B6-81DEE78D3E35}" type="pres">
+      <dgm:prSet presAssocID="{80D0F359-A42F-4EAA-8AC4-0078CEF65513}" presName="rootText" presStyleLbl="node1" presStyleIdx="8" presStyleCnt="10" custScaleX="30138" custScaleY="186718">
+        <dgm:presLayoutVars>
+          <dgm:chMax/>
+          <dgm:chPref val="3"/>
+        </dgm:presLayoutVars>
+      </dgm:prSet>
+      <dgm:spPr>
+        <a:xfrm>
+          <a:off x="7356460" y="3410031"/>
+          <a:ext cx="902431" cy="467238"/>
+        </a:xfrm>
+        <a:prstGeom prst="rect">
+          <a:avLst/>
+        </a:prstGeom>
+      </dgm:spPr>
+    </dgm:pt>
+    <dgm:pt modelId="{89CDEBB7-3D70-4697-9758-D999A039CEB7}" type="pres">
+      <dgm:prSet presAssocID="{80D0F359-A42F-4EAA-8AC4-0078CEF65513}" presName="titleText2" presStyleLbl="fgAcc1" presStyleIdx="8" presStyleCnt="10" custLinFactX="100000" custLinFactY="-1000000" custLinFactNeighborX="152175" custLinFactNeighborY="-1067737">
+        <dgm:presLayoutVars>
+          <dgm:chMax val="0"/>
+          <dgm:chPref val="0"/>
+        </dgm:presLayoutVars>
+      </dgm:prSet>
+      <dgm:spPr/>
+    </dgm:pt>
+    <dgm:pt modelId="{BCC99067-2CBB-425E-AC61-D9C48E7B3AF7}" type="pres">
+      <dgm:prSet presAssocID="{80D0F359-A42F-4EAA-8AC4-0078CEF65513}" presName="rootConnector" presStyleLbl="node3" presStyleIdx="0" presStyleCnt="0"/>
+      <dgm:spPr/>
+    </dgm:pt>
+    <dgm:pt modelId="{662780CC-9A6E-49A3-B79A-87106B35599D}" type="pres">
+      <dgm:prSet presAssocID="{80D0F359-A42F-4EAA-8AC4-0078CEF65513}" presName="hierChild4" presStyleCnt="0"/>
+      <dgm:spPr/>
+    </dgm:pt>
+    <dgm:pt modelId="{B688237F-B4E7-4928-BF4F-DD93759807D0}" type="pres">
+      <dgm:prSet presAssocID="{80D0F359-A42F-4EAA-8AC4-0078CEF65513}" presName="hierChild5" presStyleCnt="0"/>
+      <dgm:spPr/>
+    </dgm:pt>
+    <dgm:pt modelId="{281C1132-6498-4AB4-9F94-521EB9D05B3E}" type="pres">
+      <dgm:prSet presAssocID="{4074044C-8CC0-4CCA-9FFE-FCA080041FE6}" presName="Name37" presStyleLbl="parChTrans1D3" presStyleIdx="7" presStyleCnt="8"/>
+      <dgm:spPr/>
+    </dgm:pt>
+    <dgm:pt modelId="{DF111C20-698D-42FA-8CE8-EFBDF18E72CD}" type="pres">
+      <dgm:prSet presAssocID="{AC340D72-4D42-42E1-A166-F340A570CB2B}" presName="hierRoot2" presStyleCnt="0">
+        <dgm:presLayoutVars>
+          <dgm:hierBranch val="init"/>
+        </dgm:presLayoutVars>
+      </dgm:prSet>
+      <dgm:spPr/>
+    </dgm:pt>
+    <dgm:pt modelId="{09A0FF74-E467-43FE-A97E-E660C92434E8}" type="pres">
+      <dgm:prSet presAssocID="{AC340D72-4D42-42E1-A166-F340A570CB2B}" presName="rootComposite" presStyleCnt="0"/>
+      <dgm:spPr/>
+    </dgm:pt>
+    <dgm:pt modelId="{322F19A3-02B6-46CE-A7B7-104D92DF986B}" type="pres">
+      <dgm:prSet presAssocID="{AC340D72-4D42-42E1-A166-F340A570CB2B}" presName="rootText" presStyleLbl="node1" presStyleIdx="9" presStyleCnt="10" custScaleX="30138" custScaleY="186718">
+        <dgm:presLayoutVars>
+          <dgm:chMax/>
+          <dgm:chPref val="3"/>
+        </dgm:presLayoutVars>
+      </dgm:prSet>
+      <dgm:spPr>
+        <a:xfrm>
+          <a:off x="8567180" y="3410031"/>
+          <a:ext cx="902431" cy="467238"/>
+        </a:xfrm>
+        <a:prstGeom prst="rect">
+          <a:avLst/>
+        </a:prstGeom>
+      </dgm:spPr>
+    </dgm:pt>
+    <dgm:pt modelId="{5286C25D-9BEA-4C75-B575-32ADD3C79457}" type="pres">
+      <dgm:prSet presAssocID="{AC340D72-4D42-42E1-A166-F340A570CB2B}" presName="titleText2" presStyleLbl="fgAcc1" presStyleIdx="9" presStyleCnt="10" custLinFactX="94108" custLinFactY="-1000000" custLinFactNeighborX="100000" custLinFactNeighborY="-1076388">
+        <dgm:presLayoutVars>
+          <dgm:chMax val="0"/>
+          <dgm:chPref val="0"/>
+        </dgm:presLayoutVars>
+      </dgm:prSet>
+      <dgm:spPr/>
+    </dgm:pt>
+    <dgm:pt modelId="{C3B25859-5068-4B99-90B0-6D3E686916EF}" type="pres">
+      <dgm:prSet presAssocID="{AC340D72-4D42-42E1-A166-F340A570CB2B}" presName="rootConnector" presStyleLbl="node3" presStyleIdx="0" presStyleCnt="0"/>
+      <dgm:spPr/>
+    </dgm:pt>
+    <dgm:pt modelId="{C3FCEC58-91E8-41D3-B9DD-C8F947192E7A}" type="pres">
+      <dgm:prSet presAssocID="{AC340D72-4D42-42E1-A166-F340A570CB2B}" presName="hierChild4" presStyleCnt="0"/>
+      <dgm:spPr/>
+    </dgm:pt>
+    <dgm:pt modelId="{14F999CA-0F43-4458-9E10-339DB2A82C36}" type="pres">
+      <dgm:prSet presAssocID="{AC340D72-4D42-42E1-A166-F340A570CB2B}" presName="hierChild5" presStyleCnt="0"/>
+      <dgm:spPr/>
+    </dgm:pt>
+    <dgm:pt modelId="{7FC78A72-2737-4514-B203-2ADF646385D0}" type="pres">
+      <dgm:prSet presAssocID="{5970E8B2-5167-4998-AF77-25E9407CA2C4}" presName="hierChild5" presStyleCnt="0"/>
+      <dgm:spPr/>
+    </dgm:pt>
+    <dgm:pt modelId="{310237B2-0F93-48E9-B217-46A10CC37EFB}" type="pres">
+      <dgm:prSet presAssocID="{C746FA77-1F73-491C-8303-6A2B6DD68D64}" presName="hierChild3" presStyleCnt="0"/>
+      <dgm:spPr/>
+    </dgm:pt>
+  </dgm:ptLst>
+  <dgm:cxnLst>
+    <dgm:cxn modelId="{3AB43700-C57B-49E4-9754-BAAE6F5B9C60}" type="presOf" srcId="{989B0845-A20A-420B-8FF2-8455323CF42B}" destId="{DE520CCD-A1C9-4AE9-A940-B3439D5B0BB2}" srcOrd="1" destOrd="0" presId="urn:microsoft.com/office/officeart/2008/layout/NameandTitleOrganizationalChart"/>
+    <dgm:cxn modelId="{4E99C003-8F99-403E-82FF-3AA71F870427}" srcId="{C746FA77-1F73-491C-8303-6A2B6DD68D64}" destId="{5970E8B2-5167-4998-AF77-25E9407CA2C4}" srcOrd="1" destOrd="0" parTransId="{90BE15FB-9DA6-498B-9C94-DC3511AACDF0}" sibTransId="{42F53C55-B3D7-4E6E-BF58-FD092451854C}"/>
+    <dgm:cxn modelId="{4CD2FB0A-E594-43A4-A523-46CF55E00997}" type="presOf" srcId="{AC340D72-4D42-42E1-A166-F340A570CB2B}" destId="{C3B25859-5068-4B99-90B0-6D3E686916EF}" srcOrd="1" destOrd="0" presId="urn:microsoft.com/office/officeart/2008/layout/NameandTitleOrganizationalChart"/>
+    <dgm:cxn modelId="{1E730A0B-E470-4772-8263-51C4C56D60B2}" type="presOf" srcId="{5970E8B2-5167-4998-AF77-25E9407CA2C4}" destId="{DA097A86-65C1-45FB-ACD3-C67ADF02CCFA}" srcOrd="0" destOrd="0" presId="urn:microsoft.com/office/officeart/2008/layout/NameandTitleOrganizationalChart"/>
+    <dgm:cxn modelId="{0960460E-EFC1-4047-8A94-CC90560DFC1B}" type="presOf" srcId="{5B5B8C2A-3843-4DA4-B967-718A3EAB9574}" destId="{5286C25D-9BEA-4C75-B575-32ADD3C79457}" srcOrd="0" destOrd="0" presId="urn:microsoft.com/office/officeart/2008/layout/NameandTitleOrganizationalChart"/>
+    <dgm:cxn modelId="{12428212-DBDB-406F-B507-5BD1B8254861}" srcId="{5970E8B2-5167-4998-AF77-25E9407CA2C4}" destId="{80D0F359-A42F-4EAA-8AC4-0078CEF65513}" srcOrd="1" destOrd="0" parTransId="{E6D708C5-B1F9-4069-B06D-5A1C89020752}" sibTransId="{F1EAF5F1-2E10-4277-98C0-51E2EDEF2D5C}"/>
+    <dgm:cxn modelId="{13902B20-F930-459F-9EF2-17153CE07BC8}" type="presOf" srcId="{5970E8B2-5167-4998-AF77-25E9407CA2C4}" destId="{F564DA7B-8010-4849-9F5F-EC951AD23E87}" srcOrd="1" destOrd="0" presId="urn:microsoft.com/office/officeart/2008/layout/NameandTitleOrganizationalChart"/>
+    <dgm:cxn modelId="{6E9CBD22-F830-4F98-941D-AA44F007555D}" type="presOf" srcId="{86784509-6AE9-48E5-B30B-C4015C4B3B6A}" destId="{71983AA7-22F4-4C8B-BE2F-4CAAC5E18067}" srcOrd="1" destOrd="0" presId="urn:microsoft.com/office/officeart/2008/layout/NameandTitleOrganizationalChart"/>
+    <dgm:cxn modelId="{2FD60F25-F398-46B5-8045-3BDA5373355E}" type="presOf" srcId="{AC340D72-4D42-42E1-A166-F340A570CB2B}" destId="{322F19A3-02B6-46CE-A7B7-104D92DF986B}" srcOrd="0" destOrd="0" presId="urn:microsoft.com/office/officeart/2008/layout/NameandTitleOrganizationalChart"/>
+    <dgm:cxn modelId="{D5240227-1F02-4032-A679-A0B1839DCF85}" type="presOf" srcId="{989B0845-A20A-420B-8FF2-8455323CF42B}" destId="{D3DAC0E9-2715-4C51-89EA-7A3B983A33E3}" srcOrd="0" destOrd="0" presId="urn:microsoft.com/office/officeart/2008/layout/NameandTitleOrganizationalChart"/>
+    <dgm:cxn modelId="{27D15C29-643C-4F90-A1EF-1FED78CA2151}" type="presOf" srcId="{16639135-9F56-4B33-85E5-34CA5F6BC5A3}" destId="{D5F23B02-5311-4B02-A682-0C0BEF2E7741}" srcOrd="0" destOrd="0" presId="urn:microsoft.com/office/officeart/2008/layout/NameandTitleOrganizationalChart"/>
+    <dgm:cxn modelId="{CA304130-93E3-4C85-B9BE-8513D2B22407}" type="presOf" srcId="{5AB6BCC6-ECD4-4217-868F-8B64E219BBCE}" destId="{F30DEB13-EE2F-4F70-AF63-7FA83467EF39}" srcOrd="0" destOrd="0" presId="urn:microsoft.com/office/officeart/2008/layout/NameandTitleOrganizationalChart"/>
+    <dgm:cxn modelId="{174AC234-0C97-44B6-B274-8C47B3E82DE0}" type="presOf" srcId="{3905AFB0-D212-4EBC-BF16-E861D5843165}" destId="{F72AF5E2-D10E-41CE-B14C-CFB6E5130359}" srcOrd="0" destOrd="0" presId="urn:microsoft.com/office/officeart/2008/layout/NameandTitleOrganizationalChart"/>
+    <dgm:cxn modelId="{01F69443-02AD-4F3F-B15C-BFF96785823A}" type="presOf" srcId="{F1EAF5F1-2E10-4277-98C0-51E2EDEF2D5C}" destId="{89CDEBB7-3D70-4697-9758-D999A039CEB7}" srcOrd="0" destOrd="0" presId="urn:microsoft.com/office/officeart/2008/layout/NameandTitleOrganizationalChart"/>
+    <dgm:cxn modelId="{46BF2C44-8343-4133-97A4-C2CC21EC8B9D}" type="presOf" srcId="{E886F339-49BB-41F5-93B1-F79C7C9F9427}" destId="{0C41CF1E-3561-4C61-AF40-84194288BC12}" srcOrd="1" destOrd="0" presId="urn:microsoft.com/office/officeart/2008/layout/NameandTitleOrganizationalChart"/>
+    <dgm:cxn modelId="{34537A44-C43A-42FF-BE89-D30C0AEC0A26}" srcId="{C746FA77-1F73-491C-8303-6A2B6DD68D64}" destId="{989B0845-A20A-420B-8FF2-8455323CF42B}" srcOrd="0" destOrd="0" parTransId="{179F118B-EEDB-4050-B0A3-07E517DD3FB1}" sibTransId="{F0A26BF7-4FD9-4C93-812E-841C0A17D022}"/>
+    <dgm:cxn modelId="{3492DD64-93D0-4603-809A-E8D8616AB095}" srcId="{5970E8B2-5167-4998-AF77-25E9407CA2C4}" destId="{8F440246-EA84-4CC4-BE1C-4D12F4C4443D}" srcOrd="0" destOrd="0" parTransId="{45CDB700-23A7-4C51-B375-9F7C7E891F89}" sibTransId="{3905AFB0-D212-4EBC-BF16-E861D5843165}"/>
+    <dgm:cxn modelId="{A68D2B66-7D75-488D-8AA7-096EE409A5FC}" srcId="{438F3858-C975-464C-BFBC-5A234CF81EEE}" destId="{C746FA77-1F73-491C-8303-6A2B6DD68D64}" srcOrd="0" destOrd="0" parTransId="{451BDF1B-5FE4-4269-9200-612D8CEBC004}" sibTransId="{DBBBAA20-7DBE-4DD8-B852-6AA06E5C0771}"/>
+    <dgm:cxn modelId="{70988D6C-B41E-494A-8FAE-31BA57B9B63E}" type="presOf" srcId="{32B692FC-CD43-4204-B13C-2EF3E3C43049}" destId="{AE25B2E8-6D53-4815-80C1-16E9F0B2367B}" srcOrd="0" destOrd="0" presId="urn:microsoft.com/office/officeart/2008/layout/NameandTitleOrganizationalChart"/>
+    <dgm:cxn modelId="{CC1B9A6C-269A-49A8-BC68-7476F35D7049}" type="presOf" srcId="{F0A26BF7-4FD9-4C93-812E-841C0A17D022}" destId="{2BFDCDAF-F1C6-4D62-B220-6A894A668C93}" srcOrd="0" destOrd="0" presId="urn:microsoft.com/office/officeart/2008/layout/NameandTitleOrganizationalChart"/>
+    <dgm:cxn modelId="{B90AE26F-FDE4-42F4-9BB9-4B52F5CF07DF}" type="presOf" srcId="{7F215F7A-73C9-4CBF-96F9-FC8AF06FBD0B}" destId="{992724F3-C6EE-4F60-B78A-0560566A62A8}" srcOrd="0" destOrd="0" presId="urn:microsoft.com/office/officeart/2008/layout/NameandTitleOrganizationalChart"/>
+    <dgm:cxn modelId="{6B2A3571-4377-4F25-8378-E054868F2F81}" type="presOf" srcId="{B6D7A9AC-3E5E-4A73-BB70-0C2490361858}" destId="{BB04749C-A6CA-4CF7-8AA2-BDC7C7116F80}" srcOrd="0" destOrd="0" presId="urn:microsoft.com/office/officeart/2008/layout/NameandTitleOrganizationalChart"/>
+    <dgm:cxn modelId="{A2266671-3334-42E3-80E8-B1579C2F67D9}" type="presOf" srcId="{179F118B-EEDB-4050-B0A3-07E517DD3FB1}" destId="{013F943E-4A77-4A54-90E7-8591FB25DC23}" srcOrd="0" destOrd="0" presId="urn:microsoft.com/office/officeart/2008/layout/NameandTitleOrganizationalChart"/>
+    <dgm:cxn modelId="{3BE9EF76-D226-4C54-95DB-F469A83C4263}" srcId="{989B0845-A20A-420B-8FF2-8455323CF42B}" destId="{32B692FC-CD43-4204-B13C-2EF3E3C43049}" srcOrd="3" destOrd="0" parTransId="{8F386CB3-12F0-4A65-9656-E2DF93E4E803}" sibTransId="{9AB11ED3-C87A-43F5-90F7-0C473491AB53}"/>
+    <dgm:cxn modelId="{76119778-7FF0-4048-A406-C0840B0610BF}" type="presOf" srcId="{A4FD069E-F3D8-457E-AB6F-4D3D7C355B59}" destId="{2ACDF334-6EA1-4511-869C-56DC58DEE2D9}" srcOrd="0" destOrd="0" presId="urn:microsoft.com/office/officeart/2008/layout/NameandTitleOrganizationalChart"/>
+    <dgm:cxn modelId="{6904AB78-7779-488D-9C60-8AB82077D9E2}" type="presOf" srcId="{78538161-7860-48EF-9141-8994F89BB5E0}" destId="{70647BB6-5129-4989-9E87-93E13CFDD8A0}" srcOrd="0" destOrd="0" presId="urn:microsoft.com/office/officeart/2008/layout/NameandTitleOrganizationalChart"/>
+    <dgm:cxn modelId="{935A0379-840B-4991-ADFC-530B6ADCCFAC}" srcId="{989B0845-A20A-420B-8FF2-8455323CF42B}" destId="{86784509-6AE9-48E5-B30B-C4015C4B3B6A}" srcOrd="2" destOrd="0" parTransId="{57CDF904-1BB3-4254-926C-26FD193EAFAE}" sibTransId="{B6D7A9AC-3E5E-4A73-BB70-0C2490361858}"/>
+    <dgm:cxn modelId="{4DC16281-0795-4F81-8EE1-D2A9A3C0EC73}" type="presOf" srcId="{9CAB0395-D753-49BF-99E9-FC20B1C819FF}" destId="{8EF23F55-DAE2-4749-B516-E240DE26AF88}" srcOrd="0" destOrd="0" presId="urn:microsoft.com/office/officeart/2008/layout/NameandTitleOrganizationalChart"/>
+    <dgm:cxn modelId="{262A9C85-E719-48CC-B7F2-1F900F6922FA}" type="presOf" srcId="{80D0F359-A42F-4EAA-8AC4-0078CEF65513}" destId="{9E3E8511-CD81-4339-90B6-81DEE78D3E35}" srcOrd="0" destOrd="0" presId="urn:microsoft.com/office/officeart/2008/layout/NameandTitleOrganizationalChart"/>
+    <dgm:cxn modelId="{144F7689-D059-4910-888B-9E2C7B6F259D}" type="presOf" srcId="{9AB11ED3-C87A-43F5-90F7-0C473491AB53}" destId="{F03878CD-7F31-488F-A086-4BD6162FA826}" srcOrd="0" destOrd="0" presId="urn:microsoft.com/office/officeart/2008/layout/NameandTitleOrganizationalChart"/>
+    <dgm:cxn modelId="{27583590-8F25-4EE7-A651-93D320619745}" type="presOf" srcId="{F3F7A541-C4C4-482D-965D-7F53A5EF78F0}" destId="{9A42180B-907B-4EF2-87AD-7CAB7A25E9FA}" srcOrd="0" destOrd="0" presId="urn:microsoft.com/office/officeart/2008/layout/NameandTitleOrganizationalChart"/>
+    <dgm:cxn modelId="{42CB7091-89BA-422F-92D5-B322D2E86976}" type="presOf" srcId="{57CDF904-1BB3-4254-926C-26FD193EAFAE}" destId="{0E451B9A-6ADB-4378-9D41-1A32E1160BD8}" srcOrd="0" destOrd="0" presId="urn:microsoft.com/office/officeart/2008/layout/NameandTitleOrganizationalChart"/>
+    <dgm:cxn modelId="{B7C3FB93-5B5D-4C3A-AC6E-A40C5112B256}" type="presOf" srcId="{C746FA77-1F73-491C-8303-6A2B6DD68D64}" destId="{6018DA45-EF8B-4599-BEDA-159F5444B907}" srcOrd="1" destOrd="0" presId="urn:microsoft.com/office/officeart/2008/layout/NameandTitleOrganizationalChart"/>
+    <dgm:cxn modelId="{94E1A897-C773-42A6-B7F9-06A3DD996502}" type="presOf" srcId="{E6D708C5-B1F9-4069-B06D-5A1C89020752}" destId="{8B675F6F-E770-47A8-81B1-AC11E51B50F9}" srcOrd="0" destOrd="0" presId="urn:microsoft.com/office/officeart/2008/layout/NameandTitleOrganizationalChart"/>
+    <dgm:cxn modelId="{62BFE99D-E3D0-46B5-8F52-B4B1C27ACF6B}" type="presOf" srcId="{86784509-6AE9-48E5-B30B-C4015C4B3B6A}" destId="{D02BAFE7-53F9-4173-B487-1C26F04FC1DE}" srcOrd="0" destOrd="0" presId="urn:microsoft.com/office/officeart/2008/layout/NameandTitleOrganizationalChart"/>
+    <dgm:cxn modelId="{E11FA39E-4903-4CC2-B516-92CAB2C6E6FF}" srcId="{989B0845-A20A-420B-8FF2-8455323CF42B}" destId="{E886F339-49BB-41F5-93B1-F79C7C9F9427}" srcOrd="4" destOrd="0" parTransId="{7F215F7A-73C9-4CBF-96F9-FC8AF06FBD0B}" sibTransId="{A4FD069E-F3D8-457E-AB6F-4D3D7C355B59}"/>
+    <dgm:cxn modelId="{7CAEDD9E-CA7D-46B6-9CEE-452D92342F14}" type="presOf" srcId="{80D0F359-A42F-4EAA-8AC4-0078CEF65513}" destId="{BCC99067-2CBB-425E-AC61-D9C48E7B3AF7}" srcOrd="1" destOrd="0" presId="urn:microsoft.com/office/officeart/2008/layout/NameandTitleOrganizationalChart"/>
+    <dgm:cxn modelId="{143CC5A0-9642-4094-8C48-BFF91FFE430A}" srcId="{5970E8B2-5167-4998-AF77-25E9407CA2C4}" destId="{AC340D72-4D42-42E1-A166-F340A570CB2B}" srcOrd="2" destOrd="0" parTransId="{4074044C-8CC0-4CCA-9FFE-FCA080041FE6}" sibTransId="{5B5B8C2A-3843-4DA4-B967-718A3EAB9574}"/>
+    <dgm:cxn modelId="{DBCF0CA6-875D-4681-BDEE-35A352457F6F}" type="presOf" srcId="{DBBBAA20-7DBE-4DD8-B852-6AA06E5C0771}" destId="{D17DC84D-56A1-430A-B084-EF3EDD4BA279}" srcOrd="0" destOrd="0" presId="urn:microsoft.com/office/officeart/2008/layout/NameandTitleOrganizationalChart"/>
+    <dgm:cxn modelId="{53FD1EA7-5AF0-4734-AE9B-907E1F43A0E2}" type="presOf" srcId="{C746FA77-1F73-491C-8303-6A2B6DD68D64}" destId="{393EC376-0058-4EF7-8813-97FA89F1A02C}" srcOrd="0" destOrd="0" presId="urn:microsoft.com/office/officeart/2008/layout/NameandTitleOrganizationalChart"/>
+    <dgm:cxn modelId="{AE65F4A9-880B-473E-BAAF-E765FD1D7FC2}" type="presOf" srcId="{8F440246-EA84-4CC4-BE1C-4D12F4C4443D}" destId="{5629FBC8-B0EF-46CC-BF41-2DE392A43D66}" srcOrd="0" destOrd="0" presId="urn:microsoft.com/office/officeart/2008/layout/NameandTitleOrganizationalChart"/>
+    <dgm:cxn modelId="{2E4EBBAC-F4CB-446D-947F-BBBAF91D7EF8}" srcId="{989B0845-A20A-420B-8FF2-8455323CF42B}" destId="{9CAB0395-D753-49BF-99E9-FC20B1C819FF}" srcOrd="1" destOrd="0" parTransId="{8988B070-B9BE-485F-9CB8-35B2765C8515}" sibTransId="{78538161-7860-48EF-9141-8994F89BB5E0}"/>
+    <dgm:cxn modelId="{D1D602BC-D4A5-48FF-A5B7-4DCE8034C8BC}" type="presOf" srcId="{90BE15FB-9DA6-498B-9C94-DC3511AACDF0}" destId="{CFCA852E-ED87-4431-9843-DF79EEC5823E}" srcOrd="0" destOrd="0" presId="urn:microsoft.com/office/officeart/2008/layout/NameandTitleOrganizationalChart"/>
+    <dgm:cxn modelId="{272154BF-D986-45B3-8364-E540D1F42CDB}" type="presOf" srcId="{9CAB0395-D753-49BF-99E9-FC20B1C819FF}" destId="{9B1E7AA5-D9BA-4BD2-9641-4B596D36DCC5}" srcOrd="1" destOrd="0" presId="urn:microsoft.com/office/officeart/2008/layout/NameandTitleOrganizationalChart"/>
+    <dgm:cxn modelId="{C10405C3-04B7-4FCF-A28F-F5F5BF2992A4}" type="presOf" srcId="{42F53C55-B3D7-4E6E-BF58-FD092451854C}" destId="{9E15492F-897C-432E-BA37-F48C998E5E82}" srcOrd="0" destOrd="0" presId="urn:microsoft.com/office/officeart/2008/layout/NameandTitleOrganizationalChart"/>
+    <dgm:cxn modelId="{D0E63AC3-BFCB-4C27-9CD7-9EFDA880804B}" type="presOf" srcId="{E886F339-49BB-41F5-93B1-F79C7C9F9427}" destId="{3E8B20E2-C0B4-4706-A71F-F9A19A2CBD2C}" srcOrd="0" destOrd="0" presId="urn:microsoft.com/office/officeart/2008/layout/NameandTitleOrganizationalChart"/>
+    <dgm:cxn modelId="{636F5AC4-8180-49F6-8765-3C4106109DA3}" type="presOf" srcId="{8F440246-EA84-4CC4-BE1C-4D12F4C4443D}" destId="{39EF2B44-ECC1-4437-97EF-B66A75AAA6C6}" srcOrd="1" destOrd="0" presId="urn:microsoft.com/office/officeart/2008/layout/NameandTitleOrganizationalChart"/>
+    <dgm:cxn modelId="{CBEBE4D5-61CF-4C19-9ECD-8E842393CAC9}" type="presOf" srcId="{8F386CB3-12F0-4A65-9656-E2DF93E4E803}" destId="{270E74B7-783D-47FC-BF79-59A9366E672F}" srcOrd="0" destOrd="0" presId="urn:microsoft.com/office/officeart/2008/layout/NameandTitleOrganizationalChart"/>
+    <dgm:cxn modelId="{75AAC8DD-3A52-4A7D-8B8D-DE05BC05FEBE}" type="presOf" srcId="{32B692FC-CD43-4204-B13C-2EF3E3C43049}" destId="{84096CE7-C9CD-4B1A-B15F-76FA3A09EFF2}" srcOrd="1" destOrd="0" presId="urn:microsoft.com/office/officeart/2008/layout/NameandTitleOrganizationalChart"/>
+    <dgm:cxn modelId="{9FEFB6DE-C547-411A-81EA-70FE33DDD27D}" type="presOf" srcId="{8988B070-B9BE-485F-9CB8-35B2765C8515}" destId="{8D7EFD32-B396-4D9F-BFBC-1A44EB8999CB}" srcOrd="0" destOrd="0" presId="urn:microsoft.com/office/officeart/2008/layout/NameandTitleOrganizationalChart"/>
+    <dgm:cxn modelId="{EB01D6E0-7A08-4B5E-9885-54CB0C6B17AD}" type="presOf" srcId="{16639135-9F56-4B33-85E5-34CA5F6BC5A3}" destId="{FD5CAFAD-AF8B-4187-9E03-F746D96AD8B4}" srcOrd="1" destOrd="0" presId="urn:microsoft.com/office/officeart/2008/layout/NameandTitleOrganizationalChart"/>
+    <dgm:cxn modelId="{A313D3E2-CFEE-4F6D-97E2-43780E6D00EA}" type="presOf" srcId="{45CDB700-23A7-4C51-B375-9F7C7E891F89}" destId="{2FD26C50-0C5B-4C48-8908-71E699D48671}" srcOrd="0" destOrd="0" presId="urn:microsoft.com/office/officeart/2008/layout/NameandTitleOrganizationalChart"/>
+    <dgm:cxn modelId="{90D804F8-E954-4069-9811-4F6559DB8393}" type="presOf" srcId="{4074044C-8CC0-4CCA-9FFE-FCA080041FE6}" destId="{281C1132-6498-4AB4-9F94-521EB9D05B3E}" srcOrd="0" destOrd="0" presId="urn:microsoft.com/office/officeart/2008/layout/NameandTitleOrganizationalChart"/>
+    <dgm:cxn modelId="{D97263FD-73D0-4423-BB18-4F673652DA3E}" srcId="{989B0845-A20A-420B-8FF2-8455323CF42B}" destId="{16639135-9F56-4B33-85E5-34CA5F6BC5A3}" srcOrd="0" destOrd="0" parTransId="{5AB6BCC6-ECD4-4217-868F-8B64E219BBCE}" sibTransId="{F3F7A541-C4C4-482D-965D-7F53A5EF78F0}"/>
+    <dgm:cxn modelId="{7476A7FD-5D73-41E0-AD27-F2EAE57FA396}" type="presOf" srcId="{438F3858-C975-464C-BFBC-5A234CF81EEE}" destId="{E80E4696-77E8-429D-8501-103208C8F6E0}" srcOrd="0" destOrd="0" presId="urn:microsoft.com/office/officeart/2008/layout/NameandTitleOrganizationalChart"/>
+    <dgm:cxn modelId="{BC91439C-C360-444B-A2C0-5DF03525407F}" type="presParOf" srcId="{E80E4696-77E8-429D-8501-103208C8F6E0}" destId="{768CE5AA-4D31-4B18-94DB-E92F7F5B7744}" srcOrd="0" destOrd="0" presId="urn:microsoft.com/office/officeart/2008/layout/NameandTitleOrganizationalChart"/>
+    <dgm:cxn modelId="{A91D1FE2-641B-4C55-B10E-68FBA4725843}" type="presParOf" srcId="{768CE5AA-4D31-4B18-94DB-E92F7F5B7744}" destId="{22E9837D-7339-4D94-88FD-9F6D05B7B798}" srcOrd="0" destOrd="0" presId="urn:microsoft.com/office/officeart/2008/layout/NameandTitleOrganizationalChart"/>
+    <dgm:cxn modelId="{02772142-829A-47CD-8E83-FF4693E04BC2}" type="presParOf" srcId="{22E9837D-7339-4D94-88FD-9F6D05B7B798}" destId="{393EC376-0058-4EF7-8813-97FA89F1A02C}" srcOrd="0" destOrd="0" presId="urn:microsoft.com/office/officeart/2008/layout/NameandTitleOrganizationalChart"/>
+    <dgm:cxn modelId="{8EAFC522-E0BE-467E-B1AE-48FE7F7A6FE6}" type="presParOf" srcId="{22E9837D-7339-4D94-88FD-9F6D05B7B798}" destId="{D17DC84D-56A1-430A-B084-EF3EDD4BA279}" srcOrd="1" destOrd="0" presId="urn:microsoft.com/office/officeart/2008/layout/NameandTitleOrganizationalChart"/>
+    <dgm:cxn modelId="{C75A2D10-6902-45A4-942A-5B5DDDDC5078}" type="presParOf" srcId="{22E9837D-7339-4D94-88FD-9F6D05B7B798}" destId="{6018DA45-EF8B-4599-BEDA-159F5444B907}" srcOrd="2" destOrd="0" presId="urn:microsoft.com/office/officeart/2008/layout/NameandTitleOrganizationalChart"/>
+    <dgm:cxn modelId="{1D1D9CBC-C5C7-4BE4-8A79-17F4823EE15C}" type="presParOf" srcId="{768CE5AA-4D31-4B18-94DB-E92F7F5B7744}" destId="{C90D39AC-6CC3-41A8-9DC4-90BCF80781A8}" srcOrd="1" destOrd="0" presId="urn:microsoft.com/office/officeart/2008/layout/NameandTitleOrganizationalChart"/>
+    <dgm:cxn modelId="{5B5B9E73-6964-4E3A-B848-ECD87838B55B}" type="presParOf" srcId="{C90D39AC-6CC3-41A8-9DC4-90BCF80781A8}" destId="{013F943E-4A77-4A54-90E7-8591FB25DC23}" srcOrd="0" destOrd="0" presId="urn:microsoft.com/office/officeart/2008/layout/NameandTitleOrganizationalChart"/>
+    <dgm:cxn modelId="{180CF114-DC29-490C-9CBB-96E64A8C87CD}" type="presParOf" srcId="{C90D39AC-6CC3-41A8-9DC4-90BCF80781A8}" destId="{E0412970-39C5-4AAC-BC1A-F59E73DCA71A}" srcOrd="1" destOrd="0" presId="urn:microsoft.com/office/officeart/2008/layout/NameandTitleOrganizationalChart"/>
+    <dgm:cxn modelId="{CDCE666C-D714-4D4E-8C4B-28D2FCE129BA}" type="presParOf" srcId="{E0412970-39C5-4AAC-BC1A-F59E73DCA71A}" destId="{C79B818D-6140-4CBF-A636-5044D7C24127}" srcOrd="0" destOrd="0" presId="urn:microsoft.com/office/officeart/2008/layout/NameandTitleOrganizationalChart"/>
+    <dgm:cxn modelId="{F87B0938-8529-4096-BD60-7C98C82FDA8B}" type="presParOf" srcId="{C79B818D-6140-4CBF-A636-5044D7C24127}" destId="{D3DAC0E9-2715-4C51-89EA-7A3B983A33E3}" srcOrd="0" destOrd="0" presId="urn:microsoft.com/office/officeart/2008/layout/NameandTitleOrganizationalChart"/>
+    <dgm:cxn modelId="{9A46D635-785D-4DE0-BED7-7FBEDC29786F}" type="presParOf" srcId="{C79B818D-6140-4CBF-A636-5044D7C24127}" destId="{2BFDCDAF-F1C6-4D62-B220-6A894A668C93}" srcOrd="1" destOrd="0" presId="urn:microsoft.com/office/officeart/2008/layout/NameandTitleOrganizationalChart"/>
+    <dgm:cxn modelId="{054C0B44-4C72-4D22-975A-44D4149972EA}" type="presParOf" srcId="{C79B818D-6140-4CBF-A636-5044D7C24127}" destId="{DE520CCD-A1C9-4AE9-A940-B3439D5B0BB2}" srcOrd="2" destOrd="0" presId="urn:microsoft.com/office/officeart/2008/layout/NameandTitleOrganizationalChart"/>
+    <dgm:cxn modelId="{E17AE7F1-F705-4F07-A653-E019F4C5E584}" type="presParOf" srcId="{E0412970-39C5-4AAC-BC1A-F59E73DCA71A}" destId="{DABCA6DD-D6F6-47E0-930C-90D968C22063}" srcOrd="1" destOrd="0" presId="urn:microsoft.com/office/officeart/2008/layout/NameandTitleOrganizationalChart"/>
+    <dgm:cxn modelId="{2865360D-A5CB-4622-AE5C-BCDF69FF9E7C}" type="presParOf" srcId="{DABCA6DD-D6F6-47E0-930C-90D968C22063}" destId="{F30DEB13-EE2F-4F70-AF63-7FA83467EF39}" srcOrd="0" destOrd="0" presId="urn:microsoft.com/office/officeart/2008/layout/NameandTitleOrganizationalChart"/>
+    <dgm:cxn modelId="{136FBFEF-20D2-4B83-9AA0-7840F17E4755}" type="presParOf" srcId="{DABCA6DD-D6F6-47E0-930C-90D968C22063}" destId="{5151D7FD-58E5-46FB-9461-927FD72EB343}" srcOrd="1" destOrd="0" presId="urn:microsoft.com/office/officeart/2008/layout/NameandTitleOrganizationalChart"/>
+    <dgm:cxn modelId="{8160F0A6-5633-4AF5-9781-15E25B1649E7}" type="presParOf" srcId="{5151D7FD-58E5-46FB-9461-927FD72EB343}" destId="{3FD7B904-1715-46C5-9573-A28E42FB5959}" srcOrd="0" destOrd="0" presId="urn:microsoft.com/office/officeart/2008/layout/NameandTitleOrganizationalChart"/>
+    <dgm:cxn modelId="{94902F19-BEDA-445C-8224-01CB22C40124}" type="presParOf" srcId="{3FD7B904-1715-46C5-9573-A28E42FB5959}" destId="{D5F23B02-5311-4B02-A682-0C0BEF2E7741}" srcOrd="0" destOrd="0" presId="urn:microsoft.com/office/officeart/2008/layout/NameandTitleOrganizationalChart"/>
+    <dgm:cxn modelId="{227FC17D-FB58-4683-9444-4280C4199D3C}" type="presParOf" srcId="{3FD7B904-1715-46C5-9573-A28E42FB5959}" destId="{9A42180B-907B-4EF2-87AD-7CAB7A25E9FA}" srcOrd="1" destOrd="0" presId="urn:microsoft.com/office/officeart/2008/layout/NameandTitleOrganizationalChart"/>
+    <dgm:cxn modelId="{D50F9357-38FB-43A4-9A62-F33757506D5C}" type="presParOf" srcId="{3FD7B904-1715-46C5-9573-A28E42FB5959}" destId="{FD5CAFAD-AF8B-4187-9E03-F746D96AD8B4}" srcOrd="2" destOrd="0" presId="urn:microsoft.com/office/officeart/2008/layout/NameandTitleOrganizationalChart"/>
+    <dgm:cxn modelId="{585E9518-3041-4ED7-A263-50A637877452}" type="presParOf" srcId="{5151D7FD-58E5-46FB-9461-927FD72EB343}" destId="{2939FA63-8C84-4D57-B9D5-9D01B37141D0}" srcOrd="1" destOrd="0" presId="urn:microsoft.com/office/officeart/2008/layout/NameandTitleOrganizationalChart"/>
+    <dgm:cxn modelId="{DD3B548C-6E99-4DF6-AE73-466177A65E40}" type="presParOf" srcId="{5151D7FD-58E5-46FB-9461-927FD72EB343}" destId="{053E3906-BD09-44B5-BBEA-C6B7E852C142}" srcOrd="2" destOrd="0" presId="urn:microsoft.com/office/officeart/2008/layout/NameandTitleOrganizationalChart"/>
+    <dgm:cxn modelId="{96872FE2-B392-47E6-ADF6-929182641B42}" type="presParOf" srcId="{DABCA6DD-D6F6-47E0-930C-90D968C22063}" destId="{8D7EFD32-B396-4D9F-BFBC-1A44EB8999CB}" srcOrd="2" destOrd="0" presId="urn:microsoft.com/office/officeart/2008/layout/NameandTitleOrganizationalChart"/>
+    <dgm:cxn modelId="{5E8328E7-D8C6-44F7-90F8-55AC297F1224}" type="presParOf" srcId="{DABCA6DD-D6F6-47E0-930C-90D968C22063}" destId="{F5E8B1F1-874B-4C12-BDEC-03B27B1BA143}" srcOrd="3" destOrd="0" presId="urn:microsoft.com/office/officeart/2008/layout/NameandTitleOrganizationalChart"/>
+    <dgm:cxn modelId="{E4CF87E8-670D-42AB-BF18-0D5D525A2150}" type="presParOf" srcId="{F5E8B1F1-874B-4C12-BDEC-03B27B1BA143}" destId="{83FA529C-1B09-4DA5-B1EB-0A6647F32FA0}" srcOrd="0" destOrd="0" presId="urn:microsoft.com/office/officeart/2008/layout/NameandTitleOrganizationalChart"/>
+    <dgm:cxn modelId="{86E6C4B3-8A4F-4546-8AFF-7F04433C775F}" type="presParOf" srcId="{83FA529C-1B09-4DA5-B1EB-0A6647F32FA0}" destId="{8EF23F55-DAE2-4749-B516-E240DE26AF88}" srcOrd="0" destOrd="0" presId="urn:microsoft.com/office/officeart/2008/layout/NameandTitleOrganizationalChart"/>
+    <dgm:cxn modelId="{9870BA6A-4CDA-4593-BDB3-F9043E746F2A}" type="presParOf" srcId="{83FA529C-1B09-4DA5-B1EB-0A6647F32FA0}" destId="{70647BB6-5129-4989-9E87-93E13CFDD8A0}" srcOrd="1" destOrd="0" presId="urn:microsoft.com/office/officeart/2008/layout/NameandTitleOrganizationalChart"/>
+    <dgm:cxn modelId="{2AD23C71-C596-4D5B-8B8A-5AF55C7FB938}" type="presParOf" srcId="{83FA529C-1B09-4DA5-B1EB-0A6647F32FA0}" destId="{9B1E7AA5-D9BA-4BD2-9641-4B596D36DCC5}" srcOrd="2" destOrd="0" presId="urn:microsoft.com/office/officeart/2008/layout/NameandTitleOrganizationalChart"/>
+    <dgm:cxn modelId="{955285F8-2B2E-4BAD-B450-7792B038E8C9}" type="presParOf" srcId="{F5E8B1F1-874B-4C12-BDEC-03B27B1BA143}" destId="{D73FA190-C941-4486-B767-6F993A1243E9}" srcOrd="1" destOrd="0" presId="urn:microsoft.com/office/officeart/2008/layout/NameandTitleOrganizationalChart"/>
+    <dgm:cxn modelId="{AF2402FB-6B12-41EF-A2C1-25E3B9E985C6}" type="presParOf" srcId="{F5E8B1F1-874B-4C12-BDEC-03B27B1BA143}" destId="{627A77FF-8D15-477C-9136-D626531AC546}" srcOrd="2" destOrd="0" presId="urn:microsoft.com/office/officeart/2008/layout/NameandTitleOrganizationalChart"/>
+    <dgm:cxn modelId="{F1DFB34B-CF9A-44AA-968A-F1CA9E0307F6}" type="presParOf" srcId="{DABCA6DD-D6F6-47E0-930C-90D968C22063}" destId="{0E451B9A-6ADB-4378-9D41-1A32E1160BD8}" srcOrd="4" destOrd="0" presId="urn:microsoft.com/office/officeart/2008/layout/NameandTitleOrganizationalChart"/>
+    <dgm:cxn modelId="{4830C1E6-0451-4890-9FD4-1B8B2B014DF0}" type="presParOf" srcId="{DABCA6DD-D6F6-47E0-930C-90D968C22063}" destId="{E6A88149-6965-47A4-8853-2CDEB5AD646A}" srcOrd="5" destOrd="0" presId="urn:microsoft.com/office/officeart/2008/layout/NameandTitleOrganizationalChart"/>
+    <dgm:cxn modelId="{E7F83547-F839-46AC-B71C-8BEEE8B4F23A}" type="presParOf" srcId="{E6A88149-6965-47A4-8853-2CDEB5AD646A}" destId="{D92E002D-B8B5-4EA5-82AB-15E484056266}" srcOrd="0" destOrd="0" presId="urn:microsoft.com/office/officeart/2008/layout/NameandTitleOrganizationalChart"/>
+    <dgm:cxn modelId="{6337BCA3-0231-4956-B593-7EE747359118}" type="presParOf" srcId="{D92E002D-B8B5-4EA5-82AB-15E484056266}" destId="{D02BAFE7-53F9-4173-B487-1C26F04FC1DE}" srcOrd="0" destOrd="0" presId="urn:microsoft.com/office/officeart/2008/layout/NameandTitleOrganizationalChart"/>
+    <dgm:cxn modelId="{170B9FAF-ABBA-457F-AC13-2DCFB5A0005E}" type="presParOf" srcId="{D92E002D-B8B5-4EA5-82AB-15E484056266}" destId="{BB04749C-A6CA-4CF7-8AA2-BDC7C7116F80}" srcOrd="1" destOrd="0" presId="urn:microsoft.com/office/officeart/2008/layout/NameandTitleOrganizationalChart"/>
+    <dgm:cxn modelId="{91643614-0B5E-4965-8E82-ABAB710C0D23}" type="presParOf" srcId="{D92E002D-B8B5-4EA5-82AB-15E484056266}" destId="{71983AA7-22F4-4C8B-BE2F-4CAAC5E18067}" srcOrd="2" destOrd="0" presId="urn:microsoft.com/office/officeart/2008/layout/NameandTitleOrganizationalChart"/>
+    <dgm:cxn modelId="{4D4DC799-7104-44B5-ADD1-4B9B1C7D5220}" type="presParOf" srcId="{E6A88149-6965-47A4-8853-2CDEB5AD646A}" destId="{7C3F08CA-732C-45B0-8568-FCA1B2392D49}" srcOrd="1" destOrd="0" presId="urn:microsoft.com/office/officeart/2008/layout/NameandTitleOrganizationalChart"/>
+    <dgm:cxn modelId="{9178C76F-57D2-43AD-BD3B-03C377ADC8DD}" type="presParOf" srcId="{E6A88149-6965-47A4-8853-2CDEB5AD646A}" destId="{684A1CD3-F26C-4CEB-80CD-37D515EEE491}" srcOrd="2" destOrd="0" presId="urn:microsoft.com/office/officeart/2008/layout/NameandTitleOrganizationalChart"/>
+    <dgm:cxn modelId="{6497C043-FED9-445A-B8CC-E0339903627E}" type="presParOf" srcId="{DABCA6DD-D6F6-47E0-930C-90D968C22063}" destId="{270E74B7-783D-47FC-BF79-59A9366E672F}" srcOrd="6" destOrd="0" presId="urn:microsoft.com/office/officeart/2008/layout/NameandTitleOrganizationalChart"/>
+    <dgm:cxn modelId="{042E19A5-9C53-4C69-B515-4BFD86EED396}" type="presParOf" srcId="{DABCA6DD-D6F6-47E0-930C-90D968C22063}" destId="{F747D53A-23DE-4729-A4C6-249D28FC7288}" srcOrd="7" destOrd="0" presId="urn:microsoft.com/office/officeart/2008/layout/NameandTitleOrganizationalChart"/>
+    <dgm:cxn modelId="{F5DBC833-B719-409F-A61E-4A59FF7D9657}" type="presParOf" srcId="{F747D53A-23DE-4729-A4C6-249D28FC7288}" destId="{9E9EB5DB-61C1-4B59-9559-97B7557E64E3}" srcOrd="0" destOrd="0" presId="urn:microsoft.com/office/officeart/2008/layout/NameandTitleOrganizationalChart"/>
+    <dgm:cxn modelId="{443E711B-AF63-45C1-9ED9-CB4459F482D0}" type="presParOf" srcId="{9E9EB5DB-61C1-4B59-9559-97B7557E64E3}" destId="{AE25B2E8-6D53-4815-80C1-16E9F0B2367B}" srcOrd="0" destOrd="0" presId="urn:microsoft.com/office/officeart/2008/layout/NameandTitleOrganizationalChart"/>
+    <dgm:cxn modelId="{DD1D25F0-377D-483A-9536-BD9314CCC250}" type="presParOf" srcId="{9E9EB5DB-61C1-4B59-9559-97B7557E64E3}" destId="{F03878CD-7F31-488F-A086-4BD6162FA826}" srcOrd="1" destOrd="0" presId="urn:microsoft.com/office/officeart/2008/layout/NameandTitleOrganizationalChart"/>
+    <dgm:cxn modelId="{3BA2EF7B-0F38-4BC6-9688-8EA33E682E84}" type="presParOf" srcId="{9E9EB5DB-61C1-4B59-9559-97B7557E64E3}" destId="{84096CE7-C9CD-4B1A-B15F-76FA3A09EFF2}" srcOrd="2" destOrd="0" presId="urn:microsoft.com/office/officeart/2008/layout/NameandTitleOrganizationalChart"/>
+    <dgm:cxn modelId="{F204CE05-8103-46D3-A173-378E36C70BB6}" type="presParOf" srcId="{F747D53A-23DE-4729-A4C6-249D28FC7288}" destId="{184B31CE-6898-4EB1-B24D-62AFD8D7F651}" srcOrd="1" destOrd="0" presId="urn:microsoft.com/office/officeart/2008/layout/NameandTitleOrganizationalChart"/>
+    <dgm:cxn modelId="{EF3EAA93-60CF-4F9C-94D8-B0D0D6E10444}" type="presParOf" srcId="{F747D53A-23DE-4729-A4C6-249D28FC7288}" destId="{D8F00CFA-5BB1-45E8-AF9E-1252DDC2452D}" srcOrd="2" destOrd="0" presId="urn:microsoft.com/office/officeart/2008/layout/NameandTitleOrganizationalChart"/>
+    <dgm:cxn modelId="{FB497694-2A89-43FD-81E0-439919A7C21C}" type="presParOf" srcId="{DABCA6DD-D6F6-47E0-930C-90D968C22063}" destId="{992724F3-C6EE-4F60-B78A-0560566A62A8}" srcOrd="8" destOrd="0" presId="urn:microsoft.com/office/officeart/2008/layout/NameandTitleOrganizationalChart"/>
+    <dgm:cxn modelId="{607890AF-12CD-4060-B50B-E72AFFD68959}" type="presParOf" srcId="{DABCA6DD-D6F6-47E0-930C-90D968C22063}" destId="{73017771-A27F-4C73-BEAD-C0AAB634BD35}" srcOrd="9" destOrd="0" presId="urn:microsoft.com/office/officeart/2008/layout/NameandTitleOrganizationalChart"/>
+    <dgm:cxn modelId="{83C9EC9F-868C-42AE-8FDA-B11D4FE7D672}" type="presParOf" srcId="{73017771-A27F-4C73-BEAD-C0AAB634BD35}" destId="{A251E435-CB9D-4F9F-A671-B1782ED76BB3}" srcOrd="0" destOrd="0" presId="urn:microsoft.com/office/officeart/2008/layout/NameandTitleOrganizationalChart"/>
+    <dgm:cxn modelId="{6EFFFC70-A73C-492B-9639-8490A0A69F69}" type="presParOf" srcId="{A251E435-CB9D-4F9F-A671-B1782ED76BB3}" destId="{3E8B20E2-C0B4-4706-A71F-F9A19A2CBD2C}" srcOrd="0" destOrd="0" presId="urn:microsoft.com/office/officeart/2008/layout/NameandTitleOrganizationalChart"/>
+    <dgm:cxn modelId="{3D6DCF3C-BCEA-433F-BD38-E14E531A9D6E}" type="presParOf" srcId="{A251E435-CB9D-4F9F-A671-B1782ED76BB3}" destId="{2ACDF334-6EA1-4511-869C-56DC58DEE2D9}" srcOrd="1" destOrd="0" presId="urn:microsoft.com/office/officeart/2008/layout/NameandTitleOrganizationalChart"/>
+    <dgm:cxn modelId="{3560AAF5-E648-45F9-8755-9B581141D1E2}" type="presParOf" srcId="{A251E435-CB9D-4F9F-A671-B1782ED76BB3}" destId="{0C41CF1E-3561-4C61-AF40-84194288BC12}" srcOrd="2" destOrd="0" presId="urn:microsoft.com/office/officeart/2008/layout/NameandTitleOrganizationalChart"/>
+    <dgm:cxn modelId="{3BFD465D-92D9-4BC8-BC86-0D36E370AE75}" type="presParOf" srcId="{73017771-A27F-4C73-BEAD-C0AAB634BD35}" destId="{D31D8C1B-FB9A-4239-895C-6F93AB223F4A}" srcOrd="1" destOrd="0" presId="urn:microsoft.com/office/officeart/2008/layout/NameandTitleOrganizationalChart"/>
+    <dgm:cxn modelId="{7BF960A1-9E7B-4F7F-B545-9008BF910C07}" type="presParOf" srcId="{73017771-A27F-4C73-BEAD-C0AAB634BD35}" destId="{320D7F07-DF5A-4A7B-8D65-0E1AA06ED125}" srcOrd="2" destOrd="0" presId="urn:microsoft.com/office/officeart/2008/layout/NameandTitleOrganizationalChart"/>
+    <dgm:cxn modelId="{CCD68296-4DD3-47ED-B8D6-F41DC3D01999}" type="presParOf" srcId="{E0412970-39C5-4AAC-BC1A-F59E73DCA71A}" destId="{4434C976-B2D5-4C29-8435-1B2E629816BE}" srcOrd="2" destOrd="0" presId="urn:microsoft.com/office/officeart/2008/layout/NameandTitleOrganizationalChart"/>
+    <dgm:cxn modelId="{39A0C7FD-FC23-4C13-B7F8-2543491216FB}" type="presParOf" srcId="{C90D39AC-6CC3-41A8-9DC4-90BCF80781A8}" destId="{CFCA852E-ED87-4431-9843-DF79EEC5823E}" srcOrd="2" destOrd="0" presId="urn:microsoft.com/office/officeart/2008/layout/NameandTitleOrganizationalChart"/>
+    <dgm:cxn modelId="{E07C0BEB-229F-47A5-BFBD-5453A237B34E}" type="presParOf" srcId="{C90D39AC-6CC3-41A8-9DC4-90BCF80781A8}" destId="{F2026717-2D39-4C0D-BDF6-4225904499F3}" srcOrd="3" destOrd="0" presId="urn:microsoft.com/office/officeart/2008/layout/NameandTitleOrganizationalChart"/>
+    <dgm:cxn modelId="{1C82E8AC-F3F2-415F-AE36-DB876D127EF5}" type="presParOf" srcId="{F2026717-2D39-4C0D-BDF6-4225904499F3}" destId="{BA3DF231-D5D9-4A74-BA5E-41D773E0EFD7}" srcOrd="0" destOrd="0" presId="urn:microsoft.com/office/officeart/2008/layout/NameandTitleOrganizationalChart"/>
+    <dgm:cxn modelId="{F2917B06-C146-4BEA-B770-15EEF16B17CE}" type="presParOf" srcId="{BA3DF231-D5D9-4A74-BA5E-41D773E0EFD7}" destId="{DA097A86-65C1-45FB-ACD3-C67ADF02CCFA}" srcOrd="0" destOrd="0" presId="urn:microsoft.com/office/officeart/2008/layout/NameandTitleOrganizationalChart"/>
+    <dgm:cxn modelId="{C7EDABC7-ED5F-4AB0-ADA2-AA650C3B95C3}" type="presParOf" srcId="{BA3DF231-D5D9-4A74-BA5E-41D773E0EFD7}" destId="{9E15492F-897C-432E-BA37-F48C998E5E82}" srcOrd="1" destOrd="0" presId="urn:microsoft.com/office/officeart/2008/layout/NameandTitleOrganizationalChart"/>
+    <dgm:cxn modelId="{B6E5B162-47B9-4754-8528-9B418DF0EAE6}" type="presParOf" srcId="{BA3DF231-D5D9-4A74-BA5E-41D773E0EFD7}" destId="{F564DA7B-8010-4849-9F5F-EC951AD23E87}" srcOrd="2" destOrd="0" presId="urn:microsoft.com/office/officeart/2008/layout/NameandTitleOrganizationalChart"/>
+    <dgm:cxn modelId="{E73A6C24-902D-4230-9B82-25E3FE6D72C5}" type="presParOf" srcId="{F2026717-2D39-4C0D-BDF6-4225904499F3}" destId="{0B180B33-F0FA-4DDC-AC2A-F05C56637E7F}" srcOrd="1" destOrd="0" presId="urn:microsoft.com/office/officeart/2008/layout/NameandTitleOrganizationalChart"/>
+    <dgm:cxn modelId="{D197A365-AE39-479C-BFEB-89622C435F00}" type="presParOf" srcId="{0B180B33-F0FA-4DDC-AC2A-F05C56637E7F}" destId="{2FD26C50-0C5B-4C48-8908-71E699D48671}" srcOrd="0" destOrd="0" presId="urn:microsoft.com/office/officeart/2008/layout/NameandTitleOrganizationalChart"/>
+    <dgm:cxn modelId="{77756888-1610-48D6-9722-6F7916466ED0}" type="presParOf" srcId="{0B180B33-F0FA-4DDC-AC2A-F05C56637E7F}" destId="{78F64FCC-A15B-48F9-907D-CAF79AE470BE}" srcOrd="1" destOrd="0" presId="urn:microsoft.com/office/officeart/2008/layout/NameandTitleOrganizationalChart"/>
+    <dgm:cxn modelId="{2A30B3D2-93F2-41A0-BD48-F9381C56225C}" type="presParOf" srcId="{78F64FCC-A15B-48F9-907D-CAF79AE470BE}" destId="{47CE0B88-4096-4D38-B81D-63ABD0701CE5}" srcOrd="0" destOrd="0" presId="urn:microsoft.com/office/officeart/2008/layout/NameandTitleOrganizationalChart"/>
+    <dgm:cxn modelId="{3F01B326-3963-4488-86E2-4283BFAED736}" type="presParOf" srcId="{47CE0B88-4096-4D38-B81D-63ABD0701CE5}" destId="{5629FBC8-B0EF-46CC-BF41-2DE392A43D66}" srcOrd="0" destOrd="0" presId="urn:microsoft.com/office/officeart/2008/layout/NameandTitleOrganizationalChart"/>
+    <dgm:cxn modelId="{DFBB0DE8-A66D-4CB7-A1E1-B7156688F976}" type="presParOf" srcId="{47CE0B88-4096-4D38-B81D-63ABD0701CE5}" destId="{F72AF5E2-D10E-41CE-B14C-CFB6E5130359}" srcOrd="1" destOrd="0" presId="urn:microsoft.com/office/officeart/2008/layout/NameandTitleOrganizationalChart"/>
+    <dgm:cxn modelId="{52C5AA04-DD82-445C-9996-0809A4E5F036}" type="presParOf" srcId="{47CE0B88-4096-4D38-B81D-63ABD0701CE5}" destId="{39EF2B44-ECC1-4437-97EF-B66A75AAA6C6}" srcOrd="2" destOrd="0" presId="urn:microsoft.com/office/officeart/2008/layout/NameandTitleOrganizationalChart"/>
+    <dgm:cxn modelId="{9B41E9D6-CA13-4035-AA54-78828929FAB6}" type="presParOf" srcId="{78F64FCC-A15B-48F9-907D-CAF79AE470BE}" destId="{D99FD3E6-DECD-4678-841C-1D1013B10A5D}" srcOrd="1" destOrd="0" presId="urn:microsoft.com/office/officeart/2008/layout/NameandTitleOrganizationalChart"/>
+    <dgm:cxn modelId="{7370A2AD-5FD2-410D-AEFE-41E418DB5673}" type="presParOf" srcId="{78F64FCC-A15B-48F9-907D-CAF79AE470BE}" destId="{0ED5314C-BE76-49E1-AD50-15618F139A45}" srcOrd="2" destOrd="0" presId="urn:microsoft.com/office/officeart/2008/layout/NameandTitleOrganizationalChart"/>
+    <dgm:cxn modelId="{FB8C2C8B-11BA-4098-9DB9-DB687DDE4E5B}" type="presParOf" srcId="{0B180B33-F0FA-4DDC-AC2A-F05C56637E7F}" destId="{8B675F6F-E770-47A8-81B1-AC11E51B50F9}" srcOrd="2" destOrd="0" presId="urn:microsoft.com/office/officeart/2008/layout/NameandTitleOrganizationalChart"/>
+    <dgm:cxn modelId="{C7F95C2A-621E-4899-AC0C-BEA90E445049}" type="presParOf" srcId="{0B180B33-F0FA-4DDC-AC2A-F05C56637E7F}" destId="{BD8D0CE3-E40E-4322-A748-6F04EEB8DC62}" srcOrd="3" destOrd="0" presId="urn:microsoft.com/office/officeart/2008/layout/NameandTitleOrganizationalChart"/>
+    <dgm:cxn modelId="{81D11FD5-F123-4020-A1F8-86A8681793AC}" type="presParOf" srcId="{BD8D0CE3-E40E-4322-A748-6F04EEB8DC62}" destId="{FBAED166-B3B7-4F67-870E-729238A26BD0}" srcOrd="0" destOrd="0" presId="urn:microsoft.com/office/officeart/2008/layout/NameandTitleOrganizationalChart"/>
+    <dgm:cxn modelId="{55732BAE-4C3B-4B97-BD0A-38468C27A5D2}" type="presParOf" srcId="{FBAED166-B3B7-4F67-870E-729238A26BD0}" destId="{9E3E8511-CD81-4339-90B6-81DEE78D3E35}" srcOrd="0" destOrd="0" presId="urn:microsoft.com/office/officeart/2008/layout/NameandTitleOrganizationalChart"/>
+    <dgm:cxn modelId="{927F6776-B9CE-4799-98A5-C21FFFEA7A32}" type="presParOf" srcId="{FBAED166-B3B7-4F67-870E-729238A26BD0}" destId="{89CDEBB7-3D70-4697-9758-D999A039CEB7}" srcOrd="1" destOrd="0" presId="urn:microsoft.com/office/officeart/2008/layout/NameandTitleOrganizationalChart"/>
+    <dgm:cxn modelId="{EB5B7D57-D70C-45C2-A184-2EA6BD45333C}" type="presParOf" srcId="{FBAED166-B3B7-4F67-870E-729238A26BD0}" destId="{BCC99067-2CBB-425E-AC61-D9C48E7B3AF7}" srcOrd="2" destOrd="0" presId="urn:microsoft.com/office/officeart/2008/layout/NameandTitleOrganizationalChart"/>
+    <dgm:cxn modelId="{A5B0AB7B-BA2B-4F03-9FC4-B8331AB5A77E}" type="presParOf" srcId="{BD8D0CE3-E40E-4322-A748-6F04EEB8DC62}" destId="{662780CC-9A6E-49A3-B79A-87106B35599D}" srcOrd="1" destOrd="0" presId="urn:microsoft.com/office/officeart/2008/layout/NameandTitleOrganizationalChart"/>
+    <dgm:cxn modelId="{7D9E8AAF-CC34-4D68-9999-7A7ED2A6C661}" type="presParOf" srcId="{BD8D0CE3-E40E-4322-A748-6F04EEB8DC62}" destId="{B688237F-B4E7-4928-BF4F-DD93759807D0}" srcOrd="2" destOrd="0" presId="urn:microsoft.com/office/officeart/2008/layout/NameandTitleOrganizationalChart"/>
+    <dgm:cxn modelId="{A5E9A60C-BE2B-4488-991B-1C2DA444E7EA}" type="presParOf" srcId="{0B180B33-F0FA-4DDC-AC2A-F05C56637E7F}" destId="{281C1132-6498-4AB4-9F94-521EB9D05B3E}" srcOrd="4" destOrd="0" presId="urn:microsoft.com/office/officeart/2008/layout/NameandTitleOrganizationalChart"/>
+    <dgm:cxn modelId="{560BDA96-ABF4-48E1-81A1-5AD0BB5B2087}" type="presParOf" srcId="{0B180B33-F0FA-4DDC-AC2A-F05C56637E7F}" destId="{DF111C20-698D-42FA-8CE8-EFBDF18E72CD}" srcOrd="5" destOrd="0" presId="urn:microsoft.com/office/officeart/2008/layout/NameandTitleOrganizationalChart"/>
+    <dgm:cxn modelId="{1B56B99A-E7CB-4584-951C-4195E1407580}" type="presParOf" srcId="{DF111C20-698D-42FA-8CE8-EFBDF18E72CD}" destId="{09A0FF74-E467-43FE-A97E-E660C92434E8}" srcOrd="0" destOrd="0" presId="urn:microsoft.com/office/officeart/2008/layout/NameandTitleOrganizationalChart"/>
+    <dgm:cxn modelId="{3FACA475-91EB-454D-BE7B-12869869D54D}" type="presParOf" srcId="{09A0FF74-E467-43FE-A97E-E660C92434E8}" destId="{322F19A3-02B6-46CE-A7B7-104D92DF986B}" srcOrd="0" destOrd="0" presId="urn:microsoft.com/office/officeart/2008/layout/NameandTitleOrganizationalChart"/>
+    <dgm:cxn modelId="{D4AF93BB-96B7-4E7E-973B-D0C9900D1F78}" type="presParOf" srcId="{09A0FF74-E467-43FE-A97E-E660C92434E8}" destId="{5286C25D-9BEA-4C75-B575-32ADD3C79457}" srcOrd="1" destOrd="0" presId="urn:microsoft.com/office/officeart/2008/layout/NameandTitleOrganizationalChart"/>
+    <dgm:cxn modelId="{CA72BA02-622C-45F6-966F-16CD871F65CE}" type="presParOf" srcId="{09A0FF74-E467-43FE-A97E-E660C92434E8}" destId="{C3B25859-5068-4B99-90B0-6D3E686916EF}" srcOrd="2" destOrd="0" presId="urn:microsoft.com/office/officeart/2008/layout/NameandTitleOrganizationalChart"/>
+    <dgm:cxn modelId="{09F35D43-785A-4045-B4EE-A368895A8690}" type="presParOf" srcId="{DF111C20-698D-42FA-8CE8-EFBDF18E72CD}" destId="{C3FCEC58-91E8-41D3-B9DD-C8F947192E7A}" srcOrd="1" destOrd="0" presId="urn:microsoft.com/office/officeart/2008/layout/NameandTitleOrganizationalChart"/>
+    <dgm:cxn modelId="{FFE71ABA-3582-4622-97A9-70364DE12603}" type="presParOf" srcId="{DF111C20-698D-42FA-8CE8-EFBDF18E72CD}" destId="{14F999CA-0F43-4458-9E10-339DB2A82C36}" srcOrd="2" destOrd="0" presId="urn:microsoft.com/office/officeart/2008/layout/NameandTitleOrganizationalChart"/>
+    <dgm:cxn modelId="{15B498EC-C6AA-48A0-B8D9-D9FEEAA69629}" type="presParOf" srcId="{F2026717-2D39-4C0D-BDF6-4225904499F3}" destId="{7FC78A72-2737-4514-B203-2ADF646385D0}" srcOrd="2" destOrd="0" presId="urn:microsoft.com/office/officeart/2008/layout/NameandTitleOrganizationalChart"/>
+    <dgm:cxn modelId="{0BC61AAE-758C-44EB-BCDB-A97E7B16B0A3}" type="presParOf" srcId="{768CE5AA-4D31-4B18-94DB-E92F7F5B7744}" destId="{310237B2-0F93-48E9-B217-46A10CC37EFB}" srcOrd="2" destOrd="0" presId="urn:microsoft.com/office/officeart/2008/layout/NameandTitleOrganizationalChart"/>
+  </dgm:cxnLst>
+  <dgm:bg/>
+  <dgm:whole/>
+  <dgm:extLst>
+    <a:ext uri="http://schemas.microsoft.com/office/drawing/2008/diagram">
+      <dsp:dataModelExt xmlns:dsp="http://schemas.microsoft.com/office/drawing/2008/diagram" relId="rId6" minVer="http://schemas.openxmlformats.org/drawingml/2006/diagram"/>
+    </a:ext>
+  </dgm:extLst>
+</dgm:dataModel>
+</file>
+
+<file path=ppt/diagrams/drawing1.xml><?xml version="1.0" encoding="utf-8"?>
+<dsp:drawing xmlns:dgm="http://schemas.openxmlformats.org/drawingml/2006/diagram" xmlns:dsp="http://schemas.microsoft.com/office/drawing/2008/diagram" xmlns:a="http://schemas.openxmlformats.org/drawingml/2006/main">
+  <dsp:spTree>
+    <dsp:nvGrpSpPr>
+      <dsp:cNvPr id="0" name=""/>
+      <dsp:cNvGrpSpPr/>
+    </dsp:nvGrpSpPr>
+    <dsp:grpSpPr/>
+    <dsp:sp modelId="{281C1132-6498-4AB4-9F94-521EB9D05B3E}">
+      <dsp:nvSpPr>
+        <dsp:cNvPr id="0" name=""/>
+        <dsp:cNvSpPr/>
+      </dsp:nvSpPr>
+      <dsp:spPr>
+        <a:xfrm>
+          <a:off x="8169510" y="3020701"/>
+          <a:ext cx="1160043" cy="333158"/>
+        </a:xfrm>
+        <a:custGeom>
+          <a:avLst/>
+          <a:gdLst/>
+          <a:ahLst/>
+          <a:cxnLst/>
+          <a:rect l="0" t="0" r="0" b="0"/>
+          <a:pathLst>
+            <a:path>
+              <a:moveTo>
+                <a:pt x="0" y="0"/>
+              </a:moveTo>
+              <a:lnTo>
+                <a:pt x="0" y="198613"/>
+              </a:lnTo>
+              <a:lnTo>
+                <a:pt x="1160043" y="198613"/>
+              </a:lnTo>
+              <a:lnTo>
+                <a:pt x="1160043" y="333158"/>
+              </a:lnTo>
+            </a:path>
+          </a:pathLst>
+        </a:custGeom>
+        <a:noFill/>
+        <a:ln w="12700" cap="flat" cmpd="sng" algn="ctr">
+          <a:solidFill>
+            <a:schemeClr val="tx1"/>
+          </a:solidFill>
+          <a:prstDash val="solid"/>
+          <a:miter lim="800000"/>
+        </a:ln>
+        <a:effectLst/>
+      </dsp:spPr>
+      <dsp:style>
+        <a:lnRef idx="2">
+          <a:scrgbClr r="0" g="0" b="0"/>
+        </a:lnRef>
+        <a:fillRef idx="0">
+          <a:scrgbClr r="0" g="0" b="0"/>
+        </a:fillRef>
+        <a:effectRef idx="0">
+          <a:scrgbClr r="0" g="0" b="0"/>
+        </a:effectRef>
+        <a:fontRef idx="minor"/>
+      </dsp:style>
+    </dsp:sp>
+    <dsp:sp modelId="{8B675F6F-E770-47A8-81B1-AC11E51B50F9}">
+      <dsp:nvSpPr>
+        <dsp:cNvPr id="0" name=""/>
+        <dsp:cNvSpPr/>
+      </dsp:nvSpPr>
+      <dsp:spPr>
+        <a:xfrm>
+          <a:off x="8058140" y="3020701"/>
+          <a:ext cx="111369" cy="333158"/>
+        </a:xfrm>
+        <a:custGeom>
+          <a:avLst/>
+          <a:gdLst/>
+          <a:ahLst/>
+          <a:cxnLst/>
+          <a:rect l="0" t="0" r="0" b="0"/>
+          <a:pathLst>
+            <a:path>
+              <a:moveTo>
+                <a:pt x="111369" y="0"/>
+              </a:moveTo>
+              <a:lnTo>
+                <a:pt x="111369" y="198613"/>
+              </a:lnTo>
+              <a:lnTo>
+                <a:pt x="0" y="198613"/>
+              </a:lnTo>
+              <a:lnTo>
+                <a:pt x="0" y="333158"/>
+              </a:lnTo>
+            </a:path>
+          </a:pathLst>
+        </a:custGeom>
+        <a:noFill/>
+        <a:ln w="12700" cap="flat" cmpd="sng" algn="ctr">
+          <a:solidFill>
+            <a:schemeClr val="tx1"/>
+          </a:solidFill>
+          <a:prstDash val="solid"/>
+          <a:miter lim="800000"/>
+        </a:ln>
+        <a:effectLst/>
+      </dsp:spPr>
+      <dsp:style>
+        <a:lnRef idx="2">
+          <a:scrgbClr r="0" g="0" b="0"/>
+        </a:lnRef>
+        <a:fillRef idx="0">
+          <a:scrgbClr r="0" g="0" b="0"/>
+        </a:fillRef>
+        <a:effectRef idx="0">
+          <a:scrgbClr r="0" g="0" b="0"/>
+        </a:effectRef>
+        <a:fontRef idx="minor"/>
+      </dsp:style>
+    </dsp:sp>
+    <dsp:sp modelId="{2FD26C50-0C5B-4C48-8908-71E699D48671}">
+      <dsp:nvSpPr>
+        <dsp:cNvPr id="0" name=""/>
+        <dsp:cNvSpPr/>
+      </dsp:nvSpPr>
+      <dsp:spPr>
+        <a:xfrm>
+          <a:off x="6786727" y="3020701"/>
+          <a:ext cx="1382782" cy="333158"/>
+        </a:xfrm>
+        <a:custGeom>
+          <a:avLst/>
+          <a:gdLst/>
+          <a:ahLst/>
+          <a:cxnLst/>
+          <a:rect l="0" t="0" r="0" b="0"/>
+          <a:pathLst>
+            <a:path>
+              <a:moveTo>
+                <a:pt x="1382782" y="0"/>
+              </a:moveTo>
+              <a:lnTo>
+                <a:pt x="1382782" y="198613"/>
+              </a:lnTo>
+              <a:lnTo>
+                <a:pt x="0" y="198613"/>
+              </a:lnTo>
+              <a:lnTo>
+                <a:pt x="0" y="333158"/>
+              </a:lnTo>
+            </a:path>
+          </a:pathLst>
+        </a:custGeom>
+        <a:noFill/>
+        <a:ln w="12700" cap="flat" cmpd="sng" algn="ctr">
+          <a:solidFill>
+            <a:schemeClr val="tx1"/>
+          </a:solidFill>
+          <a:prstDash val="solid"/>
+          <a:miter lim="800000"/>
+        </a:ln>
+        <a:effectLst/>
+      </dsp:spPr>
+      <dsp:style>
+        <a:lnRef idx="2">
+          <a:scrgbClr r="0" g="0" b="0"/>
+        </a:lnRef>
+        <a:fillRef idx="0">
+          <a:scrgbClr r="0" g="0" b="0"/>
+        </a:fillRef>
+        <a:effectRef idx="0">
+          <a:scrgbClr r="0" g="0" b="0"/>
+        </a:effectRef>
+        <a:fontRef idx="minor"/>
+      </dsp:style>
+    </dsp:sp>
+    <dsp:sp modelId="{CFCA852E-ED87-4431-9843-DF79EEC5823E}">
+      <dsp:nvSpPr>
+        <dsp:cNvPr id="0" name=""/>
+        <dsp:cNvSpPr/>
+      </dsp:nvSpPr>
+      <dsp:spPr>
+        <a:xfrm>
+          <a:off x="5682368" y="2174991"/>
+          <a:ext cx="2487141" cy="269089"/>
+        </a:xfrm>
+        <a:custGeom>
+          <a:avLst/>
+          <a:gdLst/>
+          <a:ahLst/>
+          <a:cxnLst/>
+          <a:rect l="0" t="0" r="0" b="0"/>
+          <a:pathLst>
+            <a:path>
+              <a:moveTo>
+                <a:pt x="0" y="0"/>
+              </a:moveTo>
+              <a:lnTo>
+                <a:pt x="0" y="134544"/>
+              </a:lnTo>
+              <a:lnTo>
+                <a:pt x="2487141" y="134544"/>
+              </a:lnTo>
+              <a:lnTo>
+                <a:pt x="2487141" y="269089"/>
+              </a:lnTo>
+            </a:path>
+          </a:pathLst>
+        </a:custGeom>
+        <a:noFill/>
+        <a:ln w="12700" cap="flat" cmpd="sng" algn="ctr">
+          <a:solidFill>
+            <a:schemeClr val="tx1"/>
+          </a:solidFill>
+          <a:prstDash val="solid"/>
+          <a:miter lim="800000"/>
+        </a:ln>
+        <a:effectLst/>
+      </dsp:spPr>
+      <dsp:style>
+        <a:lnRef idx="2">
+          <a:scrgbClr r="0" g="0" b="0"/>
+        </a:lnRef>
+        <a:fillRef idx="0">
+          <a:scrgbClr r="0" g="0" b="0"/>
+        </a:fillRef>
+        <a:effectRef idx="0">
+          <a:scrgbClr r="0" g="0" b="0"/>
+        </a:effectRef>
+        <a:fontRef idx="minor"/>
+      </dsp:style>
+    </dsp:sp>
+    <dsp:sp modelId="{992724F3-C6EE-4F60-B78A-0560566A62A8}">
+      <dsp:nvSpPr>
+        <dsp:cNvPr id="0" name=""/>
+        <dsp:cNvSpPr/>
+      </dsp:nvSpPr>
+      <dsp:spPr>
+        <a:xfrm>
+          <a:off x="3083858" y="2927306"/>
+          <a:ext cx="2431456" cy="379856"/>
+        </a:xfrm>
+        <a:custGeom>
+          <a:avLst/>
+          <a:gdLst/>
+          <a:ahLst/>
+          <a:cxnLst/>
+          <a:rect l="0" t="0" r="0" b="0"/>
+          <a:pathLst>
+            <a:path>
+              <a:moveTo>
+                <a:pt x="0" y="0"/>
+              </a:moveTo>
+              <a:lnTo>
+                <a:pt x="0" y="245311"/>
+              </a:lnTo>
+              <a:lnTo>
+                <a:pt x="2431456" y="245311"/>
+              </a:lnTo>
+              <a:lnTo>
+                <a:pt x="2431456" y="379856"/>
+              </a:lnTo>
+            </a:path>
+          </a:pathLst>
+        </a:custGeom>
+        <a:noFill/>
+        <a:ln w="12700" cap="flat" cmpd="sng" algn="ctr">
+          <a:solidFill>
+            <a:schemeClr val="tx1"/>
+          </a:solidFill>
+          <a:prstDash val="solid"/>
+          <a:miter lim="800000"/>
+        </a:ln>
+        <a:effectLst/>
+      </dsp:spPr>
+      <dsp:style>
+        <a:lnRef idx="2">
+          <a:scrgbClr r="0" g="0" b="0"/>
+        </a:lnRef>
+        <a:fillRef idx="0">
+          <a:scrgbClr r="0" g="0" b="0"/>
+        </a:fillRef>
+        <a:effectRef idx="0">
+          <a:scrgbClr r="0" g="0" b="0"/>
+        </a:effectRef>
+        <a:fontRef idx="minor"/>
+      </dsp:style>
+    </dsp:sp>
+    <dsp:sp modelId="{270E74B7-783D-47FC-BF79-59A9366E672F}">
+      <dsp:nvSpPr>
+        <dsp:cNvPr id="0" name=""/>
+        <dsp:cNvSpPr/>
+      </dsp:nvSpPr>
+      <dsp:spPr>
+        <a:xfrm>
+          <a:off x="3083858" y="2927306"/>
+          <a:ext cx="1160043" cy="379856"/>
+        </a:xfrm>
+        <a:custGeom>
+          <a:avLst/>
+          <a:gdLst/>
+          <a:ahLst/>
+          <a:cxnLst/>
+          <a:rect l="0" t="0" r="0" b="0"/>
+          <a:pathLst>
+            <a:path>
+              <a:moveTo>
+                <a:pt x="0" y="0"/>
+              </a:moveTo>
+              <a:lnTo>
+                <a:pt x="0" y="245311"/>
+              </a:lnTo>
+              <a:lnTo>
+                <a:pt x="1160043" y="245311"/>
+              </a:lnTo>
+              <a:lnTo>
+                <a:pt x="1160043" y="379856"/>
+              </a:lnTo>
+            </a:path>
+          </a:pathLst>
+        </a:custGeom>
+        <a:noFill/>
+        <a:ln w="12700" cap="flat" cmpd="sng" algn="ctr">
+          <a:solidFill>
+            <a:schemeClr val="tx1"/>
+          </a:solidFill>
+          <a:prstDash val="solid"/>
+          <a:miter lim="800000"/>
+        </a:ln>
+        <a:effectLst/>
+      </dsp:spPr>
+      <dsp:style>
+        <a:lnRef idx="2">
+          <a:scrgbClr r="0" g="0" b="0"/>
+        </a:lnRef>
+        <a:fillRef idx="0">
+          <a:scrgbClr r="0" g="0" b="0"/>
+        </a:fillRef>
+        <a:effectRef idx="0">
+          <a:scrgbClr r="0" g="0" b="0"/>
+        </a:effectRef>
+        <a:fontRef idx="minor"/>
+      </dsp:style>
+    </dsp:sp>
+    <dsp:sp modelId="{0E451B9A-6ADB-4378-9D41-1A32E1160BD8}">
+      <dsp:nvSpPr>
+        <dsp:cNvPr id="0" name=""/>
+        <dsp:cNvSpPr/>
+      </dsp:nvSpPr>
+      <dsp:spPr>
+        <a:xfrm>
+          <a:off x="2972489" y="2927306"/>
+          <a:ext cx="111369" cy="379856"/>
+        </a:xfrm>
+        <a:custGeom>
+          <a:avLst/>
+          <a:gdLst/>
+          <a:ahLst/>
+          <a:cxnLst/>
+          <a:rect l="0" t="0" r="0" b="0"/>
+          <a:pathLst>
+            <a:path>
+              <a:moveTo>
+                <a:pt x="111369" y="0"/>
+              </a:moveTo>
+              <a:lnTo>
+                <a:pt x="111369" y="245311"/>
+              </a:lnTo>
+              <a:lnTo>
+                <a:pt x="0" y="245311"/>
+              </a:lnTo>
+              <a:lnTo>
+                <a:pt x="0" y="379856"/>
+              </a:lnTo>
+            </a:path>
+          </a:pathLst>
+        </a:custGeom>
+        <a:noFill/>
+        <a:ln w="12700" cap="flat" cmpd="sng" algn="ctr">
+          <a:solidFill>
+            <a:schemeClr val="tx1"/>
+          </a:solidFill>
+          <a:prstDash val="solid"/>
+          <a:miter lim="800000"/>
+        </a:ln>
+        <a:effectLst/>
+      </dsp:spPr>
+      <dsp:style>
+        <a:lnRef idx="2">
+          <a:scrgbClr r="0" g="0" b="0"/>
+        </a:lnRef>
+        <a:fillRef idx="0">
+          <a:scrgbClr r="0" g="0" b="0"/>
+        </a:fillRef>
+        <a:effectRef idx="0">
+          <a:scrgbClr r="0" g="0" b="0"/>
+        </a:effectRef>
+        <a:fontRef idx="minor"/>
+      </dsp:style>
+    </dsp:sp>
+    <dsp:sp modelId="{8D7EFD32-B396-4D9F-BFBC-1A44EB8999CB}">
+      <dsp:nvSpPr>
+        <dsp:cNvPr id="0" name=""/>
+        <dsp:cNvSpPr/>
+      </dsp:nvSpPr>
+      <dsp:spPr>
+        <a:xfrm>
+          <a:off x="1701076" y="2927306"/>
+          <a:ext cx="1382782" cy="379856"/>
+        </a:xfrm>
+        <a:custGeom>
+          <a:avLst/>
+          <a:gdLst/>
+          <a:ahLst/>
+          <a:cxnLst/>
+          <a:rect l="0" t="0" r="0" b="0"/>
+          <a:pathLst>
+            <a:path>
+              <a:moveTo>
+                <a:pt x="1382782" y="0"/>
+              </a:moveTo>
+              <a:lnTo>
+                <a:pt x="1382782" y="245311"/>
+              </a:lnTo>
+              <a:lnTo>
+                <a:pt x="0" y="245311"/>
+              </a:lnTo>
+              <a:lnTo>
+                <a:pt x="0" y="379856"/>
+              </a:lnTo>
+            </a:path>
+          </a:pathLst>
+        </a:custGeom>
+        <a:noFill/>
+        <a:ln w="12700" cap="flat" cmpd="sng" algn="ctr">
+          <a:solidFill>
+            <a:schemeClr val="tx1"/>
+          </a:solidFill>
+          <a:prstDash val="solid"/>
+          <a:miter lim="800000"/>
+        </a:ln>
+        <a:effectLst/>
+      </dsp:spPr>
+      <dsp:style>
+        <a:lnRef idx="2">
+          <a:scrgbClr r="0" g="0" b="0"/>
+        </a:lnRef>
+        <a:fillRef idx="0">
+          <a:scrgbClr r="0" g="0" b="0"/>
+        </a:fillRef>
+        <a:effectRef idx="0">
+          <a:scrgbClr r="0" g="0" b="0"/>
+        </a:effectRef>
+        <a:fontRef idx="minor"/>
+      </dsp:style>
+    </dsp:sp>
+    <dsp:sp modelId="{F30DEB13-EE2F-4F70-AF63-7FA83467EF39}">
+      <dsp:nvSpPr>
+        <dsp:cNvPr id="0" name=""/>
+        <dsp:cNvSpPr/>
+      </dsp:nvSpPr>
+      <dsp:spPr>
+        <a:xfrm>
+          <a:off x="429663" y="2927306"/>
+          <a:ext cx="2654194" cy="379856"/>
+        </a:xfrm>
+        <a:custGeom>
+          <a:avLst/>
+          <a:gdLst/>
+          <a:ahLst/>
+          <a:cxnLst/>
+          <a:rect l="0" t="0" r="0" b="0"/>
+          <a:pathLst>
+            <a:path>
+              <a:moveTo>
+                <a:pt x="2654194" y="0"/>
+              </a:moveTo>
+              <a:lnTo>
+                <a:pt x="2654194" y="245311"/>
+              </a:lnTo>
+              <a:lnTo>
+                <a:pt x="0" y="245311"/>
+              </a:lnTo>
+              <a:lnTo>
+                <a:pt x="0" y="379856"/>
+              </a:lnTo>
+            </a:path>
+          </a:pathLst>
+        </a:custGeom>
+        <a:noFill/>
+        <a:ln w="12700" cap="flat" cmpd="sng" algn="ctr">
+          <a:solidFill>
+            <a:schemeClr val="tx1"/>
+          </a:solidFill>
+          <a:prstDash val="solid"/>
+          <a:miter lim="800000"/>
+        </a:ln>
+        <a:effectLst/>
+      </dsp:spPr>
+      <dsp:style>
+        <a:lnRef idx="2">
+          <a:scrgbClr r="0" g="0" b="0"/>
+        </a:lnRef>
+        <a:fillRef idx="0">
+          <a:scrgbClr r="0" g="0" b="0"/>
+        </a:fillRef>
+        <a:effectRef idx="0">
+          <a:scrgbClr r="0" g="0" b="0"/>
+        </a:effectRef>
+        <a:fontRef idx="minor"/>
+      </dsp:style>
+    </dsp:sp>
+    <dsp:sp modelId="{013F943E-4A77-4A54-90E7-8591FB25DC23}">
+      <dsp:nvSpPr>
+        <dsp:cNvPr id="0" name=""/>
+        <dsp:cNvSpPr/>
+      </dsp:nvSpPr>
+      <dsp:spPr>
+        <a:xfrm>
+          <a:off x="3083858" y="2174991"/>
+          <a:ext cx="2598510" cy="269089"/>
+        </a:xfrm>
+        <a:custGeom>
+          <a:avLst/>
+          <a:gdLst/>
+          <a:ahLst/>
+          <a:cxnLst/>
+          <a:rect l="0" t="0" r="0" b="0"/>
+          <a:pathLst>
+            <a:path>
+              <a:moveTo>
+                <a:pt x="2598510" y="0"/>
+              </a:moveTo>
+              <a:lnTo>
+                <a:pt x="2598510" y="134544"/>
+              </a:lnTo>
+              <a:lnTo>
+                <a:pt x="0" y="134544"/>
+              </a:lnTo>
+              <a:lnTo>
+                <a:pt x="0" y="269089"/>
+              </a:lnTo>
+            </a:path>
+          </a:pathLst>
+        </a:custGeom>
+        <a:noFill/>
+        <a:ln w="12700" cap="flat" cmpd="sng" algn="ctr">
+          <a:solidFill>
+            <a:schemeClr val="tx1"/>
+          </a:solidFill>
+          <a:prstDash val="solid"/>
+          <a:miter lim="800000"/>
+        </a:ln>
+        <a:effectLst/>
+      </dsp:spPr>
+      <dsp:style>
+        <a:lnRef idx="2">
+          <a:scrgbClr r="0" g="0" b="0"/>
+        </a:lnRef>
+        <a:fillRef idx="0">
+          <a:scrgbClr r="0" g="0" b="0"/>
+        </a:fillRef>
+        <a:effectRef idx="0">
+          <a:scrgbClr r="0" g="0" b="0"/>
+        </a:effectRef>
+        <a:fontRef idx="minor"/>
+      </dsp:style>
+    </dsp:sp>
+    <dsp:sp modelId="{393EC376-0058-4EF7-8813-97FA89F1A02C}">
+      <dsp:nvSpPr>
+        <dsp:cNvPr id="0" name=""/>
+        <dsp:cNvSpPr/>
+      </dsp:nvSpPr>
+      <dsp:spPr>
+        <a:xfrm>
+          <a:off x="4333459" y="1424185"/>
+          <a:ext cx="2697819" cy="750806"/>
+        </a:xfrm>
+        <a:prstGeom prst="rect">
+          <a:avLst/>
+        </a:prstGeom>
+        <a:solidFill>
+          <a:schemeClr val="bg1"/>
+        </a:solidFill>
+        <a:ln w="12700" cap="flat" cmpd="sng" algn="ctr">
+          <a:solidFill>
+            <a:schemeClr val="tx1"/>
+          </a:solidFill>
+          <a:prstDash val="solid"/>
+          <a:miter lim="800000"/>
+        </a:ln>
+        <a:effectLst/>
+      </dsp:spPr>
+      <dsp:style>
+        <a:lnRef idx="2">
+          <a:scrgbClr r="0" g="0" b="0"/>
+        </a:lnRef>
+        <a:fillRef idx="1">
+          <a:scrgbClr r="0" g="0" b="0"/>
+        </a:fillRef>
+        <a:effectRef idx="0">
+          <a:scrgbClr r="0" g="0" b="0"/>
+        </a:effectRef>
+        <a:fontRef idx="minor">
+          <a:schemeClr val="lt1"/>
+        </a:fontRef>
+      </dsp:style>
+      <dsp:txBody>
+        <a:bodyPr spcFirstLastPara="0" vert="horz" wrap="square" lIns="13335" tIns="13335" rIns="13335" bIns="81368" numCol="1" spcCol="1270" anchor="ctr" anchorCtr="0">
+          <a:noAutofit/>
+        </a:bodyPr>
+        <a:lstStyle/>
+        <a:p>
+          <a:pPr marL="0" lvl="0" indent="0" algn="ctr" defTabSz="933450">
+            <a:lnSpc>
+              <a:spcPct val="90000"/>
+            </a:lnSpc>
+            <a:spcBef>
+              <a:spcPct val="0"/>
+            </a:spcBef>
+            <a:spcAft>
+              <a:spcPct val="35000"/>
+            </a:spcAft>
+            <a:buNone/>
+          </a:pPr>
+          <a:r>
+            <a:rPr lang="zh-CN" sz="2100" kern="1200" dirty="0">
+              <a:solidFill>
+                <a:schemeClr val="tx1"/>
+              </a:solidFill>
+            </a:rPr>
+            <a:t>校园二手物品交易</a:t>
+          </a:r>
+          <a:r>
+            <a:rPr lang="zh-CN" altLang="en-US" sz="2100" kern="1200" dirty="0">
+              <a:solidFill>
+                <a:schemeClr val="tx1"/>
+              </a:solidFill>
+            </a:rPr>
+            <a:t>平台</a:t>
+          </a:r>
+        </a:p>
+      </dsp:txBody>
+      <dsp:txXfrm>
+        <a:off x="4333459" y="1424185"/>
+        <a:ext cx="2697819" cy="750806"/>
+      </dsp:txXfrm>
+    </dsp:sp>
+    <dsp:sp modelId="{D17DC84D-56A1-430A-B084-EF3EDD4BA279}">
+      <dsp:nvSpPr>
+        <dsp:cNvPr id="0" name=""/>
+        <dsp:cNvSpPr/>
+      </dsp:nvSpPr>
+      <dsp:spPr>
+        <a:xfrm>
+          <a:off x="9091001" y="0"/>
+          <a:ext cx="1002323" cy="192206"/>
+        </a:xfrm>
+        <a:prstGeom prst="rect">
+          <a:avLst/>
+        </a:prstGeom>
+        <a:solidFill>
+          <a:schemeClr val="lt1">
+            <a:alpha val="90000"/>
+            <a:hueOff val="0"/>
+            <a:satOff val="0"/>
+            <a:lumOff val="0"/>
+            <a:alphaOff val="0"/>
+          </a:schemeClr>
+        </a:solidFill>
+        <a:ln w="12700" cap="flat" cmpd="sng" algn="ctr">
+          <a:solidFill>
+            <a:schemeClr val="accent1">
+              <a:hueOff val="0"/>
+              <a:satOff val="0"/>
+              <a:lumOff val="0"/>
+              <a:alphaOff val="0"/>
+            </a:schemeClr>
+          </a:solidFill>
+          <a:prstDash val="solid"/>
+          <a:miter lim="800000"/>
+        </a:ln>
+        <a:effectLst/>
+      </dsp:spPr>
+      <dsp:style>
+        <a:lnRef idx="2">
+          <a:scrgbClr r="0" g="0" b="0"/>
+        </a:lnRef>
+        <a:fillRef idx="1">
+          <a:scrgbClr r="0" g="0" b="0"/>
+        </a:fillRef>
+        <a:effectRef idx="0">
+          <a:scrgbClr r="0" g="0" b="0"/>
+        </a:effectRef>
+        <a:fontRef idx="minor"/>
+      </dsp:style>
+      <dsp:txBody>
+        <a:bodyPr spcFirstLastPara="0" vert="horz" wrap="square" lIns="30480" tIns="7620" rIns="30480" bIns="7620" numCol="1" spcCol="1270" anchor="ctr" anchorCtr="0">
+          <a:noAutofit/>
+        </a:bodyPr>
+        <a:lstStyle/>
+        <a:p>
+          <a:pPr marL="0" lvl="0" indent="0" algn="r" defTabSz="533400">
+            <a:lnSpc>
+              <a:spcPct val="90000"/>
+            </a:lnSpc>
+            <a:spcBef>
+              <a:spcPct val="0"/>
+            </a:spcBef>
+            <a:spcAft>
+              <a:spcPct val="35000"/>
+            </a:spcAft>
+            <a:buNone/>
+          </a:pPr>
+          <a:endParaRPr lang="zh-CN" altLang="en-US" sz="1200" kern="1200"/>
+        </a:p>
+      </dsp:txBody>
+      <dsp:txXfrm>
+        <a:off x="9091001" y="0"/>
+        <a:ext cx="1002323" cy="192206"/>
+      </dsp:txXfrm>
+    </dsp:sp>
+    <dsp:sp modelId="{D3DAC0E9-2715-4C51-89EA-7A3B983A33E3}">
+      <dsp:nvSpPr>
+        <dsp:cNvPr id="0" name=""/>
+        <dsp:cNvSpPr/>
+      </dsp:nvSpPr>
+      <dsp:spPr>
+        <a:xfrm>
+          <a:off x="2527012" y="2444081"/>
+          <a:ext cx="1113692" cy="483225"/>
+        </a:xfrm>
+        <a:prstGeom prst="rect">
+          <a:avLst/>
+        </a:prstGeom>
+        <a:solidFill>
+          <a:prstClr val="white"/>
+        </a:solidFill>
+        <a:ln w="12700" cap="flat" cmpd="sng" algn="ctr">
+          <a:solidFill>
+            <a:prstClr val="black"/>
+          </a:solidFill>
+          <a:prstDash val="solid"/>
+          <a:miter lim="800000"/>
+        </a:ln>
+        <a:effectLst/>
+      </dsp:spPr>
+      <dsp:style>
+        <a:lnRef idx="2">
+          <a:scrgbClr r="0" g="0" b="0"/>
+        </a:lnRef>
+        <a:fillRef idx="1">
+          <a:scrgbClr r="0" g="0" b="0"/>
+        </a:fillRef>
+        <a:effectRef idx="0">
+          <a:scrgbClr r="0" g="0" b="0"/>
+        </a:effectRef>
+        <a:fontRef idx="minor">
+          <a:schemeClr val="lt1"/>
+        </a:fontRef>
+      </dsp:style>
+      <dsp:txBody>
+        <a:bodyPr spcFirstLastPara="0" vert="horz" wrap="square" lIns="6350" tIns="6350" rIns="6350" bIns="54221" numCol="1" spcCol="1270" anchor="ctr" anchorCtr="0">
+          <a:noAutofit/>
+        </a:bodyPr>
+        <a:lstStyle/>
+        <a:p>
+          <a:pPr marL="0" lvl="0" indent="0" algn="ctr" defTabSz="444500">
+            <a:lnSpc>
+              <a:spcPct val="90000"/>
+            </a:lnSpc>
+            <a:spcBef>
+              <a:spcPct val="0"/>
+            </a:spcBef>
+            <a:spcAft>
+              <a:spcPct val="35000"/>
+            </a:spcAft>
+            <a:buNone/>
+          </a:pPr>
+          <a:r>
+            <a:rPr lang="zh-CN" altLang="en-US" sz="1000" kern="1200" dirty="0">
+              <a:solidFill>
+                <a:prstClr val="black"/>
+              </a:solidFill>
+              <a:latin typeface="Calibri" panose="020F0502020204030204"/>
+              <a:ea typeface="等线" panose="02010600030101010101" pitchFamily="2" charset="-122"/>
+              <a:cs typeface="+mn-cs"/>
+            </a:rPr>
+            <a:t>普通用户</a:t>
+          </a:r>
+        </a:p>
+      </dsp:txBody>
+      <dsp:txXfrm>
+        <a:off x="2527012" y="2444081"/>
+        <a:ext cx="1113692" cy="483225"/>
+      </dsp:txXfrm>
+    </dsp:sp>
+    <dsp:sp modelId="{2BFDCDAF-F1C6-4D62-B220-6A894A668C93}">
+      <dsp:nvSpPr>
+        <dsp:cNvPr id="0" name=""/>
+        <dsp:cNvSpPr/>
+      </dsp:nvSpPr>
+      <dsp:spPr>
+        <a:xfrm>
+          <a:off x="9091001" y="251742"/>
+          <a:ext cx="1002323" cy="192206"/>
+        </a:xfrm>
+        <a:prstGeom prst="rect">
+          <a:avLst/>
+        </a:prstGeom>
+        <a:solidFill>
+          <a:schemeClr val="lt1">
+            <a:alpha val="90000"/>
+            <a:hueOff val="0"/>
+            <a:satOff val="0"/>
+            <a:lumOff val="0"/>
+            <a:alphaOff val="0"/>
+          </a:schemeClr>
+        </a:solidFill>
+        <a:ln w="12700" cap="flat" cmpd="sng" algn="ctr">
+          <a:solidFill>
+            <a:schemeClr val="accent1">
+              <a:hueOff val="0"/>
+              <a:satOff val="0"/>
+              <a:lumOff val="0"/>
+              <a:alphaOff val="0"/>
+            </a:schemeClr>
+          </a:solidFill>
+          <a:prstDash val="solid"/>
+          <a:miter lim="800000"/>
+        </a:ln>
+        <a:effectLst/>
+      </dsp:spPr>
+      <dsp:style>
+        <a:lnRef idx="2">
+          <a:scrgbClr r="0" g="0" b="0"/>
+        </a:lnRef>
+        <a:fillRef idx="1">
+          <a:scrgbClr r="0" g="0" b="0"/>
+        </a:fillRef>
+        <a:effectRef idx="0">
+          <a:scrgbClr r="0" g="0" b="0"/>
+        </a:effectRef>
+        <a:fontRef idx="minor"/>
+      </dsp:style>
+      <dsp:txBody>
+        <a:bodyPr spcFirstLastPara="0" vert="horz" wrap="square" lIns="30480" tIns="7620" rIns="30480" bIns="7620" numCol="1" spcCol="1270" anchor="ctr" anchorCtr="0">
+          <a:noAutofit/>
+        </a:bodyPr>
+        <a:lstStyle/>
+        <a:p>
+          <a:pPr marL="0" lvl="0" indent="0" algn="r" defTabSz="533400">
+            <a:lnSpc>
+              <a:spcPct val="90000"/>
+            </a:lnSpc>
+            <a:spcBef>
+              <a:spcPct val="0"/>
+            </a:spcBef>
+            <a:spcAft>
+              <a:spcPct val="35000"/>
+            </a:spcAft>
+            <a:buNone/>
+          </a:pPr>
+          <a:endParaRPr lang="zh-CN" altLang="en-US" sz="1200" kern="1200"/>
+        </a:p>
+      </dsp:txBody>
+      <dsp:txXfrm>
+        <a:off x="9091001" y="251742"/>
+        <a:ext cx="1002323" cy="192206"/>
+      </dsp:txXfrm>
+    </dsp:sp>
+    <dsp:sp modelId="{D5F23B02-5311-4B02-A682-0C0BEF2E7741}">
+      <dsp:nvSpPr>
+        <dsp:cNvPr id="0" name=""/>
+        <dsp:cNvSpPr/>
+      </dsp:nvSpPr>
+      <dsp:spPr>
+        <a:xfrm>
+          <a:off x="245921" y="3307162"/>
+          <a:ext cx="367485" cy="693282"/>
+        </a:xfrm>
+        <a:prstGeom prst="rect">
+          <a:avLst/>
+        </a:prstGeom>
+        <a:solidFill>
+          <a:prstClr val="white">
+            <a:alpha val="90000"/>
+            <a:hueOff val="0"/>
+            <a:satOff val="0"/>
+            <a:lumOff val="0"/>
+            <a:alphaOff val="0"/>
+          </a:prstClr>
+        </a:solidFill>
+        <a:ln w="12700" cap="flat" cmpd="sng" algn="ctr">
+          <a:solidFill>
+            <a:schemeClr val="tx1"/>
+          </a:solidFill>
+          <a:prstDash val="solid"/>
+          <a:miter lim="800000"/>
+        </a:ln>
+        <a:effectLst/>
+      </dsp:spPr>
+      <dsp:style>
+        <a:lnRef idx="2">
+          <a:scrgbClr r="0" g="0" b="0"/>
+        </a:lnRef>
+        <a:fillRef idx="1">
+          <a:scrgbClr r="0" g="0" b="0"/>
+        </a:fillRef>
+        <a:effectRef idx="0">
+          <a:scrgbClr r="0" g="0" b="0"/>
+        </a:effectRef>
+        <a:fontRef idx="minor">
+          <a:schemeClr val="lt1"/>
+        </a:fontRef>
+      </dsp:style>
+      <dsp:txBody>
+        <a:bodyPr spcFirstLastPara="0" vert="eaVert" wrap="square" lIns="25400" tIns="6350" rIns="25400" bIns="6350" numCol="1" spcCol="1270" anchor="ctr" anchorCtr="0">
+          <a:noAutofit/>
+        </a:bodyPr>
+        <a:lstStyle/>
+        <a:p>
+          <a:pPr marL="0" lvl="0" indent="0" algn="ctr" defTabSz="444500">
+            <a:lnSpc>
+              <a:spcPct val="90000"/>
+            </a:lnSpc>
+            <a:spcBef>
+              <a:spcPct val="0"/>
+            </a:spcBef>
+            <a:spcAft>
+              <a:spcPct val="35000"/>
+            </a:spcAft>
+            <a:buNone/>
+          </a:pPr>
+          <a:r>
+            <a:rPr lang="zh-CN" altLang="en-US" sz="1000" kern="1200" dirty="0">
+              <a:solidFill>
+                <a:prstClr val="black">
+                  <a:hueOff val="0"/>
+                  <a:satOff val="0"/>
+                  <a:lumOff val="0"/>
+                  <a:alphaOff val="0"/>
+                </a:prstClr>
+              </a:solidFill>
+              <a:latin typeface="Calibri" panose="020F0502020204030204"/>
+              <a:ea typeface="等线" panose="02010600030101010101" pitchFamily="2" charset="-122"/>
+              <a:cs typeface="+mn-cs"/>
+            </a:rPr>
+            <a:t>注册登录</a:t>
+          </a:r>
+        </a:p>
+      </dsp:txBody>
+      <dsp:txXfrm>
+        <a:off x="245921" y="3307162"/>
+        <a:ext cx="367485" cy="693282"/>
+      </dsp:txXfrm>
+    </dsp:sp>
+    <dsp:sp modelId="{9A42180B-907B-4EF2-87AD-7CAB7A25E9FA}">
+      <dsp:nvSpPr>
+        <dsp:cNvPr id="0" name=""/>
+        <dsp:cNvSpPr/>
+      </dsp:nvSpPr>
+      <dsp:spPr>
+        <a:xfrm>
+          <a:off x="6763781" y="0"/>
+          <a:ext cx="1002323" cy="192206"/>
+        </a:xfrm>
+        <a:prstGeom prst="rect">
+          <a:avLst/>
+        </a:prstGeom>
+        <a:solidFill>
+          <a:schemeClr val="lt1">
+            <a:alpha val="90000"/>
+            <a:hueOff val="0"/>
+            <a:satOff val="0"/>
+            <a:lumOff val="0"/>
+            <a:alphaOff val="0"/>
+          </a:schemeClr>
+        </a:solidFill>
+        <a:ln w="12700" cap="flat" cmpd="sng" algn="ctr">
+          <a:solidFill>
+            <a:schemeClr val="accent1">
+              <a:hueOff val="0"/>
+              <a:satOff val="0"/>
+              <a:lumOff val="0"/>
+              <a:alphaOff val="0"/>
+            </a:schemeClr>
+          </a:solidFill>
+          <a:prstDash val="solid"/>
+          <a:miter lim="800000"/>
+        </a:ln>
+        <a:effectLst/>
+      </dsp:spPr>
+      <dsp:style>
+        <a:lnRef idx="2">
+          <a:scrgbClr r="0" g="0" b="0"/>
+        </a:lnRef>
+        <a:fillRef idx="1">
+          <a:scrgbClr r="0" g="0" b="0"/>
+        </a:fillRef>
+        <a:effectRef idx="0">
+          <a:scrgbClr r="0" g="0" b="0"/>
+        </a:effectRef>
+        <a:fontRef idx="minor"/>
+      </dsp:style>
+      <dsp:txBody>
+        <a:bodyPr spcFirstLastPara="0" vert="horz" wrap="square" lIns="30480" tIns="7620" rIns="30480" bIns="7620" numCol="1" spcCol="1270" anchor="ctr" anchorCtr="0">
+          <a:noAutofit/>
+        </a:bodyPr>
+        <a:lstStyle/>
+        <a:p>
+          <a:pPr marL="0" lvl="0" indent="0" algn="r" defTabSz="533400">
+            <a:lnSpc>
+              <a:spcPct val="90000"/>
+            </a:lnSpc>
+            <a:spcBef>
+              <a:spcPct val="0"/>
+            </a:spcBef>
+            <a:spcAft>
+              <a:spcPct val="35000"/>
+            </a:spcAft>
+            <a:buNone/>
+          </a:pPr>
+          <a:endParaRPr lang="zh-CN" altLang="en-US" sz="1200" kern="1200"/>
+        </a:p>
+      </dsp:txBody>
+      <dsp:txXfrm>
+        <a:off x="6763781" y="0"/>
+        <a:ext cx="1002323" cy="192206"/>
+      </dsp:txXfrm>
+    </dsp:sp>
+    <dsp:sp modelId="{8EF23F55-DAE2-4749-B516-E240DE26AF88}">
+      <dsp:nvSpPr>
+        <dsp:cNvPr id="0" name=""/>
+        <dsp:cNvSpPr/>
+      </dsp:nvSpPr>
+      <dsp:spPr>
+        <a:xfrm>
+          <a:off x="1533254" y="3307162"/>
+          <a:ext cx="335644" cy="1076654"/>
+        </a:xfrm>
+        <a:prstGeom prst="rect">
+          <a:avLst/>
+        </a:prstGeom>
+        <a:solidFill>
+          <a:prstClr val="white">
+            <a:alpha val="90000"/>
+            <a:hueOff val="0"/>
+            <a:satOff val="0"/>
+            <a:lumOff val="0"/>
+            <a:alphaOff val="0"/>
+          </a:prstClr>
+        </a:solidFill>
+        <a:ln w="12700" cap="flat" cmpd="sng" algn="ctr">
+          <a:solidFill>
+            <a:schemeClr val="tx1"/>
+          </a:solidFill>
+          <a:prstDash val="solid"/>
+          <a:miter lim="800000"/>
+        </a:ln>
+        <a:effectLst/>
+      </dsp:spPr>
+      <dsp:style>
+        <a:lnRef idx="2">
+          <a:scrgbClr r="0" g="0" b="0"/>
+        </a:lnRef>
+        <a:fillRef idx="1">
+          <a:scrgbClr r="0" g="0" b="0"/>
+        </a:fillRef>
+        <a:effectRef idx="0">
+          <a:scrgbClr r="0" g="0" b="0"/>
+        </a:effectRef>
+        <a:fontRef idx="minor">
+          <a:schemeClr val="lt1"/>
+        </a:fontRef>
+      </dsp:style>
+      <dsp:txBody>
+        <a:bodyPr spcFirstLastPara="0" vert="eaVert" wrap="square" lIns="25400" tIns="6350" rIns="25400" bIns="6350" numCol="1" spcCol="1270" anchor="ctr" anchorCtr="0">
+          <a:noAutofit/>
+        </a:bodyPr>
+        <a:lstStyle/>
+        <a:p>
+          <a:pPr marL="0" lvl="0" indent="0" algn="ctr" defTabSz="444500">
+            <a:lnSpc>
+              <a:spcPct val="90000"/>
+            </a:lnSpc>
+            <a:spcBef>
+              <a:spcPct val="0"/>
+            </a:spcBef>
+            <a:spcAft>
+              <a:spcPct val="35000"/>
+            </a:spcAft>
+            <a:buNone/>
+          </a:pPr>
+          <a:r>
+            <a:rPr lang="zh-CN" altLang="en-US" sz="1000" kern="1200" dirty="0">
+              <a:solidFill>
+                <a:prstClr val="black">
+                  <a:hueOff val="0"/>
+                  <a:satOff val="0"/>
+                  <a:lumOff val="0"/>
+                  <a:alphaOff val="0"/>
+                </a:prstClr>
+              </a:solidFill>
+              <a:latin typeface="Calibri" panose="020F0502020204030204"/>
+              <a:ea typeface="等线" panose="02010600030101010101" pitchFamily="2" charset="-122"/>
+              <a:cs typeface="+mn-cs"/>
+            </a:rPr>
+            <a:t>浏览商城</a:t>
+          </a:r>
+        </a:p>
+      </dsp:txBody>
+      <dsp:txXfrm>
+        <a:off x="1533254" y="3307162"/>
+        <a:ext cx="335644" cy="1076654"/>
+      </dsp:txXfrm>
+    </dsp:sp>
+    <dsp:sp modelId="{70647BB6-5129-4989-9E87-93E13CFDD8A0}">
+      <dsp:nvSpPr>
+        <dsp:cNvPr id="0" name=""/>
+        <dsp:cNvSpPr/>
+      </dsp:nvSpPr>
+      <dsp:spPr>
+        <a:xfrm>
+          <a:off x="6355671" y="47959"/>
+          <a:ext cx="1002323" cy="192206"/>
+        </a:xfrm>
+        <a:prstGeom prst="rect">
+          <a:avLst/>
+        </a:prstGeom>
+        <a:solidFill>
+          <a:schemeClr val="lt1">
+            <a:alpha val="90000"/>
+            <a:hueOff val="0"/>
+            <a:satOff val="0"/>
+            <a:lumOff val="0"/>
+            <a:alphaOff val="0"/>
+          </a:schemeClr>
+        </a:solidFill>
+        <a:ln w="12700" cap="flat" cmpd="sng" algn="ctr">
+          <a:solidFill>
+            <a:schemeClr val="accent1">
+              <a:hueOff val="0"/>
+              <a:satOff val="0"/>
+              <a:lumOff val="0"/>
+              <a:alphaOff val="0"/>
+            </a:schemeClr>
+          </a:solidFill>
+          <a:prstDash val="solid"/>
+          <a:miter lim="800000"/>
+        </a:ln>
+        <a:effectLst/>
+      </dsp:spPr>
+      <dsp:style>
+        <a:lnRef idx="2">
+          <a:scrgbClr r="0" g="0" b="0"/>
+        </a:lnRef>
+        <a:fillRef idx="1">
+          <a:scrgbClr r="0" g="0" b="0"/>
+        </a:fillRef>
+        <a:effectRef idx="0">
+          <a:scrgbClr r="0" g="0" b="0"/>
+        </a:effectRef>
+        <a:fontRef idx="minor"/>
+      </dsp:style>
+      <dsp:txBody>
+        <a:bodyPr spcFirstLastPara="0" vert="horz" wrap="square" lIns="30480" tIns="7620" rIns="30480" bIns="7620" numCol="1" spcCol="1270" anchor="ctr" anchorCtr="0">
+          <a:noAutofit/>
+        </a:bodyPr>
+        <a:lstStyle/>
+        <a:p>
+          <a:pPr marL="0" lvl="0" indent="0" algn="r" defTabSz="533400">
+            <a:lnSpc>
+              <a:spcPct val="90000"/>
+            </a:lnSpc>
+            <a:spcBef>
+              <a:spcPct val="0"/>
+            </a:spcBef>
+            <a:spcAft>
+              <a:spcPct val="35000"/>
+            </a:spcAft>
+            <a:buNone/>
+          </a:pPr>
+          <a:endParaRPr lang="zh-CN" altLang="en-US" sz="1200" kern="1200"/>
+        </a:p>
+      </dsp:txBody>
+      <dsp:txXfrm>
+        <a:off x="6355671" y="47959"/>
+        <a:ext cx="1002323" cy="192206"/>
+      </dsp:txXfrm>
+    </dsp:sp>
+    <dsp:sp modelId="{D02BAFE7-53F9-4173-B487-1C26F04FC1DE}">
+      <dsp:nvSpPr>
+        <dsp:cNvPr id="0" name=""/>
+        <dsp:cNvSpPr/>
+      </dsp:nvSpPr>
+      <dsp:spPr>
+        <a:xfrm>
+          <a:off x="2804667" y="3307162"/>
+          <a:ext cx="335644" cy="1076654"/>
+        </a:xfrm>
+        <a:prstGeom prst="rect">
+          <a:avLst/>
+        </a:prstGeom>
+        <a:solidFill>
+          <a:prstClr val="white">
+            <a:alpha val="90000"/>
+            <a:hueOff val="0"/>
+            <a:satOff val="0"/>
+            <a:lumOff val="0"/>
+            <a:alphaOff val="0"/>
+          </a:prstClr>
+        </a:solidFill>
+        <a:ln w="12700" cap="flat" cmpd="sng" algn="ctr">
+          <a:solidFill>
+            <a:schemeClr val="tx1"/>
+          </a:solidFill>
+          <a:prstDash val="solid"/>
+          <a:miter lim="800000"/>
+        </a:ln>
+        <a:effectLst/>
+      </dsp:spPr>
+      <dsp:style>
+        <a:lnRef idx="2">
+          <a:scrgbClr r="0" g="0" b="0"/>
+        </a:lnRef>
+        <a:fillRef idx="1">
+          <a:scrgbClr r="0" g="0" b="0"/>
+        </a:fillRef>
+        <a:effectRef idx="0">
+          <a:scrgbClr r="0" g="0" b="0"/>
+        </a:effectRef>
+        <a:fontRef idx="minor">
+          <a:schemeClr val="lt1"/>
+        </a:fontRef>
+      </dsp:style>
+      <dsp:txBody>
+        <a:bodyPr spcFirstLastPara="0" vert="eaVert" wrap="square" lIns="25400" tIns="6350" rIns="25400" bIns="6350" numCol="1" spcCol="1270" anchor="ctr" anchorCtr="0">
+          <a:noAutofit/>
+        </a:bodyPr>
+        <a:lstStyle/>
+        <a:p>
+          <a:pPr marL="0" lvl="0" indent="0" algn="ctr" defTabSz="444500">
+            <a:lnSpc>
+              <a:spcPct val="90000"/>
+            </a:lnSpc>
+            <a:spcBef>
+              <a:spcPct val="0"/>
+            </a:spcBef>
+            <a:spcAft>
+              <a:spcPct val="35000"/>
+            </a:spcAft>
+            <a:buNone/>
+          </a:pPr>
+          <a:r>
+            <a:rPr lang="zh-CN" altLang="en-US" sz="1000" kern="1200" dirty="0">
+              <a:solidFill>
+                <a:prstClr val="black">
+                  <a:hueOff val="0"/>
+                  <a:satOff val="0"/>
+                  <a:lumOff val="0"/>
+                  <a:alphaOff val="0"/>
+                </a:prstClr>
+              </a:solidFill>
+              <a:latin typeface="Calibri" panose="020F0502020204030204"/>
+              <a:ea typeface="等线" panose="02010600030101010101" pitchFamily="2" charset="-122"/>
+              <a:cs typeface="+mn-cs"/>
+            </a:rPr>
+            <a:t>发布二手物品</a:t>
+          </a:r>
+        </a:p>
+      </dsp:txBody>
+      <dsp:txXfrm>
+        <a:off x="2804667" y="3307162"/>
+        <a:ext cx="335644" cy="1076654"/>
+      </dsp:txXfrm>
+    </dsp:sp>
+    <dsp:sp modelId="{BB04749C-A6CA-4CF7-8AA2-BDC7C7116F80}">
+      <dsp:nvSpPr>
+        <dsp:cNvPr id="0" name=""/>
+        <dsp:cNvSpPr/>
+      </dsp:nvSpPr>
+      <dsp:spPr>
+        <a:xfrm>
+          <a:off x="7591081" y="306810"/>
+          <a:ext cx="1002323" cy="192206"/>
+        </a:xfrm>
+        <a:prstGeom prst="rect">
+          <a:avLst/>
+        </a:prstGeom>
+        <a:solidFill>
+          <a:schemeClr val="lt1">
+            <a:alpha val="90000"/>
+            <a:hueOff val="0"/>
+            <a:satOff val="0"/>
+            <a:lumOff val="0"/>
+            <a:alphaOff val="0"/>
+          </a:schemeClr>
+        </a:solidFill>
+        <a:ln w="12700" cap="flat" cmpd="sng" algn="ctr">
+          <a:solidFill>
+            <a:schemeClr val="accent1">
+              <a:hueOff val="0"/>
+              <a:satOff val="0"/>
+              <a:lumOff val="0"/>
+              <a:alphaOff val="0"/>
+            </a:schemeClr>
+          </a:solidFill>
+          <a:prstDash val="solid"/>
+          <a:miter lim="800000"/>
+        </a:ln>
+        <a:effectLst/>
+      </dsp:spPr>
+      <dsp:style>
+        <a:lnRef idx="2">
+          <a:scrgbClr r="0" g="0" b="0"/>
+        </a:lnRef>
+        <a:fillRef idx="1">
+          <a:scrgbClr r="0" g="0" b="0"/>
+        </a:fillRef>
+        <a:effectRef idx="0">
+          <a:scrgbClr r="0" g="0" b="0"/>
+        </a:effectRef>
+        <a:fontRef idx="minor"/>
+      </dsp:style>
+      <dsp:txBody>
+        <a:bodyPr spcFirstLastPara="0" vert="horz" wrap="square" lIns="30480" tIns="7620" rIns="30480" bIns="7620" numCol="1" spcCol="1270" anchor="ctr" anchorCtr="0">
+          <a:noAutofit/>
+        </a:bodyPr>
+        <a:lstStyle/>
+        <a:p>
+          <a:pPr marL="0" lvl="0" indent="0" algn="r" defTabSz="533400">
+            <a:lnSpc>
+              <a:spcPct val="90000"/>
+            </a:lnSpc>
+            <a:spcBef>
+              <a:spcPct val="0"/>
+            </a:spcBef>
+            <a:spcAft>
+              <a:spcPct val="35000"/>
+            </a:spcAft>
+            <a:buNone/>
+          </a:pPr>
+          <a:endParaRPr lang="zh-CN" altLang="en-US" sz="1200" kern="1200"/>
+        </a:p>
+      </dsp:txBody>
+      <dsp:txXfrm>
+        <a:off x="7591081" y="306810"/>
+        <a:ext cx="1002323" cy="192206"/>
+      </dsp:txXfrm>
+    </dsp:sp>
+    <dsp:sp modelId="{AE25B2E8-6D53-4815-80C1-16E9F0B2367B}">
+      <dsp:nvSpPr>
+        <dsp:cNvPr id="0" name=""/>
+        <dsp:cNvSpPr/>
+      </dsp:nvSpPr>
+      <dsp:spPr>
+        <a:xfrm>
+          <a:off x="4076079" y="3307162"/>
+          <a:ext cx="335644" cy="1076654"/>
+        </a:xfrm>
+        <a:prstGeom prst="rect">
+          <a:avLst/>
+        </a:prstGeom>
+        <a:solidFill>
+          <a:prstClr val="white">
+            <a:alpha val="90000"/>
+            <a:hueOff val="0"/>
+            <a:satOff val="0"/>
+            <a:lumOff val="0"/>
+            <a:alphaOff val="0"/>
+          </a:prstClr>
+        </a:solidFill>
+        <a:ln w="12700" cap="flat" cmpd="sng" algn="ctr">
+          <a:solidFill>
+            <a:schemeClr val="tx1"/>
+          </a:solidFill>
+          <a:prstDash val="solid"/>
+          <a:miter lim="800000"/>
+        </a:ln>
+        <a:effectLst/>
+      </dsp:spPr>
+      <dsp:style>
+        <a:lnRef idx="2">
+          <a:scrgbClr r="0" g="0" b="0"/>
+        </a:lnRef>
+        <a:fillRef idx="1">
+          <a:scrgbClr r="0" g="0" b="0"/>
+        </a:fillRef>
+        <a:effectRef idx="0">
+          <a:scrgbClr r="0" g="0" b="0"/>
+        </a:effectRef>
+        <a:fontRef idx="minor">
+          <a:schemeClr val="lt1"/>
+        </a:fontRef>
+      </dsp:style>
+      <dsp:txBody>
+        <a:bodyPr spcFirstLastPara="0" vert="eaVert" wrap="square" lIns="25400" tIns="6350" rIns="25400" bIns="6350" numCol="1" spcCol="1270" anchor="ctr" anchorCtr="0">
+          <a:noAutofit/>
+        </a:bodyPr>
+        <a:lstStyle/>
+        <a:p>
+          <a:pPr marL="0" lvl="0" indent="0" algn="ctr" defTabSz="444500">
+            <a:lnSpc>
+              <a:spcPct val="90000"/>
+            </a:lnSpc>
+            <a:spcBef>
+              <a:spcPct val="0"/>
+            </a:spcBef>
+            <a:spcAft>
+              <a:spcPct val="35000"/>
+            </a:spcAft>
+            <a:buNone/>
+          </a:pPr>
+          <a:r>
+            <a:rPr lang="zh-CN" altLang="en-US" sz="1000" kern="1200" dirty="0">
+              <a:solidFill>
+                <a:prstClr val="black">
+                  <a:hueOff val="0"/>
+                  <a:satOff val="0"/>
+                  <a:lumOff val="0"/>
+                  <a:alphaOff val="0"/>
+                </a:prstClr>
+              </a:solidFill>
+              <a:latin typeface="Calibri" panose="020F0502020204030204"/>
+              <a:ea typeface="等线" panose="02010600030101010101" pitchFamily="2" charset="-122"/>
+              <a:cs typeface="+mn-cs"/>
+            </a:rPr>
+            <a:t>个人中心</a:t>
+          </a:r>
+        </a:p>
+      </dsp:txBody>
+      <dsp:txXfrm>
+        <a:off x="4076079" y="3307162"/>
+        <a:ext cx="335644" cy="1076654"/>
+      </dsp:txXfrm>
+    </dsp:sp>
+    <dsp:sp modelId="{F03878CD-7F31-488F-A086-4BD6162FA826}">
+      <dsp:nvSpPr>
+        <dsp:cNvPr id="0" name=""/>
+        <dsp:cNvSpPr/>
+      </dsp:nvSpPr>
+      <dsp:spPr>
+        <a:xfrm>
+          <a:off x="7044410" y="0"/>
+          <a:ext cx="1002323" cy="192206"/>
+        </a:xfrm>
+        <a:prstGeom prst="rect">
+          <a:avLst/>
+        </a:prstGeom>
+        <a:solidFill>
+          <a:schemeClr val="lt1">
+            <a:alpha val="90000"/>
+            <a:hueOff val="0"/>
+            <a:satOff val="0"/>
+            <a:lumOff val="0"/>
+            <a:alphaOff val="0"/>
+          </a:schemeClr>
+        </a:solidFill>
+        <a:ln w="12700" cap="flat" cmpd="sng" algn="ctr">
+          <a:solidFill>
+            <a:schemeClr val="accent1">
+              <a:hueOff val="0"/>
+              <a:satOff val="0"/>
+              <a:lumOff val="0"/>
+              <a:alphaOff val="0"/>
+            </a:schemeClr>
+          </a:solidFill>
+          <a:prstDash val="solid"/>
+          <a:miter lim="800000"/>
+        </a:ln>
+        <a:effectLst/>
+      </dsp:spPr>
+      <dsp:style>
+        <a:lnRef idx="2">
+          <a:scrgbClr r="0" g="0" b="0"/>
+        </a:lnRef>
+        <a:fillRef idx="1">
+          <a:scrgbClr r="0" g="0" b="0"/>
+        </a:fillRef>
+        <a:effectRef idx="0">
+          <a:scrgbClr r="0" g="0" b="0"/>
+        </a:effectRef>
+        <a:fontRef idx="minor"/>
+      </dsp:style>
+      <dsp:txBody>
+        <a:bodyPr spcFirstLastPara="0" vert="horz" wrap="square" lIns="30480" tIns="7620" rIns="30480" bIns="7620" numCol="1" spcCol="1270" anchor="ctr" anchorCtr="0">
+          <a:noAutofit/>
+        </a:bodyPr>
+        <a:lstStyle/>
+        <a:p>
+          <a:pPr marL="0" lvl="0" indent="0" algn="r" defTabSz="533400">
+            <a:lnSpc>
+              <a:spcPct val="90000"/>
+            </a:lnSpc>
+            <a:spcBef>
+              <a:spcPct val="0"/>
+            </a:spcBef>
+            <a:spcAft>
+              <a:spcPct val="35000"/>
+            </a:spcAft>
+            <a:buNone/>
+          </a:pPr>
+          <a:endParaRPr lang="zh-CN" altLang="en-US" sz="1200" kern="1200"/>
+        </a:p>
+      </dsp:txBody>
+      <dsp:txXfrm>
+        <a:off x="7044410" y="0"/>
+        <a:ext cx="1002323" cy="192206"/>
+      </dsp:txXfrm>
+    </dsp:sp>
+    <dsp:sp modelId="{3E8B20E2-C0B4-4706-A71F-F9A19A2CBD2C}">
+      <dsp:nvSpPr>
+        <dsp:cNvPr id="0" name=""/>
+        <dsp:cNvSpPr/>
+      </dsp:nvSpPr>
+      <dsp:spPr>
+        <a:xfrm>
+          <a:off x="5347492" y="3307162"/>
+          <a:ext cx="335644" cy="1076654"/>
+        </a:xfrm>
+        <a:prstGeom prst="rect">
+          <a:avLst/>
+        </a:prstGeom>
+        <a:solidFill>
+          <a:prstClr val="white">
+            <a:alpha val="90000"/>
+            <a:hueOff val="0"/>
+            <a:satOff val="0"/>
+            <a:lumOff val="0"/>
+            <a:alphaOff val="0"/>
+          </a:prstClr>
+        </a:solidFill>
+        <a:ln w="12700" cap="flat" cmpd="sng" algn="ctr">
+          <a:solidFill>
+            <a:schemeClr val="tx1"/>
+          </a:solidFill>
+          <a:prstDash val="solid"/>
+          <a:miter lim="800000"/>
+        </a:ln>
+        <a:effectLst/>
+      </dsp:spPr>
+      <dsp:style>
+        <a:lnRef idx="2">
+          <a:scrgbClr r="0" g="0" b="0"/>
+        </a:lnRef>
+        <a:fillRef idx="1">
+          <a:scrgbClr r="0" g="0" b="0"/>
+        </a:fillRef>
+        <a:effectRef idx="0">
+          <a:scrgbClr r="0" g="0" b="0"/>
+        </a:effectRef>
+        <a:fontRef idx="minor">
+          <a:schemeClr val="lt1"/>
+        </a:fontRef>
+      </dsp:style>
+      <dsp:txBody>
+        <a:bodyPr spcFirstLastPara="0" vert="eaVert" wrap="square" lIns="25400" tIns="6350" rIns="25400" bIns="6350" numCol="1" spcCol="1270" anchor="ctr" anchorCtr="0">
+          <a:noAutofit/>
+        </a:bodyPr>
+        <a:lstStyle/>
+        <a:p>
+          <a:pPr marL="0" lvl="0" indent="0" algn="ctr" defTabSz="444500">
+            <a:lnSpc>
+              <a:spcPct val="90000"/>
+            </a:lnSpc>
+            <a:spcBef>
+              <a:spcPct val="0"/>
+            </a:spcBef>
+            <a:spcAft>
+              <a:spcPct val="35000"/>
+            </a:spcAft>
+            <a:buNone/>
+          </a:pPr>
+          <a:r>
+            <a:rPr lang="zh-CN" altLang="en-US" sz="1000" kern="1200" dirty="0">
+              <a:solidFill>
+                <a:prstClr val="black">
+                  <a:hueOff val="0"/>
+                  <a:satOff val="0"/>
+                  <a:lumOff val="0"/>
+                  <a:alphaOff val="0"/>
+                </a:prstClr>
+              </a:solidFill>
+              <a:latin typeface="Calibri" panose="020F0502020204030204"/>
+              <a:ea typeface="等线" panose="02010600030101010101" pitchFamily="2" charset="-122"/>
+              <a:cs typeface="+mn-cs"/>
+            </a:rPr>
+            <a:t>在线购买</a:t>
+          </a:r>
+        </a:p>
+      </dsp:txBody>
+      <dsp:txXfrm>
+        <a:off x="5347492" y="3307162"/>
+        <a:ext cx="335644" cy="1076654"/>
+      </dsp:txXfrm>
+    </dsp:sp>
+    <dsp:sp modelId="{2ACDF334-6EA1-4511-869C-56DC58DEE2D9}">
+      <dsp:nvSpPr>
+        <dsp:cNvPr id="0" name=""/>
+        <dsp:cNvSpPr/>
+      </dsp:nvSpPr>
+      <dsp:spPr>
+        <a:xfrm>
+          <a:off x="6983615" y="620272"/>
+          <a:ext cx="1002323" cy="192206"/>
+        </a:xfrm>
+        <a:prstGeom prst="rect">
+          <a:avLst/>
+        </a:prstGeom>
+        <a:solidFill>
+          <a:schemeClr val="lt1">
+            <a:alpha val="90000"/>
+            <a:hueOff val="0"/>
+            <a:satOff val="0"/>
+            <a:lumOff val="0"/>
+            <a:alphaOff val="0"/>
+          </a:schemeClr>
+        </a:solidFill>
+        <a:ln w="12700" cap="flat" cmpd="sng" algn="ctr">
+          <a:solidFill>
+            <a:schemeClr val="accent1">
+              <a:hueOff val="0"/>
+              <a:satOff val="0"/>
+              <a:lumOff val="0"/>
+              <a:alphaOff val="0"/>
+            </a:schemeClr>
+          </a:solidFill>
+          <a:prstDash val="solid"/>
+          <a:miter lim="800000"/>
+        </a:ln>
+        <a:effectLst/>
+      </dsp:spPr>
+      <dsp:style>
+        <a:lnRef idx="2">
+          <a:scrgbClr r="0" g="0" b="0"/>
+        </a:lnRef>
+        <a:fillRef idx="1">
+          <a:scrgbClr r="0" g="0" b="0"/>
+        </a:fillRef>
+        <a:effectRef idx="0">
+          <a:scrgbClr r="0" g="0" b="0"/>
+        </a:effectRef>
+        <a:fontRef idx="minor"/>
+      </dsp:style>
+      <dsp:txBody>
+        <a:bodyPr spcFirstLastPara="0" vert="horz" wrap="square" lIns="30480" tIns="7620" rIns="30480" bIns="7620" numCol="1" spcCol="1270" anchor="ctr" anchorCtr="0">
+          <a:noAutofit/>
+        </a:bodyPr>
+        <a:lstStyle/>
+        <a:p>
+          <a:pPr marL="0" lvl="0" indent="0" algn="r" defTabSz="533400">
+            <a:lnSpc>
+              <a:spcPct val="90000"/>
+            </a:lnSpc>
+            <a:spcBef>
+              <a:spcPct val="0"/>
+            </a:spcBef>
+            <a:spcAft>
+              <a:spcPct val="35000"/>
+            </a:spcAft>
+            <a:buNone/>
+          </a:pPr>
+          <a:endParaRPr lang="zh-CN" altLang="en-US" sz="1200" kern="1200"/>
+        </a:p>
+      </dsp:txBody>
+      <dsp:txXfrm>
+        <a:off x="6983615" y="620272"/>
+        <a:ext cx="1002323" cy="192206"/>
+      </dsp:txXfrm>
+    </dsp:sp>
+    <dsp:sp modelId="{DA097A86-65C1-45FB-ACD3-C67ADF02CCFA}">
+      <dsp:nvSpPr>
+        <dsp:cNvPr id="0" name=""/>
+        <dsp:cNvSpPr/>
+      </dsp:nvSpPr>
+      <dsp:spPr>
+        <a:xfrm>
+          <a:off x="7612663" y="2444081"/>
+          <a:ext cx="1113692" cy="576620"/>
+        </a:xfrm>
+        <a:prstGeom prst="rect">
+          <a:avLst/>
+        </a:prstGeom>
+        <a:solidFill>
+          <a:prstClr val="white">
+            <a:alpha val="90000"/>
+            <a:hueOff val="0"/>
+            <a:satOff val="0"/>
+            <a:lumOff val="0"/>
+            <a:alphaOff val="0"/>
+          </a:prstClr>
+        </a:solidFill>
+        <a:ln w="12700" cap="flat" cmpd="sng" algn="ctr">
+          <a:solidFill>
+            <a:schemeClr val="tx1"/>
+          </a:solidFill>
+          <a:prstDash val="solid"/>
+          <a:miter lim="800000"/>
+        </a:ln>
+        <a:effectLst/>
+      </dsp:spPr>
+      <dsp:style>
+        <a:lnRef idx="2">
+          <a:scrgbClr r="0" g="0" b="0"/>
+        </a:lnRef>
+        <a:fillRef idx="1">
+          <a:scrgbClr r="0" g="0" b="0"/>
+        </a:fillRef>
+        <a:effectRef idx="0">
+          <a:scrgbClr r="0" g="0" b="0"/>
+        </a:effectRef>
+        <a:fontRef idx="minor">
+          <a:schemeClr val="lt1"/>
+        </a:fontRef>
+      </dsp:style>
+      <dsp:txBody>
+        <a:bodyPr spcFirstLastPara="0" vert="horz" wrap="square" lIns="25400" tIns="6350" rIns="25400" bIns="6350" numCol="1" spcCol="1270" anchor="ctr" anchorCtr="0">
+          <a:noAutofit/>
+        </a:bodyPr>
+        <a:lstStyle/>
+        <a:p>
+          <a:pPr marL="0" lvl="0" indent="0" algn="ctr" defTabSz="444500">
+            <a:lnSpc>
+              <a:spcPct val="90000"/>
+            </a:lnSpc>
+            <a:spcBef>
+              <a:spcPct val="0"/>
+            </a:spcBef>
+            <a:spcAft>
+              <a:spcPct val="35000"/>
+            </a:spcAft>
+            <a:buNone/>
+          </a:pPr>
+          <a:r>
+            <a:rPr lang="zh-CN" altLang="en-US" sz="1000" kern="1200" dirty="0">
+              <a:solidFill>
+                <a:prstClr val="black">
+                  <a:hueOff val="0"/>
+                  <a:satOff val="0"/>
+                  <a:lumOff val="0"/>
+                  <a:alphaOff val="0"/>
+                </a:prstClr>
+              </a:solidFill>
+              <a:latin typeface="Calibri" panose="020F0502020204030204"/>
+              <a:ea typeface="等线" panose="02010600030101010101" pitchFamily="2" charset="-122"/>
+              <a:cs typeface="+mn-cs"/>
+            </a:rPr>
+            <a:t>管理员用户</a:t>
+          </a:r>
+        </a:p>
+      </dsp:txBody>
+      <dsp:txXfrm>
+        <a:off x="7612663" y="2444081"/>
+        <a:ext cx="1113692" cy="576620"/>
+      </dsp:txXfrm>
+    </dsp:sp>
+    <dsp:sp modelId="{9E15492F-897C-432E-BA37-F48C998E5E82}">
+      <dsp:nvSpPr>
+        <dsp:cNvPr id="0" name=""/>
+        <dsp:cNvSpPr/>
+      </dsp:nvSpPr>
+      <dsp:spPr>
+        <a:xfrm>
+          <a:off x="9091001" y="614391"/>
+          <a:ext cx="1002323" cy="192206"/>
+        </a:xfrm>
+        <a:prstGeom prst="rect">
+          <a:avLst/>
+        </a:prstGeom>
+        <a:solidFill>
+          <a:schemeClr val="lt1">
+            <a:alpha val="90000"/>
+            <a:hueOff val="0"/>
+            <a:satOff val="0"/>
+            <a:lumOff val="0"/>
+            <a:alphaOff val="0"/>
+          </a:schemeClr>
+        </a:solidFill>
+        <a:ln w="12700" cap="flat" cmpd="sng" algn="ctr">
+          <a:solidFill>
+            <a:schemeClr val="accent1">
+              <a:hueOff val="0"/>
+              <a:satOff val="0"/>
+              <a:lumOff val="0"/>
+              <a:alphaOff val="0"/>
+            </a:schemeClr>
+          </a:solidFill>
+          <a:prstDash val="solid"/>
+          <a:miter lim="800000"/>
+        </a:ln>
+        <a:effectLst/>
+      </dsp:spPr>
+      <dsp:style>
+        <a:lnRef idx="2">
+          <a:scrgbClr r="0" g="0" b="0"/>
+        </a:lnRef>
+        <a:fillRef idx="1">
+          <a:scrgbClr r="0" g="0" b="0"/>
+        </a:fillRef>
+        <a:effectRef idx="0">
+          <a:scrgbClr r="0" g="0" b="0"/>
+        </a:effectRef>
+        <a:fontRef idx="minor"/>
+      </dsp:style>
+      <dsp:txBody>
+        <a:bodyPr spcFirstLastPara="0" vert="horz" wrap="square" lIns="30480" tIns="7620" rIns="30480" bIns="7620" numCol="1" spcCol="1270" anchor="ctr" anchorCtr="0">
+          <a:noAutofit/>
+        </a:bodyPr>
+        <a:lstStyle/>
+        <a:p>
+          <a:pPr marL="0" lvl="0" indent="0" algn="r" defTabSz="533400">
+            <a:lnSpc>
+              <a:spcPct val="90000"/>
+            </a:lnSpc>
+            <a:spcBef>
+              <a:spcPct val="0"/>
+            </a:spcBef>
+            <a:spcAft>
+              <a:spcPct val="35000"/>
+            </a:spcAft>
+            <a:buNone/>
+          </a:pPr>
+          <a:endParaRPr lang="zh-CN" altLang="en-US" sz="1200" kern="1200"/>
+        </a:p>
+      </dsp:txBody>
+      <dsp:txXfrm>
+        <a:off x="9091001" y="614391"/>
+        <a:ext cx="1002323" cy="192206"/>
+      </dsp:txXfrm>
+    </dsp:sp>
+    <dsp:sp modelId="{5629FBC8-B0EF-46CC-BF41-2DE392A43D66}">
+      <dsp:nvSpPr>
+        <dsp:cNvPr id="0" name=""/>
+        <dsp:cNvSpPr/>
+      </dsp:nvSpPr>
+      <dsp:spPr>
+        <a:xfrm>
+          <a:off x="6618905" y="3353860"/>
+          <a:ext cx="335644" cy="1076654"/>
+        </a:xfrm>
+        <a:prstGeom prst="rect">
+          <a:avLst/>
+        </a:prstGeom>
+        <a:solidFill>
+          <a:prstClr val="white">
+            <a:alpha val="90000"/>
+            <a:hueOff val="0"/>
+            <a:satOff val="0"/>
+            <a:lumOff val="0"/>
+            <a:alphaOff val="0"/>
+          </a:prstClr>
+        </a:solidFill>
+        <a:ln w="12700" cap="flat" cmpd="sng" algn="ctr">
+          <a:solidFill>
+            <a:schemeClr val="tx1"/>
+          </a:solidFill>
+          <a:prstDash val="solid"/>
+          <a:miter lim="800000"/>
+        </a:ln>
+        <a:effectLst/>
+      </dsp:spPr>
+      <dsp:style>
+        <a:lnRef idx="2">
+          <a:scrgbClr r="0" g="0" b="0"/>
+        </a:lnRef>
+        <a:fillRef idx="1">
+          <a:scrgbClr r="0" g="0" b="0"/>
+        </a:fillRef>
+        <a:effectRef idx="0">
+          <a:scrgbClr r="0" g="0" b="0"/>
+        </a:effectRef>
+        <a:fontRef idx="minor">
+          <a:schemeClr val="lt1"/>
+        </a:fontRef>
+      </dsp:style>
+      <dsp:txBody>
+        <a:bodyPr spcFirstLastPara="0" vert="eaVert" wrap="square" lIns="25400" tIns="6350" rIns="25400" bIns="6350" numCol="1" spcCol="1270" anchor="ctr" anchorCtr="0">
+          <a:noAutofit/>
+        </a:bodyPr>
+        <a:lstStyle/>
+        <a:p>
+          <a:pPr marL="0" lvl="0" indent="0" algn="ctr" defTabSz="444500">
+            <a:lnSpc>
+              <a:spcPct val="90000"/>
+            </a:lnSpc>
+            <a:spcBef>
+              <a:spcPct val="0"/>
+            </a:spcBef>
+            <a:spcAft>
+              <a:spcPct val="35000"/>
+            </a:spcAft>
+            <a:buNone/>
+          </a:pPr>
+          <a:r>
+            <a:rPr lang="zh-CN" altLang="en-US" sz="1000" kern="1200" dirty="0">
+              <a:solidFill>
+                <a:prstClr val="black">
+                  <a:hueOff val="0"/>
+                  <a:satOff val="0"/>
+                  <a:lumOff val="0"/>
+                  <a:alphaOff val="0"/>
+                </a:prstClr>
+              </a:solidFill>
+              <a:latin typeface="Calibri" panose="020F0502020204030204"/>
+              <a:ea typeface="等线" panose="02010600030101010101" pitchFamily="2" charset="-122"/>
+              <a:cs typeface="+mn-cs"/>
+            </a:rPr>
+            <a:t>启用账户</a:t>
+          </a:r>
+        </a:p>
+      </dsp:txBody>
+      <dsp:txXfrm>
+        <a:off x="6618905" y="3353860"/>
+        <a:ext cx="335644" cy="1076654"/>
+      </dsp:txXfrm>
+    </dsp:sp>
+    <dsp:sp modelId="{F72AF5E2-D10E-41CE-B14C-CFB6E5130359}">
+      <dsp:nvSpPr>
+        <dsp:cNvPr id="0" name=""/>
+        <dsp:cNvSpPr/>
+      </dsp:nvSpPr>
+      <dsp:spPr>
+        <a:xfrm>
+          <a:off x="8946971" y="0"/>
+          <a:ext cx="1002323" cy="192206"/>
+        </a:xfrm>
+        <a:prstGeom prst="rect">
+          <a:avLst/>
+        </a:prstGeom>
+        <a:solidFill>
+          <a:schemeClr val="lt1">
+            <a:alpha val="90000"/>
+            <a:hueOff val="0"/>
+            <a:satOff val="0"/>
+            <a:lumOff val="0"/>
+            <a:alphaOff val="0"/>
+          </a:schemeClr>
+        </a:solidFill>
+        <a:ln w="12700" cap="flat" cmpd="sng" algn="ctr">
+          <a:solidFill>
+            <a:schemeClr val="accent1">
+              <a:hueOff val="0"/>
+              <a:satOff val="0"/>
+              <a:lumOff val="0"/>
+              <a:alphaOff val="0"/>
+            </a:schemeClr>
+          </a:solidFill>
+          <a:prstDash val="solid"/>
+          <a:miter lim="800000"/>
+        </a:ln>
+        <a:effectLst/>
+      </dsp:spPr>
+      <dsp:style>
+        <a:lnRef idx="2">
+          <a:scrgbClr r="0" g="0" b="0"/>
+        </a:lnRef>
+        <a:fillRef idx="1">
+          <a:scrgbClr r="0" g="0" b="0"/>
+        </a:fillRef>
+        <a:effectRef idx="0">
+          <a:scrgbClr r="0" g="0" b="0"/>
+        </a:effectRef>
+        <a:fontRef idx="minor"/>
+      </dsp:style>
+      <dsp:txBody>
+        <a:bodyPr spcFirstLastPara="0" vert="horz" wrap="square" lIns="30480" tIns="7620" rIns="30480" bIns="7620" numCol="1" spcCol="1270" anchor="ctr" anchorCtr="0">
+          <a:noAutofit/>
+        </a:bodyPr>
+        <a:lstStyle/>
+        <a:p>
+          <a:pPr marL="0" lvl="0" indent="0" algn="r" defTabSz="533400">
+            <a:lnSpc>
+              <a:spcPct val="90000"/>
+            </a:lnSpc>
+            <a:spcBef>
+              <a:spcPct val="0"/>
+            </a:spcBef>
+            <a:spcAft>
+              <a:spcPct val="35000"/>
+            </a:spcAft>
+            <a:buNone/>
+          </a:pPr>
+          <a:endParaRPr lang="zh-CN" altLang="en-US" sz="1200" kern="1200"/>
+        </a:p>
+      </dsp:txBody>
+      <dsp:txXfrm>
+        <a:off x="8946971" y="0"/>
+        <a:ext cx="1002323" cy="192206"/>
+      </dsp:txXfrm>
+    </dsp:sp>
+    <dsp:sp modelId="{9E3E8511-CD81-4339-90B6-81DEE78D3E35}">
+      <dsp:nvSpPr>
+        <dsp:cNvPr id="0" name=""/>
+        <dsp:cNvSpPr/>
+      </dsp:nvSpPr>
+      <dsp:spPr>
+        <a:xfrm>
+          <a:off x="7890318" y="3353860"/>
+          <a:ext cx="335644" cy="1076654"/>
+        </a:xfrm>
+        <a:prstGeom prst="rect">
+          <a:avLst/>
+        </a:prstGeom>
+        <a:solidFill>
+          <a:prstClr val="white">
+            <a:alpha val="90000"/>
+            <a:hueOff val="0"/>
+            <a:satOff val="0"/>
+            <a:lumOff val="0"/>
+            <a:alphaOff val="0"/>
+          </a:prstClr>
+        </a:solidFill>
+        <a:ln w="12700" cap="flat" cmpd="sng" algn="ctr">
+          <a:solidFill>
+            <a:schemeClr val="tx1"/>
+          </a:solidFill>
+          <a:prstDash val="solid"/>
+          <a:miter lim="800000"/>
+        </a:ln>
+        <a:effectLst/>
+      </dsp:spPr>
+      <dsp:style>
+        <a:lnRef idx="2">
+          <a:scrgbClr r="0" g="0" b="0"/>
+        </a:lnRef>
+        <a:fillRef idx="1">
+          <a:scrgbClr r="0" g="0" b="0"/>
+        </a:fillRef>
+        <a:effectRef idx="0">
+          <a:scrgbClr r="0" g="0" b="0"/>
+        </a:effectRef>
+        <a:fontRef idx="minor">
+          <a:schemeClr val="lt1"/>
+        </a:fontRef>
+      </dsp:style>
+      <dsp:txBody>
+        <a:bodyPr spcFirstLastPara="0" vert="eaVert" wrap="square" lIns="25400" tIns="6350" rIns="25400" bIns="6350" numCol="1" spcCol="1270" anchor="ctr" anchorCtr="0">
+          <a:noAutofit/>
+        </a:bodyPr>
+        <a:lstStyle/>
+        <a:p>
+          <a:pPr marL="0" lvl="0" indent="0" algn="ctr" defTabSz="444500">
+            <a:lnSpc>
+              <a:spcPct val="90000"/>
+            </a:lnSpc>
+            <a:spcBef>
+              <a:spcPct val="0"/>
+            </a:spcBef>
+            <a:spcAft>
+              <a:spcPct val="35000"/>
+            </a:spcAft>
+            <a:buNone/>
+          </a:pPr>
+          <a:r>
+            <a:rPr lang="zh-CN" altLang="en-US" sz="1000" kern="1200" dirty="0">
+              <a:solidFill>
+                <a:prstClr val="black">
+                  <a:hueOff val="0"/>
+                  <a:satOff val="0"/>
+                  <a:lumOff val="0"/>
+                  <a:alphaOff val="0"/>
+                </a:prstClr>
+              </a:solidFill>
+              <a:latin typeface="Calibri" panose="020F0502020204030204"/>
+              <a:ea typeface="等线" panose="02010600030101010101" pitchFamily="2" charset="-122"/>
+              <a:cs typeface="+mn-cs"/>
+            </a:rPr>
+            <a:t>停用账户</a:t>
+          </a:r>
+        </a:p>
+      </dsp:txBody>
+      <dsp:txXfrm>
+        <a:off x="7890318" y="3353860"/>
+        <a:ext cx="335644" cy="1076654"/>
+      </dsp:txXfrm>
+    </dsp:sp>
+    <dsp:sp modelId="{89CDEBB7-3D70-4697-9758-D999A039CEB7}">
+      <dsp:nvSpPr>
+        <dsp:cNvPr id="0" name=""/>
+        <dsp:cNvSpPr/>
+      </dsp:nvSpPr>
+      <dsp:spPr>
+        <a:xfrm>
+          <a:off x="9091001" y="78027"/>
+          <a:ext cx="1002323" cy="192206"/>
+        </a:xfrm>
+        <a:prstGeom prst="rect">
+          <a:avLst/>
+        </a:prstGeom>
+        <a:solidFill>
+          <a:schemeClr val="lt1">
+            <a:alpha val="90000"/>
+            <a:hueOff val="0"/>
+            <a:satOff val="0"/>
+            <a:lumOff val="0"/>
+            <a:alphaOff val="0"/>
+          </a:schemeClr>
+        </a:solidFill>
+        <a:ln w="12700" cap="flat" cmpd="sng" algn="ctr">
+          <a:solidFill>
+            <a:schemeClr val="accent1">
+              <a:hueOff val="0"/>
+              <a:satOff val="0"/>
+              <a:lumOff val="0"/>
+              <a:alphaOff val="0"/>
+            </a:schemeClr>
+          </a:solidFill>
+          <a:prstDash val="solid"/>
+          <a:miter lim="800000"/>
+        </a:ln>
+        <a:effectLst/>
+      </dsp:spPr>
+      <dsp:style>
+        <a:lnRef idx="2">
+          <a:scrgbClr r="0" g="0" b="0"/>
+        </a:lnRef>
+        <a:fillRef idx="1">
+          <a:scrgbClr r="0" g="0" b="0"/>
+        </a:fillRef>
+        <a:effectRef idx="0">
+          <a:scrgbClr r="0" g="0" b="0"/>
+        </a:effectRef>
+        <a:fontRef idx="minor"/>
+      </dsp:style>
+      <dsp:txBody>
+        <a:bodyPr spcFirstLastPara="0" vert="horz" wrap="square" lIns="30480" tIns="7620" rIns="30480" bIns="7620" numCol="1" spcCol="1270" anchor="ctr" anchorCtr="0">
+          <a:noAutofit/>
+        </a:bodyPr>
+        <a:lstStyle/>
+        <a:p>
+          <a:pPr marL="0" lvl="0" indent="0" algn="r" defTabSz="533400">
+            <a:lnSpc>
+              <a:spcPct val="90000"/>
+            </a:lnSpc>
+            <a:spcBef>
+              <a:spcPct val="0"/>
+            </a:spcBef>
+            <a:spcAft>
+              <a:spcPct val="35000"/>
+            </a:spcAft>
+            <a:buNone/>
+          </a:pPr>
+          <a:endParaRPr lang="zh-CN" altLang="en-US" sz="1200" kern="1200"/>
+        </a:p>
+      </dsp:txBody>
+      <dsp:txXfrm>
+        <a:off x="9091001" y="78027"/>
+        <a:ext cx="1002323" cy="192206"/>
+      </dsp:txXfrm>
+    </dsp:sp>
+    <dsp:sp modelId="{322F19A3-02B6-46CE-A7B7-104D92DF986B}">
+      <dsp:nvSpPr>
+        <dsp:cNvPr id="0" name=""/>
+        <dsp:cNvSpPr/>
+      </dsp:nvSpPr>
+      <dsp:spPr>
+        <a:xfrm>
+          <a:off x="9161731" y="3353860"/>
+          <a:ext cx="335644" cy="1076654"/>
+        </a:xfrm>
+        <a:prstGeom prst="rect">
+          <a:avLst/>
+        </a:prstGeom>
+        <a:solidFill>
+          <a:prstClr val="white">
+            <a:alpha val="90000"/>
+            <a:hueOff val="0"/>
+            <a:satOff val="0"/>
+            <a:lumOff val="0"/>
+            <a:alphaOff val="0"/>
+          </a:prstClr>
+        </a:solidFill>
+        <a:ln w="12700" cap="flat" cmpd="sng" algn="ctr">
+          <a:solidFill>
+            <a:schemeClr val="tx1"/>
+          </a:solidFill>
+          <a:prstDash val="solid"/>
+          <a:miter lim="800000"/>
+        </a:ln>
+        <a:effectLst/>
+      </dsp:spPr>
+      <dsp:style>
+        <a:lnRef idx="2">
+          <a:scrgbClr r="0" g="0" b="0"/>
+        </a:lnRef>
+        <a:fillRef idx="1">
+          <a:scrgbClr r="0" g="0" b="0"/>
+        </a:fillRef>
+        <a:effectRef idx="0">
+          <a:scrgbClr r="0" g="0" b="0"/>
+        </a:effectRef>
+        <a:fontRef idx="minor">
+          <a:schemeClr val="lt1"/>
+        </a:fontRef>
+      </dsp:style>
+      <dsp:txBody>
+        <a:bodyPr spcFirstLastPara="0" vert="eaVert" wrap="square" lIns="25400" tIns="6350" rIns="25400" bIns="6350" numCol="1" spcCol="1270" anchor="ctr" anchorCtr="0">
+          <a:noAutofit/>
+        </a:bodyPr>
+        <a:lstStyle/>
+        <a:p>
+          <a:pPr marL="0" lvl="0" indent="0" algn="ctr" defTabSz="444500">
+            <a:lnSpc>
+              <a:spcPct val="90000"/>
+            </a:lnSpc>
+            <a:spcBef>
+              <a:spcPct val="0"/>
+            </a:spcBef>
+            <a:spcAft>
+              <a:spcPct val="35000"/>
+            </a:spcAft>
+            <a:buNone/>
+          </a:pPr>
+          <a:r>
+            <a:rPr lang="zh-CN" altLang="en-US" sz="1000" kern="1200" dirty="0">
+              <a:solidFill>
+                <a:prstClr val="black">
+                  <a:hueOff val="0"/>
+                  <a:satOff val="0"/>
+                  <a:lumOff val="0"/>
+                  <a:alphaOff val="0"/>
+                </a:prstClr>
+              </a:solidFill>
+              <a:latin typeface="Calibri" panose="020F0502020204030204"/>
+              <a:ea typeface="等线" panose="02010600030101010101" pitchFamily="2" charset="-122"/>
+              <a:cs typeface="+mn-cs"/>
+            </a:rPr>
+            <a:t>查看后台统计</a:t>
+          </a:r>
+        </a:p>
+      </dsp:txBody>
+      <dsp:txXfrm>
+        <a:off x="9161731" y="3353860"/>
+        <a:ext cx="335644" cy="1076654"/>
+      </dsp:txXfrm>
+    </dsp:sp>
+    <dsp:sp modelId="{5286C25D-9BEA-4C75-B575-32ADD3C79457}">
+      <dsp:nvSpPr>
+        <dsp:cNvPr id="0" name=""/>
+        <dsp:cNvSpPr/>
+      </dsp:nvSpPr>
+      <dsp:spPr>
+        <a:xfrm>
+          <a:off x="9091001" y="61399"/>
+          <a:ext cx="1002323" cy="192206"/>
+        </a:xfrm>
+        <a:prstGeom prst="rect">
+          <a:avLst/>
+        </a:prstGeom>
+        <a:solidFill>
+          <a:schemeClr val="lt1">
+            <a:alpha val="90000"/>
+            <a:hueOff val="0"/>
+            <a:satOff val="0"/>
+            <a:lumOff val="0"/>
+            <a:alphaOff val="0"/>
+          </a:schemeClr>
+        </a:solidFill>
+        <a:ln w="12700" cap="flat" cmpd="sng" algn="ctr">
+          <a:solidFill>
+            <a:schemeClr val="accent1">
+              <a:hueOff val="0"/>
+              <a:satOff val="0"/>
+              <a:lumOff val="0"/>
+              <a:alphaOff val="0"/>
+            </a:schemeClr>
+          </a:solidFill>
+          <a:prstDash val="solid"/>
+          <a:miter lim="800000"/>
+        </a:ln>
+        <a:effectLst/>
+      </dsp:spPr>
+      <dsp:style>
+        <a:lnRef idx="2">
+          <a:scrgbClr r="0" g="0" b="0"/>
+        </a:lnRef>
+        <a:fillRef idx="1">
+          <a:scrgbClr r="0" g="0" b="0"/>
+        </a:fillRef>
+        <a:effectRef idx="0">
+          <a:scrgbClr r="0" g="0" b="0"/>
+        </a:effectRef>
+        <a:fontRef idx="minor"/>
+      </dsp:style>
+      <dsp:txBody>
+        <a:bodyPr spcFirstLastPara="0" vert="horz" wrap="square" lIns="30480" tIns="7620" rIns="30480" bIns="7620" numCol="1" spcCol="1270" anchor="ctr" anchorCtr="0">
+          <a:noAutofit/>
+        </a:bodyPr>
+        <a:lstStyle/>
+        <a:p>
+          <a:pPr marL="0" lvl="0" indent="0" algn="r" defTabSz="533400">
+            <a:lnSpc>
+              <a:spcPct val="90000"/>
+            </a:lnSpc>
+            <a:spcBef>
+              <a:spcPct val="0"/>
+            </a:spcBef>
+            <a:spcAft>
+              <a:spcPct val="35000"/>
+            </a:spcAft>
+            <a:buNone/>
+          </a:pPr>
+          <a:endParaRPr lang="zh-CN" altLang="en-US" sz="1200" kern="1200"/>
+        </a:p>
+      </dsp:txBody>
+      <dsp:txXfrm>
+        <a:off x="9091001" y="61399"/>
+        <a:ext cx="1002323" cy="192206"/>
+      </dsp:txXfrm>
+    </dsp:sp>
+  </dsp:spTree>
+</dsp:drawing>
+</file>
+
+<file path=ppt/diagrams/layout1.xml><?xml version="1.0" encoding="utf-8"?>
+<dgm:layoutDef xmlns:dgm="http://schemas.openxmlformats.org/drawingml/2006/diagram" xmlns:a="http://schemas.openxmlformats.org/drawingml/2006/main" uniqueId="urn:microsoft.com/office/officeart/2008/layout/NameandTitleOrganizationalChart">
+  <dgm:title val=""/>
+  <dgm:desc val=""/>
+  <dgm:catLst>
+    <dgm:cat type="hierarchy" pri="1250"/>
+  </dgm:catLst>
+  <dgm:sampData>
+    <dgm:dataModel>
+      <dgm:ptLst>
+        <dgm:pt modelId="0" type="doc"/>
+        <dgm:pt modelId="1">
+          <dgm:prSet phldr="1"/>
+        </dgm:pt>
+        <dgm:pt modelId="2" type="asst">
+          <dgm:prSet phldr="1"/>
+        </dgm:pt>
+        <dgm:pt modelId="3">
+          <dgm:prSet phldr="1"/>
+        </dgm:pt>
+        <dgm:pt modelId="4">
+          <dgm:prSet phldr="1"/>
+        </dgm:pt>
+        <dgm:pt modelId="5">
+          <dgm:prSet phldr="1"/>
+        </dgm:pt>
+      </dgm:ptLst>
+      <dgm:cxnLst>
+        <dgm:cxn modelId="5" srcId="0" destId="1" srcOrd="0" destOrd="0"/>
+        <dgm:cxn modelId="6" srcId="1" destId="2" srcOrd="0" destOrd="0"/>
+        <dgm:cxn modelId="7" srcId="1" destId="3" srcOrd="1" destOrd="0"/>
+        <dgm:cxn modelId="8" srcId="1" destId="4" srcOrd="2" destOrd="0"/>
+        <dgm:cxn modelId="9" srcId="1" destId="5" srcOrd="3" destOrd="0"/>
+      </dgm:cxnLst>
+      <dgm:bg/>
+      <dgm:whole/>
+    </dgm:dataModel>
+  </dgm:sampData>
+  <dgm:styleData>
+    <dgm:dataModel>
+      <dgm:ptLst>
+        <dgm:pt modelId="0" type="doc"/>
+        <dgm:pt modelId="1"/>
+        <dgm:pt modelId="12"/>
+        <dgm:pt modelId="13"/>
+      </dgm:ptLst>
+      <dgm:cxnLst>
+        <dgm:cxn modelId="2" srcId="0" destId="1" srcOrd="0" destOrd="0"/>
+        <dgm:cxn modelId="16" srcId="1" destId="12" srcOrd="1" destOrd="0"/>
+        <dgm:cxn modelId="17" srcId="1" destId="13" srcOrd="2" destOrd="0"/>
+      </dgm:cxnLst>
+      <dgm:bg/>
+      <dgm:whole/>
+    </dgm:dataModel>
+  </dgm:styleData>
+  <dgm:clrData>
+    <dgm:dataModel>
+      <dgm:ptLst>
+        <dgm:pt modelId="0" type="doc"/>
+        <dgm:pt modelId="1"/>
+        <dgm:pt modelId="11" type="asst"/>
+        <dgm:pt modelId="12"/>
+        <dgm:pt modelId="13"/>
+        <dgm:pt modelId="14"/>
+      </dgm:ptLst>
+      <dgm:cxnLst>
+        <dgm:cxn modelId="2" srcId="0" destId="1" srcOrd="0" destOrd="0"/>
+        <dgm:cxn modelId="15" srcId="1" destId="11" srcOrd="0" destOrd="0"/>
+        <dgm:cxn modelId="16" srcId="1" destId="12" srcOrd="1" destOrd="0"/>
+        <dgm:cxn modelId="17" srcId="1" destId="13" srcOrd="2" destOrd="0"/>
+        <dgm:cxn modelId="18" srcId="1" destId="14" srcOrd="2" destOrd="0"/>
+      </dgm:cxnLst>
+      <dgm:bg/>
+      <dgm:whole/>
+    </dgm:dataModel>
+  </dgm:clrData>
+  <dgm:layoutNode name="hierChild1">
+    <dgm:varLst>
+      <dgm:orgChart val="1"/>
+      <dgm:chPref val="1"/>
+      <dgm:dir/>
+      <dgm:animOne val="branch"/>
+      <dgm:animLvl val="lvl"/>
+      <dgm:resizeHandles/>
+    </dgm:varLst>
+    <dgm:choose name="Name0">
+      <dgm:if name="Name1" func="var" arg="dir" op="equ" val="norm">
+        <dgm:alg type="hierChild">
+          <dgm:param type="linDir" val="fromL"/>
+        </dgm:alg>
+      </dgm:if>
+      <dgm:else name="Name2">
+        <dgm:alg type="hierChild">
+          <dgm:param type="linDir" val="fromR"/>
+        </dgm:alg>
+      </dgm:else>
+    </dgm:choose>
+    <dgm:shape xmlns:r="http://schemas.openxmlformats.org/officeDocument/2006/relationships" r:blip="">
+      <dgm:adjLst/>
+    </dgm:shape>
+    <dgm:presOf/>
+    <dgm:constrLst>
+      <dgm:constr type="w" for="des" forName="rootComposite1" refType="w" fact="10"/>
+      <dgm:constr type="h" for="des" forName="rootComposite1" refType="w" refFor="des" refForName="rootComposite1" fact="0.5"/>
+      <dgm:constr type="w" for="des" forName="rootComposite" refType="w" fact="10"/>
+      <dgm:constr type="h" for="des" forName="rootComposite" refType="w" refFor="des" refForName="rootComposite1" fact="0.5"/>
+      <dgm:constr type="w" for="des" forName="rootComposite3" refType="w" fact="10"/>
+      <dgm:constr type="h" for="des" forName="rootComposite3" refType="w" refFor="des" refForName="rootComposite1" fact="0.5"/>
+      <dgm:constr type="primFontSz" for="des" ptType="node" op="equ"/>
+      <dgm:constr type="sp" for="des" op="equ"/>
+      <dgm:constr type="sp" for="des" forName="hierRoot1" refType="w" refFor="des" refForName="rootComposite1" fact="0.21"/>
+      <dgm:constr type="sp" for="des" forName="hierRoot2" refType="sp" refFor="des" refForName="hierRoot1"/>
+      <dgm:constr type="sp" for="des" forName="hierRoot3" refType="sp" refFor="des" refForName="hierRoot1"/>
+      <dgm:constr type="sibSp" refType="w" refFor="des" refForName="rootComposite1" fact="0.21"/>
+      <dgm:constr type="sibSp" for="des" forName="hierChild2" refType="sibSp"/>
+      <dgm:constr type="sibSp" for="des" forName="hierChild3" refType="sibSp"/>
+      <dgm:constr type="sibSp" for="des" forName="hierChild4" refType="sibSp"/>
+      <dgm:constr type="sibSp" for="des" forName="hierChild5" refType="sibSp"/>
+      <dgm:constr type="sibSp" for="des" forName="hierChild6" refType="sibSp"/>
+      <dgm:constr type="sibSp" for="des" forName="hierChild7" refType="sibSp"/>
+      <dgm:constr type="secSibSp" refType="w" refFor="des" refForName="rootComposite1" fact="0.21"/>
+      <dgm:constr type="secSibSp" for="des" forName="hierChild2" refType="secSibSp"/>
+      <dgm:constr type="secSibSp" for="des" forName="hierChild3" refType="secSibSp"/>
+      <dgm:constr type="secSibSp" for="des" forName="hierChild4" refType="secSibSp"/>
+      <dgm:constr type="secSibSp" for="des" forName="hierChild5" refType="secSibSp"/>
+      <dgm:constr type="secSibSp" for="des" forName="hierChild6" refType="secSibSp"/>
+      <dgm:constr type="secSibSp" for="des" forName="hierChild7" refType="secSibSp"/>
+    </dgm:constrLst>
+    <dgm:ruleLst/>
+    <dgm:forEach name="Name3" axis="ch">
+      <dgm:forEach name="Name4" axis="self" ptType="node">
+        <dgm:layoutNode name="hierRoot1">
+          <dgm:varLst>
+            <dgm:hierBranch val="init"/>
+          </dgm:varLst>
+          <dgm:choose name="Name5">
+            <dgm:if name="Name6" func="var" arg="hierBranch" op="equ" val="l">
+              <dgm:choose name="Name7">
+                <dgm:if name="Name8" axis="ch" ptType="asst" func="cnt" op="gte" val="1">
+                  <dgm:alg type="hierRoot">
+                    <dgm:param type="hierAlign" val="tR"/>
+                  </dgm:alg>
+                  <dgm:constrLst>
+                    <dgm:constr type="alignOff" val="0.65"/>
+                  </dgm:constrLst>
+                </dgm:if>
+                <dgm:else name="Name9">
+                  <dgm:alg type="hierRoot">
+                    <dgm:param type="hierAlign" val="tR"/>
+                  </dgm:alg>
+                  <dgm:constrLst>
+                    <dgm:constr type="alignOff" val="0.25"/>
+                  </dgm:constrLst>
+                </dgm:else>
+              </dgm:choose>
+            </dgm:if>
+            <dgm:if name="Name10" func="var" arg="hierBranch" op="equ" val="r">
+              <dgm:choose name="Name11">
+                <dgm:if name="Name12" axis="ch" ptType="asst" func="cnt" op="gte" val="1">
+                  <dgm:alg type="hierRoot">
+                    <dgm:param type="hierAlign" val="tL"/>
+                  </dgm:alg>
+                  <dgm:constrLst>
+                    <dgm:constr type="alignOff" val="0.65"/>
+                  </dgm:constrLst>
+                </dgm:if>
+                <dgm:else name="Name13">
+                  <dgm:alg type="hierRoot">
+                    <dgm:param type="hierAlign" val="tL"/>
+                  </dgm:alg>
+                  <dgm:constrLst>
+                    <dgm:constr type="alignOff" val="0.25"/>
+                  </dgm:constrLst>
+                </dgm:else>
+              </dgm:choose>
+            </dgm:if>
+            <dgm:if name="Name14" func="var" arg="hierBranch" op="equ" val="hang">
+              <dgm:alg type="hierRoot"/>
+              <dgm:constrLst>
+                <dgm:constr type="alignOff" val="0.65"/>
+              </dgm:constrLst>
+            </dgm:if>
+            <dgm:else name="Name15">
+              <dgm:alg type="hierRoot"/>
+              <dgm:constrLst>
+                <dgm:constr type="alignOff"/>
+                <dgm:constr type="bendDist" for="des" ptType="parTrans" refType="sp" fact="0.5"/>
+              </dgm:constrLst>
+            </dgm:else>
+          </dgm:choose>
+          <dgm:shape xmlns:r="http://schemas.openxmlformats.org/officeDocument/2006/relationships" r:blip="">
+            <dgm:adjLst/>
+          </dgm:shape>
+          <dgm:presOf/>
+          <dgm:ruleLst/>
+          <dgm:layoutNode name="rootComposite1">
+            <dgm:alg type="composite"/>
+            <dgm:shape xmlns:r="http://schemas.openxmlformats.org/officeDocument/2006/relationships" r:blip="">
+              <dgm:adjLst/>
+            </dgm:shape>
+            <dgm:presOf axis="self" ptType="node" cnt="1"/>
+            <dgm:choose name="Name16">
+              <dgm:if name="Name17" func="var" arg="hierBranch" op="equ" val="init">
+                <dgm:constrLst>
+                  <dgm:constr type="l" for="ch" forName="rootText1"/>
+                  <dgm:constr type="t" for="ch" forName="rootText1"/>
+                  <dgm:constr type="w" for="ch" forName="rootText1" refType="w"/>
+                  <dgm:constr type="h" for="ch" forName="rootText1" refType="h" fact="0.9"/>
+                  <dgm:constr type="l" for="ch" forName="titleText1" refType="w" fact="0.2"/>
+                  <dgm:constr type="t" for="ch" forName="titleText1" refType="h" fact="0.7"/>
+                  <dgm:constr type="w" for="ch" forName="titleText1" refType="w" fact="0.9"/>
+                  <dgm:constr type="h" for="ch" forName="titleText1" refType="h" fact="0.3"/>
+                  <dgm:constr type="primFontSz" for="des" forName="titleText1" refType="primFontSz" refFor="des" refForName="rootText1" op="lte"/>
+                  <dgm:constr type="l" for="ch" forName="rootConnector1"/>
+                  <dgm:constr type="t" for="ch" forName="rootConnector1"/>
+                  <dgm:constr type="w" for="ch" forName="rootConnector1" refType="w" refFor="ch" refForName="rootText1" fact="0.2"/>
+                  <dgm:constr type="h" for="ch" forName="rootConnector1" refType="h" refFor="ch" refForName="rootText1"/>
+                </dgm:constrLst>
+              </dgm:if>
+              <dgm:if name="Name18" func="var" arg="hierBranch" op="equ" val="l">
+                <dgm:constrLst>
+                  <dgm:constr type="l" for="ch" forName="rootText1"/>
+                  <dgm:constr type="t" for="ch" forName="rootText1"/>
+                  <dgm:constr type="w" for="ch" forName="rootText1" refType="w"/>
+                  <dgm:constr type="h" for="ch" forName="rootText1" refType="h" fact="0.9"/>
+                  <dgm:constr type="l" for="ch" forName="titleText1" refType="w" fact="0.2"/>
+                  <dgm:constr type="t" for="ch" forName="titleText1" refType="h" fact="0.7"/>
+                  <dgm:constr type="w" for="ch" forName="titleText1" refType="w" fact="0.9"/>
+                  <dgm:constr type="h" for="ch" forName="titleText1" refType="h" fact="0.3"/>
+                  <dgm:constr type="primFontSz" for="des" forName="titleText1" refType="primFontSz" refFor="des" refForName="rootText1" op="lte"/>
+                  <dgm:constr type="r" for="ch" forName="rootConnector1" refType="w"/>
+                  <dgm:constr type="t" for="ch" forName="rootConnector1"/>
+                  <dgm:constr type="w" for="ch" forName="rootConnector1" refType="w" refFor="ch" refForName="rootText1" fact="0.2"/>
+                  <dgm:constr type="h" for="ch" forName="rootConnector1" refType="h" refFor="ch" refForName="rootText1"/>
+                </dgm:constrLst>
+              </dgm:if>
+              <dgm:if name="Name19" func="var" arg="hierBranch" op="equ" val="r">
+                <dgm:constrLst>
+                  <dgm:constr type="l" for="ch" forName="rootText1"/>
+                  <dgm:constr type="t" for="ch" forName="rootText1"/>
+                  <dgm:constr type="w" for="ch" forName="rootText1" refType="w"/>
+                  <dgm:constr type="h" for="ch" forName="rootText1" refType="h" fact="0.9"/>
+                  <dgm:constr type="l" for="ch" forName="titleText1" refType="w" fact="0.2"/>
+                  <dgm:constr type="t" for="ch" forName="titleText1" refType="h" fact="0.7"/>
+                  <dgm:constr type="w" for="ch" forName="titleText1" refType="w" fact="0.9"/>
+                  <dgm:constr type="h" for="ch" forName="titleText1" refType="h" fact="0.3"/>
+                  <dgm:constr type="primFontSz" for="des" forName="titleText1" refType="primFontSz" refFor="des" refForName="rootText1" op="lte"/>
+                  <dgm:constr type="l" for="ch" forName="rootConnector1"/>
+                  <dgm:constr type="t" for="ch" forName="rootConnector1"/>
+                  <dgm:constr type="w" for="ch" forName="rootConnector1" refType="w" refFor="ch" refForName="rootText1" fact="0.2"/>
+                  <dgm:constr type="h" for="ch" forName="rootConnector1" refType="h" refFor="ch" refForName="rootText1"/>
+                </dgm:constrLst>
+              </dgm:if>
+              <dgm:else name="Name20">
+                <dgm:constrLst>
+                  <dgm:constr type="l" for="ch" forName="rootText1"/>
+                  <dgm:constr type="t" for="ch" forName="rootText1"/>
+                  <dgm:constr type="w" for="ch" forName="rootText1" refType="w"/>
+                  <dgm:constr type="h" for="ch" forName="rootText1" refType="h" fact="0.9"/>
+                  <dgm:constr type="l" for="ch" forName="titleText1" refType="w" fact="0.2"/>
+                  <dgm:constr type="t" for="ch" forName="titleText1" refType="h" fact="0.7"/>
+                  <dgm:constr type="w" for="ch" forName="titleText1" refType="w" fact="0.9"/>
+                  <dgm:constr type="h" for="ch" forName="titleText1" refType="h" fact="0.3"/>
+                  <dgm:constr type="primFontSz" for="des" forName="titleText1" refType="primFontSz" refFor="des" refForName="rootText1" op="lte"/>
+                  <dgm:constr type="r" for="ch" forName="rootConnector1" refType="w"/>
+                  <dgm:constr type="t" for="ch" forName="rootConnector1"/>
+                  <dgm:constr type="w" for="ch" forName="rootConnector1" refType="w" refFor="ch" refForName="rootText1" fact="0.2"/>
+                  <dgm:constr type="h" for="ch" forName="rootConnector1" refType="h" refFor="ch" refForName="rootText1"/>
+                </dgm:constrLst>
+              </dgm:else>
+            </dgm:choose>
+            <dgm:ruleLst/>
+            <dgm:layoutNode name="rootText1" styleLbl="node0">
+              <dgm:varLst>
+                <dgm:chMax/>
+                <dgm:chPref val="3"/>
+              </dgm:varLst>
+              <dgm:alg type="tx"/>
+              <dgm:shape xmlns:r="http://schemas.openxmlformats.org/officeDocument/2006/relationships" type="rect" r:blip="">
+                <dgm:adjLst/>
+              </dgm:shape>
+              <dgm:presOf axis="self" ptType="node" cnt="1"/>
+              <dgm:constrLst>
+                <dgm:constr type="primFontSz" val="65"/>
+                <dgm:constr type="lMarg" refType="primFontSz" fact="0.05"/>
+                <dgm:constr type="rMarg" refType="primFontSz" fact="0.05"/>
+                <dgm:constr type="tMarg" refType="primFontSz" fact="0.05"/>
+                <dgm:constr type="bMarg" refType="h" fact="0.4"/>
+              </dgm:constrLst>
+              <dgm:ruleLst>
+                <dgm:rule type="primFontSz" val="5" fact="NaN" max="NaN"/>
+              </dgm:ruleLst>
+            </dgm:layoutNode>
+            <dgm:layoutNode name="titleText1" styleLbl="fgAcc0">
+              <dgm:varLst>
+                <dgm:chMax val="0"/>
+                <dgm:chPref val="0"/>
+              </dgm:varLst>
+              <dgm:alg type="tx">
+                <dgm:param type="parTxLTRAlign" val="r"/>
+              </dgm:alg>
+              <dgm:shape xmlns:r="http://schemas.openxmlformats.org/officeDocument/2006/relationships" type="rect" r:blip="">
+                <dgm:adjLst/>
+              </dgm:shape>
+              <dgm:presOf axis="followSib" ptType="sibTrans" hideLastTrans="0" cnt="1"/>
+              <dgm:constrLst>
+                <dgm:constr type="primFontSz" val="65"/>
+                <dgm:constr type="lMarg" refType="primFontSz" fact="0.2"/>
+                <dgm:constr type="rMarg" refType="primFontSz" fact="0.2"/>
+                <dgm:constr type="tMarg" refType="primFontSz" fact="0.05"/>
+                <dgm:constr type="bMarg" refType="primFontSz" fact="0.05"/>
+              </dgm:constrLst>
+              <dgm:ruleLst>
+                <dgm:rule type="primFontSz" val="5" fact="NaN" max="NaN"/>
+              </dgm:ruleLst>
+            </dgm:layoutNode>
+            <dgm:layoutNode name="rootConnector1" moveWith="rootText1">
+              <dgm:alg type="sp"/>
+              <dgm:shape xmlns:r="http://schemas.openxmlformats.org/officeDocument/2006/relationships" type="rect" r:blip="" hideGeom="1">
+                <dgm:adjLst/>
+              </dgm:shape>
+              <dgm:presOf axis="self" ptType="node" cnt="1"/>
+              <dgm:constrLst/>
+              <dgm:ruleLst/>
+            </dgm:layoutNode>
+          </dgm:layoutNode>
+          <dgm:layoutNode name="hierChild2">
+            <dgm:choose name="Name21">
+              <dgm:if name="Name22" func="var" arg="hierBranch" op="equ" val="l">
+                <dgm:alg type="hierChild">
+                  <dgm:param type="chAlign" val="r"/>
+                  <dgm:param type="linDir" val="fromT"/>
+                </dgm:alg>
+              </dgm:if>
+              <dgm:if name="Name23" func="var" arg="hierBranch" op="equ" val="r">
+                <dgm:alg type="hierChild">
+                  <dgm:param type="chAlign" val="l"/>
+                  <dgm:param type="linDir" val="fromT"/>
+                </dgm:alg>
+              </dgm:if>
+              <dgm:if name="Name24" func="var" arg="hierBranch" op="equ" val="hang">
+                <dgm:choose name="Name25">
+                  <dgm:if name="Name26" func="var" arg="dir" op="equ" val="norm">
+                    <dgm:alg type="hierChild">
+                      <dgm:param type="chAlign" val="l"/>
+                      <dgm:param type="linDir" val="fromL"/>
+                      <dgm:param type="secChAlign" val="t"/>
+                      <dgm:param type="secLinDir" val="fromT"/>
+                    </dgm:alg>
+                  </dgm:if>
+                  <dgm:else name="Name27">
+                    <dgm:alg type="hierChild">
+                      <dgm:param type="chAlign" val="l"/>
+                      <dgm:param type="linDir" val="fromR"/>
+                      <dgm:param type="secChAlign" val="t"/>
+                      <dgm:param type="secLinDir" val="fromT"/>
+                    </dgm:alg>
+                  </dgm:else>
+                </dgm:choose>
+              </dgm:if>
+              <dgm:else name="Name28">
+                <dgm:choose name="Name29">
+                  <dgm:if name="Name30" func="var" arg="dir" op="equ" val="norm">
+                    <dgm:alg type="hierChild"/>
+                  </dgm:if>
+                  <dgm:else name="Name31">
+                    <dgm:alg type="hierChild">
+                      <dgm:param type="linDir" val="fromR"/>
+                    </dgm:alg>
+                  </dgm:else>
+                </dgm:choose>
+              </dgm:else>
+            </dgm:choose>
+            <dgm:shape xmlns:r="http://schemas.openxmlformats.org/officeDocument/2006/relationships" r:blip="">
+              <dgm:adjLst/>
+            </dgm:shape>
+            <dgm:presOf/>
+            <dgm:constrLst/>
+            <dgm:ruleLst/>
+            <dgm:forEach name="rep2a" axis="ch" ptType="nonAsst">
+              <dgm:forEach name="Name32" axis="precedSib" ptType="parTrans" st="-1" cnt="1">
+                <dgm:choose name="Name33">
+                  <dgm:if name="Name34" func="var" arg="hierBranch" op="equ" val="std">
+                    <dgm:layoutNode name="Name35">
+                      <dgm:alg type="conn">
+                        <dgm:param type="connRout" val="bend"/>
+                        <dgm:param type="dim" val="1D"/>
+                        <dgm:param type="endSty" val="noArr"/>
+                        <dgm:param type="begPts" val="bCtr"/>
+                        <dgm:param type="endPts" val="tCtr"/>
+                        <dgm:param type="bendPt" val="end"/>
+                      </dgm:alg>
+                      <dgm:shape xmlns:r="http://schemas.openxmlformats.org/officeDocument/2006/relationships" type="conn" r:blip="" zOrderOff="-99999">
+                        <dgm:adjLst/>
+                      </dgm:shape>
+                      <dgm:presOf axis="self"/>
+                      <dgm:constrLst>
+                        <dgm:constr type="begPad"/>
+                        <dgm:constr type="endPad"/>
+                      </dgm:constrLst>
+                      <dgm:ruleLst/>
+                    </dgm:layoutNode>
+                  </dgm:if>
+                  <dgm:if name="Name36" func="var" arg="hierBranch" op="equ" val="init">
+                    <dgm:layoutNode name="Name37">
+                      <dgm:choose name="Name38">
+                        <dgm:if name="Name39" axis="self" func="depth" op="lte" val="2">
+                          <dgm:alg type="conn">
+                            <dgm:param type="connRout" val="bend"/>
+                            <dgm:param type="dim" val="1D"/>
+                            <dgm:param type="endSty" val="noArr"/>
+                            <dgm:param type="begPts" val="bCtr"/>
+                            <dgm:param type="endPts" val="tCtr"/>
+                            <dgm:param type="bendPt" val="end"/>
+                          </dgm:alg>
+                        </dgm:if>
+                        <dgm:else name="Name40">
+                          <dgm:alg type="conn">
+                            <dgm:param type="connRout" val="bend"/>
+                            <dgm:param type="dim" val="1D"/>
+                            <dgm:param type="endSty" val="noArr"/>
+                            <dgm:param type="begPts" val="bCtr"/>
+                            <dgm:param type="endPts" val="tCtr"/>
+                            <dgm:param type="bendPt" val="end"/>
+                          </dgm:alg>
+                        </dgm:else>
+                      </dgm:choose>
+                      <dgm:shape xmlns:r="http://schemas.openxmlformats.org/officeDocument/2006/relationships" type="conn" r:blip="" zOrderOff="-99999">
+                        <dgm:adjLst/>
+                      </dgm:shape>
+                      <dgm:presOf axis="self"/>
+                      <dgm:constrLst>
+                        <dgm:constr type="begPad"/>
+                        <dgm:constr type="endPad"/>
+                      </dgm:constrLst>
+                      <dgm:ruleLst/>
+                    </dgm:layoutNode>
+                  </dgm:if>
+                  <dgm:if name="Name41" func="var" arg="hierBranch" op="equ" val="hang">
+                    <dgm:layoutNode name="Name42">
+                      <dgm:alg type="conn">
+                        <dgm:param type="connRout" val="bend"/>
+                        <dgm:param type="dim" val="1D"/>
+                        <dgm:param type="endSty" val="noArr"/>
+                        <dgm:param type="begPts" val="bCtr"/>
+                        <dgm:param type="endPts" val="midL midR"/>
+                      </dgm:alg>
+                      <dgm:shape xmlns:r="http://schemas.openxmlformats.org/officeDocument/2006/relationships" type="conn" r:blip="" zOrderOff="-99999">
+                        <dgm:adjLst/>
+                      </dgm:shape>
+                      <dgm:presOf axis="self"/>
+                      <dgm:constrLst>
+                        <dgm:constr type="begPad"/>
+                        <dgm:constr type="endPad"/>
+                      </dgm:constrLst>
+                      <dgm:ruleLst/>
+                    </dgm:layoutNode>
+                  </dgm:if>
+                  <dgm:else name="Name43">
+                    <dgm:layoutNode name="Name44">
+                      <dgm:choose name="Name45">
+                        <dgm:if name="Name46" axis="self" func="depth" op="lte" val="2">
+                          <dgm:choose name="Name47">
+                            <dgm:if name="Name48" axis="par ch" ptType="node asst" func="cnt" op="gte" val="1">
+                              <dgm:alg type="conn">
+                                <dgm:param type="connRout" val="bend"/>
+                                <dgm:param type="dim" val="1D"/>
+                                <dgm:param type="endSty" val="noArr"/>
+                                <dgm:param type="begPts" val="bCtr"/>
+                                <dgm:param type="endPts" val="midL midR"/>
+                              </dgm:alg>
+                            </dgm:if>
+                            <dgm:else name="Name49">
+                              <dgm:alg type="conn">
+                                <dgm:param type="connRout" val="bend"/>
+                                <dgm:param type="dim" val="1D"/>
+                                <dgm:param type="endSty" val="noArr"/>
+                                <dgm:param type="begPts" val="bCtr"/>
+                                <dgm:param type="endPts" val="midL midR"/>
+                                <dgm:param type="srcNode" val="rootConnector1"/>
+                              </dgm:alg>
+                            </dgm:else>
+                          </dgm:choose>
+                        </dgm:if>
+                        <dgm:else name="Name50">
+                          <dgm:choose name="Name51">
+                            <dgm:if name="Name52" axis="par ch" ptType="node asst" func="cnt" op="gte" val="1">
+                              <dgm:alg type="conn">
+                                <dgm:param type="connRout" val="bend"/>
+                                <dgm:param type="dim" val="1D"/>
+                                <dgm:param type="endSty" val="noArr"/>
+                                <dgm:param type="begPts" val="bCtr"/>
+                                <dgm:param type="endPts" val="midL midR"/>
+                              </dgm:alg>
+                            </dgm:if>
+                            <dgm:else name="Name53">
+                              <dgm:alg type="conn">
+                                <dgm:param type="connRout" val="bend"/>
+                                <dgm:param type="dim" val="1D"/>
+                                <dgm:param type="endSty" val="noArr"/>
+                                <dgm:param type="begPts" val="bCtr"/>
+                                <dgm:param type="endPts" val="midL midR"/>
+                                <dgm:param type="srcNode" val="rootConnector"/>
+                              </dgm:alg>
+                            </dgm:else>
+                          </dgm:choose>
+                        </dgm:else>
+                      </dgm:choose>
+                      <dgm:shape xmlns:r="http://schemas.openxmlformats.org/officeDocument/2006/relationships" type="conn" r:blip="" zOrderOff="-99999">
+                        <dgm:adjLst/>
+                      </dgm:shape>
+                      <dgm:presOf axis="self"/>
+                      <dgm:constrLst>
+                        <dgm:constr type="begPad"/>
+                        <dgm:constr type="endPad"/>
+                      </dgm:constrLst>
+                      <dgm:ruleLst/>
+                    </dgm:layoutNode>
+                  </dgm:else>
+                </dgm:choose>
+              </dgm:forEach>
+              <dgm:layoutNode name="hierRoot2">
+                <dgm:varLst>
+                  <dgm:hierBranch val="init"/>
+                </dgm:varLst>
+                <dgm:choose name="Name54">
+                  <dgm:if name="Name55" func="var" arg="hierBranch" op="equ" val="l">
+                    <dgm:choose name="Name56">
+                      <dgm:if name="Name57" axis="ch" ptType="asst" func="cnt" op="gte" val="1">
+                        <dgm:alg type="hierRoot">
+                          <dgm:param type="hierAlign" val="tR"/>
+                        </dgm:alg>
+                        <dgm:shape xmlns:r="http://schemas.openxmlformats.org/officeDocument/2006/relationships" r:blip="">
+                          <dgm:adjLst/>
+                        </dgm:shape>
+                        <dgm:presOf/>
+                        <dgm:constrLst>
+                          <dgm:constr type="alignOff" val="0.65"/>
+                        </dgm:constrLst>
+                      </dgm:if>
+                      <dgm:else name="Name58">
+                        <dgm:alg type="hierRoot">
+                          <dgm:param type="hierAlign" val="tR"/>
+                        </dgm:alg>
+                        <dgm:shape xmlns:r="http://schemas.openxmlformats.org/officeDocument/2006/relationships" r:blip="">
+                          <dgm:adjLst/>
+                        </dgm:shape>
+                        <dgm:presOf/>
+                        <dgm:constrLst>
+                          <dgm:constr type="alignOff" val="0.25"/>
+                        </dgm:constrLst>
+                      </dgm:else>
+                    </dgm:choose>
+                  </dgm:if>
+                  <dgm:if name="Name59" func="var" arg="hierBranch" op="equ" val="r">
+                    <dgm:choose name="Name60">
+                      <dgm:if name="Name61" axis="ch" ptType="asst" func="cnt" op="gte" val="1">
+                        <dgm:alg type="hierRoot">
+                          <dgm:param type="hierAlign" val="tL"/>
+                        </dgm:alg>
+                        <dgm:shape xmlns:r="http://schemas.openxmlformats.org/officeDocument/2006/relationships" r:blip="">
+                          <dgm:adjLst/>
+                        </dgm:shape>
+                        <dgm:presOf/>
+                        <dgm:constrLst>
+                          <dgm:constr type="alignOff" val="0.65"/>
+                        </dgm:constrLst>
+                      </dgm:if>
+                      <dgm:else name="Name62">
+                        <dgm:alg type="hierRoot">
+                          <dgm:param type="hierAlign" val="tL"/>
+                        </dgm:alg>
+                        <dgm:shape xmlns:r="http://schemas.openxmlformats.org/officeDocument/2006/relationships" r:blip="">
+                          <dgm:adjLst/>
+                        </dgm:shape>
+                        <dgm:presOf/>
+                        <dgm:constrLst>
+                          <dgm:constr type="alignOff" val="0.25"/>
+                        </dgm:constrLst>
+                      </dgm:else>
+                    </dgm:choose>
+                  </dgm:if>
+                  <dgm:if name="Name63" func="var" arg="hierBranch" op="equ" val="std">
+                    <dgm:alg type="hierRoot"/>
+                    <dgm:shape xmlns:r="http://schemas.openxmlformats.org/officeDocument/2006/relationships" r:blip="">
+                      <dgm:adjLst/>
+                    </dgm:shape>
+                    <dgm:presOf/>
+                    <dgm:constrLst>
+                      <dgm:constr type="alignOff"/>
+                      <dgm:constr type="bendDist" for="des" ptType="parTrans" refType="sp" fact="0.5"/>
+                    </dgm:constrLst>
+                  </dgm:if>
+                  <dgm:if name="Name64" func="var" arg="hierBranch" op="equ" val="init">
+                    <dgm:alg type="hierRoot"/>
+                    <dgm:shape xmlns:r="http://schemas.openxmlformats.org/officeDocument/2006/relationships" r:blip="">
+                      <dgm:adjLst/>
+                    </dgm:shape>
+                    <dgm:presOf/>
+                    <dgm:constrLst>
+                      <dgm:constr type="alignOff"/>
+                      <dgm:constr type="bendDist" for="des" ptType="parTrans" refType="sp" fact="0.5"/>
+                    </dgm:constrLst>
+                  </dgm:if>
+                  <dgm:else name="Name65">
+                    <dgm:alg type="hierRoot"/>
+                    <dgm:shape xmlns:r="http://schemas.openxmlformats.org/officeDocument/2006/relationships" r:blip="">
+                      <dgm:adjLst/>
+                    </dgm:shape>
+                    <dgm:presOf/>
+                    <dgm:constrLst>
+                      <dgm:constr type="alignOff" val="0.65"/>
+                    </dgm:constrLst>
+                  </dgm:else>
+                </dgm:choose>
+                <dgm:ruleLst/>
+                <dgm:layoutNode name="rootComposite">
+                  <dgm:alg type="composite"/>
+                  <dgm:shape xmlns:r="http://schemas.openxmlformats.org/officeDocument/2006/relationships" r:blip="">
+                    <dgm:adjLst/>
+                  </dgm:shape>
+                  <dgm:presOf axis="self" ptType="node" cnt="1"/>
+                  <dgm:choose name="Name66">
+                    <dgm:if name="Name67" func="var" arg="hierBranch" op="equ" val="init">
+                      <dgm:constrLst>
+                        <dgm:constr type="l" for="ch" forName="rootText"/>
+                        <dgm:constr type="t" for="ch" forName="rootText"/>
+                        <dgm:constr type="w" for="ch" forName="rootText" refType="w"/>
+                        <dgm:constr type="h" for="ch" forName="rootText" refType="h" fact="0.9"/>
+                        <dgm:constr type="l" for="ch" forName="titleText2" refType="w" fact="0.2"/>
+                        <dgm:constr type="t" for="ch" forName="titleText2" refType="h" fact="0.7"/>
+                        <dgm:constr type="w" for="ch" forName="titleText2" refType="w" fact="0.9"/>
+                        <dgm:constr type="h" for="ch" forName="titleText2" refType="h" fact="0.3"/>
+                        <dgm:constr type="primFontSz" for="des" forName="titleText2" refType="primFontSz" refFor="des" refForName="rootText1" op="lte"/>
+                        <dgm:constr type="l" for="ch" forName="rootConnector"/>
+                        <dgm:constr type="t" for="ch" forName="rootConnector"/>
+                        <dgm:constr type="w" for="ch" forName="rootConnector" refType="w" refFor="ch" refForName="rootText" fact="0.2"/>
+                        <dgm:constr type="h" for="ch" forName="rootConnector" refType="h" refFor="ch" refForName="rootText"/>
+                      </dgm:constrLst>
+                    </dgm:if>
+                    <dgm:if name="Name68" func="var" arg="hierBranch" op="equ" val="l">
+                      <dgm:constrLst>
+                        <dgm:constr type="l" for="ch" forName="rootText"/>
+                        <dgm:constr type="t" for="ch" forName="rootText"/>
+                        <dgm:constr type="w" for="ch" forName="rootText" refType="w"/>
+                        <dgm:constr type="h" for="ch" forName="rootText" refType="h" fact="0.9"/>
+                        <dgm:constr type="l" for="ch" forName="titleText2" refType="w" fact="0.2"/>
+                        <dgm:constr type="t" for="ch" forName="titleText2" refType="h" fact="0.7"/>
+                        <dgm:constr type="w" for="ch" forName="titleText2" refType="w" fact="0.9"/>
+                        <dgm:constr type="h" for="ch" forName="titleText2" refType="h" fact="0.3"/>
+                        <dgm:constr type="primFontSz" for="des" forName="titleText2" refType="primFontSz" refFor="des" refForName="rootText1" op="lte"/>
+                        <dgm:constr type="r" for="ch" forName="rootConnector" refType="w"/>
+                        <dgm:constr type="t" for="ch" forName="rootConnector"/>
+                        <dgm:constr type="w" for="ch" forName="rootConnector" refType="w" refFor="ch" refForName="rootText" fact="0.2"/>
+                        <dgm:constr type="h" for="ch" forName="rootConnector" refType="h" refFor="ch" refForName="rootText"/>
+                      </dgm:constrLst>
+                    </dgm:if>
+                    <dgm:if name="Name69" func="var" arg="hierBranch" op="equ" val="r">
+                      <dgm:constrLst>
+                        <dgm:constr type="l" for="ch" forName="rootText"/>
+                        <dgm:constr type="t" for="ch" forName="rootText"/>
+                        <dgm:constr type="w" for="ch" forName="rootText" refType="w"/>
+                        <dgm:constr type="h" for="ch" forName="rootText" refType="h" fact="0.9"/>
+                        <dgm:constr type="l" for="ch" forName="titleText2" refType="w" fact="0.2"/>
+                        <dgm:constr type="t" for="ch" forName="titleText2" refType="h" fact="0.7"/>
+                        <dgm:constr type="w" for="ch" forName="titleText2" refType="w" fact="0.9"/>
+                        <dgm:constr type="h" for="ch" forName="titleText2" refType="h" fact="0.3"/>
+                        <dgm:constr type="primFontSz" for="des" forName="titleText2" refType="primFontSz" refFor="des" refForName="rootText1" op="lte"/>
+                        <dgm:constr type="l" for="ch" forName="rootConnector"/>
+                        <dgm:constr type="t" for="ch" forName="rootConnector"/>
+                        <dgm:constr type="w" for="ch" forName="rootConnector" refType="w" refFor="ch" refForName="rootText" fact="0.2"/>
+                        <dgm:constr type="h" for="ch" forName="rootConnector" refType="h" refFor="ch" refForName="rootText"/>
+                      </dgm:constrLst>
+                    </dgm:if>
+                    <dgm:else name="Name70">
+                      <dgm:constrLst>
+                        <dgm:constr type="l" for="ch" forName="rootText"/>
+                        <dgm:constr type="t" for="ch" forName="rootText"/>
+                        <dgm:constr type="w" for="ch" forName="rootText" refType="w"/>
+                        <dgm:constr type="h" for="ch" forName="rootText" refType="h" fact="0.9"/>
+                        <dgm:constr type="l" for="ch" forName="titleText2" refType="w" fact="0.2"/>
+                        <dgm:constr type="t" for="ch" forName="titleText2" refType="h" fact="0.7"/>
+                        <dgm:constr type="w" for="ch" forName="titleText2" refType="w" fact="0.9"/>
+                        <dgm:constr type="h" for="ch" forName="titleText2" refType="h" fact="0.3"/>
+                        <dgm:constr type="primFontSz" for="des" forName="titleText2" refType="primFontSz" refFor="des" refForName="rootText1" op="lte"/>
+                        <dgm:constr type="r" for="ch" forName="rootConnector" refType="w"/>
+                        <dgm:constr type="t" for="ch" forName="rootConnector"/>
+                        <dgm:constr type="w" for="ch" forName="rootConnector" refType="w" refFor="ch" refForName="rootText" fact="0.2"/>
+                        <dgm:constr type="h" for="ch" forName="rootConnector" refType="h" refFor="ch" refForName="rootText"/>
+                      </dgm:constrLst>
+                    </dgm:else>
+                  </dgm:choose>
+                  <dgm:ruleLst/>
+                  <dgm:layoutNode name="rootText" styleLbl="node1">
+                    <dgm:varLst>
+                      <dgm:chMax/>
+                      <dgm:chPref val="3"/>
+                    </dgm:varLst>
+                    <dgm:alg type="tx"/>
+                    <dgm:shape xmlns:r="http://schemas.openxmlformats.org/officeDocument/2006/relationships" type="rect" r:blip="">
+                      <dgm:adjLst/>
+                    </dgm:shape>
+                    <dgm:presOf axis="self" ptType="node" cnt="1"/>
+                    <dgm:constrLst>
+                      <dgm:constr type="primFontSz" val="65"/>
+                      <dgm:constr type="lMarg" refType="primFontSz" fact="0.05"/>
+                      <dgm:constr type="rMarg" refType="primFontSz" fact="0.05"/>
+                      <dgm:constr type="tMarg" refType="primFontSz" fact="0.05"/>
+                      <dgm:constr type="bMarg" refType="h" fact="0.4"/>
+                    </dgm:constrLst>
+                    <dgm:ruleLst>
+                      <dgm:rule type="primFontSz" val="5" fact="NaN" max="NaN"/>
+                    </dgm:ruleLst>
+                  </dgm:layoutNode>
+                  <dgm:layoutNode name="titleText2" styleLbl="fgAcc1">
+                    <dgm:varLst>
+                      <dgm:chMax val="0"/>
+                      <dgm:chPref val="0"/>
+                    </dgm:varLst>
+                    <dgm:alg type="tx">
+                      <dgm:param type="parTxLTRAlign" val="r"/>
+                    </dgm:alg>
+                    <dgm:shape xmlns:r="http://schemas.openxmlformats.org/officeDocument/2006/relationships" type="rect" r:blip="">
+                      <dgm:adjLst/>
+                    </dgm:shape>
+                    <dgm:presOf axis="followSib" ptType="sibTrans" hideLastTrans="0" cnt="1"/>
+                    <dgm:constrLst>
+                      <dgm:constr type="primFontSz" val="65"/>
+                      <dgm:constr type="lMarg" refType="primFontSz" fact="0.2"/>
+                      <dgm:constr type="rMarg" refType="primFontSz" fact="0.2"/>
+                      <dgm:constr type="tMarg" refType="primFontSz" fact="0.05"/>
+                      <dgm:constr type="bMarg" refType="primFontSz" fact="0.05"/>
+                    </dgm:constrLst>
+                    <dgm:ruleLst>
+                      <dgm:rule type="primFontSz" val="5" fact="NaN" max="NaN"/>
+                    </dgm:ruleLst>
+                  </dgm:layoutNode>
+                  <dgm:layoutNode name="rootConnector" moveWith="rootText">
+                    <dgm:alg type="sp"/>
+                    <dgm:shape xmlns:r="http://schemas.openxmlformats.org/officeDocument/2006/relationships" type="rect" r:blip="" hideGeom="1">
+                      <dgm:adjLst/>
+                    </dgm:shape>
+                    <dgm:presOf axis="self" ptType="node" cnt="1"/>
+                    <dgm:constrLst/>
+                    <dgm:ruleLst/>
+                  </dgm:layoutNode>
+                </dgm:layoutNode>
+                <dgm:layoutNode name="hierChild4">
+                  <dgm:choose name="Name71">
+                    <dgm:if name="Name72" func="var" arg="hierBranch" op="equ" val="l">
+                      <dgm:alg type="hierChild">
+                        <dgm:param type="chAlign" val="r"/>
+                        <dgm:param type="linDir" val="fromT"/>
+                      </dgm:alg>
+                    </dgm:if>
+                    <dgm:if name="Name73" func="var" arg="hierBranch" op="equ" val="r">
+                      <dgm:alg type="hierChild">
+                        <dgm:param type="chAlign" val="l"/>
+                        <dgm:param type="linDir" val="fromT"/>
+                      </dgm:alg>
+                    </dgm:if>
+                    <dgm:if name="Name74" func="var" arg="hierBranch" op="equ" val="hang">
+                      <dgm:choose name="Name75">
+                        <dgm:if name="Name76" func="var" arg="dir" op="equ" val="norm">
+                          <dgm:alg type="hierChild">
+                            <dgm:param type="chAlign" val="l"/>
+                            <dgm:param type="linDir" val="fromL"/>
+                            <dgm:param type="secChAlign" val="t"/>
+                            <dgm:param type="secLinDir" val="fromT"/>
+                          </dgm:alg>
+                        </dgm:if>
+                        <dgm:else name="Name77">
+                          <dgm:alg type="hierChild">
+                            <dgm:param type="chAlign" val="l"/>
+                            <dgm:param type="linDir" val="fromR"/>
+                            <dgm:param type="secChAlign" val="t"/>
+                            <dgm:param type="secLinDir" val="fromT"/>
+                          </dgm:alg>
+                        </dgm:else>
+                      </dgm:choose>
+                    </dgm:if>
+                    <dgm:if name="Name78" func="var" arg="hierBranch" op="equ" val="std">
+                      <dgm:choose name="Name79">
+                        <dgm:if name="Name80" func="var" arg="dir" op="equ" val="norm">
+                          <dgm:alg type="hierChild"/>
+                        </dgm:if>
+                        <dgm:else name="Name81">
+                          <dgm:alg type="hierChild">
+                            <dgm:param type="linDir" val="fromR"/>
+                          </dgm:alg>
+                        </dgm:else>
+                      </dgm:choose>
+                    </dgm:if>
+                    <dgm:if name="Name82" func="var" arg="hierBranch" op="equ" val="init">
+                      <dgm:choose name="Name83">
+                        <dgm:if name="Name84" func="var" arg="dir" op="equ" val="norm">
+                          <dgm:alg type="hierChild"/>
+                        </dgm:if>
+                        <dgm:else name="Name85">
+                          <dgm:alg type="hierChild">
+                            <dgm:param type="linDir" val="fromR"/>
+                          </dgm:alg>
+                        </dgm:else>
+                      </dgm:choose>
+                    </dgm:if>
+                    <dgm:else name="Name86"/>
+                  </dgm:choose>
+                  <dgm:shape xmlns:r="http://schemas.openxmlformats.org/officeDocument/2006/relationships" r:blip="">
+                    <dgm:adjLst/>
+                  </dgm:shape>
+                  <dgm:presOf/>
+                  <dgm:constrLst/>
+                  <dgm:ruleLst/>
+                  <dgm:forEach name="Name87" ref="rep2a"/>
+                </dgm:layoutNode>
+                <dgm:layoutNode name="hierChild5">
+                  <dgm:choose name="Name88">
+                    <dgm:if name="Name89" func="var" arg="dir" op="equ" val="norm">
+                      <dgm:alg type="hierChild">
+                        <dgm:param type="chAlign" val="l"/>
+                        <dgm:param type="linDir" val="fromL"/>
+                        <dgm:param type="secChAlign" val="t"/>
+                        <dgm:param type="secLinDir" val="fromT"/>
+                      </dgm:alg>
+                    </dgm:if>
+                    <dgm:else name="Name90">
+                      <dgm:alg type="hierChild">
+                        <dgm:param type="chAlign" val="l"/>
+                        <dgm:param type="linDir" val="fromR"/>
+                        <dgm:param type="secChAlign" val="t"/>
+                        <dgm:param type="secLinDir" val="fromT"/>
+                      </dgm:alg>
+                    </dgm:else>
+                  </dgm:choose>
+                  <dgm:shape xmlns:r="http://schemas.openxmlformats.org/officeDocument/2006/relationships" r:blip="">
+                    <dgm:adjLst/>
+                  </dgm:shape>
+                  <dgm:presOf/>
+                  <dgm:constrLst/>
+                  <dgm:ruleLst/>
+                  <dgm:forEach name="Name91" ref="rep2b"/>
+                </dgm:layoutNode>
+              </dgm:layoutNode>
+            </dgm:forEach>
+          </dgm:layoutNode>
+          <dgm:layoutNode name="hierChild3">
+            <dgm:choose name="Name92">
+              <dgm:if name="Name93" func="var" arg="dir" op="equ" val="norm">
+                <dgm:alg type="hierChild">
+                  <dgm:param type="chAlign" val="l"/>
+                  <dgm:param type="linDir" val="fromL"/>
+                  <dgm:param type="secChAlign" val="t"/>
+                  <dgm:param type="secLinDir" val="fromT"/>
+                </dgm:alg>
+              </dgm:if>
+              <dgm:else name="Name94">
+                <dgm:alg type="hierChild">
+                  <dgm:param type="chAlign" val="l"/>
+                  <dgm:param type="linDir" val="fromR"/>
+                  <dgm:param type="secChAlign" val="t"/>
+                  <dgm:param type="secLinDir" val="fromT"/>
+                </dgm:alg>
+              </dgm:else>
+            </dgm:choose>
+            <dgm:shape xmlns:r="http://schemas.openxmlformats.org/officeDocument/2006/relationships" r:blip="">
+              <dgm:adjLst/>
+            </dgm:shape>
+            <dgm:presOf/>
+            <dgm:constrLst/>
+            <dgm:ruleLst/>
+            <dgm:forEach name="rep2b" axis="ch" ptType="asst">
+              <dgm:forEach name="Name95" axis="precedSib" ptType="parTrans" st="-1" cnt="1">
+                <dgm:layoutNode name="Name96">
+                  <dgm:alg type="conn">
+                    <dgm:param type="connRout" val="bend"/>
+                    <dgm:param type="dim" val="1D"/>
+                    <dgm:param type="endSty" val="noArr"/>
+                    <dgm:param type="begPts" val="bCtr"/>
+                    <dgm:param type="endPts" val="midL midR"/>
+                  </dgm:alg>
+                  <dgm:shape xmlns:r="http://schemas.openxmlformats.org/officeDocument/2006/relationships" type="conn" r:blip="" zOrderOff="-99999">
+                    <dgm:adjLst/>
+                  </dgm:shape>
+                  <dgm:presOf axis="self"/>
+                  <dgm:constrLst>
+                    <dgm:constr type="begPad"/>
+                    <dgm:constr type="endPad"/>
+                  </dgm:constrLst>
+                  <dgm:ruleLst/>
+                </dgm:layoutNode>
+              </dgm:forEach>
+              <dgm:layoutNode name="hierRoot3">
+                <dgm:varLst>
+                  <dgm:hierBranch val="init"/>
+                </dgm:varLst>
+                <dgm:choose name="Name97">
+                  <dgm:if name="Name98" func="var" arg="hierBranch" op="equ" val="l">
+                    <dgm:alg type="hierRoot">
+                      <dgm:param type="hierAlign" val="tR"/>
+                    </dgm:alg>
+                    <dgm:shape xmlns:r="http://schemas.openxmlformats.org/officeDocument/2006/relationships" r:blip="">
+                      <dgm:adjLst/>
+                    </dgm:shape>
+                    <dgm:presOf/>
+                    <dgm:constrLst>
+                      <dgm:constr type="alignOff" val="0.65"/>
+                    </dgm:constrLst>
+                  </dgm:if>
+                  <dgm:if name="Name99" func="var" arg="hierBranch" op="equ" val="r">
+                    <dgm:alg type="hierRoot">
+                      <dgm:param type="hierAlign" val="tL"/>
+                    </dgm:alg>
+                    <dgm:shape xmlns:r="http://schemas.openxmlformats.org/officeDocument/2006/relationships" r:blip="">
+                      <dgm:adjLst/>
+                    </dgm:shape>
+                    <dgm:presOf/>
+                    <dgm:constrLst>
+                      <dgm:constr type="alignOff" val="0.65"/>
+                    </dgm:constrLst>
+                  </dgm:if>
+                  <dgm:if name="Name100" func="var" arg="hierBranch" op="equ" val="hang">
+                    <dgm:alg type="hierRoot"/>
+                    <dgm:shape xmlns:r="http://schemas.openxmlformats.org/officeDocument/2006/relationships" r:blip="">
+                      <dgm:adjLst/>
+                    </dgm:shape>
+                    <dgm:presOf/>
+                    <dgm:constrLst>
+                      <dgm:constr type="alignOff" val="0.65"/>
+                    </dgm:constrLst>
+                  </dgm:if>
+                  <dgm:if name="Name101" func="var" arg="hierBranch" op="equ" val="std">
+                    <dgm:alg type="hierRoot"/>
+                    <dgm:shape xmlns:r="http://schemas.openxmlformats.org/officeDocument/2006/relationships" r:blip="">
+                      <dgm:adjLst/>
+                    </dgm:shape>
+                    <dgm:presOf/>
+                    <dgm:constrLst>
+                      <dgm:constr type="alignOff"/>
+                      <dgm:constr type="bendDist" for="des" ptType="parTrans" refType="sp" fact="0.5"/>
+                    </dgm:constrLst>
+                  </dgm:if>
+                  <dgm:if name="Name102" func="var" arg="hierBranch" op="equ" val="init">
+                    <dgm:alg type="hierRoot"/>
+                    <dgm:shape xmlns:r="http://schemas.openxmlformats.org/officeDocument/2006/relationships" r:blip="">
+                      <dgm:adjLst/>
+                    </dgm:shape>
+                    <dgm:presOf/>
+                    <dgm:constrLst>
+                      <dgm:constr type="alignOff"/>
+                      <dgm:constr type="bendDist" for="des" ptType="parTrans" refType="sp" fact="0.5"/>
+                    </dgm:constrLst>
+                  </dgm:if>
+                  <dgm:else name="Name103"/>
+                </dgm:choose>
+                <dgm:ruleLst/>
+                <dgm:layoutNode name="rootComposite3">
+                  <dgm:alg type="composite"/>
+                  <dgm:shape xmlns:r="http://schemas.openxmlformats.org/officeDocument/2006/relationships" r:blip="">
+                    <dgm:adjLst/>
+                  </dgm:shape>
+                  <dgm:presOf axis="self" ptType="node" cnt="1"/>
+                  <dgm:choose name="Name104">
+                    <dgm:if name="Name105" func="var" arg="hierBranch" op="equ" val="init">
+                      <dgm:constrLst>
+                        <dgm:constr type="l" for="ch" forName="rootText3"/>
+                        <dgm:constr type="t" for="ch" forName="rootText3"/>
+                        <dgm:constr type="w" for="ch" forName="rootText3" refType="w"/>
+                        <dgm:constr type="h" for="ch" forName="rootText3" refType="h" fact="0.9"/>
+                        <dgm:constr type="l" for="ch" forName="titleText3" refType="w" fact="0.2"/>
+                        <dgm:constr type="t" for="ch" forName="titleText3" refType="h" fact="0.7"/>
+                        <dgm:constr type="w" for="ch" forName="titleText3" refType="w" fact="0.9"/>
+                        <dgm:constr type="h" for="ch" forName="titleText3" refType="h" fact="0.3"/>
+                        <dgm:constr type="primFontSz" for="des" forName="titleText3" refType="primFontSz" refFor="des" refForName="rootText3" op="lte"/>
+                        <dgm:constr type="l" for="ch" forName="rootConnector3"/>
+                        <dgm:constr type="t" for="ch" forName="rootConnector3"/>
+                        <dgm:constr type="w" for="ch" forName="rootConnector3" refType="w" refFor="ch" refForName="rootText3" fact="0.2"/>
+                        <dgm:constr type="h" for="ch" forName="rootConnector3" refType="h" refFor="ch" refForName="rootText3"/>
+                      </dgm:constrLst>
+                    </dgm:if>
+                    <dgm:if name="Name106" func="var" arg="hierBranch" op="equ" val="l">
+                      <dgm:constrLst>
+                        <dgm:constr type="l" for="ch" forName="rootText3"/>
+                        <dgm:constr type="t" for="ch" forName="rootText3"/>
+                        <dgm:constr type="w" for="ch" forName="rootText3" refType="w"/>
+                        <dgm:constr type="h" for="ch" forName="rootText3" refType="h" fact="0.9"/>
+                        <dgm:constr type="l" for="ch" forName="titleText3" refType="w" fact="0.2"/>
+                        <dgm:constr type="t" for="ch" forName="titleText3" refType="h" fact="0.7"/>
+                        <dgm:constr type="w" for="ch" forName="titleText3" refType="w" fact="0.9"/>
+                        <dgm:constr type="h" for="ch" forName="titleText3" refType="h" fact="0.3"/>
+                        <dgm:constr type="primFontSz" for="des" forName="titleText3" refType="primFontSz" refFor="des" refForName="rootText3" op="lte"/>
+                        <dgm:constr type="r" for="ch" forName="rootConnector3" refType="w"/>
+                        <dgm:constr type="t" for="ch" forName="rootConnector3"/>
+                        <dgm:constr type="w" for="ch" forName="rootConnector3" refType="w" refFor="ch" refForName="rootText3" fact="0.2"/>
+                        <dgm:constr type="h" for="ch" forName="rootConnector3" refType="h" refFor="ch" refForName="rootText3"/>
+                      </dgm:constrLst>
+                    </dgm:if>
+                    <dgm:if name="Name107" func="var" arg="hierBranch" op="equ" val="r">
+                      <dgm:constrLst>
+                        <dgm:constr type="l" for="ch" forName="rootText3"/>
+                        <dgm:constr type="t" for="ch" forName="rootText3"/>
+                        <dgm:constr type="w" for="ch" forName="rootText3" refType="w"/>
+                        <dgm:constr type="h" for="ch" forName="rootText3" refType="h" fact="0.9"/>
+                        <dgm:constr type="l" for="ch" forName="titleText3" refType="w" fact="0.2"/>
+                        <dgm:constr type="t" for="ch" forName="titleText3" refType="h" fact="0.7"/>
+                        <dgm:constr type="w" for="ch" forName="titleText3" refType="w" fact="0.9"/>
+                        <dgm:constr type="h" for="ch" forName="titleText3" refType="h" fact="0.3"/>
+                        <dgm:constr type="primFontSz" for="des" forName="titleText3" refType="primFontSz" refFor="des" refForName="rootText3" op="lte"/>
+                        <dgm:constr type="l" for="ch" forName="rootConnector3"/>
+                        <dgm:constr type="t" for="ch" forName="rootConnector3"/>
+                        <dgm:constr type="w" for="ch" forName="rootConnector3" refType="w" refFor="ch" refForName="rootText3" fact="0.2"/>
+                        <dgm:constr type="h" for="ch" forName="rootConnector3" refType="h" refFor="ch" refForName="rootText3"/>
+                      </dgm:constrLst>
+                    </dgm:if>
+                    <dgm:else name="Name108">
+                      <dgm:constrLst>
+                        <dgm:constr type="l" for="ch" forName="rootText3"/>
+                        <dgm:constr type="t" for="ch" forName="rootText3"/>
+                        <dgm:constr type="w" for="ch" forName="rootText3" refType="w"/>
+                        <dgm:constr type="h" for="ch" forName="rootText3" refType="h" fact="0.9"/>
+                        <dgm:constr type="l" for="ch" forName="titleText3" refType="w" fact="0.2"/>
+                        <dgm:constr type="t" for="ch" forName="titleText3" refType="h" fact="0.7"/>
+                        <dgm:constr type="w" for="ch" forName="titleText3" refType="w" fact="0.9"/>
+                        <dgm:constr type="h" for="ch" forName="titleText3" refType="h" fact="0.3"/>
+                        <dgm:constr type="primFontSz" for="des" forName="titleText3" refType="primFontSz" refFor="des" refForName="rootText3" op="lte"/>
+                        <dgm:constr type="r" for="ch" forName="rootConnector3" refType="w"/>
+                        <dgm:constr type="t" for="ch" forName="rootConnector3"/>
+                        <dgm:constr type="w" for="ch" forName="rootConnector3" refType="w" refFor="ch" refForName="rootText3" fact="0.2"/>
+                        <dgm:constr type="h" for="ch" forName="rootConnector3" refType="h" refFor="ch" refForName="rootText3"/>
+                      </dgm:constrLst>
+                    </dgm:else>
+                  </dgm:choose>
+                  <dgm:ruleLst/>
+                  <dgm:layoutNode name="rootText3" styleLbl="asst1">
+                    <dgm:varLst>
+                      <dgm:chPref val="3"/>
+                    </dgm:varLst>
+                    <dgm:alg type="tx"/>
+                    <dgm:shape xmlns:r="http://schemas.openxmlformats.org/officeDocument/2006/relationships" type="rect" r:blip="">
+                      <dgm:adjLst/>
+                    </dgm:shape>
+                    <dgm:presOf axis="self" ptType="node" cnt="1"/>
+                    <dgm:constrLst>
+                      <dgm:constr type="primFontSz" val="65"/>
+                      <dgm:constr type="lMarg" refType="primFontSz" fact="0.05"/>
+                      <dgm:constr type="rMarg" refType="primFontSz" fact="0.05"/>
+                      <dgm:constr type="tMarg" refType="primFontSz" fact="0.05"/>
+                      <dgm:constr type="bMarg" refType="h" fact="0.4"/>
+                    </dgm:constrLst>
+                    <dgm:ruleLst>
+                      <dgm:rule type="primFontSz" val="5" fact="NaN" max="NaN"/>
+                    </dgm:ruleLst>
+                  </dgm:layoutNode>
+                  <dgm:layoutNode name="titleText3" styleLbl="fgAcc2">
+                    <dgm:varLst>
+                      <dgm:chMax val="0"/>
+                      <dgm:chPref val="0"/>
+                    </dgm:varLst>
+                    <dgm:alg type="tx">
+                      <dgm:param type="parTxLTRAlign" val="r"/>
+                    </dgm:alg>
+                    <dgm:shape xmlns:r="http://schemas.openxmlformats.org/officeDocument/2006/relationships" type="rect" r:blip="">
+                      <dgm:adjLst/>
+                    </dgm:shape>
+                    <dgm:presOf axis="followSib" ptType="sibTrans" hideLastTrans="0" cnt="1"/>
+                    <dgm:constrLst>
+                      <dgm:constr type="primFontSz" val="65"/>
+                      <dgm:constr type="lMarg" refType="primFontSz" fact="0.2"/>
+                      <dgm:constr type="rMarg" refType="primFontSz" fact="0.2"/>
+                      <dgm:constr type="tMarg" refType="primFontSz" fact="0.05"/>
+                      <dgm:constr type="bMarg" refType="primFontSz" fact="0.05"/>
+                    </dgm:constrLst>
+                    <dgm:ruleLst>
+                      <dgm:rule type="primFontSz" val="5" fact="NaN" max="NaN"/>
+                    </dgm:ruleLst>
+                  </dgm:layoutNode>
+                  <dgm:layoutNode name="rootConnector3" moveWith="rootText1">
+                    <dgm:alg type="sp"/>
+                    <dgm:shape xmlns:r="http://schemas.openxmlformats.org/officeDocument/2006/relationships" type="rect" r:blip="" hideGeom="1">
+                      <dgm:adjLst/>
+                    </dgm:shape>
+                    <dgm:presOf axis="self" ptType="node" cnt="1"/>
+                    <dgm:constrLst/>
+                    <dgm:ruleLst/>
+                  </dgm:layoutNode>
+                </dgm:layoutNode>
+                <dgm:layoutNode name="hierChild6">
+                  <dgm:choose name="Name109">
+                    <dgm:if name="Name110" func="var" arg="hierBranch" op="equ" val="l">
+                      <dgm:alg type="hierChild">
+                        <dgm:param type="chAlign" val="r"/>
+                        <dgm:param type="linDir" val="fromT"/>
+                      </dgm:alg>
+                    </dgm:if>
+                    <dgm:if name="Name111" func="var" arg="hierBranch" op="equ" val="r">
+                      <dgm:alg type="hierChild">
+                        <dgm:param type="chAlign" val="l"/>
+                        <dgm:param type="linDir" val="fromT"/>
+                      </dgm:alg>
+                    </dgm:if>
+                    <dgm:if name="Name112" func="var" arg="hierBranch" op="equ" val="hang">
+                      <dgm:choose name="Name113">
+                        <dgm:if name="Name114" func="var" arg="dir" op="equ" val="norm">
+                          <dgm:alg type="hierChild">
+                            <dgm:param type="chAlign" val="l"/>
+                            <dgm:param type="linDir" val="fromL"/>
+                            <dgm:param type="secChAlign" val="t"/>
+                            <dgm:param type="secLinDir" val="fromT"/>
+                          </dgm:alg>
+                        </dgm:if>
+                        <dgm:else name="Name115">
+                          <dgm:alg type="hierChild">
+                            <dgm:param type="chAlign" val="l"/>
+                            <dgm:param type="linDir" val="fromR"/>
+                            <dgm:param type="secChAlign" val="t"/>
+                            <dgm:param type="secLinDir" val="fromT"/>
+                          </dgm:alg>
+                        </dgm:else>
+                      </dgm:choose>
+                    </dgm:if>
+                    <dgm:if name="Name116" func="var" arg="hierBranch" op="equ" val="std">
+                      <dgm:choose name="Name117">
+                        <dgm:if name="Name118" func="var" arg="dir" op="equ" val="norm">
+                          <dgm:alg type="hierChild"/>
+                        </dgm:if>
+                        <dgm:else name="Name119">
+                          <dgm:alg type="hierChild">
+                            <dgm:param type="linDir" val="fromR"/>
+                          </dgm:alg>
+                        </dgm:else>
+                      </dgm:choose>
+                    </dgm:if>
+                    <dgm:if name="Name120" func="var" arg="hierBranch" op="equ" val="init">
+                      <dgm:alg type="hierChild"/>
+                    </dgm:if>
+                    <dgm:else name="Name121"/>
+                  </dgm:choose>
+                  <dgm:shape xmlns:r="http://schemas.openxmlformats.org/officeDocument/2006/relationships" r:blip="">
+                    <dgm:adjLst/>
+                  </dgm:shape>
+                  <dgm:presOf/>
+                  <dgm:constrLst/>
+                  <dgm:ruleLst/>
+                  <dgm:forEach name="Name122" ref="rep2a"/>
+                </dgm:layoutNode>
+                <dgm:layoutNode name="hierChild7">
+                  <dgm:choose name="Name123">
+                    <dgm:if name="Name124" func="var" arg="dir" op="equ" val="norm">
+                      <dgm:alg type="hierChild">
+                        <dgm:param type="chAlign" val="l"/>
+                        <dgm:param type="linDir" val="fromL"/>
+                        <dgm:param type="secChAlign" val="t"/>
+                        <dgm:param type="secLinDir" val="fromT"/>
+                      </dgm:alg>
+                    </dgm:if>
+                    <dgm:else name="Name125">
+                      <dgm:alg type="hierChild">
+                        <dgm:param type="chAlign" val="l"/>
+                        <dgm:param type="linDir" val="fromR"/>
+                        <dgm:param type="secChAlign" val="t"/>
+                        <dgm:param type="secLinDir" val="fromT"/>
+                      </dgm:alg>
+                    </dgm:else>
+                  </dgm:choose>
+                  <dgm:shape xmlns:r="http://schemas.openxmlformats.org/officeDocument/2006/relationships" r:blip="">
+                    <dgm:adjLst/>
+                  </dgm:shape>
+                  <dgm:presOf/>
+                  <dgm:constrLst/>
+                  <dgm:ruleLst/>
+                  <dgm:forEach name="Name126" ref="rep2b"/>
+                </dgm:layoutNode>
+              </dgm:layoutNode>
+            </dgm:forEach>
+          </dgm:layoutNode>
+        </dgm:layoutNode>
+      </dgm:forEach>
+    </dgm:forEach>
+  </dgm:layoutNode>
+</dgm:layoutDef>
+</file>
+
+<file path=ppt/diagrams/quickStyle1.xml><?xml version="1.0" encoding="utf-8"?>
+<dgm:styleDef xmlns:dgm="http://schemas.openxmlformats.org/drawingml/2006/diagram" xmlns:a="http://schemas.openxmlformats.org/drawingml/2006/main" uniqueId="urn:microsoft.com/office/officeart/2005/8/quickstyle/simple1">
+  <dgm:title val=""/>
+  <dgm:desc val=""/>
+  <dgm:catLst>
+    <dgm:cat type="simple" pri="10100"/>
+  </dgm:catLst>
+  <dgm:scene3d>
+    <a:camera prst="orthographicFront"/>
+    <a:lightRig rig="threePt" dir="t"/>
+  </dgm:scene3d>
+  <dgm:styleLbl name="node0">
+    <dgm:scene3d>
+      <a:camera prst="orthographicFront"/>
+      <a:lightRig rig="threePt" dir="t"/>
+    </dgm:scene3d>
+    <dgm:sp3d/>
+    <dgm:txPr/>
+    <dgm:style>
+      <a:lnRef idx="2">
+        <a:scrgbClr r="0" g="0" b="0"/>
+      </a:lnRef>
+      <a:fillRef idx="1">
+        <a:scrgbClr r="0" g="0" b="0"/>
+      </a:fillRef>
+      <a:effectRef idx="0">
+        <a:scrgbClr r="0" g="0" b="0"/>
+      </a:effectRef>
+      <a:fontRef idx="minor">
+        <a:schemeClr val="lt1"/>
+      </a:fontRef>
+    </dgm:style>
+  </dgm:styleLbl>
+  <dgm:styleLbl name="lnNode1">
+    <dgm:scene3d>
+      <a:camera prst="orthographicFront"/>
+      <a:lightRig rig="threePt" dir="t"/>
+    </dgm:scene3d>
+    <dgm:sp3d/>
+    <dgm:txPr/>
+    <dgm:style>
+      <a:lnRef idx="2">
+        <a:scrgbClr r="0" g="0" b="0"/>
+      </a:lnRef>
+      <a:fillRef idx="1">
+        <a:scrgbClr r="0" g="0" b="0"/>
+      </a:fillRef>
+      <a:effectRef idx="0">
+        <a:scrgbClr r="0" g="0" b="0"/>
+      </a:effectRef>
+      <a:fontRef idx="minor">
+        <a:schemeClr val="lt1"/>
+      </a:fontRef>
+    </dgm:style>
+  </dgm:styleLbl>
+  <dgm:styleLbl name="vennNode1">
+    <dgm:scene3d>
+      <a:camera prst="orthographicFront"/>
+      <a:lightRig rig="threePt" dir="t"/>
+    </dgm:scene3d>
+    <dgm:sp3d/>
+    <dgm:txPr/>
+    <dgm:style>
+      <a:lnRef idx="2">
+        <a:scrgbClr r="0" g="0" b="0"/>
+      </a:lnRef>
+      <a:fillRef idx="1">
+        <a:scrgbClr r="0" g="0" b="0"/>
+      </a:fillRef>
+      <a:effectRef idx="0">
+        <a:scrgbClr r="0" g="0" b="0"/>
+      </a:effectRef>
+      <a:fontRef idx="minor">
+        <a:schemeClr val="tx1"/>
+      </a:fontRef>
+    </dgm:style>
+  </dgm:styleLbl>
+  <dgm:styleLbl name="alignNode1">
+    <dgm:scene3d>
+      <a:camera prst="orthographicFront"/>
+      <a:lightRig rig="threePt" dir="t"/>
+    </dgm:scene3d>
+    <dgm:sp3d/>
+    <dgm:txPr/>
+    <dgm:style>
+      <a:lnRef idx="2">
+        <a:scrgbClr r="0" g="0" b="0"/>
+      </a:lnRef>
+      <a:fillRef idx="1">
+        <a:scrgbClr r="0" g="0" b="0"/>
+      </a:fillRef>
+      <a:effectRef idx="0">
+        <a:scrgbClr r="0" g="0" b="0"/>
+      </a:effectRef>
+      <a:fontRef idx="minor">
+        <a:schemeClr val="lt1"/>
+      </a:fontRef>
+    </dgm:style>
+  </dgm:styleLbl>
+  <dgm:styleLbl name="node1">
+    <dgm:scene3d>
+      <a:camera prst="orthographicFront"/>
+      <a:lightRig rig="threePt" dir="t"/>
+    </dgm:scene3d>
+    <dgm:sp3d/>
+    <dgm:txPr/>
+    <dgm:style>
+      <a:lnRef idx="2">
+        <a:scrgbClr r="0" g="0" b="0"/>
+      </a:lnRef>
+      <a:fillRef idx="1">
+        <a:scrgbClr r="0" g="0" b="0"/>
+      </a:fillRef>
+      <a:effectRef idx="0">
+        <a:scrgbClr r="0" g="0" b="0"/>
+      </a:effectRef>
+      <a:fontRef idx="minor">
+        <a:schemeClr val="lt1"/>
+      </a:fontRef>
+    </dgm:style>
+  </dgm:styleLbl>
+  <dgm:styleLbl name="node2">
+    <dgm:scene3d>
+      <a:camera prst="orthographicFront"/>
+      <a:lightRig rig="threePt" dir="t"/>
+    </dgm:scene3d>
+    <dgm:sp3d/>
+    <dgm:txPr/>
+    <dgm:style>
+      <a:lnRef idx="2">
+        <a:scrgbClr r="0" g="0" b="0"/>
+      </a:lnRef>
+      <a:fillRef idx="1">
+        <a:scrgbClr r="0" g="0" b="0"/>
+      </a:fillRef>
+      <a:effectRef idx="0">
+        <a:scrgbClr r="0" g="0" b="0"/>
+      </a:effectRef>
+      <a:fontRef idx="minor">
+        <a:schemeClr val="lt1"/>
+      </a:fontRef>
+    </dgm:style>
+  </dgm:styleLbl>
+  <dgm:styleLbl name="node3">
+    <dgm:scene3d>
+      <a:camera prst="orthographicFront"/>
+      <a:lightRig rig="threePt" dir="t"/>
+    </dgm:scene3d>
+    <dgm:sp3d/>
+    <dgm:txPr/>
+    <dgm:style>
+      <a:lnRef idx="2">
+        <a:scrgbClr r="0" g="0" b="0"/>
+      </a:lnRef>
+      <a:fillRef idx="1">
+        <a:scrgbClr r="0" g="0" b="0"/>
+      </a:fillRef>
+      <a:effectRef idx="0">
+        <a:scrgbClr r="0" g="0" b="0"/>
+      </a:effectRef>
+      <a:fontRef idx="minor">
+        <a:schemeClr val="lt1"/>
+      </a:fontRef>
+    </dgm:style>
+  </dgm:styleLbl>
+  <dgm:styleLbl name="node4">
+    <dgm:scene3d>
+      <a:camera prst="orthographicFront"/>
+      <a:lightRig rig="threePt" dir="t"/>
+    </dgm:scene3d>
+    <dgm:sp3d/>
+    <dgm:txPr/>
+    <dgm:style>
+      <a:lnRef idx="2">
+        <a:scrgbClr r="0" g="0" b="0"/>
+      </a:lnRef>
+      <a:fillRef idx="1">
+        <a:scrgbClr r="0" g="0" b="0"/>
+      </a:fillRef>
+      <a:effectRef idx="0">
+        <a:scrgbClr r="0" g="0" b="0"/>
+      </a:effectRef>
+      <a:fontRef idx="minor">
+        <a:schemeClr val="lt1"/>
+      </a:fontRef>
+    </dgm:style>
+  </dgm:styleLbl>
+  <dgm:styleLbl name="fgImgPlace1">
+    <dgm:scene3d>
+      <a:camera prst="orthographicFront"/>
+      <a:lightRig rig="threePt" dir="t"/>
+    </dgm:scene3d>
+    <dgm:sp3d/>
+    <dgm:txPr/>
+    <dgm:style>
+      <a:lnRef idx="2">
+        <a:scrgbClr r="0" g="0" b="0"/>
+      </a:lnRef>
+      <a:fillRef idx="1">
+        <a:scrgbClr r="0" g="0" b="0"/>
+      </a:fillRef>
+      <a:effectRef idx="0">
+        <a:scrgbClr r="0" g="0" b="0"/>
+      </a:effectRef>
+      <a:fontRef idx="minor"/>
+    </dgm:style>
+  </dgm:styleLbl>
+  <dgm:styleLbl name="alignImgPlace1">
+    <dgm:scene3d>
+      <a:camera prst="orthographicFront"/>
+      <a:lightRig rig="threePt" dir="t"/>
+    </dgm:scene3d>
+    <dgm:sp3d/>
+    <dgm:txPr/>
+    <dgm:style>
+      <a:lnRef idx="2">
+        <a:scrgbClr r="0" g="0" b="0"/>
+      </a:lnRef>
+      <a:fillRef idx="1">
+        <a:scrgbClr r="0" g="0" b="0"/>
+      </a:fillRef>
+      <a:effectRef idx="0">
+        <a:scrgbClr r="0" g="0" b="0"/>
+      </a:effectRef>
+      <a:fontRef idx="minor"/>
+    </dgm:style>
+  </dgm:styleLbl>
+  <dgm:styleLbl name="bgImgPlace1">
+    <dgm:scene3d>
+      <a:camera prst="orthographicFront"/>
+      <a:lightRig rig="threePt" dir="t"/>
+    </dgm:scene3d>
+    <dgm:sp3d/>
+    <dgm:txPr/>
+    <dgm:style>
+      <a:lnRef idx="2">
+        <a:scrgbClr r="0" g="0" b="0"/>
+      </a:lnRef>
+      <a:fillRef idx="1">
+        <a:scrgbClr r="0" g="0" b="0"/>
+      </a:fillRef>
+      <a:effectRef idx="0">
+        <a:scrgbClr r="0" g="0" b="0"/>
+      </a:effectRef>
+      <a:fontRef idx="minor"/>
+    </dgm:style>
+  </dgm:styleLbl>
+  <dgm:styleLbl name="sibTrans2D1">
+    <dgm:scene3d>
+      <a:camera prst="orthographicFront"/>
+      <a:lightRig rig="threePt" dir="t"/>
+    </dgm:scene3d>
+    <dgm:sp3d/>
+    <dgm:txPr/>
+    <dgm:style>
+      <a:lnRef idx="0">
+        <a:scrgbClr r="0" g="0" b="0"/>
+      </a:lnRef>
+      <a:fillRef idx="1">
+        <a:scrgbClr r="0" g="0" b="0"/>
+      </a:fillRef>
+      <a:effectRef idx="0">
+        <a:scrgbClr r="0" g="0" b="0"/>
+      </a:effectRef>
+      <a:fontRef idx="minor">
+        <a:schemeClr val="lt1"/>
+      </a:fontRef>
+    </dgm:style>
+  </dgm:styleLbl>
+  <dgm:styleLbl name="fgSibTrans2D1">
+    <dgm:scene3d>
+      <a:camera prst="orthographicFront"/>
+      <a:lightRig rig="threePt" dir="t"/>
+    </dgm:scene3d>
+    <dgm:sp3d/>
+    <dgm:txPr/>
+    <dgm:style>
+      <a:lnRef idx="0">
+        <a:scrgbClr r="0" g="0" b="0"/>
+      </a:lnRef>
+      <a:fillRef idx="1">
+        <a:scrgbClr r="0" g="0" b="0"/>
+      </a:fillRef>
+      <a:effectRef idx="0">
+        <a:scrgbClr r="0" g="0" b="0"/>
+      </a:effectRef>
+      <a:fontRef idx="minor">
+        <a:schemeClr val="lt1"/>
+      </a:fontRef>
+    </dgm:style>
+  </dgm:styleLbl>
+  <dgm:styleLbl name="bgSibTrans2D1">
+    <dgm:scene3d>
+      <a:camera prst="orthographicFront"/>
+      <a:lightRig rig="threePt" dir="t"/>
+    </dgm:scene3d>
+    <dgm:sp3d/>
+    <dgm:txPr/>
+    <dgm:style>
+      <a:lnRef idx="0">
+        <a:scrgbClr r="0" g="0" b="0"/>
+      </a:lnRef>
+      <a:fillRef idx="1">
+        <a:scrgbClr r="0" g="0" b="0"/>
+      </a:fillRef>
+      <a:effectRef idx="0">
+        <a:scrgbClr r="0" g="0" b="0"/>
+      </a:effectRef>
+      <a:fontRef idx="minor">
+        <a:schemeClr val="lt1"/>
+      </a:fontRef>
+    </dgm:style>
+  </dgm:styleLbl>
+  <dgm:styleLbl name="sibTrans1D1">
+    <dgm:scene3d>
+      <a:camera prst="orthographicFront"/>
+      <a:lightRig rig="threePt" dir="t"/>
+    </dgm:scene3d>
+    <dgm:sp3d/>
+    <dgm:txPr/>
+    <dgm:style>
+      <a:lnRef idx="1">
+        <a:scrgbClr r="0" g="0" b="0"/>
+      </a:lnRef>
+      <a:fillRef idx="0">
+        <a:scrgbClr r="0" g="0" b="0"/>
+      </a:fillRef>
+      <a:effectRef idx="0">
+        <a:scrgbClr r="0" g="0" b="0"/>
+      </a:effectRef>
+      <a:fontRef idx="minor"/>
+    </dgm:style>
+  </dgm:styleLbl>
+  <dgm:styleLbl name="callout">
+    <dgm:scene3d>
+      <a:camera prst="orthographicFront"/>
+      <a:lightRig rig="threePt" dir="t"/>
+    </dgm:scene3d>
+    <dgm:sp3d/>
+    <dgm:txPr/>
+    <dgm:style>
+      <a:lnRef idx="2">
+        <a:scrgbClr r="0" g="0" b="0"/>
+      </a:lnRef>
+      <a:fillRef idx="1">
+        <a:scrgbClr r="0" g="0" b="0"/>
+      </a:fillRef>
+      <a:effectRef idx="0">
+        <a:scrgbClr r="0" g="0" b="0"/>
+      </a:effectRef>
+      <a:fontRef idx="minor"/>
+    </dgm:style>
+  </dgm:styleLbl>
+  <dgm:styleLbl name="asst0">
+    <dgm:scene3d>
+      <a:camera prst="orthographicFront"/>
+      <a:lightRig rig="threePt" dir="t"/>
+    </dgm:scene3d>
+    <dgm:sp3d/>
+    <dgm:txPr/>
+    <dgm:style>
+      <a:lnRef idx="2">
+        <a:scrgbClr r="0" g="0" b="0"/>
+      </a:lnRef>
+      <a:fillRef idx="1">
+        <a:scrgbClr r="0" g="0" b="0"/>
+      </a:fillRef>
+      <a:effectRef idx="0">
+        <a:scrgbClr r="0" g="0" b="0"/>
+      </a:effectRef>
+      <a:fontRef idx="minor">
+        <a:schemeClr val="lt1"/>
+      </a:fontRef>
+    </dgm:style>
+  </dgm:styleLbl>
+  <dgm:styleLbl name="asst1">
+    <dgm:scene3d>
+      <a:camera prst="orthographicFront"/>
+      <a:lightRig rig="threePt" dir="t"/>
+    </dgm:scene3d>
+    <dgm:sp3d/>
+    <dgm:txPr/>
+    <dgm:style>
+      <a:lnRef idx="2">
+        <a:scrgbClr r="0" g="0" b="0"/>
+      </a:lnRef>
+      <a:fillRef idx="1">
+        <a:scrgbClr r="0" g="0" b="0"/>
+      </a:fillRef>
+      <a:effectRef idx="0">
+        <a:scrgbClr r="0" g="0" b="0"/>
+      </a:effectRef>
+      <a:fontRef idx="minor">
+        <a:schemeClr val="lt1"/>
+      </a:fontRef>
+    </dgm:style>
+  </dgm:styleLbl>
+  <dgm:styleLbl name="asst2">
+    <dgm:scene3d>
+      <a:camera prst="orthographicFront"/>
+      <a:lightRig rig="threePt" dir="t"/>
+    </dgm:scene3d>
+    <dgm:sp3d/>
+    <dgm:txPr/>
+    <dgm:style>
+      <a:lnRef idx="2">
+        <a:scrgbClr r="0" g="0" b="0"/>
+      </a:lnRef>
+      <a:fillRef idx="1">
+        <a:scrgbClr r="0" g="0" b="0"/>
+      </a:fillRef>
+      <a:effectRef idx="0">
+        <a:scrgbClr r="0" g="0" b="0"/>
+      </a:effectRef>
+      <a:fontRef idx="minor">
+        <a:schemeClr val="lt1"/>
+      </a:fontRef>
+    </dgm:style>
+  </dgm:styleLbl>
+  <dgm:styleLbl name="asst3">
+    <dgm:scene3d>
+      <a:camera prst="orthographicFront"/>
+      <a:lightRig rig="threePt" dir="t"/>
+    </dgm:scene3d>
+    <dgm:sp3d/>
+    <dgm:txPr/>
+    <dgm:style>
+      <a:lnRef idx="2">
+        <a:scrgbClr r="0" g="0" b="0"/>
+      </a:lnRef>
+      <a:fillRef idx="1">
+        <a:scrgbClr r="0" g="0" b="0"/>
+      </a:fillRef>
+      <a:effectRef idx="0">
+        <a:scrgbClr r="0" g="0" b="0"/>
+      </a:effectRef>
+      <a:fontRef idx="minor">
+        <a:schemeClr val="lt1"/>
+      </a:fontRef>
+    </dgm:style>
+  </dgm:styleLbl>
+  <dgm:styleLbl name="asst4">
+    <dgm:scene3d>
+      <a:camera prst="orthographicFront"/>
+      <a:lightRig rig="threePt" dir="t"/>
+    </dgm:scene3d>
+    <dgm:sp3d/>
+    <dgm:txPr/>
+    <dgm:style>
+      <a:lnRef idx="2">
+        <a:scrgbClr r="0" g="0" b="0"/>
+      </a:lnRef>
+      <a:fillRef idx="1">
+        <a:scrgbClr r="0" g="0" b="0"/>
+      </a:fillRef>
+      <a:effectRef idx="0">
+        <a:scrgbClr r="0" g="0" b="0"/>
+      </a:effectRef>
+      <a:fontRef idx="minor">
+        <a:schemeClr val="lt1"/>
+      </a:fontRef>
+    </dgm:style>
+  </dgm:styleLbl>
+  <dgm:styleLbl name="parChTrans2D1">
+    <dgm:scene3d>
+      <a:camera prst="orthographicFront"/>
+      <a:lightRig rig="threePt" dir="t"/>
+    </dgm:scene3d>
+    <dgm:sp3d/>
+    <dgm:txPr/>
+    <dgm:style>
+      <a:lnRef idx="2">
+        <a:scrgbClr r="0" g="0" b="0"/>
+      </a:lnRef>
+      <a:fillRef idx="1">
+        <a:scrgbClr r="0" g="0" b="0"/>
+      </a:fillRef>
+      <a:effectRef idx="0">
+        <a:scrgbClr r="0" g="0" b="0"/>
+      </a:effectRef>
+      <a:fontRef idx="minor">
+        <a:schemeClr val="lt1"/>
+      </a:fontRef>
+    </dgm:style>
+  </dgm:styleLbl>
+  <dgm:styleLbl name="parChTrans2D2">
+    <dgm:scene3d>
+      <a:camera prst="orthographicFront"/>
+      <a:lightRig rig="threePt" dir="t"/>
+    </dgm:scene3d>
+    <dgm:sp3d/>
+    <dgm:txPr/>
+    <dgm:style>
+      <a:lnRef idx="2">
+        <a:scrgbClr r="0" g="0" b="0"/>
+      </a:lnRef>
+      <a:fillRef idx="1">
+        <a:scrgbClr r="0" g="0" b="0"/>
+      </a:fillRef>
+      <a:effectRef idx="0">
+        <a:scrgbClr r="0" g="0" b="0"/>
+      </a:effectRef>
+      <a:fontRef idx="minor">
+        <a:schemeClr val="lt1"/>
+      </a:fontRef>
+    </dgm:style>
+  </dgm:styleLbl>
+  <dgm:styleLbl name="parChTrans2D3">
+    <dgm:scene3d>
+      <a:camera prst="orthographicFront"/>
+      <a:lightRig rig="threePt" dir="t"/>
+    </dgm:scene3d>
+    <dgm:sp3d/>
+    <dgm:txPr/>
+    <dgm:style>
+      <a:lnRef idx="2">
+        <a:scrgbClr r="0" g="0" b="0"/>
+      </a:lnRef>
+      <a:fillRef idx="1">
+        <a:scrgbClr r="0" g="0" b="0"/>
+      </a:fillRef>
+      <a:effectRef idx="0">
+        <a:scrgbClr r="0" g="0" b="0"/>
+      </a:effectRef>
+      <a:fontRef idx="minor">
+        <a:schemeClr val="lt1"/>
+      </a:fontRef>
+    </dgm:style>
+  </dgm:styleLbl>
+  <dgm:styleLbl name="parChTrans2D4">
+    <dgm:scene3d>
+      <a:camera prst="orthographicFront"/>
+      <a:lightRig rig="threePt" dir="t"/>
+    </dgm:scene3d>
+    <dgm:sp3d/>
+    <dgm:txPr/>
+    <dgm:style>
+      <a:lnRef idx="2">
+        <a:scrgbClr r="0" g="0" b="0"/>
+      </a:lnRef>
+      <a:fillRef idx="1">
+        <a:scrgbClr r="0" g="0" b="0"/>
+      </a:fillRef>
+      <a:effectRef idx="0">
+        <a:scrgbClr r="0" g="0" b="0"/>
+      </a:effectRef>
+      <a:fontRef idx="minor">
+        <a:schemeClr val="lt1"/>
+      </a:fontRef>
+    </dgm:style>
+  </dgm:styleLbl>
+  <dgm:styleLbl name="parChTrans1D1">
+    <dgm:scene3d>
+      <a:camera prst="orthographicFront"/>
+      <a:lightRig rig="threePt" dir="t"/>
+    </dgm:scene3d>
+    <dgm:sp3d/>
+    <dgm:txPr/>
+    <dgm:style>
+      <a:lnRef idx="2">
+        <a:scrgbClr r="0" g="0" b="0"/>
+      </a:lnRef>
+      <a:fillRef idx="0">
+        <a:scrgbClr r="0" g="0" b="0"/>
+      </a:fillRef>
+      <a:effectRef idx="0">
+        <a:scrgbClr r="0" g="0" b="0"/>
+      </a:effectRef>
+      <a:fontRef idx="minor"/>
+    </dgm:style>
+  </dgm:styleLbl>
+  <dgm:styleLbl name="parChTrans1D2">
+    <dgm:scene3d>
+      <a:camera prst="orthographicFront"/>
+      <a:lightRig rig="threePt" dir="t"/>
+    </dgm:scene3d>
+    <dgm:sp3d/>
+    <dgm:txPr/>
+    <dgm:style>
+      <a:lnRef idx="2">
+        <a:scrgbClr r="0" g="0" b="0"/>
+      </a:lnRef>
+      <a:fillRef idx="0">
+        <a:scrgbClr r="0" g="0" b="0"/>
+      </a:fillRef>
+      <a:effectRef idx="0">
+        <a:scrgbClr r="0" g="0" b="0"/>
+      </a:effectRef>
+      <a:fontRef idx="minor"/>
+    </dgm:style>
+  </dgm:styleLbl>
+  <dgm:styleLbl name="parChTrans1D3">
+    <dgm:scene3d>
+      <a:camera prst="orthographicFront"/>
+      <a:lightRig rig="threePt" dir="t"/>
+    </dgm:scene3d>
+    <dgm:sp3d/>
+    <dgm:txPr/>
+    <dgm:style>
+      <a:lnRef idx="2">
+        <a:scrgbClr r="0" g="0" b="0"/>
+      </a:lnRef>
+      <a:fillRef idx="0">
+        <a:scrgbClr r="0" g="0" b="0"/>
+      </a:fillRef>
+      <a:effectRef idx="0">
+        <a:scrgbClr r="0" g="0" b="0"/>
+      </a:effectRef>
+      <a:fontRef idx="minor"/>
+    </dgm:style>
+  </dgm:styleLbl>
+  <dgm:styleLbl name="parChTrans1D4">
+    <dgm:scene3d>
+      <a:camera prst="orthographicFront"/>
+      <a:lightRig rig="threePt" dir="t"/>
+    </dgm:scene3d>
+    <dgm:sp3d/>
+    <dgm:txPr/>
+    <dgm:style>
+      <a:lnRef idx="2">
+        <a:scrgbClr r="0" g="0" b="0"/>
+      </a:lnRef>
+      <a:fillRef idx="0">
+        <a:scrgbClr r="0" g="0" b="0"/>
+      </a:fillRef>
+      <a:effectRef idx="0">
+        <a:scrgbClr r="0" g="0" b="0"/>
+      </a:effectRef>
+      <a:fontRef idx="minor"/>
+    </dgm:style>
+  </dgm:styleLbl>
+  <dgm:styleLbl name="fgAcc1">
+    <dgm:scene3d>
+      <a:camera prst="orthographicFront"/>
+      <a:lightRig rig="threePt" dir="t"/>
+    </dgm:scene3d>
+    <dgm:sp3d/>
+    <dgm:txPr/>
+    <dgm:style>
+      <a:lnRef idx="2">
+        <a:scrgbClr r="0" g="0" b="0"/>
+      </a:lnRef>
+      <a:fillRef idx="1">
+        <a:scrgbClr r="0" g="0" b="0"/>
+      </a:fillRef>
+      <a:effectRef idx="0">
+        <a:scrgbClr r="0" g="0" b="0"/>
+      </a:effectRef>
+      <a:fontRef idx="minor"/>
+    </dgm:style>
+  </dgm:styleLbl>
+  <dgm:styleLbl name="conFgAcc1">
+    <dgm:scene3d>
+      <a:camera prst="orthographicFront"/>
+      <a:lightRig rig="threePt" dir="t"/>
+    </dgm:scene3d>
+    <dgm:sp3d/>
+    <dgm:txPr/>
+    <dgm:style>
+      <a:lnRef idx="2">
+        <a:scrgbClr r="0" g="0" b="0"/>
+      </a:lnRef>
+      <a:fillRef idx="1">
+        <a:scrgbClr r="0" g="0" b="0"/>
+      </a:fillRef>
+      <a:effectRef idx="0">
+        <a:scrgbClr r="0" g="0" b="0"/>
+      </a:effectRef>
+      <a:fontRef idx="minor"/>
+    </dgm:style>
+  </dgm:styleLbl>
+  <dgm:styleLbl name="alignAcc1">
+    <dgm:scene3d>
+      <a:camera prst="orthographicFront"/>
+      <a:lightRig rig="threePt" dir="t"/>
+    </dgm:scene3d>
+    <dgm:sp3d/>
+    <dgm:txPr/>
+    <dgm:style>
+      <a:lnRef idx="2">
+        <a:scrgbClr r="0" g="0" b="0"/>
+      </a:lnRef>
+      <a:fillRef idx="1">
+        <a:scrgbClr r="0" g="0" b="0"/>
+      </a:fillRef>
+      <a:effectRef idx="0">
+        <a:scrgbClr r="0" g="0" b="0"/>
+      </a:effectRef>
+      <a:fontRef idx="minor"/>
+    </dgm:style>
+  </dgm:styleLbl>
+  <dgm:styleLbl name="trAlignAcc1">
+    <dgm:scene3d>
+      <a:camera prst="orthographicFront"/>
+      <a:lightRig rig="threePt" dir="t"/>
+    </dgm:scene3d>
+    <dgm:sp3d/>
+    <dgm:txPr/>
+    <dgm:style>
+      <a:lnRef idx="1">
+        <a:scrgbClr r="0" g="0" b="0"/>
+      </a:lnRef>
+      <a:fillRef idx="1">
+        <a:scrgbClr r="0" g="0" b="0"/>
+      </a:fillRef>
+      <a:effectRef idx="0">
+        <a:scrgbClr r="0" g="0" b="0"/>
+      </a:effectRef>
+      <a:fontRef idx="minor"/>
+    </dgm:style>
+  </dgm:styleLbl>
+  <dgm:styleLbl name="bgAcc1">
+    <dgm:scene3d>
+      <a:camera prst="orthographicFront"/>
+      <a:lightRig rig="threePt" dir="t"/>
+    </dgm:scene3d>
+    <dgm:sp3d/>
+    <dgm:txPr/>
+    <dgm:style>
+      <a:lnRef idx="2">
+        <a:scrgbClr r="0" g="0" b="0"/>
+      </a:lnRef>
+      <a:fillRef idx="1">
+        <a:scrgbClr r="0" g="0" b="0"/>
+      </a:fillRef>
+      <a:effectRef idx="0">
+        <a:scrgbClr r="0" g="0" b="0"/>
+      </a:effectRef>
+      <a:fontRef idx="minor"/>
+    </dgm:style>
+  </dgm:styleLbl>
+  <dgm:styleLbl name="solidFgAcc1">
+    <dgm:scene3d>
+      <a:camera prst="orthographicFront"/>
+      <a:lightRig rig="threePt" dir="t"/>
+    </dgm:scene3d>
+    <dgm:sp3d/>
+    <dgm:txPr/>
+    <dgm:style>
+      <a:lnRef idx="2">
+        <a:scrgbClr r="0" g="0" b="0"/>
+      </a:lnRef>
+      <a:fillRef idx="1">
+        <a:scrgbClr r="0" g="0" b="0"/>
+      </a:fillRef>
+      <a:effectRef idx="0">
+        <a:scrgbClr r="0" g="0" b="0"/>
+      </a:effectRef>
+      <a:fontRef idx="minor"/>
+    </dgm:style>
+  </dgm:styleLbl>
+  <dgm:styleLbl name="solidAlignAcc1">
+    <dgm:scene3d>
+      <a:camera prst="orthographicFront"/>
+      <a:lightRig rig="threePt" dir="t"/>
+    </dgm:scene3d>
+    <dgm:sp3d/>
+    <dgm:txPr/>
+    <dgm:style>
+      <a:lnRef idx="2">
+        <a:scrgbClr r="0" g="0" b="0"/>
+      </a:lnRef>
+      <a:fillRef idx="1">
+        <a:scrgbClr r="0" g="0" b="0"/>
+      </a:fillRef>
+      <a:effectRef idx="0">
+        <a:scrgbClr r="0" g="0" b="0"/>
+      </a:effectRef>
+      <a:fontRef idx="minor"/>
+    </dgm:style>
+  </dgm:styleLbl>
+  <dgm:styleLbl name="solidBgAcc1">
+    <dgm:scene3d>
+      <a:camera prst="orthographicFront"/>
+      <a:lightRig rig="threePt" dir="t"/>
+    </dgm:scene3d>
+    <dgm:sp3d/>
+    <dgm:txPr/>
+    <dgm:style>
+      <a:lnRef idx="2">
+        <a:scrgbClr r="0" g="0" b="0"/>
+      </a:lnRef>
+      <a:fillRef idx="1">
+        <a:scrgbClr r="0" g="0" b="0"/>
+      </a:fillRef>
+      <a:effectRef idx="0">
+        <a:scrgbClr r="0" g="0" b="0"/>
+      </a:effectRef>
+      <a:fontRef idx="minor"/>
+    </dgm:style>
+  </dgm:styleLbl>
+  <dgm:styleLbl name="fgAccFollowNode1">
+    <dgm:scene3d>
+      <a:camera prst="orthographicFront"/>
+      <a:lightRig rig="threePt" dir="t"/>
+    </dgm:scene3d>
+    <dgm:sp3d/>
+    <dgm:txPr/>
+    <dgm:style>
+      <a:lnRef idx="2">
+        <a:scrgbClr r="0" g="0" b="0"/>
+      </a:lnRef>
+      <a:fillRef idx="1">
+        <a:scrgbClr r="0" g="0" b="0"/>
+      </a:fillRef>
+      <a:effectRef idx="0">
+        <a:scrgbClr r="0" g="0" b="0"/>
+      </a:effectRef>
+      <a:fontRef idx="minor"/>
+    </dgm:style>
+  </dgm:styleLbl>
+  <dgm:styleLbl name="alignAccFollowNode1">
+    <dgm:scene3d>
+      <a:camera prst="orthographicFront"/>
+      <a:lightRig rig="threePt" dir="t"/>
+    </dgm:scene3d>
+    <dgm:sp3d/>
+    <dgm:txPr/>
+    <dgm:style>
+      <a:lnRef idx="2">
+        <a:scrgbClr r="0" g="0" b="0"/>
+      </a:lnRef>
+      <a:fillRef idx="1">
+        <a:scrgbClr r="0" g="0" b="0"/>
+      </a:fillRef>
+      <a:effectRef idx="0">
+        <a:scrgbClr r="0" g="0" b="0"/>
+      </a:effectRef>
+      <a:fontRef idx="minor"/>
+    </dgm:style>
+  </dgm:styleLbl>
+  <dgm:styleLbl name="bgAccFollowNode1">
+    <dgm:scene3d>
+      <a:camera prst="orthographicFront"/>
+      <a:lightRig rig="threePt" dir="t"/>
+    </dgm:scene3d>
+    <dgm:sp3d/>
+    <dgm:txPr/>
+    <dgm:style>
+      <a:lnRef idx="2">
+        <a:scrgbClr r="0" g="0" b="0"/>
+      </a:lnRef>
+      <a:fillRef idx="1">
+        <a:scrgbClr r="0" g="0" b="0"/>
+      </a:fillRef>
+      <a:effectRef idx="0">
+        <a:scrgbClr r="0" g="0" b="0"/>
+      </a:effectRef>
+      <a:fontRef idx="minor"/>
+    </dgm:style>
+  </dgm:styleLbl>
+  <dgm:styleLbl name="fgAcc0">
+    <dgm:scene3d>
+      <a:camera prst="orthographicFront"/>
+      <a:lightRig rig="threePt" dir="t"/>
+    </dgm:scene3d>
+    <dgm:sp3d/>
+    <dgm:txPr/>
+    <dgm:style>
+      <a:lnRef idx="2">
+        <a:scrgbClr r="0" g="0" b="0"/>
+      </a:lnRef>
+      <a:fillRef idx="1">
+        <a:scrgbClr r="0" g="0" b="0"/>
+      </a:fillRef>
+      <a:effectRef idx="0">
+        <a:scrgbClr r="0" g="0" b="0"/>
+      </a:effectRef>
+      <a:fontRef idx="minor"/>
+    </dgm:style>
+  </dgm:styleLbl>
+  <dgm:styleLbl name="fgAcc2">
+    <dgm:scene3d>
+      <a:camera prst="orthographicFront"/>
+      <a:lightRig rig="threePt" dir="t"/>
+    </dgm:scene3d>
+    <dgm:sp3d/>
+    <dgm:txPr/>
+    <dgm:style>
+      <a:lnRef idx="2">
+        <a:scrgbClr r="0" g="0" b="0"/>
+      </a:lnRef>
+      <a:fillRef idx="1">
+        <a:scrgbClr r="0" g="0" b="0"/>
+      </a:fillRef>
+      <a:effectRef idx="0">
+        <a:scrgbClr r="0" g="0" b="0"/>
+      </a:effectRef>
+      <a:fontRef idx="minor"/>
+    </dgm:style>
+  </dgm:styleLbl>
+  <dgm:styleLbl name="fgAcc3">
+    <dgm:scene3d>
+      <a:camera prst="orthographicFront"/>
+      <a:lightRig rig="threePt" dir="t"/>
+    </dgm:scene3d>
+    <dgm:sp3d/>
+    <dgm:txPr/>
+    <dgm:style>
+      <a:lnRef idx="2">
+        <a:scrgbClr r="0" g="0" b="0"/>
+      </a:lnRef>
+      <a:fillRef idx="1">
+        <a:scrgbClr r="0" g="0" b="0"/>
+      </a:fillRef>
+      <a:effectRef idx="0">
+        <a:scrgbClr r="0" g="0" b="0"/>
+      </a:effectRef>
+      <a:fontRef idx="minor"/>
+    </dgm:style>
+  </dgm:styleLbl>
+  <dgm:styleLbl name="fgAcc4">
+    <dgm:scene3d>
+      <a:camera prst="orthographicFront"/>
+      <a:lightRig rig="threePt" dir="t"/>
+    </dgm:scene3d>
+    <dgm:sp3d/>
+    <dgm:txPr/>
+    <dgm:style>
+      <a:lnRef idx="2">
+        <a:scrgbClr r="0" g="0" b="0"/>
+      </a:lnRef>
+      <a:fillRef idx="1">
+        <a:scrgbClr r="0" g="0" b="0"/>
+      </a:fillRef>
+      <a:effectRef idx="0">
+        <a:scrgbClr r="0" g="0" b="0"/>
+      </a:effectRef>
+      <a:fontRef idx="minor"/>
+    </dgm:style>
+  </dgm:styleLbl>
+  <dgm:styleLbl name="bgShp">
+    <dgm:scene3d>
+      <a:camera prst="orthographicFront"/>
+      <a:lightRig rig="threePt" dir="t"/>
+    </dgm:scene3d>
+    <dgm:sp3d/>
+    <dgm:txPr/>
+    <dgm:style>
+      <a:lnRef idx="0">
+        <a:scrgbClr r="0" g="0" b="0"/>
+      </a:lnRef>
+      <a:fillRef idx="1">
+        <a:scrgbClr r="0" g="0" b="0"/>
+      </a:fillRef>
+      <a:effectRef idx="0">
+        <a:scrgbClr r="0" g="0" b="0"/>
+      </a:effectRef>
+      <a:fontRef idx="minor"/>
+    </dgm:style>
+  </dgm:styleLbl>
+  <dgm:styleLbl name="dkBgShp">
+    <dgm:scene3d>
+      <a:camera prst="orthographicFront"/>
+      <a:lightRig rig="threePt" dir="t"/>
+    </dgm:scene3d>
+    <dgm:sp3d/>
+    <dgm:txPr/>
+    <dgm:style>
+      <a:lnRef idx="0">
+        <a:scrgbClr r="0" g="0" b="0"/>
+      </a:lnRef>
+      <a:fillRef idx="1">
+        <a:scrgbClr r="0" g="0" b="0"/>
+      </a:fillRef>
+      <a:effectRef idx="0">
+        <a:scrgbClr r="0" g="0" b="0"/>
+      </a:effectRef>
+      <a:fontRef idx="minor"/>
+    </dgm:style>
+  </dgm:styleLbl>
+  <dgm:styleLbl name="trBgShp">
+    <dgm:scene3d>
+      <a:camera prst="orthographicFront"/>
+      <a:lightRig rig="threePt" dir="t"/>
+    </dgm:scene3d>
+    <dgm:sp3d/>
+    <dgm:txPr/>
+    <dgm:style>
+      <a:lnRef idx="0">
+        <a:scrgbClr r="0" g="0" b="0"/>
+      </a:lnRef>
+      <a:fillRef idx="1">
+        <a:scrgbClr r="0" g="0" b="0"/>
+      </a:fillRef>
+      <a:effectRef idx="0">
+        <a:scrgbClr r="0" g="0" b="0"/>
+      </a:effectRef>
+      <a:fontRef idx="minor"/>
+    </dgm:style>
+  </dgm:styleLbl>
+  <dgm:styleLbl name="fgShp">
+    <dgm:scene3d>
+      <a:camera prst="orthographicFront"/>
+      <a:lightRig rig="threePt" dir="t"/>
+    </dgm:scene3d>
+    <dgm:sp3d/>
+    <dgm:txPr/>
+    <dgm:style>
+      <a:lnRef idx="2">
+        <a:scrgbClr r="0" g="0" b="0"/>
+      </a:lnRef>
+      <a:fillRef idx="1">
+        <a:scrgbClr r="0" g="0" b="0"/>
+      </a:fillRef>
+      <a:effectRef idx="0">
+        <a:scrgbClr r="0" g="0" b="0"/>
+      </a:effectRef>
+      <a:fontRef idx="minor"/>
+    </dgm:style>
+  </dgm:styleLbl>
+  <dgm:styleLbl name="revTx">
+    <dgm:scene3d>
+      <a:camera prst="orthographicFront"/>
+      <a:lightRig rig="threePt" dir="t"/>
+    </dgm:scene3d>
+    <dgm:sp3d/>
+    <dgm:txPr/>
+    <dgm:style>
+      <a:lnRef idx="0">
+        <a:scrgbClr r="0" g="0" b="0"/>
+      </a:lnRef>
+      <a:fillRef idx="0">
+        <a:scrgbClr r="0" g="0" b="0"/>
+      </a:fillRef>
+      <a:effectRef idx="0">
+        <a:scrgbClr r="0" g="0" b="0"/>
+      </a:effectRef>
+      <a:fontRef idx="minor"/>
+    </dgm:style>
+  </dgm:styleLbl>
+</dgm:styleDef>
+</file>
+
 <file path=ppt/slideLayouts/slideLayout1.xml><?xml version="1.0" encoding="utf-8"?>
 <p:sldLayout xmlns:a="http://schemas.openxmlformats.org/drawingml/2006/main" xmlns:r="http://schemas.openxmlformats.org/officeDocument/2006/relationships" xmlns:p="http://schemas.openxmlformats.org/presentationml/2006/main" type="title" preserve="1">
   <p:cSld name="标题幻灯片">
@@ -244,7 +7197,7 @@
           <a:p>
             <a:fld id="{DA8B0091-2D57-470A-B052-82E460EC9AFD}" type="datetimeFigureOut">
               <a:rPr lang="zh-CN" altLang="en-US" smtClean="0"/>
-              <a:t>2018/4/29</a:t>
+              <a:t>2018/5/2</a:t>
             </a:fld>
             <a:endParaRPr lang="zh-CN" altLang="en-US"/>
           </a:p>
@@ -414,7 +7367,7 @@
           <a:p>
             <a:fld id="{DA8B0091-2D57-470A-B052-82E460EC9AFD}" type="datetimeFigureOut">
               <a:rPr lang="zh-CN" altLang="en-US" smtClean="0"/>
-              <a:t>2018/4/29</a:t>
+              <a:t>2018/5/2</a:t>
             </a:fld>
             <a:endParaRPr lang="zh-CN" altLang="en-US"/>
           </a:p>
@@ -594,7 +7547,7 @@
           <a:p>
             <a:fld id="{DA8B0091-2D57-470A-B052-82E460EC9AFD}" type="datetimeFigureOut">
               <a:rPr lang="zh-CN" altLang="en-US" smtClean="0"/>
-              <a:t>2018/4/29</a:t>
+              <a:t>2018/5/2</a:t>
             </a:fld>
             <a:endParaRPr lang="zh-CN" altLang="en-US"/>
           </a:p>
@@ -764,7 +7717,7 @@
           <a:p>
             <a:fld id="{DA8B0091-2D57-470A-B052-82E460EC9AFD}" type="datetimeFigureOut">
               <a:rPr lang="zh-CN" altLang="en-US" smtClean="0"/>
-              <a:t>2018/4/29</a:t>
+              <a:t>2018/5/2</a:t>
             </a:fld>
             <a:endParaRPr lang="zh-CN" altLang="en-US"/>
           </a:p>
@@ -1008,7 +7961,7 @@
           <a:p>
             <a:fld id="{DA8B0091-2D57-470A-B052-82E460EC9AFD}" type="datetimeFigureOut">
               <a:rPr lang="zh-CN" altLang="en-US" smtClean="0"/>
-              <a:t>2018/4/29</a:t>
+              <a:t>2018/5/2</a:t>
             </a:fld>
             <a:endParaRPr lang="zh-CN" altLang="en-US"/>
           </a:p>
@@ -1240,7 +8193,7 @@
           <a:p>
             <a:fld id="{DA8B0091-2D57-470A-B052-82E460EC9AFD}" type="datetimeFigureOut">
               <a:rPr lang="zh-CN" altLang="en-US" smtClean="0"/>
-              <a:t>2018/4/29</a:t>
+              <a:t>2018/5/2</a:t>
             </a:fld>
             <a:endParaRPr lang="zh-CN" altLang="en-US"/>
           </a:p>
@@ -1607,7 +8560,7 @@
           <a:p>
             <a:fld id="{DA8B0091-2D57-470A-B052-82E460EC9AFD}" type="datetimeFigureOut">
               <a:rPr lang="zh-CN" altLang="en-US" smtClean="0"/>
-              <a:t>2018/4/29</a:t>
+              <a:t>2018/5/2</a:t>
             </a:fld>
             <a:endParaRPr lang="zh-CN" altLang="en-US"/>
           </a:p>
@@ -1725,7 +8678,7 @@
           <a:p>
             <a:fld id="{DA8B0091-2D57-470A-B052-82E460EC9AFD}" type="datetimeFigureOut">
               <a:rPr lang="zh-CN" altLang="en-US" smtClean="0"/>
-              <a:t>2018/4/29</a:t>
+              <a:t>2018/5/2</a:t>
             </a:fld>
             <a:endParaRPr lang="zh-CN" altLang="en-US"/>
           </a:p>
@@ -1820,7 +8773,7 @@
           <a:p>
             <a:fld id="{DA8B0091-2D57-470A-B052-82E460EC9AFD}" type="datetimeFigureOut">
               <a:rPr lang="zh-CN" altLang="en-US" smtClean="0"/>
-              <a:t>2018/4/29</a:t>
+              <a:t>2018/5/2</a:t>
             </a:fld>
             <a:endParaRPr lang="zh-CN" altLang="en-US"/>
           </a:p>
@@ -2097,7 +9050,7 @@
           <a:p>
             <a:fld id="{DA8B0091-2D57-470A-B052-82E460EC9AFD}" type="datetimeFigureOut">
               <a:rPr lang="zh-CN" altLang="en-US" smtClean="0"/>
-              <a:t>2018/4/29</a:t>
+              <a:t>2018/5/2</a:t>
             </a:fld>
             <a:endParaRPr lang="zh-CN" altLang="en-US"/>
           </a:p>
@@ -2354,7 +9307,7 @@
           <a:p>
             <a:fld id="{DA8B0091-2D57-470A-B052-82E460EC9AFD}" type="datetimeFigureOut">
               <a:rPr lang="zh-CN" altLang="en-US" smtClean="0"/>
-              <a:t>2018/4/29</a:t>
+              <a:t>2018/5/2</a:t>
             </a:fld>
             <a:endParaRPr lang="zh-CN" altLang="en-US"/>
           </a:p>
@@ -2567,7 +9520,7 @@
           <a:p>
             <a:fld id="{DA8B0091-2D57-470A-B052-82E460EC9AFD}" type="datetimeFigureOut">
               <a:rPr lang="zh-CN" altLang="en-US" smtClean="0"/>
-              <a:t>2018/4/29</a:t>
+              <a:t>2018/5/2</a:t>
             </a:fld>
             <a:endParaRPr lang="zh-CN" altLang="en-US"/>
           </a:p>
@@ -8445,6 +15398,1461 @@
 </p:sld>
 </file>
 
+<file path=ppt/slides/slide3.xml><?xml version="1.0" encoding="utf-8"?>
+<p:sld xmlns:a="http://schemas.openxmlformats.org/drawingml/2006/main" xmlns:r="http://schemas.openxmlformats.org/officeDocument/2006/relationships" xmlns:p="http://schemas.openxmlformats.org/presentationml/2006/main">
+  <p:cSld>
+    <p:spTree>
+      <p:nvGrpSpPr>
+        <p:cNvPr id="1" name=""/>
+        <p:cNvGrpSpPr/>
+        <p:nvPr/>
+      </p:nvGrpSpPr>
+      <p:grpSpPr>
+        <a:xfrm>
+          <a:off x="0" y="0"/>
+          <a:ext cx="0" cy="0"/>
+          <a:chOff x="0" y="0"/>
+          <a:chExt cx="0" cy="0"/>
+        </a:xfrm>
+      </p:grpSpPr>
+      <p:graphicFrame>
+        <p:nvGraphicFramePr>
+          <p:cNvPr id="2" name="图示 1">
+            <a:extLst>
+              <a:ext uri="{FF2B5EF4-FFF2-40B4-BE49-F238E27FC236}">
+                <a16:creationId xmlns:a16="http://schemas.microsoft.com/office/drawing/2014/main" id="{14F50CEC-0216-4476-9B10-A6BD600E8C08}"/>
+              </a:ext>
+            </a:extLst>
+          </p:cNvPr>
+          <p:cNvGraphicFramePr/>
+          <p:nvPr>
+            <p:extLst>
+              <p:ext uri="{D42A27DB-BD31-4B8C-83A1-F6EECF244321}">
+                <p14:modId xmlns:p14="http://schemas.microsoft.com/office/powerpoint/2010/main" val="1651619189"/>
+              </p:ext>
+            </p:extLst>
+          </p:nvPr>
+        </p:nvGraphicFramePr>
+        <p:xfrm>
+          <a:off x="1590675" y="13411200"/>
+          <a:ext cx="10093325" cy="5854700"/>
+        </p:xfrm>
+        <a:graphic>
+          <a:graphicData uri="http://schemas.openxmlformats.org/drawingml/2006/diagram">
+            <dgm:relIds xmlns:dgm="http://schemas.openxmlformats.org/drawingml/2006/diagram" xmlns:r="http://schemas.openxmlformats.org/officeDocument/2006/relationships" r:dm="rId2" r:lo="rId3" r:qs="rId4" r:cs="rId5"/>
+          </a:graphicData>
+        </a:graphic>
+      </p:graphicFrame>
+    </p:spTree>
+    <p:extLst>
+      <p:ext uri="{BB962C8B-B14F-4D97-AF65-F5344CB8AC3E}">
+        <p14:creationId xmlns:p14="http://schemas.microsoft.com/office/powerpoint/2010/main" val="1003774054"/>
+      </p:ext>
+    </p:extLst>
+  </p:cSld>
+  <p:clrMapOvr>
+    <a:masterClrMapping/>
+  </p:clrMapOvr>
+</p:sld>
+</file>
+
+<file path=ppt/slides/slide4.xml><?xml version="1.0" encoding="utf-8"?>
+<p:sld xmlns:a="http://schemas.openxmlformats.org/drawingml/2006/main" xmlns:r="http://schemas.openxmlformats.org/officeDocument/2006/relationships" xmlns:p="http://schemas.openxmlformats.org/presentationml/2006/main">
+  <p:cSld>
+    <p:spTree>
+      <p:nvGrpSpPr>
+        <p:cNvPr id="1" name=""/>
+        <p:cNvGrpSpPr/>
+        <p:nvPr/>
+      </p:nvGrpSpPr>
+      <p:grpSpPr>
+        <a:xfrm>
+          <a:off x="0" y="0"/>
+          <a:ext cx="0" cy="0"/>
+          <a:chOff x="0" y="0"/>
+          <a:chExt cx="0" cy="0"/>
+        </a:xfrm>
+      </p:grpSpPr>
+      <p:sp>
+        <p:nvSpPr>
+          <p:cNvPr id="2" name="文本框 1">
+            <a:extLst>
+              <a:ext uri="{FF2B5EF4-FFF2-40B4-BE49-F238E27FC236}">
+                <a16:creationId xmlns:a16="http://schemas.microsoft.com/office/drawing/2014/main" id="{1E323617-C611-4469-A7DA-D2AA3B3FD82D}"/>
+              </a:ext>
+            </a:extLst>
+          </p:cNvPr>
+          <p:cNvSpPr txBox="1"/>
+          <p:nvPr/>
+        </p:nvSpPr>
+        <p:spPr>
+          <a:xfrm>
+            <a:off x="5193730" y="540370"/>
+            <a:ext cx="1169377" cy="408623"/>
+          </a:xfrm>
+          <a:prstGeom prst="roundRect">
+            <a:avLst/>
+          </a:prstGeom>
+        </p:spPr>
+        <p:style>
+          <a:lnRef idx="2">
+            <a:schemeClr val="dk1"/>
+          </a:lnRef>
+          <a:fillRef idx="1">
+            <a:schemeClr val="lt1"/>
+          </a:fillRef>
+          <a:effectRef idx="0">
+            <a:schemeClr val="dk1"/>
+          </a:effectRef>
+          <a:fontRef idx="minor">
+            <a:schemeClr val="dk1"/>
+          </a:fontRef>
+        </p:style>
+        <p:txBody>
+          <a:bodyPr wrap="square" rtlCol="0">
+            <a:spAutoFit/>
+          </a:bodyPr>
+          <a:lstStyle/>
+          <a:p>
+            <a:r>
+              <a:rPr lang="zh-CN" altLang="en-US" dirty="0"/>
+              <a:t>    开始</a:t>
+            </a:r>
+          </a:p>
+        </p:txBody>
+      </p:sp>
+      <p:sp>
+        <p:nvSpPr>
+          <p:cNvPr id="3" name="文本框 2">
+            <a:extLst>
+              <a:ext uri="{FF2B5EF4-FFF2-40B4-BE49-F238E27FC236}">
+                <a16:creationId xmlns:a16="http://schemas.microsoft.com/office/drawing/2014/main" id="{45A95969-33FB-494A-81C3-CF8F2EA35400}"/>
+              </a:ext>
+            </a:extLst>
+          </p:cNvPr>
+          <p:cNvSpPr txBox="1"/>
+          <p:nvPr/>
+        </p:nvSpPr>
+        <p:spPr>
+          <a:xfrm>
+            <a:off x="228495" y="1526574"/>
+            <a:ext cx="2241595" cy="646331"/>
+          </a:xfrm>
+          <a:prstGeom prst="flowChartInputOutput">
+            <a:avLst/>
+          </a:prstGeom>
+        </p:spPr>
+        <p:style>
+          <a:lnRef idx="2">
+            <a:schemeClr val="dk1"/>
+          </a:lnRef>
+          <a:fillRef idx="1">
+            <a:schemeClr val="lt1"/>
+          </a:fillRef>
+          <a:effectRef idx="0">
+            <a:schemeClr val="dk1"/>
+          </a:effectRef>
+          <a:fontRef idx="minor">
+            <a:schemeClr val="dk1"/>
+          </a:fontRef>
+        </p:style>
+        <p:txBody>
+          <a:bodyPr wrap="square" rtlCol="0">
+            <a:spAutoFit/>
+          </a:bodyPr>
+          <a:lstStyle/>
+          <a:p>
+            <a:r>
+              <a:rPr lang="zh-CN" altLang="en-US" dirty="0"/>
+              <a:t>输入手机号和验证码</a:t>
+            </a:r>
+          </a:p>
+        </p:txBody>
+      </p:sp>
+      <p:sp>
+        <p:nvSpPr>
+          <p:cNvPr id="4" name="文本框 3">
+            <a:extLst>
+              <a:ext uri="{FF2B5EF4-FFF2-40B4-BE49-F238E27FC236}">
+                <a16:creationId xmlns:a16="http://schemas.microsoft.com/office/drawing/2014/main" id="{D2822DB7-9E60-487E-BEE2-A1AF2C655386}"/>
+              </a:ext>
+            </a:extLst>
+          </p:cNvPr>
+          <p:cNvSpPr txBox="1"/>
+          <p:nvPr/>
+        </p:nvSpPr>
+        <p:spPr>
+          <a:xfrm>
+            <a:off x="345011" y="2461271"/>
+            <a:ext cx="2200939" cy="733663"/>
+          </a:xfrm>
+          <a:prstGeom prst="flowChartDecision">
+            <a:avLst/>
+          </a:prstGeom>
+        </p:spPr>
+        <p:style>
+          <a:lnRef idx="2">
+            <a:schemeClr val="dk1"/>
+          </a:lnRef>
+          <a:fillRef idx="1">
+            <a:schemeClr val="lt1"/>
+          </a:fillRef>
+          <a:effectRef idx="0">
+            <a:schemeClr val="dk1"/>
+          </a:effectRef>
+          <a:fontRef idx="minor">
+            <a:schemeClr val="dk1"/>
+          </a:fontRef>
+        </p:style>
+        <p:txBody>
+          <a:bodyPr wrap="square" rtlCol="0">
+            <a:spAutoFit/>
+          </a:bodyPr>
+          <a:lstStyle/>
+          <a:p>
+            <a:r>
+              <a:rPr lang="zh-CN" altLang="en-US" dirty="0"/>
+              <a:t>验证成功</a:t>
+            </a:r>
+          </a:p>
+        </p:txBody>
+      </p:sp>
+      <p:sp>
+        <p:nvSpPr>
+          <p:cNvPr id="5" name="文本框 4">
+            <a:extLst>
+              <a:ext uri="{FF2B5EF4-FFF2-40B4-BE49-F238E27FC236}">
+                <a16:creationId xmlns:a16="http://schemas.microsoft.com/office/drawing/2014/main" id="{0EC7BE2C-91E1-452D-B0AC-6552A4B40E7C}"/>
+              </a:ext>
+            </a:extLst>
+          </p:cNvPr>
+          <p:cNvSpPr txBox="1"/>
+          <p:nvPr/>
+        </p:nvSpPr>
+        <p:spPr>
+          <a:xfrm>
+            <a:off x="1009050" y="3592603"/>
+            <a:ext cx="680483" cy="369332"/>
+          </a:xfrm>
+          <a:prstGeom prst="rect">
+            <a:avLst/>
+          </a:prstGeom>
+          <a:noFill/>
+        </p:spPr>
+        <p:txBody>
+          <a:bodyPr wrap="square" rtlCol="0">
+            <a:spAutoFit/>
+          </a:bodyPr>
+          <a:lstStyle/>
+          <a:p>
+            <a:r>
+              <a:rPr lang="en-US" altLang="zh-CN" dirty="0"/>
+              <a:t>Y</a:t>
+            </a:r>
+            <a:endParaRPr lang="zh-CN" altLang="en-US" dirty="0"/>
+          </a:p>
+        </p:txBody>
+      </p:sp>
+      <p:cxnSp>
+        <p:nvCxnSpPr>
+          <p:cNvPr id="6" name="直接箭头连接符 5">
+            <a:extLst>
+              <a:ext uri="{FF2B5EF4-FFF2-40B4-BE49-F238E27FC236}">
+                <a16:creationId xmlns:a16="http://schemas.microsoft.com/office/drawing/2014/main" id="{F209B12C-D809-4F72-8DB8-D69B22AD5360}"/>
+              </a:ext>
+            </a:extLst>
+          </p:cNvPr>
+          <p:cNvCxnSpPr>
+            <a:cxnSpLocks/>
+          </p:cNvCxnSpPr>
+          <p:nvPr/>
+        </p:nvCxnSpPr>
+        <p:spPr>
+          <a:xfrm>
+            <a:off x="5778418" y="958139"/>
+            <a:ext cx="0" cy="451561"/>
+          </a:xfrm>
+          <a:prstGeom prst="straightConnector1">
+            <a:avLst/>
+          </a:prstGeom>
+          <a:ln>
+            <a:solidFill>
+              <a:schemeClr val="tx1"/>
+            </a:solidFill>
+            <a:tailEnd type="triangle"/>
+          </a:ln>
+        </p:spPr>
+        <p:style>
+          <a:lnRef idx="1">
+            <a:schemeClr val="accent1"/>
+          </a:lnRef>
+          <a:fillRef idx="0">
+            <a:schemeClr val="accent1"/>
+          </a:fillRef>
+          <a:effectRef idx="0">
+            <a:schemeClr val="accent1"/>
+          </a:effectRef>
+          <a:fontRef idx="minor">
+            <a:schemeClr val="tx1"/>
+          </a:fontRef>
+        </p:style>
+      </p:cxnSp>
+      <p:sp>
+        <p:nvSpPr>
+          <p:cNvPr id="8" name="文本框 7">
+            <a:extLst>
+              <a:ext uri="{FF2B5EF4-FFF2-40B4-BE49-F238E27FC236}">
+                <a16:creationId xmlns:a16="http://schemas.microsoft.com/office/drawing/2014/main" id="{68829FF7-316F-4F32-9DFC-BC1CFFF299BD}"/>
+              </a:ext>
+            </a:extLst>
+          </p:cNvPr>
+          <p:cNvSpPr txBox="1"/>
+          <p:nvPr/>
+        </p:nvSpPr>
+        <p:spPr>
+          <a:xfrm>
+            <a:off x="4562370" y="1418846"/>
+            <a:ext cx="2241595" cy="646331"/>
+          </a:xfrm>
+          <a:prstGeom prst="flowChartInputOutput">
+            <a:avLst/>
+          </a:prstGeom>
+        </p:spPr>
+        <p:style>
+          <a:lnRef idx="2">
+            <a:schemeClr val="dk1"/>
+          </a:lnRef>
+          <a:fillRef idx="1">
+            <a:schemeClr val="lt1"/>
+          </a:fillRef>
+          <a:effectRef idx="0">
+            <a:schemeClr val="dk1"/>
+          </a:effectRef>
+          <a:fontRef idx="minor">
+            <a:schemeClr val="dk1"/>
+          </a:fontRef>
+        </p:style>
+        <p:txBody>
+          <a:bodyPr wrap="square" rtlCol="0">
+            <a:spAutoFit/>
+          </a:bodyPr>
+          <a:lstStyle/>
+          <a:p>
+            <a:r>
+              <a:rPr lang="zh-CN" altLang="en-US" dirty="0"/>
+              <a:t>填入表单信息</a:t>
+            </a:r>
+          </a:p>
+        </p:txBody>
+      </p:sp>
+      <p:cxnSp>
+        <p:nvCxnSpPr>
+          <p:cNvPr id="9" name="直接箭头连接符 8">
+            <a:extLst>
+              <a:ext uri="{FF2B5EF4-FFF2-40B4-BE49-F238E27FC236}">
+                <a16:creationId xmlns:a16="http://schemas.microsoft.com/office/drawing/2014/main" id="{AD793420-50C8-4337-BA73-862F614ED206}"/>
+              </a:ext>
+            </a:extLst>
+          </p:cNvPr>
+          <p:cNvCxnSpPr>
+            <a:cxnSpLocks/>
+          </p:cNvCxnSpPr>
+          <p:nvPr/>
+        </p:nvCxnSpPr>
+        <p:spPr>
+          <a:xfrm>
+            <a:off x="5778418" y="2065177"/>
+            <a:ext cx="0" cy="559289"/>
+          </a:xfrm>
+          <a:prstGeom prst="straightConnector1">
+            <a:avLst/>
+          </a:prstGeom>
+          <a:ln>
+            <a:solidFill>
+              <a:schemeClr val="tx1"/>
+            </a:solidFill>
+            <a:tailEnd type="triangle"/>
+          </a:ln>
+        </p:spPr>
+        <p:style>
+          <a:lnRef idx="1">
+            <a:schemeClr val="accent1"/>
+          </a:lnRef>
+          <a:fillRef idx="0">
+            <a:schemeClr val="accent1"/>
+          </a:fillRef>
+          <a:effectRef idx="0">
+            <a:schemeClr val="accent1"/>
+          </a:effectRef>
+          <a:fontRef idx="minor">
+            <a:schemeClr val="tx1"/>
+          </a:fontRef>
+        </p:style>
+      </p:cxnSp>
+      <p:sp>
+        <p:nvSpPr>
+          <p:cNvPr id="10" name="文本框 9">
+            <a:extLst>
+              <a:ext uri="{FF2B5EF4-FFF2-40B4-BE49-F238E27FC236}">
+                <a16:creationId xmlns:a16="http://schemas.microsoft.com/office/drawing/2014/main" id="{687BC0D1-F0F0-4726-9380-5D415A0BFE3A}"/>
+              </a:ext>
+            </a:extLst>
+          </p:cNvPr>
+          <p:cNvSpPr txBox="1"/>
+          <p:nvPr/>
+        </p:nvSpPr>
+        <p:spPr>
+          <a:xfrm>
+            <a:off x="4677948" y="2624466"/>
+            <a:ext cx="2200939" cy="733663"/>
+          </a:xfrm>
+          <a:prstGeom prst="flowChartDecision">
+            <a:avLst/>
+          </a:prstGeom>
+        </p:spPr>
+        <p:style>
+          <a:lnRef idx="2">
+            <a:schemeClr val="dk1"/>
+          </a:lnRef>
+          <a:fillRef idx="1">
+            <a:schemeClr val="lt1"/>
+          </a:fillRef>
+          <a:effectRef idx="0">
+            <a:schemeClr val="dk1"/>
+          </a:effectRef>
+          <a:fontRef idx="minor">
+            <a:schemeClr val="dk1"/>
+          </a:fontRef>
+        </p:style>
+        <p:txBody>
+          <a:bodyPr wrap="square" rtlCol="0">
+            <a:spAutoFit/>
+          </a:bodyPr>
+          <a:lstStyle/>
+          <a:p>
+            <a:r>
+              <a:rPr lang="zh-CN" altLang="en-US" dirty="0"/>
+              <a:t>正确填写</a:t>
+            </a:r>
+          </a:p>
+        </p:txBody>
+      </p:sp>
+      <p:sp>
+        <p:nvSpPr>
+          <p:cNvPr id="12" name="文本框 11">
+            <a:extLst>
+              <a:ext uri="{FF2B5EF4-FFF2-40B4-BE49-F238E27FC236}">
+                <a16:creationId xmlns:a16="http://schemas.microsoft.com/office/drawing/2014/main" id="{23C072C2-E762-4C80-AC4A-F6B4E6310A7B}"/>
+              </a:ext>
+            </a:extLst>
+          </p:cNvPr>
+          <p:cNvSpPr txBox="1"/>
+          <p:nvPr/>
+        </p:nvSpPr>
+        <p:spPr>
+          <a:xfrm>
+            <a:off x="4677948" y="4100841"/>
+            <a:ext cx="2200939" cy="733663"/>
+          </a:xfrm>
+          <a:prstGeom prst="flowChartDecision">
+            <a:avLst/>
+          </a:prstGeom>
+        </p:spPr>
+        <p:style>
+          <a:lnRef idx="2">
+            <a:schemeClr val="dk1"/>
+          </a:lnRef>
+          <a:fillRef idx="1">
+            <a:schemeClr val="lt1"/>
+          </a:fillRef>
+          <a:effectRef idx="0">
+            <a:schemeClr val="dk1"/>
+          </a:effectRef>
+          <a:fontRef idx="minor">
+            <a:schemeClr val="dk1"/>
+          </a:fontRef>
+        </p:style>
+        <p:txBody>
+          <a:bodyPr wrap="square" rtlCol="0">
+            <a:spAutoFit/>
+          </a:bodyPr>
+          <a:lstStyle/>
+          <a:p>
+            <a:r>
+              <a:rPr lang="zh-CN" altLang="en-US" dirty="0"/>
+              <a:t>附有图片</a:t>
+            </a:r>
+          </a:p>
+        </p:txBody>
+      </p:sp>
+      <p:cxnSp>
+        <p:nvCxnSpPr>
+          <p:cNvPr id="15" name="直接箭头连接符 14">
+            <a:extLst>
+              <a:ext uri="{FF2B5EF4-FFF2-40B4-BE49-F238E27FC236}">
+                <a16:creationId xmlns:a16="http://schemas.microsoft.com/office/drawing/2014/main" id="{E0DCB7E7-C78A-4685-B619-C745C534D594}"/>
+              </a:ext>
+            </a:extLst>
+          </p:cNvPr>
+          <p:cNvCxnSpPr>
+            <a:cxnSpLocks/>
+            <a:endCxn id="12" idx="0"/>
+          </p:cNvCxnSpPr>
+          <p:nvPr/>
+        </p:nvCxnSpPr>
+        <p:spPr>
+          <a:xfrm>
+            <a:off x="5775161" y="3358129"/>
+            <a:ext cx="3257" cy="742712"/>
+          </a:xfrm>
+          <a:prstGeom prst="straightConnector1">
+            <a:avLst/>
+          </a:prstGeom>
+          <a:ln>
+            <a:solidFill>
+              <a:schemeClr val="tx1"/>
+            </a:solidFill>
+            <a:tailEnd type="triangle"/>
+          </a:ln>
+        </p:spPr>
+        <p:style>
+          <a:lnRef idx="1">
+            <a:schemeClr val="accent1"/>
+          </a:lnRef>
+          <a:fillRef idx="0">
+            <a:schemeClr val="accent1"/>
+          </a:fillRef>
+          <a:effectRef idx="0">
+            <a:schemeClr val="accent1"/>
+          </a:effectRef>
+          <a:fontRef idx="minor">
+            <a:schemeClr val="tx1"/>
+          </a:fontRef>
+        </p:style>
+      </p:cxnSp>
+      <p:cxnSp>
+        <p:nvCxnSpPr>
+          <p:cNvPr id="18" name="直接箭头连接符 17">
+            <a:extLst>
+              <a:ext uri="{FF2B5EF4-FFF2-40B4-BE49-F238E27FC236}">
+                <a16:creationId xmlns:a16="http://schemas.microsoft.com/office/drawing/2014/main" id="{BD4B4A90-9B42-4500-A647-CD1F61C2FB18}"/>
+              </a:ext>
+            </a:extLst>
+          </p:cNvPr>
+          <p:cNvCxnSpPr>
+            <a:stCxn id="12" idx="3"/>
+          </p:cNvCxnSpPr>
+          <p:nvPr/>
+        </p:nvCxnSpPr>
+        <p:spPr>
+          <a:xfrm>
+            <a:off x="6878887" y="4467673"/>
+            <a:ext cx="912563" cy="9077"/>
+          </a:xfrm>
+          <a:prstGeom prst="straightConnector1">
+            <a:avLst/>
+          </a:prstGeom>
+          <a:ln>
+            <a:solidFill>
+              <a:schemeClr val="tx1"/>
+            </a:solidFill>
+            <a:tailEnd type="triangle"/>
+          </a:ln>
+        </p:spPr>
+        <p:style>
+          <a:lnRef idx="1">
+            <a:schemeClr val="accent1"/>
+          </a:lnRef>
+          <a:fillRef idx="0">
+            <a:schemeClr val="accent1"/>
+          </a:fillRef>
+          <a:effectRef idx="0">
+            <a:schemeClr val="accent1"/>
+          </a:effectRef>
+          <a:fontRef idx="minor">
+            <a:schemeClr val="tx1"/>
+          </a:fontRef>
+        </p:style>
+      </p:cxnSp>
+      <p:sp>
+        <p:nvSpPr>
+          <p:cNvPr id="19" name="文本框 18">
+            <a:extLst>
+              <a:ext uri="{FF2B5EF4-FFF2-40B4-BE49-F238E27FC236}">
+                <a16:creationId xmlns:a16="http://schemas.microsoft.com/office/drawing/2014/main" id="{9BCC8D5D-26C1-4019-88A4-A5F78B3FBF27}"/>
+              </a:ext>
+            </a:extLst>
+          </p:cNvPr>
+          <p:cNvSpPr txBox="1"/>
+          <p:nvPr/>
+        </p:nvSpPr>
+        <p:spPr>
+          <a:xfrm>
+            <a:off x="7553220" y="4188173"/>
+            <a:ext cx="2241595" cy="646331"/>
+          </a:xfrm>
+          <a:prstGeom prst="flowChartInputOutput">
+            <a:avLst/>
+          </a:prstGeom>
+        </p:spPr>
+        <p:style>
+          <a:lnRef idx="2">
+            <a:schemeClr val="dk1"/>
+          </a:lnRef>
+          <a:fillRef idx="1">
+            <a:schemeClr val="lt1"/>
+          </a:fillRef>
+          <a:effectRef idx="0">
+            <a:schemeClr val="dk1"/>
+          </a:effectRef>
+          <a:fontRef idx="minor">
+            <a:schemeClr val="dk1"/>
+          </a:fontRef>
+        </p:style>
+        <p:txBody>
+          <a:bodyPr wrap="square" rtlCol="0">
+            <a:spAutoFit/>
+          </a:bodyPr>
+          <a:lstStyle/>
+          <a:p>
+            <a:r>
+              <a:rPr lang="zh-CN" altLang="en-US" dirty="0"/>
+              <a:t>上传图片至七牛云</a:t>
+            </a:r>
+          </a:p>
+        </p:txBody>
+      </p:sp>
+      <p:sp>
+        <p:nvSpPr>
+          <p:cNvPr id="20" name="文本框 19">
+            <a:extLst>
+              <a:ext uri="{FF2B5EF4-FFF2-40B4-BE49-F238E27FC236}">
+                <a16:creationId xmlns:a16="http://schemas.microsoft.com/office/drawing/2014/main" id="{A9821F77-EF09-43EB-B875-B3D2A14B5581}"/>
+              </a:ext>
+            </a:extLst>
+          </p:cNvPr>
+          <p:cNvSpPr txBox="1"/>
+          <p:nvPr/>
+        </p:nvSpPr>
+        <p:spPr>
+          <a:xfrm>
+            <a:off x="7152296" y="4003507"/>
+            <a:ext cx="680483" cy="369332"/>
+          </a:xfrm>
+          <a:prstGeom prst="rect">
+            <a:avLst/>
+          </a:prstGeom>
+          <a:noFill/>
+        </p:spPr>
+        <p:txBody>
+          <a:bodyPr wrap="square" rtlCol="0">
+            <a:spAutoFit/>
+          </a:bodyPr>
+          <a:lstStyle/>
+          <a:p>
+            <a:r>
+              <a:rPr lang="en-US" altLang="zh-CN" dirty="0"/>
+              <a:t>Y</a:t>
+            </a:r>
+            <a:endParaRPr lang="zh-CN" altLang="en-US" dirty="0"/>
+          </a:p>
+        </p:txBody>
+      </p:sp>
+      <p:sp>
+        <p:nvSpPr>
+          <p:cNvPr id="21" name="文本框 20">
+            <a:extLst>
+              <a:ext uri="{FF2B5EF4-FFF2-40B4-BE49-F238E27FC236}">
+                <a16:creationId xmlns:a16="http://schemas.microsoft.com/office/drawing/2014/main" id="{B17A75A0-D945-497D-8F9F-E83609A558BF}"/>
+              </a:ext>
+            </a:extLst>
+          </p:cNvPr>
+          <p:cNvSpPr txBox="1"/>
+          <p:nvPr/>
+        </p:nvSpPr>
+        <p:spPr>
+          <a:xfrm>
+            <a:off x="5784873" y="3544819"/>
+            <a:ext cx="680483" cy="369332"/>
+          </a:xfrm>
+          <a:prstGeom prst="rect">
+            <a:avLst/>
+          </a:prstGeom>
+          <a:noFill/>
+        </p:spPr>
+        <p:txBody>
+          <a:bodyPr wrap="square" rtlCol="0">
+            <a:spAutoFit/>
+          </a:bodyPr>
+          <a:lstStyle/>
+          <a:p>
+            <a:r>
+              <a:rPr lang="en-US" altLang="zh-CN" dirty="0"/>
+              <a:t>Y</a:t>
+            </a:r>
+            <a:endParaRPr lang="zh-CN" altLang="en-US" dirty="0"/>
+          </a:p>
+        </p:txBody>
+      </p:sp>
+      <p:cxnSp>
+        <p:nvCxnSpPr>
+          <p:cNvPr id="23" name="连接符: 肘形 22">
+            <a:extLst>
+              <a:ext uri="{FF2B5EF4-FFF2-40B4-BE49-F238E27FC236}">
+                <a16:creationId xmlns:a16="http://schemas.microsoft.com/office/drawing/2014/main" id="{D5911E1B-C7B3-4469-A483-FC3CE82EA9AE}"/>
+              </a:ext>
+            </a:extLst>
+          </p:cNvPr>
+          <p:cNvCxnSpPr>
+            <a:stCxn id="10" idx="3"/>
+            <a:endCxn id="8" idx="5"/>
+          </p:cNvCxnSpPr>
+          <p:nvPr/>
+        </p:nvCxnSpPr>
+        <p:spPr>
+          <a:xfrm flipH="1" flipV="1">
+            <a:off x="6579806" y="1742012"/>
+            <a:ext cx="299081" cy="1249286"/>
+          </a:xfrm>
+          <a:prstGeom prst="bentConnector3">
+            <a:avLst>
+              <a:gd name="adj1" fmla="val -76434"/>
+            </a:avLst>
+          </a:prstGeom>
+          <a:ln>
+            <a:solidFill>
+              <a:schemeClr val="tx1"/>
+            </a:solidFill>
+            <a:tailEnd type="triangle"/>
+          </a:ln>
+        </p:spPr>
+        <p:style>
+          <a:lnRef idx="1">
+            <a:schemeClr val="accent1"/>
+          </a:lnRef>
+          <a:fillRef idx="0">
+            <a:schemeClr val="accent1"/>
+          </a:fillRef>
+          <a:effectRef idx="0">
+            <a:schemeClr val="accent1"/>
+          </a:effectRef>
+          <a:fontRef idx="minor">
+            <a:schemeClr val="tx1"/>
+          </a:fontRef>
+        </p:style>
+      </p:cxnSp>
+      <p:sp>
+        <p:nvSpPr>
+          <p:cNvPr id="24" name="文本框 23">
+            <a:extLst>
+              <a:ext uri="{FF2B5EF4-FFF2-40B4-BE49-F238E27FC236}">
+                <a16:creationId xmlns:a16="http://schemas.microsoft.com/office/drawing/2014/main" id="{805AB79A-A65B-4D51-B533-F0249CCDB1BF}"/>
+              </a:ext>
+            </a:extLst>
+          </p:cNvPr>
+          <p:cNvSpPr txBox="1"/>
+          <p:nvPr/>
+        </p:nvSpPr>
+        <p:spPr>
+          <a:xfrm>
+            <a:off x="7152296" y="2091939"/>
+            <a:ext cx="680483" cy="369332"/>
+          </a:xfrm>
+          <a:prstGeom prst="rect">
+            <a:avLst/>
+          </a:prstGeom>
+          <a:noFill/>
+        </p:spPr>
+        <p:txBody>
+          <a:bodyPr wrap="square" rtlCol="0">
+            <a:spAutoFit/>
+          </a:bodyPr>
+          <a:lstStyle/>
+          <a:p>
+            <a:r>
+              <a:rPr lang="en-US" altLang="zh-CN" dirty="0"/>
+              <a:t>N</a:t>
+            </a:r>
+            <a:endParaRPr lang="zh-CN" altLang="en-US" dirty="0"/>
+          </a:p>
+        </p:txBody>
+      </p:sp>
+      <p:cxnSp>
+        <p:nvCxnSpPr>
+          <p:cNvPr id="26" name="直接箭头连接符 25">
+            <a:extLst>
+              <a:ext uri="{FF2B5EF4-FFF2-40B4-BE49-F238E27FC236}">
+                <a16:creationId xmlns:a16="http://schemas.microsoft.com/office/drawing/2014/main" id="{FDF278CC-AE9A-4D3D-818E-9585392F7F30}"/>
+              </a:ext>
+            </a:extLst>
+          </p:cNvPr>
+          <p:cNvCxnSpPr/>
+          <p:nvPr/>
+        </p:nvCxnSpPr>
+        <p:spPr>
+          <a:xfrm>
+            <a:off x="5775161" y="4834504"/>
+            <a:ext cx="9712" cy="823346"/>
+          </a:xfrm>
+          <a:prstGeom prst="straightConnector1">
+            <a:avLst/>
+          </a:prstGeom>
+          <a:ln>
+            <a:solidFill>
+              <a:schemeClr val="tx1"/>
+            </a:solidFill>
+            <a:tailEnd type="triangle"/>
+          </a:ln>
+        </p:spPr>
+        <p:style>
+          <a:lnRef idx="1">
+            <a:schemeClr val="accent1"/>
+          </a:lnRef>
+          <a:fillRef idx="0">
+            <a:schemeClr val="accent1"/>
+          </a:fillRef>
+          <a:effectRef idx="0">
+            <a:schemeClr val="accent1"/>
+          </a:effectRef>
+          <a:fontRef idx="minor">
+            <a:schemeClr val="tx1"/>
+          </a:fontRef>
+        </p:style>
+      </p:cxnSp>
+      <p:sp>
+        <p:nvSpPr>
+          <p:cNvPr id="27" name="文本框 26">
+            <a:extLst>
+              <a:ext uri="{FF2B5EF4-FFF2-40B4-BE49-F238E27FC236}">
+                <a16:creationId xmlns:a16="http://schemas.microsoft.com/office/drawing/2014/main" id="{505A72C2-18BE-4E9D-9A2A-76A9E0DAFBCE}"/>
+              </a:ext>
+            </a:extLst>
+          </p:cNvPr>
+          <p:cNvSpPr txBox="1"/>
+          <p:nvPr/>
+        </p:nvSpPr>
+        <p:spPr>
+          <a:xfrm>
+            <a:off x="4610975" y="5663968"/>
+            <a:ext cx="2241595" cy="369332"/>
+          </a:xfrm>
+          <a:prstGeom prst="flowChartInputOutput">
+            <a:avLst/>
+          </a:prstGeom>
+        </p:spPr>
+        <p:style>
+          <a:lnRef idx="2">
+            <a:schemeClr val="dk1"/>
+          </a:lnRef>
+          <a:fillRef idx="1">
+            <a:schemeClr val="lt1"/>
+          </a:fillRef>
+          <a:effectRef idx="0">
+            <a:schemeClr val="dk1"/>
+          </a:effectRef>
+          <a:fontRef idx="minor">
+            <a:schemeClr val="dk1"/>
+          </a:fontRef>
+        </p:style>
+        <p:txBody>
+          <a:bodyPr wrap="square" rtlCol="0">
+            <a:spAutoFit/>
+          </a:bodyPr>
+          <a:lstStyle/>
+          <a:p>
+            <a:r>
+              <a:rPr lang="zh-CN" altLang="en-US" dirty="0"/>
+              <a:t>写入数据库</a:t>
+            </a:r>
+          </a:p>
+        </p:txBody>
+      </p:sp>
+      <p:cxnSp>
+        <p:nvCxnSpPr>
+          <p:cNvPr id="29" name="连接符: 肘形 28">
+            <a:extLst>
+              <a:ext uri="{FF2B5EF4-FFF2-40B4-BE49-F238E27FC236}">
+                <a16:creationId xmlns:a16="http://schemas.microsoft.com/office/drawing/2014/main" id="{E0C80DFE-24EB-46FD-8965-0E667AD998A1}"/>
+              </a:ext>
+            </a:extLst>
+          </p:cNvPr>
+          <p:cNvCxnSpPr>
+            <a:stCxn id="19" idx="4"/>
+            <a:endCxn id="27" idx="5"/>
+          </p:cNvCxnSpPr>
+          <p:nvPr/>
+        </p:nvCxnSpPr>
+        <p:spPr>
+          <a:xfrm rot="5400000">
+            <a:off x="7144150" y="4318766"/>
+            <a:ext cx="1014130" cy="2045607"/>
+          </a:xfrm>
+          <a:prstGeom prst="bentConnector2">
+            <a:avLst/>
+          </a:prstGeom>
+          <a:ln>
+            <a:solidFill>
+              <a:schemeClr val="tx1"/>
+            </a:solidFill>
+            <a:tailEnd type="triangle"/>
+          </a:ln>
+        </p:spPr>
+        <p:style>
+          <a:lnRef idx="1">
+            <a:schemeClr val="accent1"/>
+          </a:lnRef>
+          <a:fillRef idx="0">
+            <a:schemeClr val="accent1"/>
+          </a:fillRef>
+          <a:effectRef idx="0">
+            <a:schemeClr val="accent1"/>
+          </a:effectRef>
+          <a:fontRef idx="minor">
+            <a:schemeClr val="tx1"/>
+          </a:fontRef>
+        </p:style>
+      </p:cxnSp>
+      <p:cxnSp>
+        <p:nvCxnSpPr>
+          <p:cNvPr id="30" name="直接箭头连接符 29">
+            <a:extLst>
+              <a:ext uri="{FF2B5EF4-FFF2-40B4-BE49-F238E27FC236}">
+                <a16:creationId xmlns:a16="http://schemas.microsoft.com/office/drawing/2014/main" id="{9C6596AE-CA13-478E-A828-E67CDABE55C2}"/>
+              </a:ext>
+            </a:extLst>
+          </p:cNvPr>
+          <p:cNvCxnSpPr>
+            <a:cxnSpLocks/>
+          </p:cNvCxnSpPr>
+          <p:nvPr/>
+        </p:nvCxnSpPr>
+        <p:spPr>
+          <a:xfrm>
+            <a:off x="5784873" y="6033300"/>
+            <a:ext cx="0" cy="559289"/>
+          </a:xfrm>
+          <a:prstGeom prst="straightConnector1">
+            <a:avLst/>
+          </a:prstGeom>
+          <a:ln>
+            <a:solidFill>
+              <a:schemeClr val="tx1"/>
+            </a:solidFill>
+            <a:tailEnd type="triangle"/>
+          </a:ln>
+        </p:spPr>
+        <p:style>
+          <a:lnRef idx="1">
+            <a:schemeClr val="accent1"/>
+          </a:lnRef>
+          <a:fillRef idx="0">
+            <a:schemeClr val="accent1"/>
+          </a:fillRef>
+          <a:effectRef idx="0">
+            <a:schemeClr val="accent1"/>
+          </a:effectRef>
+          <a:fontRef idx="minor">
+            <a:schemeClr val="tx1"/>
+          </a:fontRef>
+        </p:style>
+      </p:cxnSp>
+      <p:sp>
+        <p:nvSpPr>
+          <p:cNvPr id="31" name="文本框 30">
+            <a:extLst>
+              <a:ext uri="{FF2B5EF4-FFF2-40B4-BE49-F238E27FC236}">
+                <a16:creationId xmlns:a16="http://schemas.microsoft.com/office/drawing/2014/main" id="{A1971C86-03DB-47F9-AE75-4A63DAD6BCE2}"/>
+              </a:ext>
+            </a:extLst>
+          </p:cNvPr>
+          <p:cNvSpPr txBox="1"/>
+          <p:nvPr/>
+        </p:nvSpPr>
+        <p:spPr>
+          <a:xfrm>
+            <a:off x="5200184" y="6592513"/>
+            <a:ext cx="1169377" cy="408623"/>
+          </a:xfrm>
+          <a:prstGeom prst="roundRect">
+            <a:avLst/>
+          </a:prstGeom>
+        </p:spPr>
+        <p:style>
+          <a:lnRef idx="2">
+            <a:schemeClr val="dk1"/>
+          </a:lnRef>
+          <a:fillRef idx="1">
+            <a:schemeClr val="lt1"/>
+          </a:fillRef>
+          <a:effectRef idx="0">
+            <a:schemeClr val="dk1"/>
+          </a:effectRef>
+          <a:fontRef idx="minor">
+            <a:schemeClr val="dk1"/>
+          </a:fontRef>
+        </p:style>
+        <p:txBody>
+          <a:bodyPr wrap="square" rtlCol="0">
+            <a:spAutoFit/>
+          </a:bodyPr>
+          <a:lstStyle/>
+          <a:p>
+            <a:r>
+              <a:rPr lang="zh-CN" altLang="en-US" dirty="0"/>
+              <a:t>    结束</a:t>
+            </a:r>
+          </a:p>
+        </p:txBody>
+      </p:sp>
+      <p:sp>
+        <p:nvSpPr>
+          <p:cNvPr id="32" name="文本框 31">
+            <a:extLst>
+              <a:ext uri="{FF2B5EF4-FFF2-40B4-BE49-F238E27FC236}">
+                <a16:creationId xmlns:a16="http://schemas.microsoft.com/office/drawing/2014/main" id="{5205D27C-3E84-4FFB-A5CF-C72107A8D555}"/>
+              </a:ext>
+            </a:extLst>
+          </p:cNvPr>
+          <p:cNvSpPr txBox="1"/>
+          <p:nvPr/>
+        </p:nvSpPr>
+        <p:spPr>
+          <a:xfrm>
+            <a:off x="5784873" y="5000176"/>
+            <a:ext cx="680483" cy="369332"/>
+          </a:xfrm>
+          <a:prstGeom prst="rect">
+            <a:avLst/>
+          </a:prstGeom>
+          <a:noFill/>
+        </p:spPr>
+        <p:txBody>
+          <a:bodyPr wrap="square" rtlCol="0">
+            <a:spAutoFit/>
+          </a:bodyPr>
+          <a:lstStyle/>
+          <a:p>
+            <a:r>
+              <a:rPr lang="en-US" altLang="zh-CN" dirty="0"/>
+              <a:t>N</a:t>
+            </a:r>
+            <a:endParaRPr lang="zh-CN" altLang="en-US" dirty="0"/>
+          </a:p>
+        </p:txBody>
+      </p:sp>
+      <p:sp>
+        <p:nvSpPr>
+          <p:cNvPr id="33" name="文本框 32">
+            <a:extLst>
+              <a:ext uri="{FF2B5EF4-FFF2-40B4-BE49-F238E27FC236}">
+                <a16:creationId xmlns:a16="http://schemas.microsoft.com/office/drawing/2014/main" id="{CDFF3774-04AC-414E-A698-65930FB1996E}"/>
+              </a:ext>
+            </a:extLst>
+          </p:cNvPr>
+          <p:cNvSpPr txBox="1"/>
+          <p:nvPr/>
+        </p:nvSpPr>
+        <p:spPr>
+          <a:xfrm>
+            <a:off x="5295979" y="7762800"/>
+            <a:ext cx="1169377" cy="408623"/>
+          </a:xfrm>
+          <a:prstGeom prst="roundRect">
+            <a:avLst/>
+          </a:prstGeom>
+        </p:spPr>
+        <p:style>
+          <a:lnRef idx="2">
+            <a:schemeClr val="dk1"/>
+          </a:lnRef>
+          <a:fillRef idx="1">
+            <a:schemeClr val="lt1"/>
+          </a:fillRef>
+          <a:effectRef idx="0">
+            <a:schemeClr val="dk1"/>
+          </a:effectRef>
+          <a:fontRef idx="minor">
+            <a:schemeClr val="dk1"/>
+          </a:fontRef>
+        </p:style>
+        <p:txBody>
+          <a:bodyPr wrap="square" rtlCol="0">
+            <a:spAutoFit/>
+          </a:bodyPr>
+          <a:lstStyle/>
+          <a:p>
+            <a:r>
+              <a:rPr lang="zh-CN" altLang="en-US" dirty="0"/>
+              <a:t>    开始</a:t>
+            </a:r>
+          </a:p>
+        </p:txBody>
+      </p:sp>
+      <p:cxnSp>
+        <p:nvCxnSpPr>
+          <p:cNvPr id="34" name="直接箭头连接符 33">
+            <a:extLst>
+              <a:ext uri="{FF2B5EF4-FFF2-40B4-BE49-F238E27FC236}">
+                <a16:creationId xmlns:a16="http://schemas.microsoft.com/office/drawing/2014/main" id="{5F5BBC28-1157-486D-B0A4-D1143D84C3A5}"/>
+              </a:ext>
+            </a:extLst>
+          </p:cNvPr>
+          <p:cNvCxnSpPr>
+            <a:cxnSpLocks/>
+          </p:cNvCxnSpPr>
+          <p:nvPr/>
+        </p:nvCxnSpPr>
+        <p:spPr>
+          <a:xfrm>
+            <a:off x="5880667" y="8171423"/>
+            <a:ext cx="0" cy="559289"/>
+          </a:xfrm>
+          <a:prstGeom prst="straightConnector1">
+            <a:avLst/>
+          </a:prstGeom>
+          <a:ln>
+            <a:solidFill>
+              <a:schemeClr val="tx1"/>
+            </a:solidFill>
+            <a:tailEnd type="triangle"/>
+          </a:ln>
+        </p:spPr>
+        <p:style>
+          <a:lnRef idx="1">
+            <a:schemeClr val="accent1"/>
+          </a:lnRef>
+          <a:fillRef idx="0">
+            <a:schemeClr val="accent1"/>
+          </a:fillRef>
+          <a:effectRef idx="0">
+            <a:schemeClr val="accent1"/>
+          </a:effectRef>
+          <a:fontRef idx="minor">
+            <a:schemeClr val="tx1"/>
+          </a:fontRef>
+        </p:style>
+      </p:cxnSp>
+      <p:sp>
+        <p:nvSpPr>
+          <p:cNvPr id="35" name="文本框 34">
+            <a:extLst>
+              <a:ext uri="{FF2B5EF4-FFF2-40B4-BE49-F238E27FC236}">
+                <a16:creationId xmlns:a16="http://schemas.microsoft.com/office/drawing/2014/main" id="{56EDEA69-15EB-438C-B0F5-35E661CA96C6}"/>
+              </a:ext>
+            </a:extLst>
+          </p:cNvPr>
+          <p:cNvSpPr txBox="1"/>
+          <p:nvPr/>
+        </p:nvSpPr>
+        <p:spPr>
+          <a:xfrm>
+            <a:off x="1556039" y="10363125"/>
+            <a:ext cx="1169377" cy="369332"/>
+          </a:xfrm>
+          <a:prstGeom prst="rect">
+            <a:avLst/>
+          </a:prstGeom>
+        </p:spPr>
+        <p:style>
+          <a:lnRef idx="2">
+            <a:schemeClr val="dk1"/>
+          </a:lnRef>
+          <a:fillRef idx="1">
+            <a:schemeClr val="lt1"/>
+          </a:fillRef>
+          <a:effectRef idx="0">
+            <a:schemeClr val="dk1"/>
+          </a:effectRef>
+          <a:fontRef idx="minor">
+            <a:schemeClr val="dk1"/>
+          </a:fontRef>
+        </p:style>
+        <p:txBody>
+          <a:bodyPr wrap="square" rtlCol="0">
+            <a:spAutoFit/>
+          </a:bodyPr>
+          <a:lstStyle/>
+          <a:p>
+            <a:r>
+              <a:rPr lang="zh-CN" altLang="en-US" dirty="0"/>
+              <a:t>  浏览器</a:t>
+            </a:r>
+          </a:p>
+        </p:txBody>
+      </p:sp>
+      <p:cxnSp>
+        <p:nvCxnSpPr>
+          <p:cNvPr id="39" name="直接箭头连接符 38">
+            <a:extLst>
+              <a:ext uri="{FF2B5EF4-FFF2-40B4-BE49-F238E27FC236}">
+                <a16:creationId xmlns:a16="http://schemas.microsoft.com/office/drawing/2014/main" id="{E6A2B99D-97CE-4518-BBA4-2FD6E8447695}"/>
+              </a:ext>
+            </a:extLst>
+          </p:cNvPr>
+          <p:cNvCxnSpPr>
+            <a:cxnSpLocks/>
+            <a:stCxn id="35" idx="2"/>
+            <a:endCxn id="40" idx="0"/>
+          </p:cNvCxnSpPr>
+          <p:nvPr/>
+        </p:nvCxnSpPr>
+        <p:spPr>
+          <a:xfrm flipH="1">
+            <a:off x="2140727" y="10732457"/>
+            <a:ext cx="1" cy="393456"/>
+          </a:xfrm>
+          <a:prstGeom prst="straightConnector1">
+            <a:avLst/>
+          </a:prstGeom>
+          <a:ln>
+            <a:solidFill>
+              <a:schemeClr val="tx1"/>
+            </a:solidFill>
+            <a:headEnd type="triangle"/>
+            <a:tailEnd type="triangle"/>
+          </a:ln>
+        </p:spPr>
+        <p:style>
+          <a:lnRef idx="1">
+            <a:schemeClr val="accent1"/>
+          </a:lnRef>
+          <a:fillRef idx="0">
+            <a:schemeClr val="accent1"/>
+          </a:fillRef>
+          <a:effectRef idx="0">
+            <a:schemeClr val="accent1"/>
+          </a:effectRef>
+          <a:fontRef idx="minor">
+            <a:schemeClr val="tx1"/>
+          </a:fontRef>
+        </p:style>
+      </p:cxnSp>
+      <p:sp>
+        <p:nvSpPr>
+          <p:cNvPr id="40" name="文本框 39">
+            <a:extLst>
+              <a:ext uri="{FF2B5EF4-FFF2-40B4-BE49-F238E27FC236}">
+                <a16:creationId xmlns:a16="http://schemas.microsoft.com/office/drawing/2014/main" id="{1D0D2940-F3F2-4718-BEF3-274DAFA2EDEA}"/>
+              </a:ext>
+            </a:extLst>
+          </p:cNvPr>
+          <p:cNvSpPr txBox="1"/>
+          <p:nvPr/>
+        </p:nvSpPr>
+        <p:spPr>
+          <a:xfrm>
+            <a:off x="1556038" y="11125913"/>
+            <a:ext cx="1169377" cy="369332"/>
+          </a:xfrm>
+          <a:prstGeom prst="rect">
+            <a:avLst/>
+          </a:prstGeom>
+        </p:spPr>
+        <p:style>
+          <a:lnRef idx="2">
+            <a:schemeClr val="dk1"/>
+          </a:lnRef>
+          <a:fillRef idx="1">
+            <a:schemeClr val="lt1"/>
+          </a:fillRef>
+          <a:effectRef idx="0">
+            <a:schemeClr val="dk1"/>
+          </a:effectRef>
+          <a:fontRef idx="minor">
+            <a:schemeClr val="dk1"/>
+          </a:fontRef>
+        </p:style>
+        <p:txBody>
+          <a:bodyPr wrap="square" rtlCol="0">
+            <a:spAutoFit/>
+          </a:bodyPr>
+          <a:lstStyle/>
+          <a:p>
+            <a:r>
+              <a:rPr lang="zh-CN" altLang="en-US" dirty="0"/>
+              <a:t>  服务器</a:t>
+            </a:r>
+          </a:p>
+        </p:txBody>
+      </p:sp>
+      <p:cxnSp>
+        <p:nvCxnSpPr>
+          <p:cNvPr id="41" name="直接箭头连接符 40">
+            <a:extLst>
+              <a:ext uri="{FF2B5EF4-FFF2-40B4-BE49-F238E27FC236}">
+                <a16:creationId xmlns:a16="http://schemas.microsoft.com/office/drawing/2014/main" id="{C8E27C11-5548-4B74-8EA5-DC28541E1EA5}"/>
+              </a:ext>
+            </a:extLst>
+          </p:cNvPr>
+          <p:cNvCxnSpPr>
+            <a:cxnSpLocks/>
+          </p:cNvCxnSpPr>
+          <p:nvPr/>
+        </p:nvCxnSpPr>
+        <p:spPr>
+          <a:xfrm>
+            <a:off x="2140726" y="11536722"/>
+            <a:ext cx="0" cy="351979"/>
+          </a:xfrm>
+          <a:prstGeom prst="straightConnector1">
+            <a:avLst/>
+          </a:prstGeom>
+          <a:ln>
+            <a:solidFill>
+              <a:schemeClr val="tx1"/>
+            </a:solidFill>
+            <a:headEnd type="triangle"/>
+            <a:tailEnd type="triangle"/>
+          </a:ln>
+        </p:spPr>
+        <p:style>
+          <a:lnRef idx="1">
+            <a:schemeClr val="accent1"/>
+          </a:lnRef>
+          <a:fillRef idx="0">
+            <a:schemeClr val="accent1"/>
+          </a:fillRef>
+          <a:effectRef idx="0">
+            <a:schemeClr val="accent1"/>
+          </a:effectRef>
+          <a:fontRef idx="minor">
+            <a:schemeClr val="tx1"/>
+          </a:fontRef>
+        </p:style>
+      </p:cxnSp>
+      <p:sp>
+        <p:nvSpPr>
+          <p:cNvPr id="46" name="文本框 45">
+            <a:extLst>
+              <a:ext uri="{FF2B5EF4-FFF2-40B4-BE49-F238E27FC236}">
+                <a16:creationId xmlns:a16="http://schemas.microsoft.com/office/drawing/2014/main" id="{B25BD4D5-C8AC-49F6-B2ED-0CDEB697BB80}"/>
+              </a:ext>
+            </a:extLst>
+          </p:cNvPr>
+          <p:cNvSpPr txBox="1"/>
+          <p:nvPr/>
+        </p:nvSpPr>
+        <p:spPr>
+          <a:xfrm>
+            <a:off x="1556037" y="11922600"/>
+            <a:ext cx="1169377" cy="369332"/>
+          </a:xfrm>
+          <a:prstGeom prst="rect">
+            <a:avLst/>
+          </a:prstGeom>
+        </p:spPr>
+        <p:style>
+          <a:lnRef idx="2">
+            <a:schemeClr val="dk1"/>
+          </a:lnRef>
+          <a:fillRef idx="1">
+            <a:schemeClr val="lt1"/>
+          </a:fillRef>
+          <a:effectRef idx="0">
+            <a:schemeClr val="dk1"/>
+          </a:effectRef>
+          <a:fontRef idx="minor">
+            <a:schemeClr val="dk1"/>
+          </a:fontRef>
+        </p:style>
+        <p:txBody>
+          <a:bodyPr wrap="square" rtlCol="0">
+            <a:spAutoFit/>
+          </a:bodyPr>
+          <a:lstStyle/>
+          <a:p>
+            <a:r>
+              <a:rPr lang="zh-CN" altLang="en-US" dirty="0"/>
+              <a:t>  数据库</a:t>
+            </a:r>
+          </a:p>
+        </p:txBody>
+      </p:sp>
+      <p:sp>
+        <p:nvSpPr>
+          <p:cNvPr id="47" name="文本框 46">
+            <a:extLst>
+              <a:ext uri="{FF2B5EF4-FFF2-40B4-BE49-F238E27FC236}">
+                <a16:creationId xmlns:a16="http://schemas.microsoft.com/office/drawing/2014/main" id="{AA807A6C-9758-4604-8B02-F5A99E177AE1}"/>
+              </a:ext>
+            </a:extLst>
+          </p:cNvPr>
+          <p:cNvSpPr txBox="1"/>
+          <p:nvPr/>
+        </p:nvSpPr>
+        <p:spPr>
+          <a:xfrm>
+            <a:off x="2219325" y="10758491"/>
+            <a:ext cx="581022" cy="369332"/>
+          </a:xfrm>
+          <a:prstGeom prst="rect">
+            <a:avLst/>
+          </a:prstGeom>
+          <a:noFill/>
+        </p:spPr>
+        <p:txBody>
+          <a:bodyPr wrap="square" rtlCol="0">
+            <a:spAutoFit/>
+          </a:bodyPr>
+          <a:lstStyle/>
+          <a:p>
+            <a:r>
+              <a:rPr lang="en-US" altLang="zh-CN" dirty="0"/>
+              <a:t>json</a:t>
+            </a:r>
+            <a:endParaRPr lang="zh-CN" altLang="en-US" dirty="0"/>
+          </a:p>
+        </p:txBody>
+      </p:sp>
+      <p:sp>
+        <p:nvSpPr>
+          <p:cNvPr id="48" name="文本框 47">
+            <a:extLst>
+              <a:ext uri="{FF2B5EF4-FFF2-40B4-BE49-F238E27FC236}">
+                <a16:creationId xmlns:a16="http://schemas.microsoft.com/office/drawing/2014/main" id="{7F7F983D-EB97-44A7-A48A-92EF0489E089}"/>
+              </a:ext>
+            </a:extLst>
+          </p:cNvPr>
+          <p:cNvSpPr txBox="1"/>
+          <p:nvPr/>
+        </p:nvSpPr>
+        <p:spPr>
+          <a:xfrm>
+            <a:off x="2212193" y="11560129"/>
+            <a:ext cx="1073927" cy="369332"/>
+          </a:xfrm>
+          <a:prstGeom prst="rect">
+            <a:avLst/>
+          </a:prstGeom>
+          <a:noFill/>
+        </p:spPr>
+        <p:txBody>
+          <a:bodyPr wrap="square" rtlCol="0">
+            <a:spAutoFit/>
+          </a:bodyPr>
+          <a:lstStyle/>
+          <a:p>
+            <a:r>
+              <a:rPr lang="en-US" altLang="zh-CN" dirty="0"/>
+              <a:t>pymysql</a:t>
+            </a:r>
+            <a:endParaRPr lang="zh-CN" altLang="en-US" dirty="0"/>
+          </a:p>
+        </p:txBody>
+      </p:sp>
+    </p:spTree>
+    <p:extLst>
+      <p:ext uri="{BB962C8B-B14F-4D97-AF65-F5344CB8AC3E}">
+        <p14:creationId xmlns:p14="http://schemas.microsoft.com/office/powerpoint/2010/main" val="273578545"/>
+      </p:ext>
+    </p:extLst>
+  </p:cSld>
+  <p:clrMapOvr>
+    <a:masterClrMapping/>
+  </p:clrMapOvr>
+</p:sld>
+</file>
+
 <file path=ppt/theme/theme1.xml><?xml version="1.0" encoding="utf-8"?>
 <a:theme xmlns:a="http://schemas.openxmlformats.org/drawingml/2006/main" name="Office 主题​​">
   <a:themeElements>
